--- a/presentation/Kubernetes.pptx
+++ b/presentation/Kubernetes.pptx
@@ -4,6 +4,9 @@
   <p:sldMasterIdLst>
     <p:sldMasterId id="2147483804" r:id="rId4"/>
   </p:sldMasterIdLst>
+  <p:notesMasterIdLst>
+    <p:notesMasterId r:id="rId45"/>
+  </p:notesMasterIdLst>
   <p:sldIdLst>
     <p:sldId id="294" r:id="rId5"/>
     <p:sldId id="256" r:id="rId6"/>
@@ -33,16 +36,18 @@
     <p:sldId id="283" r:id="rId30"/>
     <p:sldId id="267" r:id="rId31"/>
     <p:sldId id="270" r:id="rId32"/>
-    <p:sldId id="288" r:id="rId33"/>
-    <p:sldId id="289" r:id="rId34"/>
-    <p:sldId id="290" r:id="rId35"/>
-    <p:sldId id="291" r:id="rId36"/>
-    <p:sldId id="292" r:id="rId37"/>
-    <p:sldId id="293" r:id="rId38"/>
-    <p:sldId id="287" r:id="rId39"/>
-    <p:sldId id="271" r:id="rId40"/>
-    <p:sldId id="285" r:id="rId41"/>
-    <p:sldId id="286" r:id="rId42"/>
+    <p:sldId id="297" r:id="rId33"/>
+    <p:sldId id="296" r:id="rId34"/>
+    <p:sldId id="298" r:id="rId35"/>
+    <p:sldId id="290" r:id="rId36"/>
+    <p:sldId id="299" r:id="rId37"/>
+    <p:sldId id="300" r:id="rId38"/>
+    <p:sldId id="301" r:id="rId39"/>
+    <p:sldId id="293" r:id="rId40"/>
+    <p:sldId id="287" r:id="rId41"/>
+    <p:sldId id="271" r:id="rId42"/>
+    <p:sldId id="285" r:id="rId43"/>
+    <p:sldId id="286" r:id="rId44"/>
   </p:sldIdLst>
   <p:sldSz cx="12192000" cy="6858000"/>
   <p:notesSz cx="6858000" cy="9144000"/>
@@ -5460,11 +5465,11 @@
 </file>
 
 <file path=ppt/diagrams/colors10.xml><?xml version="1.0" encoding="utf-8"?>
-<dgm:colorsDef xmlns:dgm="http://schemas.openxmlformats.org/drawingml/2006/diagram" xmlns:a="http://schemas.openxmlformats.org/drawingml/2006/main" uniqueId="urn:microsoft.com/office/officeart/2018/5/colors/Iconchunking_neutralbg_colorful1">
+<dgm:colorsDef xmlns:dgm="http://schemas.openxmlformats.org/drawingml/2006/diagram" xmlns:a="http://schemas.openxmlformats.org/drawingml/2006/main" uniqueId="urn:microsoft.com/office/officeart/2005/8/colors/accent1_2">
   <dgm:title val=""/>
   <dgm:desc val=""/>
   <dgm:catLst>
-    <dgm:cat type="colorful" pri="10100"/>
+    <dgm:cat type="accent1" pri="11200"/>
   </dgm:catLst>
   <dgm:styleLbl name="node0">
     <dgm:fillClrLst meth="repeat">
@@ -5478,51 +5483,21 @@
     <dgm:txFillClrLst/>
     <dgm:txEffectClrLst/>
   </dgm:styleLbl>
+  <dgm:styleLbl name="alignNode1">
+    <dgm:fillClrLst meth="repeat">
+      <a:schemeClr val="accent1"/>
+    </dgm:fillClrLst>
+    <dgm:linClrLst meth="repeat">
+      <a:schemeClr val="accent1"/>
+    </dgm:linClrLst>
+    <dgm:effectClrLst/>
+    <dgm:txLinClrLst/>
+    <dgm:txFillClrLst/>
+    <dgm:txEffectClrLst/>
+  </dgm:styleLbl>
   <dgm:styleLbl name="node1">
     <dgm:fillClrLst meth="repeat">
-      <a:schemeClr val="accent2"/>
-      <a:schemeClr val="accent3"/>
-      <a:schemeClr val="accent4"/>
-      <a:schemeClr val="accent5"/>
-      <a:schemeClr val="accent6"/>
-    </dgm:fillClrLst>
-    <dgm:linClrLst meth="repeat">
-      <a:schemeClr val="lt1">
-        <a:alpha val="0"/>
-      </a:schemeClr>
-    </dgm:linClrLst>
-    <dgm:effectClrLst/>
-    <dgm:txLinClrLst/>
-    <dgm:txFillClrLst/>
-    <dgm:txEffectClrLst/>
-  </dgm:styleLbl>
-  <dgm:styleLbl name="alignNode1">
-    <dgm:fillClrLst meth="repeat">
-      <a:schemeClr val="accent2"/>
-      <a:schemeClr val="accent3"/>
-      <a:schemeClr val="accent4"/>
-      <a:schemeClr val="accent5"/>
-      <a:schemeClr val="accent6"/>
-    </dgm:fillClrLst>
-    <dgm:linClrLst meth="repeat">
-      <a:schemeClr val="accent2"/>
-      <a:schemeClr val="accent3"/>
-      <a:schemeClr val="accent4"/>
-      <a:schemeClr val="accent5"/>
-      <a:schemeClr val="accent6"/>
-    </dgm:linClrLst>
-    <dgm:effectClrLst/>
-    <dgm:txLinClrLst/>
-    <dgm:txFillClrLst/>
-    <dgm:txEffectClrLst/>
-  </dgm:styleLbl>
-  <dgm:styleLbl name="lnNode1">
-    <dgm:fillClrLst meth="repeat">
-      <a:schemeClr val="accent2"/>
-      <a:schemeClr val="accent3"/>
-      <a:schemeClr val="accent4"/>
-      <a:schemeClr val="accent5"/>
-      <a:schemeClr val="accent6"/>
+      <a:schemeClr val="accent1"/>
     </dgm:fillClrLst>
     <dgm:linClrLst meth="repeat">
       <a:schemeClr val="lt1"/>
@@ -5532,23 +5507,9 @@
     <dgm:txFillClrLst/>
     <dgm:txEffectClrLst/>
   </dgm:styleLbl>
-  <dgm:styleLbl name="vennNode1">
+  <dgm:styleLbl name="lnNode1">
     <dgm:fillClrLst meth="repeat">
-      <a:schemeClr val="accent2">
-        <a:alpha val="50000"/>
-      </a:schemeClr>
-      <a:schemeClr val="accent3">
-        <a:alpha val="50000"/>
-      </a:schemeClr>
-      <a:schemeClr val="accent4">
-        <a:alpha val="50000"/>
-      </a:schemeClr>
-      <a:schemeClr val="accent5">
-        <a:alpha val="50000"/>
-      </a:schemeClr>
-      <a:schemeClr val="accent6">
-        <a:alpha val="50000"/>
-      </a:schemeClr>
+      <a:schemeClr val="accent1"/>
     </dgm:fillClrLst>
     <dgm:linClrLst meth="repeat">
       <a:schemeClr val="lt1"/>
@@ -5558,9 +5519,11 @@
     <dgm:txFillClrLst/>
     <dgm:txEffectClrLst/>
   </dgm:styleLbl>
-  <dgm:styleLbl name="node2">
-    <dgm:fillClrLst>
-      <a:schemeClr val="accent2"/>
+  <dgm:styleLbl name="vennNode1">
+    <dgm:fillClrLst meth="repeat">
+      <a:schemeClr val="accent1">
+        <a:alpha val="50000"/>
+      </a:schemeClr>
     </dgm:fillClrLst>
     <dgm:linClrLst meth="repeat">
       <a:schemeClr val="lt1"/>
@@ -5570,9 +5533,9 @@
     <dgm:txFillClrLst/>
     <dgm:txEffectClrLst/>
   </dgm:styleLbl>
-  <dgm:styleLbl name="node3">
-    <dgm:fillClrLst>
-      <a:schemeClr val="accent3"/>
+  <dgm:styleLbl name="node2">
+    <dgm:fillClrLst meth="repeat">
+      <a:schemeClr val="accent1"/>
     </dgm:fillClrLst>
     <dgm:linClrLst meth="repeat">
       <a:schemeClr val="lt1"/>
@@ -5582,9 +5545,9 @@
     <dgm:txFillClrLst/>
     <dgm:txEffectClrLst/>
   </dgm:styleLbl>
-  <dgm:styleLbl name="node4">
-    <dgm:fillClrLst>
-      <a:schemeClr val="accent4"/>
+  <dgm:styleLbl name="node3">
+    <dgm:fillClrLst meth="repeat">
+      <a:schemeClr val="accent1"/>
     </dgm:fillClrLst>
     <dgm:linClrLst meth="repeat">
       <a:schemeClr val="lt1"/>
@@ -5594,41 +5557,38 @@
     <dgm:txFillClrLst/>
     <dgm:txEffectClrLst/>
   </dgm:styleLbl>
-  <dgm:styleLbl name="fgImgPlace1">
+  <dgm:styleLbl name="node4">
     <dgm:fillClrLst meth="repeat">
-      <a:schemeClr val="accent2">
-        <a:tint val="50000"/>
-      </a:schemeClr>
-      <a:schemeClr val="accent3">
-        <a:tint val="50000"/>
-      </a:schemeClr>
-      <a:schemeClr val="accent4">
-        <a:tint val="50000"/>
-      </a:schemeClr>
-      <a:schemeClr val="accent5">
-        <a:tint val="50000"/>
-      </a:schemeClr>
-      <a:schemeClr val="accent6">
-        <a:tint val="50000"/>
-      </a:schemeClr>
+      <a:schemeClr val="accent1"/>
     </dgm:fillClrLst>
     <dgm:linClrLst meth="repeat">
       <a:schemeClr val="lt1"/>
     </dgm:linClrLst>
     <dgm:effectClrLst/>
     <dgm:txLinClrLst/>
+    <dgm:txFillClrLst/>
+    <dgm:txEffectClrLst/>
+  </dgm:styleLbl>
+  <dgm:styleLbl name="fgImgPlace1">
+    <dgm:fillClrLst meth="repeat">
+      <a:schemeClr val="accent1">
+        <a:tint val="50000"/>
+      </a:schemeClr>
+    </dgm:fillClrLst>
+    <dgm:linClrLst meth="repeat">
+      <a:schemeClr val="lt1"/>
+    </dgm:linClrLst>
+    <dgm:effectClrLst/>
+    <dgm:txLinClrLst/>
     <dgm:txFillClrLst meth="repeat">
       <a:schemeClr val="lt1"/>
     </dgm:txFillClrLst>
     <dgm:txEffectClrLst/>
   </dgm:styleLbl>
   <dgm:styleLbl name="alignImgPlace1">
-    <dgm:fillClrLst>
+    <dgm:fillClrLst meth="repeat">
       <a:schemeClr val="accent1">
         <a:tint val="50000"/>
-      </a:schemeClr>
-      <a:schemeClr val="accent2">
-        <a:tint val="20000"/>
       </a:schemeClr>
     </dgm:fillClrLst>
     <dgm:linClrLst meth="repeat">
@@ -5642,12 +5602,9 @@
     <dgm:txEffectClrLst/>
   </dgm:styleLbl>
   <dgm:styleLbl name="bgImgPlace1">
-    <dgm:fillClrLst>
+    <dgm:fillClrLst meth="repeat">
       <a:schemeClr val="accent1">
         <a:tint val="50000"/>
-      </a:schemeClr>
-      <a:schemeClr val="accent2">
-        <a:tint val="20000"/>
       </a:schemeClr>
     </dgm:fillClrLst>
     <dgm:linClrLst meth="repeat">
@@ -5662,14 +5619,14 @@
   </dgm:styleLbl>
   <dgm:styleLbl name="sibTrans2D1">
     <dgm:fillClrLst meth="repeat">
-      <a:schemeClr val="accent2"/>
-      <a:schemeClr val="accent3"/>
-      <a:schemeClr val="accent4"/>
-      <a:schemeClr val="accent5"/>
-      <a:schemeClr val="accent6"/>
+      <a:schemeClr val="accent1">
+        <a:tint val="60000"/>
+      </a:schemeClr>
     </dgm:fillClrLst>
-    <dgm:linClrLst meth="cycle">
-      <a:schemeClr val="lt1"/>
+    <dgm:linClrLst meth="repeat">
+      <a:schemeClr val="accent1">
+        <a:tint val="60000"/>
+      </a:schemeClr>
     </dgm:linClrLst>
     <dgm:effectClrLst/>
     <dgm:txLinClrLst/>
@@ -5678,54 +5635,42 @@
   </dgm:styleLbl>
   <dgm:styleLbl name="fgSibTrans2D1">
     <dgm:fillClrLst meth="repeat">
-      <a:schemeClr val="accent2"/>
-      <a:schemeClr val="accent3"/>
-      <a:schemeClr val="accent4"/>
-      <a:schemeClr val="accent5"/>
-      <a:schemeClr val="accent6"/>
+      <a:schemeClr val="accent1">
+        <a:tint val="60000"/>
+      </a:schemeClr>
     </dgm:fillClrLst>
-    <dgm:linClrLst meth="cycle">
-      <a:schemeClr val="lt1"/>
-    </dgm:linClrLst>
-    <dgm:effectClrLst/>
-    <dgm:txLinClrLst/>
-    <dgm:txFillClrLst meth="repeat">
-      <a:schemeClr val="lt1"/>
-    </dgm:txFillClrLst>
+    <dgm:linClrLst meth="repeat">
+      <a:schemeClr val="accent1">
+        <a:tint val="60000"/>
+      </a:schemeClr>
+    </dgm:linClrLst>
+    <dgm:effectClrLst/>
+    <dgm:txLinClrLst/>
+    <dgm:txFillClrLst/>
     <dgm:txEffectClrLst/>
   </dgm:styleLbl>
   <dgm:styleLbl name="bgSibTrans2D1">
     <dgm:fillClrLst meth="repeat">
-      <a:schemeClr val="accent2"/>
-      <a:schemeClr val="accent3"/>
-      <a:schemeClr val="accent4"/>
-      <a:schemeClr val="accent5"/>
-      <a:schemeClr val="accent6"/>
+      <a:schemeClr val="accent1">
+        <a:tint val="60000"/>
+      </a:schemeClr>
     </dgm:fillClrLst>
-    <dgm:linClrLst meth="cycle">
-      <a:schemeClr val="lt1"/>
-    </dgm:linClrLst>
-    <dgm:effectClrLst/>
-    <dgm:txLinClrLst/>
-    <dgm:txFillClrLst meth="repeat">
-      <a:schemeClr val="lt1"/>
-    </dgm:txFillClrLst>
+    <dgm:linClrLst meth="repeat">
+      <a:schemeClr val="accent1">
+        <a:tint val="60000"/>
+      </a:schemeClr>
+    </dgm:linClrLst>
+    <dgm:effectClrLst/>
+    <dgm:txLinClrLst/>
+    <dgm:txFillClrLst/>
     <dgm:txEffectClrLst/>
   </dgm:styleLbl>
   <dgm:styleLbl name="sibTrans1D1">
     <dgm:fillClrLst meth="repeat">
-      <a:schemeClr val="accent2"/>
-      <a:schemeClr val="accent3"/>
-      <a:schemeClr val="accent4"/>
-      <a:schemeClr val="accent5"/>
-      <a:schemeClr val="accent6"/>
+      <a:schemeClr val="accent1"/>
     </dgm:fillClrLst>
     <dgm:linClrLst meth="repeat">
-      <a:schemeClr val="accent2"/>
-      <a:schemeClr val="accent3"/>
-      <a:schemeClr val="accent4"/>
-      <a:schemeClr val="accent5"/>
-      <a:schemeClr val="accent6"/>
+      <a:schemeClr val="accent1"/>
     </dgm:linClrLst>
     <dgm:effectClrLst/>
     <dgm:txLinClrLst/>
@@ -5736,10 +5681,10 @@
   </dgm:styleLbl>
   <dgm:styleLbl name="callout">
     <dgm:fillClrLst meth="repeat">
-      <a:schemeClr val="accent2"/>
+      <a:schemeClr val="accent1"/>
     </dgm:fillClrLst>
     <dgm:linClrLst meth="repeat">
-      <a:schemeClr val="accent2">
+      <a:schemeClr val="accent1">
         <a:tint val="50000"/>
       </a:schemeClr>
     </dgm:linClrLst>
@@ -5764,7 +5709,7 @@
   </dgm:styleLbl>
   <dgm:styleLbl name="asst1">
     <dgm:fillClrLst meth="repeat">
-      <a:schemeClr val="accent2"/>
+      <a:schemeClr val="accent1"/>
     </dgm:fillClrLst>
     <dgm:linClrLst meth="repeat">
       <a:schemeClr val="lt1"/>
@@ -5775,8 +5720,8 @@
     <dgm:txEffectClrLst/>
   </dgm:styleLbl>
   <dgm:styleLbl name="asst2">
-    <dgm:fillClrLst>
-      <a:schemeClr val="accent3"/>
+    <dgm:fillClrLst meth="repeat">
+      <a:schemeClr val="accent1"/>
     </dgm:fillClrLst>
     <dgm:linClrLst meth="repeat">
       <a:schemeClr val="lt1"/>
@@ -5787,8 +5732,8 @@
     <dgm:txEffectClrLst/>
   </dgm:styleLbl>
   <dgm:styleLbl name="asst3">
-    <dgm:fillClrLst>
-      <a:schemeClr val="accent4"/>
+    <dgm:fillClrLst meth="repeat">
+      <a:schemeClr val="accent1"/>
     </dgm:fillClrLst>
     <dgm:linClrLst meth="repeat">
       <a:schemeClr val="lt1"/>
@@ -5799,8 +5744,8 @@
     <dgm:txEffectClrLst/>
   </dgm:styleLbl>
   <dgm:styleLbl name="asst4">
-    <dgm:fillClrLst>
-      <a:schemeClr val="accent5"/>
+    <dgm:fillClrLst meth="repeat">
+      <a:schemeClr val="accent1"/>
     </dgm:fillClrLst>
     <dgm:linClrLst meth="repeat">
       <a:schemeClr val="lt1"/>
@@ -5812,10 +5757,14 @@
   </dgm:styleLbl>
   <dgm:styleLbl name="parChTrans2D1">
     <dgm:fillClrLst meth="repeat">
-      <a:schemeClr val="accent2"/>
+      <a:schemeClr val="accent1">
+        <a:tint val="60000"/>
+      </a:schemeClr>
     </dgm:fillClrLst>
     <dgm:linClrLst meth="repeat">
-      <a:schemeClr val="lt1"/>
+      <a:schemeClr val="accent1">
+        <a:tint val="60000"/>
+      </a:schemeClr>
     </dgm:linClrLst>
     <dgm:effectClrLst/>
     <dgm:txLinClrLst/>
@@ -5826,34 +5775,10 @@
   </dgm:styleLbl>
   <dgm:styleLbl name="parChTrans2D2">
     <dgm:fillClrLst meth="repeat">
-      <a:schemeClr val="accent3"/>
+      <a:schemeClr val="accent1"/>
     </dgm:fillClrLst>
     <dgm:linClrLst meth="repeat">
-      <a:schemeClr val="lt1"/>
-    </dgm:linClrLst>
-    <dgm:effectClrLst/>
-    <dgm:txLinClrLst/>
-    <dgm:txFillClrLst/>
-    <dgm:txEffectClrLst/>
-  </dgm:styleLbl>
-  <dgm:styleLbl name="parChTrans2D3">
-    <dgm:fillClrLst meth="repeat">
-      <a:schemeClr val="accent4"/>
-    </dgm:fillClrLst>
-    <dgm:linClrLst meth="repeat">
-      <a:schemeClr val="lt1"/>
-    </dgm:linClrLst>
-    <dgm:effectClrLst/>
-    <dgm:txLinClrLst/>
-    <dgm:txFillClrLst/>
-    <dgm:txEffectClrLst/>
-  </dgm:styleLbl>
-  <dgm:styleLbl name="parChTrans2D4">
-    <dgm:fillClrLst meth="repeat">
-      <a:schemeClr val="accent5"/>
-    </dgm:fillClrLst>
-    <dgm:linClrLst meth="repeat">
-      <a:schemeClr val="lt1"/>
+      <a:schemeClr val="accent1"/>
     </dgm:linClrLst>
     <dgm:effectClrLst/>
     <dgm:txLinClrLst/>
@@ -5862,9 +5787,9 @@
     </dgm:txFillClrLst>
     <dgm:txEffectClrLst/>
   </dgm:styleLbl>
-  <dgm:styleLbl name="parChTrans1D1">
+  <dgm:styleLbl name="parChTrans2D3">
     <dgm:fillClrLst meth="repeat">
-      <a:schemeClr val="accent2"/>
+      <a:schemeClr val="accent1"/>
     </dgm:fillClrLst>
     <dgm:linClrLst meth="repeat">
       <a:schemeClr val="accent1"/>
@@ -5872,18 +5797,32 @@
     <dgm:effectClrLst/>
     <dgm:txLinClrLst/>
     <dgm:txFillClrLst meth="repeat">
-      <a:schemeClr val="tx1"/>
+      <a:schemeClr val="lt1"/>
     </dgm:txFillClrLst>
     <dgm:txEffectClrLst/>
   </dgm:styleLbl>
-  <dgm:styleLbl name="parChTrans1D2">
+  <dgm:styleLbl name="parChTrans2D4">
     <dgm:fillClrLst meth="repeat">
-      <a:schemeClr val="accent3">
-        <a:tint val="90000"/>
-      </a:schemeClr>
+      <a:schemeClr val="accent1"/>
     </dgm:fillClrLst>
     <dgm:linClrLst meth="repeat">
-      <a:schemeClr val="accent2"/>
+      <a:schemeClr val="accent1"/>
+    </dgm:linClrLst>
+    <dgm:effectClrLst/>
+    <dgm:txLinClrLst/>
+    <dgm:txFillClrLst meth="repeat">
+      <a:schemeClr val="lt1"/>
+    </dgm:txFillClrLst>
+    <dgm:txEffectClrLst/>
+  </dgm:styleLbl>
+  <dgm:styleLbl name="parChTrans1D1">
+    <dgm:fillClrLst meth="repeat">
+      <a:schemeClr val="accent1"/>
+    </dgm:fillClrLst>
+    <dgm:linClrLst meth="repeat">
+      <a:schemeClr val="accent1">
+        <a:shade val="60000"/>
+      </a:schemeClr>
     </dgm:linClrLst>
     <dgm:effectClrLst/>
     <dgm:txLinClrLst/>
@@ -5892,14 +5831,14 @@
     </dgm:txFillClrLst>
     <dgm:txEffectClrLst/>
   </dgm:styleLbl>
-  <dgm:styleLbl name="parChTrans1D3">
+  <dgm:styleLbl name="parChTrans1D2">
     <dgm:fillClrLst meth="repeat">
-      <a:schemeClr val="accent4">
-        <a:tint val="70000"/>
-      </a:schemeClr>
+      <a:schemeClr val="accent1"/>
     </dgm:fillClrLst>
     <dgm:linClrLst meth="repeat">
-      <a:schemeClr val="accent3"/>
+      <a:schemeClr val="accent1">
+        <a:shade val="60000"/>
+      </a:schemeClr>
     </dgm:linClrLst>
     <dgm:effectClrLst/>
     <dgm:txLinClrLst/>
@@ -5908,14 +5847,30 @@
     </dgm:txFillClrLst>
     <dgm:txEffectClrLst/>
   </dgm:styleLbl>
+  <dgm:styleLbl name="parChTrans1D3">
+    <dgm:fillClrLst meth="repeat">
+      <a:schemeClr val="accent1"/>
+    </dgm:fillClrLst>
+    <dgm:linClrLst meth="repeat">
+      <a:schemeClr val="accent1">
+        <a:shade val="80000"/>
+      </a:schemeClr>
+    </dgm:linClrLst>
+    <dgm:effectClrLst/>
+    <dgm:txLinClrLst/>
+    <dgm:txFillClrLst meth="repeat">
+      <a:schemeClr val="tx1"/>
+    </dgm:txFillClrLst>
+    <dgm:txEffectClrLst/>
+  </dgm:styleLbl>
   <dgm:styleLbl name="parChTrans1D4">
     <dgm:fillClrLst meth="repeat">
-      <a:schemeClr val="accent5">
-        <a:tint val="50000"/>
-      </a:schemeClr>
+      <a:schemeClr val="accent1"/>
     </dgm:fillClrLst>
     <dgm:linClrLst meth="repeat">
-      <a:schemeClr val="accent4"/>
+      <a:schemeClr val="accent1">
+        <a:shade val="80000"/>
+      </a:schemeClr>
     </dgm:linClrLst>
     <dgm:effectClrLst/>
     <dgm:txLinClrLst/>
@@ -5931,11 +5886,7 @@
       </a:schemeClr>
     </dgm:fillClrLst>
     <dgm:linClrLst meth="repeat">
-      <a:schemeClr val="accent2"/>
-      <a:schemeClr val="accent3"/>
-      <a:schemeClr val="accent4"/>
-      <a:schemeClr val="accent5"/>
-      <a:schemeClr val="accent6"/>
+      <a:schemeClr val="accent1"/>
     </dgm:linClrLst>
     <dgm:effectClrLst/>
     <dgm:txLinClrLst/>
@@ -5951,11 +5902,7 @@
       </a:schemeClr>
     </dgm:fillClrLst>
     <dgm:linClrLst meth="repeat">
-      <a:schemeClr val="accent2"/>
-      <a:schemeClr val="accent3"/>
-      <a:schemeClr val="accent4"/>
-      <a:schemeClr val="accent5"/>
-      <a:schemeClr val="accent6"/>
+      <a:schemeClr val="accent1"/>
     </dgm:linClrLst>
     <dgm:effectClrLst/>
     <dgm:txLinClrLst/>
@@ -5971,11 +5918,7 @@
       </a:schemeClr>
     </dgm:fillClrLst>
     <dgm:linClrLst meth="repeat">
-      <a:schemeClr val="accent2"/>
-      <a:schemeClr val="accent3"/>
-      <a:schemeClr val="accent4"/>
-      <a:schemeClr val="accent5"/>
-      <a:schemeClr val="accent6"/>
+      <a:schemeClr val="accent1"/>
     </dgm:linClrLst>
     <dgm:effectClrLst/>
     <dgm:txLinClrLst/>
@@ -6007,11 +5950,7 @@
       </a:schemeClr>
     </dgm:fillClrLst>
     <dgm:linClrLst meth="repeat">
-      <a:schemeClr val="accent2"/>
-      <a:schemeClr val="accent3"/>
-      <a:schemeClr val="accent4"/>
-      <a:schemeClr val="accent5"/>
-      <a:schemeClr val="accent6"/>
+      <a:schemeClr val="accent1"/>
     </dgm:linClrLst>
     <dgm:effectClrLst/>
     <dgm:txLinClrLst/>
@@ -6025,11 +5964,7 @@
       <a:schemeClr val="lt1"/>
     </dgm:fillClrLst>
     <dgm:linClrLst meth="repeat">
-      <a:schemeClr val="accent2"/>
-      <a:schemeClr val="accent3"/>
-      <a:schemeClr val="accent4"/>
-      <a:schemeClr val="accent5"/>
-      <a:schemeClr val="accent6"/>
+      <a:schemeClr val="accent1"/>
     </dgm:linClrLst>
     <dgm:effectClrLst/>
     <dgm:txLinClrLst/>
@@ -6043,11 +5978,7 @@
       <a:schemeClr val="lt1"/>
     </dgm:fillClrLst>
     <dgm:linClrLst meth="repeat">
-      <a:schemeClr val="accent2"/>
-      <a:schemeClr val="accent3"/>
-      <a:schemeClr val="accent4"/>
-      <a:schemeClr val="accent5"/>
-      <a:schemeClr val="accent6"/>
+      <a:schemeClr val="accent1"/>
     </dgm:linClrLst>
     <dgm:effectClrLst/>
     <dgm:txLinClrLst/>
@@ -6061,11 +5992,7 @@
       <a:schemeClr val="lt1"/>
     </dgm:fillClrLst>
     <dgm:linClrLst meth="repeat">
-      <a:schemeClr val="accent2"/>
-      <a:schemeClr val="accent3"/>
-      <a:schemeClr val="accent4"/>
-      <a:schemeClr val="accent5"/>
-      <a:schemeClr val="accent6"/>
+      <a:schemeClr val="accent1"/>
     </dgm:linClrLst>
     <dgm:effectClrLst/>
     <dgm:txLinClrLst/>
@@ -6076,47 +6003,15 @@
   </dgm:styleLbl>
   <dgm:styleLbl name="fgAccFollowNode1">
     <dgm:fillClrLst meth="repeat">
-      <a:schemeClr val="accent2">
+      <a:schemeClr val="accent1">
+        <a:alpha val="90000"/>
         <a:tint val="40000"/>
-        <a:alpha val="90000"/>
-      </a:schemeClr>
-      <a:schemeClr val="accent3">
-        <a:tint val="40000"/>
-        <a:alpha val="90000"/>
-      </a:schemeClr>
-      <a:schemeClr val="accent4">
-        <a:tint val="40000"/>
-        <a:alpha val="90000"/>
-      </a:schemeClr>
-      <a:schemeClr val="accent5">
-        <a:tint val="40000"/>
-        <a:alpha val="90000"/>
-      </a:schemeClr>
-      <a:schemeClr val="accent6">
-        <a:tint val="40000"/>
-        <a:alpha val="90000"/>
       </a:schemeClr>
     </dgm:fillClrLst>
     <dgm:linClrLst meth="repeat">
-      <a:schemeClr val="accent2">
+      <a:schemeClr val="accent1">
+        <a:alpha val="90000"/>
         <a:tint val="40000"/>
-        <a:alpha val="90000"/>
-      </a:schemeClr>
-      <a:schemeClr val="accent3">
-        <a:tint val="40000"/>
-        <a:alpha val="90000"/>
-      </a:schemeClr>
-      <a:schemeClr val="accent4">
-        <a:tint val="40000"/>
-        <a:alpha val="90000"/>
-      </a:schemeClr>
-      <a:schemeClr val="accent5">
-        <a:tint val="40000"/>
-        <a:alpha val="90000"/>
-      </a:schemeClr>
-      <a:schemeClr val="accent6">
-        <a:tint val="40000"/>
-        <a:alpha val="90000"/>
       </a:schemeClr>
     </dgm:linClrLst>
     <dgm:effectClrLst/>
@@ -6128,47 +6023,15 @@
   </dgm:styleLbl>
   <dgm:styleLbl name="alignAccFollowNode1">
     <dgm:fillClrLst meth="repeat">
-      <a:schemeClr val="accent2">
+      <a:schemeClr val="accent1">
+        <a:alpha val="90000"/>
         <a:tint val="40000"/>
-        <a:alpha val="90000"/>
-      </a:schemeClr>
-      <a:schemeClr val="accent3">
-        <a:tint val="40000"/>
-        <a:alpha val="90000"/>
-      </a:schemeClr>
-      <a:schemeClr val="accent4">
-        <a:tint val="40000"/>
-        <a:alpha val="90000"/>
-      </a:schemeClr>
-      <a:schemeClr val="accent5">
-        <a:tint val="40000"/>
-        <a:alpha val="90000"/>
-      </a:schemeClr>
-      <a:schemeClr val="accent6">
-        <a:tint val="40000"/>
-        <a:alpha val="90000"/>
       </a:schemeClr>
     </dgm:fillClrLst>
     <dgm:linClrLst meth="repeat">
-      <a:schemeClr val="accent2">
+      <a:schemeClr val="accent1">
+        <a:alpha val="90000"/>
         <a:tint val="40000"/>
-        <a:alpha val="90000"/>
-      </a:schemeClr>
-      <a:schemeClr val="accent3">
-        <a:tint val="40000"/>
-        <a:alpha val="90000"/>
-      </a:schemeClr>
-      <a:schemeClr val="accent4">
-        <a:tint val="40000"/>
-        <a:alpha val="90000"/>
-      </a:schemeClr>
-      <a:schemeClr val="accent5">
-        <a:tint val="40000"/>
-        <a:alpha val="90000"/>
-      </a:schemeClr>
-      <a:schemeClr val="accent6">
-        <a:tint val="40000"/>
-        <a:alpha val="90000"/>
       </a:schemeClr>
     </dgm:linClrLst>
     <dgm:effectClrLst/>
@@ -6180,47 +6043,15 @@
   </dgm:styleLbl>
   <dgm:styleLbl name="bgAccFollowNode1">
     <dgm:fillClrLst meth="repeat">
-      <a:schemeClr val="accent2">
+      <a:schemeClr val="accent1">
+        <a:alpha val="90000"/>
         <a:tint val="40000"/>
-        <a:alpha val="90000"/>
-      </a:schemeClr>
-      <a:schemeClr val="accent3">
-        <a:tint val="40000"/>
-        <a:alpha val="90000"/>
-      </a:schemeClr>
-      <a:schemeClr val="accent4">
-        <a:tint val="40000"/>
-        <a:alpha val="90000"/>
-      </a:schemeClr>
-      <a:schemeClr val="accent5">
-        <a:tint val="40000"/>
-        <a:alpha val="90000"/>
-      </a:schemeClr>
-      <a:schemeClr val="accent6">
-        <a:tint val="40000"/>
-        <a:alpha val="90000"/>
       </a:schemeClr>
     </dgm:fillClrLst>
     <dgm:linClrLst meth="repeat">
-      <a:schemeClr val="accent2">
+      <a:schemeClr val="accent1">
+        <a:alpha val="90000"/>
         <a:tint val="40000"/>
-        <a:alpha val="90000"/>
-      </a:schemeClr>
-      <a:schemeClr val="accent3">
-        <a:tint val="40000"/>
-        <a:alpha val="90000"/>
-      </a:schemeClr>
-      <a:schemeClr val="accent4">
-        <a:tint val="40000"/>
-        <a:alpha val="90000"/>
-      </a:schemeClr>
-      <a:schemeClr val="accent5">
-        <a:tint val="40000"/>
-        <a:alpha val="90000"/>
-      </a:schemeClr>
-      <a:schemeClr val="accent6">
-        <a:tint val="40000"/>
-        <a:alpha val="90000"/>
       </a:schemeClr>
     </dgm:linClrLst>
     <dgm:effectClrLst/>
@@ -6236,7 +6067,7 @@
         <a:alpha val="90000"/>
       </a:schemeClr>
     </dgm:fillClrLst>
-    <dgm:linClrLst>
+    <dgm:linClrLst meth="repeat">
       <a:schemeClr val="accent1"/>
     </dgm:linClrLst>
     <dgm:effectClrLst/>
@@ -6252,8 +6083,8 @@
         <a:alpha val="90000"/>
       </a:schemeClr>
     </dgm:fillClrLst>
-    <dgm:linClrLst>
-      <a:schemeClr val="accent2"/>
+    <dgm:linClrLst meth="repeat">
+      <a:schemeClr val="accent1"/>
     </dgm:linClrLst>
     <dgm:effectClrLst/>
     <dgm:txLinClrLst/>
@@ -6268,8 +6099,8 @@
         <a:alpha val="90000"/>
       </a:schemeClr>
     </dgm:fillClrLst>
-    <dgm:linClrLst>
-      <a:schemeClr val="accent3"/>
+    <dgm:linClrLst meth="repeat">
+      <a:schemeClr val="accent1"/>
     </dgm:linClrLst>
     <dgm:effectClrLst/>
     <dgm:txLinClrLst/>
@@ -6284,8 +6115,8 @@
         <a:alpha val="90000"/>
       </a:schemeClr>
     </dgm:fillClrLst>
-    <dgm:linClrLst>
-      <a:schemeClr val="accent4"/>
+    <dgm:linClrLst meth="repeat">
+      <a:schemeClr val="accent1"/>
     </dgm:linClrLst>
     <dgm:effectClrLst/>
     <dgm:txLinClrLst/>
@@ -6296,12 +6127,12 @@
   </dgm:styleLbl>
   <dgm:styleLbl name="bgShp">
     <dgm:fillClrLst meth="repeat">
-      <a:schemeClr val="bg1">
-        <a:lumMod val="95000"/>
+      <a:schemeClr val="accent1">
+        <a:tint val="40000"/>
       </a:schemeClr>
     </dgm:fillClrLst>
     <dgm:linClrLst meth="repeat">
-      <a:schemeClr val="dk1"/>
+      <a:schemeClr val="accent1"/>
     </dgm:linClrLst>
     <dgm:effectClrLst/>
     <dgm:txLinClrLst/>
@@ -6312,12 +6143,12 @@
   </dgm:styleLbl>
   <dgm:styleLbl name="dkBgShp">
     <dgm:fillClrLst meth="repeat">
-      <a:schemeClr val="accent2">
-        <a:shade val="90000"/>
+      <a:schemeClr val="accent1">
+        <a:shade val="80000"/>
       </a:schemeClr>
     </dgm:fillClrLst>
     <dgm:linClrLst meth="repeat">
-      <a:schemeClr val="dk1"/>
+      <a:schemeClr val="accent1"/>
     </dgm:linClrLst>
     <dgm:effectClrLst/>
     <dgm:txLinClrLst/>
@@ -6334,7 +6165,7 @@
       </a:schemeClr>
     </dgm:fillClrLst>
     <dgm:linClrLst meth="repeat">
-      <a:schemeClr val="accent2"/>
+      <a:schemeClr val="accent1"/>
     </dgm:linClrLst>
     <dgm:effectClrLst/>
     <dgm:txLinClrLst/>
@@ -6345,8 +6176,8 @@
   </dgm:styleLbl>
   <dgm:styleLbl name="fgShp">
     <dgm:fillClrLst meth="repeat">
-      <a:schemeClr val="accent2">
-        <a:tint val="40000"/>
+      <a:schemeClr val="accent1">
+        <a:tint val="60000"/>
       </a:schemeClr>
     </dgm:fillClrLst>
     <dgm:linClrLst meth="repeat">
@@ -6381,788 +6212,6 @@
 </file>
 
 <file path=ppt/diagrams/colors11.xml><?xml version="1.0" encoding="utf-8"?>
-<dgm:colorsDef xmlns:dgm="http://schemas.openxmlformats.org/drawingml/2006/diagram" xmlns:a="http://schemas.openxmlformats.org/drawingml/2006/main" uniqueId="urn:microsoft.com/office/officeart/2005/8/colors/colorful2">
-  <dgm:title val=""/>
-  <dgm:desc val=""/>
-  <dgm:catLst>
-    <dgm:cat type="colorful" pri="10200"/>
-  </dgm:catLst>
-  <dgm:styleLbl name="node0">
-    <dgm:fillClrLst meth="repeat">
-      <a:schemeClr val="accent1"/>
-    </dgm:fillClrLst>
-    <dgm:linClrLst meth="repeat">
-      <a:schemeClr val="lt1"/>
-    </dgm:linClrLst>
-    <dgm:effectClrLst/>
-    <dgm:txLinClrLst/>
-    <dgm:txFillClrLst/>
-    <dgm:txEffectClrLst/>
-  </dgm:styleLbl>
-  <dgm:styleLbl name="node1">
-    <dgm:fillClrLst>
-      <a:schemeClr val="accent2"/>
-      <a:schemeClr val="accent3"/>
-    </dgm:fillClrLst>
-    <dgm:linClrLst meth="repeat">
-      <a:schemeClr val="lt1"/>
-    </dgm:linClrLst>
-    <dgm:effectClrLst/>
-    <dgm:txLinClrLst/>
-    <dgm:txFillClrLst/>
-    <dgm:txEffectClrLst/>
-  </dgm:styleLbl>
-  <dgm:styleLbl name="alignNode1">
-    <dgm:fillClrLst>
-      <a:schemeClr val="accent2"/>
-      <a:schemeClr val="accent3"/>
-    </dgm:fillClrLst>
-    <dgm:linClrLst>
-      <a:schemeClr val="accent2"/>
-      <a:schemeClr val="accent3"/>
-    </dgm:linClrLst>
-    <dgm:effectClrLst/>
-    <dgm:txLinClrLst/>
-    <dgm:txFillClrLst/>
-    <dgm:txEffectClrLst/>
-  </dgm:styleLbl>
-  <dgm:styleLbl name="lnNode1">
-    <dgm:fillClrLst>
-      <a:schemeClr val="accent2"/>
-      <a:schemeClr val="accent3"/>
-    </dgm:fillClrLst>
-    <dgm:linClrLst meth="repeat">
-      <a:schemeClr val="lt1"/>
-    </dgm:linClrLst>
-    <dgm:effectClrLst/>
-    <dgm:txLinClrLst/>
-    <dgm:txFillClrLst/>
-    <dgm:txEffectClrLst/>
-  </dgm:styleLbl>
-  <dgm:styleLbl name="vennNode1">
-    <dgm:fillClrLst>
-      <a:schemeClr val="accent2">
-        <a:alpha val="50000"/>
-      </a:schemeClr>
-      <a:schemeClr val="accent3">
-        <a:alpha val="50000"/>
-      </a:schemeClr>
-    </dgm:fillClrLst>
-    <dgm:linClrLst meth="repeat">
-      <a:schemeClr val="lt1"/>
-    </dgm:linClrLst>
-    <dgm:effectClrLst/>
-    <dgm:txLinClrLst/>
-    <dgm:txFillClrLst/>
-    <dgm:txEffectClrLst/>
-  </dgm:styleLbl>
-  <dgm:styleLbl name="node2">
-    <dgm:fillClrLst>
-      <a:schemeClr val="accent3"/>
-    </dgm:fillClrLst>
-    <dgm:linClrLst meth="repeat">
-      <a:schemeClr val="lt1"/>
-    </dgm:linClrLst>
-    <dgm:effectClrLst/>
-    <dgm:txLinClrLst/>
-    <dgm:txFillClrLst/>
-    <dgm:txEffectClrLst/>
-  </dgm:styleLbl>
-  <dgm:styleLbl name="node3">
-    <dgm:fillClrLst>
-      <a:schemeClr val="accent4"/>
-    </dgm:fillClrLst>
-    <dgm:linClrLst meth="repeat">
-      <a:schemeClr val="lt1"/>
-    </dgm:linClrLst>
-    <dgm:effectClrLst/>
-    <dgm:txLinClrLst/>
-    <dgm:txFillClrLst/>
-    <dgm:txEffectClrLst/>
-  </dgm:styleLbl>
-  <dgm:styleLbl name="node4">
-    <dgm:fillClrLst>
-      <a:schemeClr val="accent5"/>
-    </dgm:fillClrLst>
-    <dgm:linClrLst meth="repeat">
-      <a:schemeClr val="lt1"/>
-    </dgm:linClrLst>
-    <dgm:effectClrLst/>
-    <dgm:txLinClrLst/>
-    <dgm:txFillClrLst/>
-    <dgm:txEffectClrLst/>
-  </dgm:styleLbl>
-  <dgm:styleLbl name="fgImgPlace1">
-    <dgm:fillClrLst>
-      <a:schemeClr val="accent2">
-        <a:tint val="50000"/>
-      </a:schemeClr>
-      <a:schemeClr val="accent3">
-        <a:tint val="50000"/>
-      </a:schemeClr>
-    </dgm:fillClrLst>
-    <dgm:linClrLst meth="repeat">
-      <a:schemeClr val="lt1"/>
-    </dgm:linClrLst>
-    <dgm:effectClrLst/>
-    <dgm:txLinClrLst/>
-    <dgm:txFillClrLst meth="repeat">
-      <a:schemeClr val="lt1"/>
-    </dgm:txFillClrLst>
-    <dgm:txEffectClrLst/>
-  </dgm:styleLbl>
-  <dgm:styleLbl name="alignImgPlace1">
-    <dgm:fillClrLst>
-      <a:schemeClr val="accent2">
-        <a:tint val="50000"/>
-      </a:schemeClr>
-      <a:schemeClr val="accent3">
-        <a:tint val="20000"/>
-      </a:schemeClr>
-    </dgm:fillClrLst>
-    <dgm:linClrLst meth="repeat">
-      <a:schemeClr val="lt1"/>
-    </dgm:linClrLst>
-    <dgm:effectClrLst/>
-    <dgm:txLinClrLst/>
-    <dgm:txFillClrLst meth="repeat">
-      <a:schemeClr val="lt1"/>
-    </dgm:txFillClrLst>
-    <dgm:txEffectClrLst/>
-  </dgm:styleLbl>
-  <dgm:styleLbl name="bgImgPlace1">
-    <dgm:fillClrLst>
-      <a:schemeClr val="accent2">
-        <a:tint val="50000"/>
-      </a:schemeClr>
-      <a:schemeClr val="accent3">
-        <a:tint val="20000"/>
-      </a:schemeClr>
-    </dgm:fillClrLst>
-    <dgm:linClrLst meth="repeat">
-      <a:schemeClr val="lt1"/>
-    </dgm:linClrLst>
-    <dgm:effectClrLst/>
-    <dgm:txLinClrLst/>
-    <dgm:txFillClrLst meth="repeat">
-      <a:schemeClr val="lt1"/>
-    </dgm:txFillClrLst>
-    <dgm:txEffectClrLst/>
-  </dgm:styleLbl>
-  <dgm:styleLbl name="sibTrans2D1">
-    <dgm:fillClrLst>
-      <a:schemeClr val="accent2"/>
-      <a:schemeClr val="accent3"/>
-    </dgm:fillClrLst>
-    <dgm:linClrLst meth="repeat">
-      <a:schemeClr val="lt1"/>
-    </dgm:linClrLst>
-    <dgm:effectClrLst/>
-    <dgm:txLinClrLst/>
-    <dgm:txFillClrLst/>
-    <dgm:txEffectClrLst/>
-  </dgm:styleLbl>
-  <dgm:styleLbl name="fgSibTrans2D1">
-    <dgm:fillClrLst>
-      <a:schemeClr val="accent2"/>
-      <a:schemeClr val="accent3"/>
-    </dgm:fillClrLst>
-    <dgm:linClrLst meth="repeat">
-      <a:schemeClr val="lt1"/>
-    </dgm:linClrLst>
-    <dgm:effectClrLst/>
-    <dgm:txLinClrLst/>
-    <dgm:txFillClrLst meth="repeat">
-      <a:schemeClr val="lt1"/>
-    </dgm:txFillClrLst>
-    <dgm:txEffectClrLst/>
-  </dgm:styleLbl>
-  <dgm:styleLbl name="bgSibTrans2D1">
-    <dgm:fillClrLst>
-      <a:schemeClr val="accent2"/>
-      <a:schemeClr val="accent3"/>
-    </dgm:fillClrLst>
-    <dgm:linClrLst meth="repeat">
-      <a:schemeClr val="lt1"/>
-    </dgm:linClrLst>
-    <dgm:effectClrLst/>
-    <dgm:txLinClrLst/>
-    <dgm:txFillClrLst meth="repeat">
-      <a:schemeClr val="lt1"/>
-    </dgm:txFillClrLst>
-    <dgm:txEffectClrLst/>
-  </dgm:styleLbl>
-  <dgm:styleLbl name="sibTrans1D1">
-    <dgm:fillClrLst/>
-    <dgm:linClrLst>
-      <a:schemeClr val="accent2"/>
-      <a:schemeClr val="accent3"/>
-    </dgm:linClrLst>
-    <dgm:effectClrLst/>
-    <dgm:txLinClrLst/>
-    <dgm:txFillClrLst meth="repeat">
-      <a:schemeClr val="tx1"/>
-    </dgm:txFillClrLst>
-    <dgm:txEffectClrLst/>
-  </dgm:styleLbl>
-  <dgm:styleLbl name="callout">
-    <dgm:fillClrLst meth="repeat">
-      <a:schemeClr val="accent2"/>
-    </dgm:fillClrLst>
-    <dgm:linClrLst meth="repeat">
-      <a:schemeClr val="accent2">
-        <a:tint val="50000"/>
-      </a:schemeClr>
-    </dgm:linClrLst>
-    <dgm:effectClrLst/>
-    <dgm:txLinClrLst/>
-    <dgm:txFillClrLst meth="repeat">
-      <a:schemeClr val="tx1"/>
-    </dgm:txFillClrLst>
-    <dgm:txEffectClrLst/>
-  </dgm:styleLbl>
-  <dgm:styleLbl name="asst0">
-    <dgm:fillClrLst meth="repeat">
-      <a:schemeClr val="accent2"/>
-    </dgm:fillClrLst>
-    <dgm:linClrLst meth="repeat">
-      <a:schemeClr val="lt1">
-        <a:shade val="80000"/>
-      </a:schemeClr>
-    </dgm:linClrLst>
-    <dgm:effectClrLst/>
-    <dgm:txLinClrLst/>
-    <dgm:txFillClrLst/>
-    <dgm:txEffectClrLst/>
-  </dgm:styleLbl>
-  <dgm:styleLbl name="asst1">
-    <dgm:fillClrLst meth="repeat">
-      <a:schemeClr val="accent3"/>
-    </dgm:fillClrLst>
-    <dgm:linClrLst meth="repeat">
-      <a:schemeClr val="lt1">
-        <a:shade val="80000"/>
-      </a:schemeClr>
-    </dgm:linClrLst>
-    <dgm:effectClrLst/>
-    <dgm:txLinClrLst/>
-    <dgm:txFillClrLst/>
-    <dgm:txEffectClrLst/>
-  </dgm:styleLbl>
-  <dgm:styleLbl name="asst2">
-    <dgm:fillClrLst>
-      <a:schemeClr val="accent4"/>
-    </dgm:fillClrLst>
-    <dgm:linClrLst meth="repeat">
-      <a:schemeClr val="lt1"/>
-    </dgm:linClrLst>
-    <dgm:effectClrLst/>
-    <dgm:txLinClrLst/>
-    <dgm:txFillClrLst/>
-    <dgm:txEffectClrLst/>
-  </dgm:styleLbl>
-  <dgm:styleLbl name="asst3">
-    <dgm:fillClrLst>
-      <a:schemeClr val="accent5"/>
-    </dgm:fillClrLst>
-    <dgm:linClrLst meth="repeat">
-      <a:schemeClr val="lt1"/>
-    </dgm:linClrLst>
-    <dgm:effectClrLst/>
-    <dgm:txLinClrLst/>
-    <dgm:txFillClrLst/>
-    <dgm:txEffectClrLst/>
-  </dgm:styleLbl>
-  <dgm:styleLbl name="asst4">
-    <dgm:fillClrLst>
-      <a:schemeClr val="accent6"/>
-    </dgm:fillClrLst>
-    <dgm:linClrLst meth="repeat">
-      <a:schemeClr val="lt1"/>
-    </dgm:linClrLst>
-    <dgm:effectClrLst/>
-    <dgm:txLinClrLst/>
-    <dgm:txFillClrLst/>
-    <dgm:txEffectClrLst/>
-  </dgm:styleLbl>
-  <dgm:styleLbl name="parChTrans2D1">
-    <dgm:fillClrLst meth="repeat">
-      <a:schemeClr val="accent2"/>
-    </dgm:fillClrLst>
-    <dgm:linClrLst meth="repeat">
-      <a:schemeClr val="lt1"/>
-    </dgm:linClrLst>
-    <dgm:effectClrLst/>
-    <dgm:txLinClrLst/>
-    <dgm:txFillClrLst meth="repeat">
-      <a:schemeClr val="lt1"/>
-    </dgm:txFillClrLst>
-    <dgm:txEffectClrLst/>
-  </dgm:styleLbl>
-  <dgm:styleLbl name="parChTrans2D2">
-    <dgm:fillClrLst meth="repeat">
-      <a:schemeClr val="accent3"/>
-    </dgm:fillClrLst>
-    <dgm:linClrLst meth="repeat">
-      <a:schemeClr val="lt1"/>
-    </dgm:linClrLst>
-    <dgm:effectClrLst/>
-    <dgm:txLinClrLst/>
-    <dgm:txFillClrLst/>
-    <dgm:txEffectClrLst/>
-  </dgm:styleLbl>
-  <dgm:styleLbl name="parChTrans2D3">
-    <dgm:fillClrLst meth="repeat">
-      <a:schemeClr val="accent4"/>
-    </dgm:fillClrLst>
-    <dgm:linClrLst meth="repeat">
-      <a:schemeClr val="lt1"/>
-    </dgm:linClrLst>
-    <dgm:effectClrLst/>
-    <dgm:txLinClrLst/>
-    <dgm:txFillClrLst/>
-    <dgm:txEffectClrLst/>
-  </dgm:styleLbl>
-  <dgm:styleLbl name="parChTrans2D4">
-    <dgm:fillClrLst meth="repeat">
-      <a:schemeClr val="accent5"/>
-    </dgm:fillClrLst>
-    <dgm:linClrLst meth="repeat">
-      <a:schemeClr val="lt1"/>
-    </dgm:linClrLst>
-    <dgm:effectClrLst/>
-    <dgm:txLinClrLst/>
-    <dgm:txFillClrLst meth="repeat">
-      <a:schemeClr val="lt1"/>
-    </dgm:txFillClrLst>
-    <dgm:txEffectClrLst/>
-  </dgm:styleLbl>
-  <dgm:styleLbl name="parChTrans1D1">
-    <dgm:fillClrLst meth="repeat">
-      <a:schemeClr val="accent2"/>
-    </dgm:fillClrLst>
-    <dgm:linClrLst meth="repeat">
-      <a:schemeClr val="accent2"/>
-    </dgm:linClrLst>
-    <dgm:effectClrLst/>
-    <dgm:txLinClrLst/>
-    <dgm:txFillClrLst meth="repeat">
-      <a:schemeClr val="tx1"/>
-    </dgm:txFillClrLst>
-    <dgm:txEffectClrLst/>
-  </dgm:styleLbl>
-  <dgm:styleLbl name="parChTrans1D2">
-    <dgm:fillClrLst meth="repeat">
-      <a:schemeClr val="accent2">
-        <a:tint val="90000"/>
-      </a:schemeClr>
-    </dgm:fillClrLst>
-    <dgm:linClrLst meth="repeat">
-      <a:schemeClr val="accent3"/>
-    </dgm:linClrLst>
-    <dgm:effectClrLst/>
-    <dgm:txLinClrLst/>
-    <dgm:txFillClrLst meth="repeat">
-      <a:schemeClr val="tx1"/>
-    </dgm:txFillClrLst>
-    <dgm:txEffectClrLst/>
-  </dgm:styleLbl>
-  <dgm:styleLbl name="parChTrans1D3">
-    <dgm:fillClrLst meth="repeat">
-      <a:schemeClr val="accent2">
-        <a:tint val="70000"/>
-      </a:schemeClr>
-    </dgm:fillClrLst>
-    <dgm:linClrLst meth="repeat">
-      <a:schemeClr val="accent4"/>
-    </dgm:linClrLst>
-    <dgm:effectClrLst/>
-    <dgm:txLinClrLst/>
-    <dgm:txFillClrLst meth="repeat">
-      <a:schemeClr val="tx1"/>
-    </dgm:txFillClrLst>
-    <dgm:txEffectClrLst/>
-  </dgm:styleLbl>
-  <dgm:styleLbl name="parChTrans1D4">
-    <dgm:fillClrLst meth="repeat">
-      <a:schemeClr val="accent2">
-        <a:tint val="50000"/>
-      </a:schemeClr>
-    </dgm:fillClrLst>
-    <dgm:linClrLst meth="repeat">
-      <a:schemeClr val="accent5"/>
-    </dgm:linClrLst>
-    <dgm:effectClrLst/>
-    <dgm:txLinClrLst/>
-    <dgm:txFillClrLst meth="repeat">
-      <a:schemeClr val="tx1"/>
-    </dgm:txFillClrLst>
-    <dgm:txEffectClrLst/>
-  </dgm:styleLbl>
-  <dgm:styleLbl name="fgAcc1">
-    <dgm:fillClrLst meth="repeat">
-      <a:schemeClr val="lt1">
-        <a:alpha val="90000"/>
-      </a:schemeClr>
-    </dgm:fillClrLst>
-    <dgm:linClrLst>
-      <a:schemeClr val="accent2"/>
-      <a:schemeClr val="accent3"/>
-    </dgm:linClrLst>
-    <dgm:effectClrLst/>
-    <dgm:txLinClrLst/>
-    <dgm:txFillClrLst meth="repeat">
-      <a:schemeClr val="dk1"/>
-    </dgm:txFillClrLst>
-    <dgm:txEffectClrLst/>
-  </dgm:styleLbl>
-  <dgm:styleLbl name="conFgAcc1">
-    <dgm:fillClrLst meth="repeat">
-      <a:schemeClr val="lt1">
-        <a:alpha val="90000"/>
-      </a:schemeClr>
-    </dgm:fillClrLst>
-    <dgm:linClrLst>
-      <a:schemeClr val="accent2"/>
-      <a:schemeClr val="accent3"/>
-    </dgm:linClrLst>
-    <dgm:effectClrLst/>
-    <dgm:txLinClrLst/>
-    <dgm:txFillClrLst meth="repeat">
-      <a:schemeClr val="dk1"/>
-    </dgm:txFillClrLst>
-    <dgm:txEffectClrLst/>
-  </dgm:styleLbl>
-  <dgm:styleLbl name="alignAcc1">
-    <dgm:fillClrLst meth="repeat">
-      <a:schemeClr val="lt1">
-        <a:alpha val="90000"/>
-      </a:schemeClr>
-    </dgm:fillClrLst>
-    <dgm:linClrLst>
-      <a:schemeClr val="accent2"/>
-      <a:schemeClr val="accent3"/>
-    </dgm:linClrLst>
-    <dgm:effectClrLst/>
-    <dgm:txLinClrLst/>
-    <dgm:txFillClrLst meth="repeat">
-      <a:schemeClr val="dk1"/>
-    </dgm:txFillClrLst>
-    <dgm:txEffectClrLst/>
-  </dgm:styleLbl>
-  <dgm:styleLbl name="trAlignAcc1">
-    <dgm:fillClrLst meth="repeat">
-      <a:schemeClr val="lt1">
-        <a:alpha val="40000"/>
-      </a:schemeClr>
-    </dgm:fillClrLst>
-    <dgm:linClrLst meth="repeat">
-      <a:schemeClr val="accent2"/>
-    </dgm:linClrLst>
-    <dgm:effectClrLst/>
-    <dgm:txLinClrLst/>
-    <dgm:txFillClrLst meth="repeat">
-      <a:schemeClr val="dk1"/>
-    </dgm:txFillClrLst>
-    <dgm:txEffectClrLst/>
-  </dgm:styleLbl>
-  <dgm:styleLbl name="bgAcc1">
-    <dgm:fillClrLst meth="repeat">
-      <a:schemeClr val="lt1">
-        <a:alpha val="90000"/>
-      </a:schemeClr>
-    </dgm:fillClrLst>
-    <dgm:linClrLst>
-      <a:schemeClr val="accent2"/>
-      <a:schemeClr val="accent3"/>
-    </dgm:linClrLst>
-    <dgm:effectClrLst/>
-    <dgm:txLinClrLst/>
-    <dgm:txFillClrLst meth="repeat">
-      <a:schemeClr val="dk1"/>
-    </dgm:txFillClrLst>
-    <dgm:txEffectClrLst/>
-  </dgm:styleLbl>
-  <dgm:styleLbl name="solidFgAcc1">
-    <dgm:fillClrLst meth="repeat">
-      <a:schemeClr val="lt1"/>
-    </dgm:fillClrLst>
-    <dgm:linClrLst>
-      <a:schemeClr val="accent2"/>
-      <a:schemeClr val="accent3"/>
-    </dgm:linClrLst>
-    <dgm:effectClrLst/>
-    <dgm:txLinClrLst/>
-    <dgm:txFillClrLst meth="repeat">
-      <a:schemeClr val="dk1"/>
-    </dgm:txFillClrLst>
-    <dgm:txEffectClrLst/>
-  </dgm:styleLbl>
-  <dgm:styleLbl name="solidAlignAcc1">
-    <dgm:fillClrLst meth="repeat">
-      <a:schemeClr val="lt1"/>
-    </dgm:fillClrLst>
-    <dgm:linClrLst>
-      <a:schemeClr val="accent2"/>
-      <a:schemeClr val="accent3"/>
-    </dgm:linClrLst>
-    <dgm:effectClrLst/>
-    <dgm:txLinClrLst/>
-    <dgm:txFillClrLst meth="repeat">
-      <a:schemeClr val="dk1"/>
-    </dgm:txFillClrLst>
-    <dgm:txEffectClrLst/>
-  </dgm:styleLbl>
-  <dgm:styleLbl name="solidBgAcc1">
-    <dgm:fillClrLst meth="repeat">
-      <a:schemeClr val="lt1"/>
-    </dgm:fillClrLst>
-    <dgm:linClrLst>
-      <a:schemeClr val="accent2"/>
-      <a:schemeClr val="accent3"/>
-    </dgm:linClrLst>
-    <dgm:effectClrLst/>
-    <dgm:txLinClrLst/>
-    <dgm:txFillClrLst meth="repeat">
-      <a:schemeClr val="dk1"/>
-    </dgm:txFillClrLst>
-    <dgm:txEffectClrLst/>
-  </dgm:styleLbl>
-  <dgm:styleLbl name="fgAccFollowNode1">
-    <dgm:fillClrLst>
-      <a:schemeClr val="accent2">
-        <a:tint val="40000"/>
-        <a:alpha val="90000"/>
-      </a:schemeClr>
-      <a:schemeClr val="accent3">
-        <a:tint val="40000"/>
-        <a:alpha val="90000"/>
-      </a:schemeClr>
-    </dgm:fillClrLst>
-    <dgm:linClrLst>
-      <a:schemeClr val="accent2">
-        <a:tint val="40000"/>
-        <a:alpha val="90000"/>
-      </a:schemeClr>
-      <a:schemeClr val="accent3">
-        <a:tint val="40000"/>
-        <a:alpha val="90000"/>
-      </a:schemeClr>
-    </dgm:linClrLst>
-    <dgm:effectClrLst/>
-    <dgm:txLinClrLst/>
-    <dgm:txFillClrLst meth="repeat">
-      <a:schemeClr val="dk1"/>
-    </dgm:txFillClrLst>
-    <dgm:txEffectClrLst/>
-  </dgm:styleLbl>
-  <dgm:styleLbl name="alignAccFollowNode1">
-    <dgm:fillClrLst>
-      <a:schemeClr val="accent2">
-        <a:tint val="40000"/>
-        <a:alpha val="90000"/>
-      </a:schemeClr>
-      <a:schemeClr val="accent3">
-        <a:tint val="40000"/>
-        <a:alpha val="90000"/>
-      </a:schemeClr>
-    </dgm:fillClrLst>
-    <dgm:linClrLst>
-      <a:schemeClr val="accent2">
-        <a:tint val="40000"/>
-        <a:alpha val="90000"/>
-      </a:schemeClr>
-      <a:schemeClr val="accent3">
-        <a:tint val="40000"/>
-        <a:alpha val="90000"/>
-      </a:schemeClr>
-    </dgm:linClrLst>
-    <dgm:effectClrLst/>
-    <dgm:txLinClrLst/>
-    <dgm:txFillClrLst meth="repeat">
-      <a:schemeClr val="dk1"/>
-    </dgm:txFillClrLst>
-    <dgm:txEffectClrLst/>
-  </dgm:styleLbl>
-  <dgm:styleLbl name="bgAccFollowNode1">
-    <dgm:fillClrLst>
-      <a:schemeClr val="accent2">
-        <a:tint val="40000"/>
-        <a:alpha val="90000"/>
-      </a:schemeClr>
-      <a:schemeClr val="accent3">
-        <a:tint val="40000"/>
-        <a:alpha val="90000"/>
-      </a:schemeClr>
-    </dgm:fillClrLst>
-    <dgm:linClrLst>
-      <a:schemeClr val="accent2">
-        <a:tint val="40000"/>
-        <a:alpha val="90000"/>
-      </a:schemeClr>
-      <a:schemeClr val="accent3">
-        <a:tint val="40000"/>
-        <a:alpha val="90000"/>
-      </a:schemeClr>
-    </dgm:linClrLst>
-    <dgm:effectClrLst/>
-    <dgm:txLinClrLst/>
-    <dgm:txFillClrLst meth="repeat">
-      <a:schemeClr val="dk1"/>
-    </dgm:txFillClrLst>
-    <dgm:txEffectClrLst/>
-  </dgm:styleLbl>
-  <dgm:styleLbl name="fgAcc0">
-    <dgm:fillClrLst meth="repeat">
-      <a:schemeClr val="lt1">
-        <a:alpha val="90000"/>
-      </a:schemeClr>
-    </dgm:fillClrLst>
-    <dgm:linClrLst>
-      <a:schemeClr val="accent1"/>
-    </dgm:linClrLst>
-    <dgm:effectClrLst/>
-    <dgm:txLinClrLst/>
-    <dgm:txFillClrLst meth="repeat">
-      <a:schemeClr val="dk1"/>
-    </dgm:txFillClrLst>
-    <dgm:txEffectClrLst/>
-  </dgm:styleLbl>
-  <dgm:styleLbl name="fgAcc2">
-    <dgm:fillClrLst meth="repeat">
-      <a:schemeClr val="lt1">
-        <a:alpha val="90000"/>
-      </a:schemeClr>
-    </dgm:fillClrLst>
-    <dgm:linClrLst>
-      <a:schemeClr val="accent3"/>
-    </dgm:linClrLst>
-    <dgm:effectClrLst/>
-    <dgm:txLinClrLst/>
-    <dgm:txFillClrLst meth="repeat">
-      <a:schemeClr val="dk1"/>
-    </dgm:txFillClrLst>
-    <dgm:txEffectClrLst/>
-  </dgm:styleLbl>
-  <dgm:styleLbl name="fgAcc3">
-    <dgm:fillClrLst meth="repeat">
-      <a:schemeClr val="lt1">
-        <a:alpha val="90000"/>
-      </a:schemeClr>
-    </dgm:fillClrLst>
-    <dgm:linClrLst>
-      <a:schemeClr val="accent4"/>
-    </dgm:linClrLst>
-    <dgm:effectClrLst/>
-    <dgm:txLinClrLst/>
-    <dgm:txFillClrLst meth="repeat">
-      <a:schemeClr val="dk1"/>
-    </dgm:txFillClrLst>
-    <dgm:txEffectClrLst/>
-  </dgm:styleLbl>
-  <dgm:styleLbl name="fgAcc4">
-    <dgm:fillClrLst meth="repeat">
-      <a:schemeClr val="lt1">
-        <a:alpha val="90000"/>
-      </a:schemeClr>
-    </dgm:fillClrLst>
-    <dgm:linClrLst>
-      <a:schemeClr val="accent5"/>
-    </dgm:linClrLst>
-    <dgm:effectClrLst/>
-    <dgm:txLinClrLst/>
-    <dgm:txFillClrLst meth="repeat">
-      <a:schemeClr val="dk1"/>
-    </dgm:txFillClrLst>
-    <dgm:txEffectClrLst/>
-  </dgm:styleLbl>
-  <dgm:styleLbl name="bgShp">
-    <dgm:fillClrLst meth="repeat">
-      <a:schemeClr val="accent2">
-        <a:tint val="40000"/>
-      </a:schemeClr>
-    </dgm:fillClrLst>
-    <dgm:linClrLst meth="repeat">
-      <a:schemeClr val="dk1"/>
-    </dgm:linClrLst>
-    <dgm:effectClrLst/>
-    <dgm:txLinClrLst/>
-    <dgm:txFillClrLst meth="repeat">
-      <a:schemeClr val="dk1"/>
-    </dgm:txFillClrLst>
-    <dgm:txEffectClrLst/>
-  </dgm:styleLbl>
-  <dgm:styleLbl name="dkBgShp">
-    <dgm:fillClrLst meth="repeat">
-      <a:schemeClr val="accent2">
-        <a:shade val="90000"/>
-      </a:schemeClr>
-    </dgm:fillClrLst>
-    <dgm:linClrLst meth="repeat">
-      <a:schemeClr val="dk1"/>
-    </dgm:linClrLst>
-    <dgm:effectClrLst/>
-    <dgm:txLinClrLst/>
-    <dgm:txFillClrLst meth="repeat">
-      <a:schemeClr val="lt1"/>
-    </dgm:txFillClrLst>
-    <dgm:txEffectClrLst/>
-  </dgm:styleLbl>
-  <dgm:styleLbl name="trBgShp">
-    <dgm:fillClrLst meth="repeat">
-      <a:schemeClr val="accent2">
-        <a:tint val="50000"/>
-        <a:alpha val="40000"/>
-      </a:schemeClr>
-    </dgm:fillClrLst>
-    <dgm:linClrLst meth="repeat">
-      <a:schemeClr val="accent2"/>
-    </dgm:linClrLst>
-    <dgm:effectClrLst/>
-    <dgm:txLinClrLst/>
-    <dgm:txFillClrLst meth="repeat">
-      <a:schemeClr val="lt1"/>
-    </dgm:txFillClrLst>
-    <dgm:txEffectClrLst/>
-  </dgm:styleLbl>
-  <dgm:styleLbl name="fgShp">
-    <dgm:fillClrLst meth="repeat">
-      <a:schemeClr val="accent2">
-        <a:tint val="40000"/>
-      </a:schemeClr>
-    </dgm:fillClrLst>
-    <dgm:linClrLst meth="repeat">
-      <a:schemeClr val="lt1"/>
-    </dgm:linClrLst>
-    <dgm:effectClrLst/>
-    <dgm:txLinClrLst/>
-    <dgm:txFillClrLst meth="repeat">
-      <a:schemeClr val="dk1"/>
-    </dgm:txFillClrLst>
-    <dgm:txEffectClrLst/>
-  </dgm:styleLbl>
-  <dgm:styleLbl name="revTx">
-    <dgm:fillClrLst meth="repeat">
-      <a:schemeClr val="lt1">
-        <a:alpha val="0"/>
-      </a:schemeClr>
-    </dgm:fillClrLst>
-    <dgm:linClrLst meth="repeat">
-      <a:schemeClr val="dk1">
-        <a:alpha val="0"/>
-      </a:schemeClr>
-    </dgm:linClrLst>
-    <dgm:effectClrLst/>
-    <dgm:txLinClrLst/>
-    <dgm:txFillClrLst meth="repeat">
-      <a:schemeClr val="tx1"/>
-    </dgm:txFillClrLst>
-    <dgm:txEffectClrLst/>
-  </dgm:styleLbl>
-</dgm:colorsDef>
-</file>
-
-<file path=ppt/diagrams/colors12.xml><?xml version="1.0" encoding="utf-8"?>
 <dgm:colorsDef xmlns:dgm="http://schemas.openxmlformats.org/drawingml/2006/diagram" xmlns:a="http://schemas.openxmlformats.org/drawingml/2006/main" uniqueId="urn:microsoft.com/office/officeart/2018/5/colors/Iconchunking_neutralbg_colorful1">
   <dgm:title val=""/>
   <dgm:desc val=""/>
@@ -15496,8 +14545,8 @@
 <file path=ppt/diagrams/data10.xml><?xml version="1.0" encoding="utf-8"?>
 <dgm:dataModel xmlns:dgm="http://schemas.openxmlformats.org/drawingml/2006/diagram" xmlns:a="http://schemas.openxmlformats.org/drawingml/2006/main">
   <dgm:ptLst>
-    <dgm:pt modelId="{B3F2E87D-3C8D-48BF-B825-23C050F3F362}" type="doc">
-      <dgm:prSet loTypeId="urn:microsoft.com/office/officeart/2018/2/layout/IconLabelList" loCatId="icon" qsTypeId="urn:microsoft.com/office/officeart/2005/8/quickstyle/simple1" qsCatId="simple" csTypeId="urn:microsoft.com/office/officeart/2018/5/colors/Iconchunking_neutralbg_colorful1" csCatId="colorful" phldr="1"/>
+    <dgm:pt modelId="{20881533-46BF-447B-A431-7362ABC3A240}" type="doc">
+      <dgm:prSet loTypeId="urn:microsoft.com/office/officeart/2005/8/layout/hierarchy1" loCatId="hierarchy" qsTypeId="urn:microsoft.com/office/officeart/2005/8/quickstyle/simple5" qsCatId="simple" csTypeId="urn:microsoft.com/office/officeart/2005/8/colors/accent1_2" csCatId="accent1"/>
       <dgm:spPr/>
       <dgm:t>
         <a:bodyPr/>
@@ -15507,7 +14556,7 @@
         </a:p>
       </dgm:t>
     </dgm:pt>
-    <dgm:pt modelId="{EEE23184-1F64-4E17-85E2-081FE0678647}">
+    <dgm:pt modelId="{D9C54278-551C-4BA8-B56E-205EA2983CBA}">
       <dgm:prSet/>
       <dgm:spPr/>
       <dgm:t>
@@ -15515,14 +14564,14 @@
         <a:lstStyle/>
         <a:p>
           <a:r>
-            <a:rPr lang="en-GB"/>
-            <a:t>Provides reliable and discoverable means to access Pods</a:t>
+            <a:rPr lang="en-GB" baseline="0"/>
+            <a:t>ClusterIP</a:t>
           </a:r>
           <a:endParaRPr lang="en-US"/>
         </a:p>
       </dgm:t>
     </dgm:pt>
-    <dgm:pt modelId="{DE4692EF-31B5-4960-8E63-3EE792497270}" type="parTrans" cxnId="{1F4E6903-4B3E-4DCA-BAF3-EE81571D8E6C}">
+    <dgm:pt modelId="{807015A6-2DF6-4194-B231-FDAC7E7B1A62}" type="parTrans" cxnId="{1E9EC347-CC0C-4784-ADCA-7341B30E4974}">
       <dgm:prSet/>
       <dgm:spPr/>
       <dgm:t>
@@ -15533,7 +14582,7 @@
         </a:p>
       </dgm:t>
     </dgm:pt>
-    <dgm:pt modelId="{339D4D88-842A-4218-ACD7-CD5BD67C47DE}" type="sibTrans" cxnId="{1F4E6903-4B3E-4DCA-BAF3-EE81571D8E6C}">
+    <dgm:pt modelId="{B0CAC9E7-2B87-40D9-AFF5-6D67D74DBB0E}" type="sibTrans" cxnId="{1E9EC347-CC0C-4784-ADCA-7341B30E4974}">
       <dgm:prSet/>
       <dgm:spPr/>
       <dgm:t>
@@ -15544,7 +14593,7 @@
         </a:p>
       </dgm:t>
     </dgm:pt>
-    <dgm:pt modelId="{37558418-BC06-421C-9B21-E2E13070C139}">
+    <dgm:pt modelId="{89AB162B-C1C5-4776-B0C6-B1A58149BA08}">
       <dgm:prSet/>
       <dgm:spPr/>
       <dgm:t>
@@ -15552,14 +14601,14 @@
         <a:lstStyle/>
         <a:p>
           <a:r>
-            <a:rPr lang="en-GB"/>
-            <a:t>Offers abstraction over Pods, which might come and go</a:t>
+            <a:rPr lang="en-GB" baseline="0"/>
+            <a:t>NodePort</a:t>
           </a:r>
           <a:endParaRPr lang="en-US"/>
         </a:p>
       </dgm:t>
     </dgm:pt>
-    <dgm:pt modelId="{E44AE577-9E44-4649-98D3-DE25B484F290}" type="parTrans" cxnId="{8D495553-7A63-4F83-9A78-593873E91F8F}">
+    <dgm:pt modelId="{5B97A8E0-FAE7-4C9A-8947-96D89D984C40}" type="parTrans" cxnId="{DF521C0C-8576-4E02-86C5-B4A2D50F5F57}">
       <dgm:prSet/>
       <dgm:spPr/>
       <dgm:t>
@@ -15570,7 +14619,7 @@
         </a:p>
       </dgm:t>
     </dgm:pt>
-    <dgm:pt modelId="{26926D36-C529-4F4B-ADCC-0994417A3FF3}" type="sibTrans" cxnId="{8D495553-7A63-4F83-9A78-593873E91F8F}">
+    <dgm:pt modelId="{32436350-79DF-43AA-AB23-07AB324FFDD7}" type="sibTrans" cxnId="{DF521C0C-8576-4E02-86C5-B4A2D50F5F57}">
       <dgm:prSet/>
       <dgm:spPr/>
       <dgm:t>
@@ -15581,7 +14630,7 @@
         </a:p>
       </dgm:t>
     </dgm:pt>
-    <dgm:pt modelId="{E79579D4-8DD8-4843-8F90-BFED51C567C6}">
+    <dgm:pt modelId="{C507B38E-A9C9-4F2A-A51A-0D0BFE1E10D5}">
       <dgm:prSet/>
       <dgm:spPr/>
       <dgm:t>
@@ -15589,14 +14638,14 @@
         <a:lstStyle/>
         <a:p>
           <a:r>
-            <a:rPr lang="en-GB"/>
-            <a:t>Ensures zero downtime during deployments &amp; maintenace</a:t>
+            <a:rPr lang="en-GB" baseline="0"/>
+            <a:t>LoadBalancer</a:t>
           </a:r>
           <a:endParaRPr lang="en-US"/>
         </a:p>
       </dgm:t>
     </dgm:pt>
-    <dgm:pt modelId="{007C567E-F422-4989-A453-19719F4B14DF}" type="parTrans" cxnId="{218EB6FE-EFAF-4099-ADA3-DA4F29F9E868}">
+    <dgm:pt modelId="{0F8CDF1D-3948-4871-A00A-8C6371F43533}" type="parTrans" cxnId="{94E9A870-D1C8-401C-A787-BB70AE34CFC0}">
       <dgm:prSet/>
       <dgm:spPr/>
       <dgm:t>
@@ -15607,7 +14656,7 @@
         </a:p>
       </dgm:t>
     </dgm:pt>
-    <dgm:pt modelId="{B6518757-5273-456A-AEAF-F91868FF6F59}" type="sibTrans" cxnId="{218EB6FE-EFAF-4099-ADA3-DA4F29F9E868}">
+    <dgm:pt modelId="{B6711A6A-F7CB-46A1-9BDA-5AA59018E21B}" type="sibTrans" cxnId="{94E9A870-D1C8-401C-A787-BB70AE34CFC0}">
       <dgm:prSet/>
       <dgm:spPr/>
       <dgm:t>
@@ -15618,207 +14667,7 @@
         </a:p>
       </dgm:t>
     </dgm:pt>
-    <dgm:pt modelId="{A460A2A1-451C-4BCF-A205-358185E3A1C9}" type="pres">
-      <dgm:prSet presAssocID="{B3F2E87D-3C8D-48BF-B825-23C050F3F362}" presName="root" presStyleCnt="0">
-        <dgm:presLayoutVars>
-          <dgm:dir/>
-          <dgm:resizeHandles val="exact"/>
-        </dgm:presLayoutVars>
-      </dgm:prSet>
-      <dgm:spPr/>
-    </dgm:pt>
-    <dgm:pt modelId="{EB766F37-3FE1-4411-9A27-E72172FF3BC7}" type="pres">
-      <dgm:prSet presAssocID="{EEE23184-1F64-4E17-85E2-081FE0678647}" presName="compNode" presStyleCnt="0"/>
-      <dgm:spPr/>
-    </dgm:pt>
-    <dgm:pt modelId="{5C8CC798-C43E-4BA7-937C-AB5A7F697175}" type="pres">
-      <dgm:prSet presAssocID="{EEE23184-1F64-4E17-85E2-081FE0678647}" presName="iconRect" presStyleLbl="node1" presStyleIdx="0" presStyleCnt="3"/>
-      <dgm:spPr>
-        <a:blipFill>
-          <a:blip xmlns:r="http://schemas.openxmlformats.org/officeDocument/2006/relationships" r:embed="rId1">
-            <a:extLst>
-              <a:ext uri="{28A0092B-C50C-407E-A947-70E740481C1C}">
-                <a14:useLocalDpi xmlns:a14="http://schemas.microsoft.com/office/drawing/2010/main" val="0"/>
-              </a:ext>
-              <a:ext uri="{96DAC541-7B7A-43D3-8B79-37D633B846F1}">
-                <asvg:svgBlip xmlns:asvg="http://schemas.microsoft.com/office/drawing/2016/SVG/main" r:embed="rId2"/>
-              </a:ext>
-            </a:extLst>
-          </a:blip>
-          <a:stretch>
-            <a:fillRect/>
-          </a:stretch>
-        </a:blipFill>
-        <a:ln>
-          <a:noFill/>
-        </a:ln>
-      </dgm:spPr>
-      <dgm:extLst>
-        <a:ext uri="{E40237B7-FDA0-4F09-8148-C483321AD2D9}">
-          <dgm14:cNvPr xmlns:dgm14="http://schemas.microsoft.com/office/drawing/2010/diagram" id="0" name="" descr="Magnifying glass"/>
-        </a:ext>
-      </dgm:extLst>
-    </dgm:pt>
-    <dgm:pt modelId="{8581E1FD-8335-452C-9C17-67CAB8BC1B23}" type="pres">
-      <dgm:prSet presAssocID="{EEE23184-1F64-4E17-85E2-081FE0678647}" presName="spaceRect" presStyleCnt="0"/>
-      <dgm:spPr/>
-    </dgm:pt>
-    <dgm:pt modelId="{E1099E1D-93ED-4F57-946A-A8EBE9CF3A0D}" type="pres">
-      <dgm:prSet presAssocID="{EEE23184-1F64-4E17-85E2-081FE0678647}" presName="textRect" presStyleLbl="revTx" presStyleIdx="0" presStyleCnt="3">
-        <dgm:presLayoutVars>
-          <dgm:chMax val="1"/>
-          <dgm:chPref val="1"/>
-        </dgm:presLayoutVars>
-      </dgm:prSet>
-      <dgm:spPr/>
-    </dgm:pt>
-    <dgm:pt modelId="{B8DE72C5-157B-45DA-914E-EF2747EEB3E7}" type="pres">
-      <dgm:prSet presAssocID="{339D4D88-842A-4218-ACD7-CD5BD67C47DE}" presName="sibTrans" presStyleCnt="0"/>
-      <dgm:spPr/>
-    </dgm:pt>
-    <dgm:pt modelId="{D89EE72F-CA05-4C97-8C75-3DD1F77E96AD}" type="pres">
-      <dgm:prSet presAssocID="{37558418-BC06-421C-9B21-E2E13070C139}" presName="compNode" presStyleCnt="0"/>
-      <dgm:spPr/>
-    </dgm:pt>
-    <dgm:pt modelId="{04E61BBA-E9F8-400A-82AF-EE67E7B622B8}" type="pres">
-      <dgm:prSet presAssocID="{37558418-BC06-421C-9B21-E2E13070C139}" presName="iconRect" presStyleLbl="node1" presStyleIdx="1" presStyleCnt="3"/>
-      <dgm:spPr>
-        <a:blipFill>
-          <a:blip xmlns:r="http://schemas.openxmlformats.org/officeDocument/2006/relationships" r:embed="rId3">
-            <a:extLst>
-              <a:ext uri="{28A0092B-C50C-407E-A947-70E740481C1C}">
-                <a14:useLocalDpi xmlns:a14="http://schemas.microsoft.com/office/drawing/2010/main" val="0"/>
-              </a:ext>
-              <a:ext uri="{96DAC541-7B7A-43D3-8B79-37D633B846F1}">
-                <asvg:svgBlip xmlns:asvg="http://schemas.microsoft.com/office/drawing/2016/SVG/main" r:embed="rId4"/>
-              </a:ext>
-            </a:extLst>
-          </a:blip>
-          <a:stretch>
-            <a:fillRect/>
-          </a:stretch>
-        </a:blipFill>
-        <a:ln>
-          <a:noFill/>
-        </a:ln>
-      </dgm:spPr>
-      <dgm:extLst>
-        <a:ext uri="{E40237B7-FDA0-4F09-8148-C483321AD2D9}">
-          <dgm14:cNvPr xmlns:dgm14="http://schemas.microsoft.com/office/drawing/2010/diagram" id="0" name="" descr="Database"/>
-        </a:ext>
-      </dgm:extLst>
-    </dgm:pt>
-    <dgm:pt modelId="{A9AA2C0C-F539-4CEA-9562-25E6A1B1E9F2}" type="pres">
-      <dgm:prSet presAssocID="{37558418-BC06-421C-9B21-E2E13070C139}" presName="spaceRect" presStyleCnt="0"/>
-      <dgm:spPr/>
-    </dgm:pt>
-    <dgm:pt modelId="{ECB49B58-3CE7-496A-B413-ED5D865B6748}" type="pres">
-      <dgm:prSet presAssocID="{37558418-BC06-421C-9B21-E2E13070C139}" presName="textRect" presStyleLbl="revTx" presStyleIdx="1" presStyleCnt="3">
-        <dgm:presLayoutVars>
-          <dgm:chMax val="1"/>
-          <dgm:chPref val="1"/>
-        </dgm:presLayoutVars>
-      </dgm:prSet>
-      <dgm:spPr/>
-    </dgm:pt>
-    <dgm:pt modelId="{6966E46D-8261-4C0D-BF3D-9925C832FA7D}" type="pres">
-      <dgm:prSet presAssocID="{26926D36-C529-4F4B-ADCC-0994417A3FF3}" presName="sibTrans" presStyleCnt="0"/>
-      <dgm:spPr/>
-    </dgm:pt>
-    <dgm:pt modelId="{25A4C97E-202B-4276-A459-1FEA778E72F1}" type="pres">
-      <dgm:prSet presAssocID="{E79579D4-8DD8-4843-8F90-BFED51C567C6}" presName="compNode" presStyleCnt="0"/>
-      <dgm:spPr/>
-    </dgm:pt>
-    <dgm:pt modelId="{EDE512D3-14ED-47E6-8304-F1838118D5D5}" type="pres">
-      <dgm:prSet presAssocID="{E79579D4-8DD8-4843-8F90-BFED51C567C6}" presName="iconRect" presStyleLbl="node1" presStyleIdx="2" presStyleCnt="3"/>
-      <dgm:spPr>
-        <a:blipFill>
-          <a:blip xmlns:r="http://schemas.openxmlformats.org/officeDocument/2006/relationships" r:embed="rId5">
-            <a:extLst>
-              <a:ext uri="{28A0092B-C50C-407E-A947-70E740481C1C}">
-                <a14:useLocalDpi xmlns:a14="http://schemas.microsoft.com/office/drawing/2010/main" val="0"/>
-              </a:ext>
-              <a:ext uri="{96DAC541-7B7A-43D3-8B79-37D633B846F1}">
-                <asvg:svgBlip xmlns:asvg="http://schemas.microsoft.com/office/drawing/2016/SVG/main" r:embed="rId6"/>
-              </a:ext>
-            </a:extLst>
-          </a:blip>
-          <a:stretch>
-            <a:fillRect/>
-          </a:stretch>
-        </a:blipFill>
-        <a:ln>
-          <a:noFill/>
-        </a:ln>
-      </dgm:spPr>
-      <dgm:extLst>
-        <a:ext uri="{E40237B7-FDA0-4F09-8148-C483321AD2D9}">
-          <dgm14:cNvPr xmlns:dgm14="http://schemas.microsoft.com/office/drawing/2010/diagram" id="0" name="" descr="Arrow Circle"/>
-        </a:ext>
-      </dgm:extLst>
-    </dgm:pt>
-    <dgm:pt modelId="{2C88503E-CDBA-4A7E-BCF7-E289ABB9EF94}" type="pres">
-      <dgm:prSet presAssocID="{E79579D4-8DD8-4843-8F90-BFED51C567C6}" presName="spaceRect" presStyleCnt="0"/>
-      <dgm:spPr/>
-    </dgm:pt>
-    <dgm:pt modelId="{E4F43A5A-8E8A-4261-8CFC-1C090DD76E74}" type="pres">
-      <dgm:prSet presAssocID="{E79579D4-8DD8-4843-8F90-BFED51C567C6}" presName="textRect" presStyleLbl="revTx" presStyleIdx="2" presStyleCnt="3">
-        <dgm:presLayoutVars>
-          <dgm:chMax val="1"/>
-          <dgm:chPref val="1"/>
-        </dgm:presLayoutVars>
-      </dgm:prSet>
-      <dgm:spPr/>
-    </dgm:pt>
-  </dgm:ptLst>
-  <dgm:cxnLst>
-    <dgm:cxn modelId="{1F4E6903-4B3E-4DCA-BAF3-EE81571D8E6C}" srcId="{B3F2E87D-3C8D-48BF-B825-23C050F3F362}" destId="{EEE23184-1F64-4E17-85E2-081FE0678647}" srcOrd="0" destOrd="0" parTransId="{DE4692EF-31B5-4960-8E63-3EE792497270}" sibTransId="{339D4D88-842A-4218-ACD7-CD5BD67C47DE}"/>
-    <dgm:cxn modelId="{F8B7E516-C230-4B9E-8DA1-69DDE9CF09D5}" type="presOf" srcId="{37558418-BC06-421C-9B21-E2E13070C139}" destId="{ECB49B58-3CE7-496A-B413-ED5D865B6748}" srcOrd="0" destOrd="0" presId="urn:microsoft.com/office/officeart/2018/2/layout/IconLabelList"/>
-    <dgm:cxn modelId="{8D495553-7A63-4F83-9A78-593873E91F8F}" srcId="{B3F2E87D-3C8D-48BF-B825-23C050F3F362}" destId="{37558418-BC06-421C-9B21-E2E13070C139}" srcOrd="1" destOrd="0" parTransId="{E44AE577-9E44-4649-98D3-DE25B484F290}" sibTransId="{26926D36-C529-4F4B-ADCC-0994417A3FF3}"/>
-    <dgm:cxn modelId="{A23D8D81-BA06-4918-B4C2-C8929E817B9D}" type="presOf" srcId="{E79579D4-8DD8-4843-8F90-BFED51C567C6}" destId="{E4F43A5A-8E8A-4261-8CFC-1C090DD76E74}" srcOrd="0" destOrd="0" presId="urn:microsoft.com/office/officeart/2018/2/layout/IconLabelList"/>
-    <dgm:cxn modelId="{F95CCBAC-3780-4F0C-A1F5-90BE0B3C8693}" type="presOf" srcId="{B3F2E87D-3C8D-48BF-B825-23C050F3F362}" destId="{A460A2A1-451C-4BCF-A205-358185E3A1C9}" srcOrd="0" destOrd="0" presId="urn:microsoft.com/office/officeart/2018/2/layout/IconLabelList"/>
-    <dgm:cxn modelId="{C073E3F0-8A47-40DE-9E9F-B471DF128F45}" type="presOf" srcId="{EEE23184-1F64-4E17-85E2-081FE0678647}" destId="{E1099E1D-93ED-4F57-946A-A8EBE9CF3A0D}" srcOrd="0" destOrd="0" presId="urn:microsoft.com/office/officeart/2018/2/layout/IconLabelList"/>
-    <dgm:cxn modelId="{218EB6FE-EFAF-4099-ADA3-DA4F29F9E868}" srcId="{B3F2E87D-3C8D-48BF-B825-23C050F3F362}" destId="{E79579D4-8DD8-4843-8F90-BFED51C567C6}" srcOrd="2" destOrd="0" parTransId="{007C567E-F422-4989-A453-19719F4B14DF}" sibTransId="{B6518757-5273-456A-AEAF-F91868FF6F59}"/>
-    <dgm:cxn modelId="{4F3E7813-25D4-4356-81EC-7D2E794A9116}" type="presParOf" srcId="{A460A2A1-451C-4BCF-A205-358185E3A1C9}" destId="{EB766F37-3FE1-4411-9A27-E72172FF3BC7}" srcOrd="0" destOrd="0" presId="urn:microsoft.com/office/officeart/2018/2/layout/IconLabelList"/>
-    <dgm:cxn modelId="{F4D0344F-40E3-4D93-9A6F-E3B0336654B3}" type="presParOf" srcId="{EB766F37-3FE1-4411-9A27-E72172FF3BC7}" destId="{5C8CC798-C43E-4BA7-937C-AB5A7F697175}" srcOrd="0" destOrd="0" presId="urn:microsoft.com/office/officeart/2018/2/layout/IconLabelList"/>
-    <dgm:cxn modelId="{A65950EA-A2DE-44C5-8569-10ABAA37C319}" type="presParOf" srcId="{EB766F37-3FE1-4411-9A27-E72172FF3BC7}" destId="{8581E1FD-8335-452C-9C17-67CAB8BC1B23}" srcOrd="1" destOrd="0" presId="urn:microsoft.com/office/officeart/2018/2/layout/IconLabelList"/>
-    <dgm:cxn modelId="{78B2EB80-9964-4439-A7EB-E570E3BBAFF9}" type="presParOf" srcId="{EB766F37-3FE1-4411-9A27-E72172FF3BC7}" destId="{E1099E1D-93ED-4F57-946A-A8EBE9CF3A0D}" srcOrd="2" destOrd="0" presId="urn:microsoft.com/office/officeart/2018/2/layout/IconLabelList"/>
-    <dgm:cxn modelId="{DF03BC3B-2750-460B-83D4-739B67F30A3A}" type="presParOf" srcId="{A460A2A1-451C-4BCF-A205-358185E3A1C9}" destId="{B8DE72C5-157B-45DA-914E-EF2747EEB3E7}" srcOrd="1" destOrd="0" presId="urn:microsoft.com/office/officeart/2018/2/layout/IconLabelList"/>
-    <dgm:cxn modelId="{73843F82-CF63-4D61-9EBE-FB0B07B931B8}" type="presParOf" srcId="{A460A2A1-451C-4BCF-A205-358185E3A1C9}" destId="{D89EE72F-CA05-4C97-8C75-3DD1F77E96AD}" srcOrd="2" destOrd="0" presId="urn:microsoft.com/office/officeart/2018/2/layout/IconLabelList"/>
-    <dgm:cxn modelId="{07D5A39F-110D-4C73-829E-E50F3030B8B7}" type="presParOf" srcId="{D89EE72F-CA05-4C97-8C75-3DD1F77E96AD}" destId="{04E61BBA-E9F8-400A-82AF-EE67E7B622B8}" srcOrd="0" destOrd="0" presId="urn:microsoft.com/office/officeart/2018/2/layout/IconLabelList"/>
-    <dgm:cxn modelId="{AA84BD0C-1765-4264-83BA-91173AC51FA3}" type="presParOf" srcId="{D89EE72F-CA05-4C97-8C75-3DD1F77E96AD}" destId="{A9AA2C0C-F539-4CEA-9562-25E6A1B1E9F2}" srcOrd="1" destOrd="0" presId="urn:microsoft.com/office/officeart/2018/2/layout/IconLabelList"/>
-    <dgm:cxn modelId="{2A1F899C-C793-4FAF-A0CB-6B7229F4DF83}" type="presParOf" srcId="{D89EE72F-CA05-4C97-8C75-3DD1F77E96AD}" destId="{ECB49B58-3CE7-496A-B413-ED5D865B6748}" srcOrd="2" destOrd="0" presId="urn:microsoft.com/office/officeart/2018/2/layout/IconLabelList"/>
-    <dgm:cxn modelId="{832E46E2-F144-4334-A490-124B1C5FFF1A}" type="presParOf" srcId="{A460A2A1-451C-4BCF-A205-358185E3A1C9}" destId="{6966E46D-8261-4C0D-BF3D-9925C832FA7D}" srcOrd="3" destOrd="0" presId="urn:microsoft.com/office/officeart/2018/2/layout/IconLabelList"/>
-    <dgm:cxn modelId="{12100FA6-E35D-4F02-9EAC-0DCFDEBF4EF5}" type="presParOf" srcId="{A460A2A1-451C-4BCF-A205-358185E3A1C9}" destId="{25A4C97E-202B-4276-A459-1FEA778E72F1}" srcOrd="4" destOrd="0" presId="urn:microsoft.com/office/officeart/2018/2/layout/IconLabelList"/>
-    <dgm:cxn modelId="{57DC00B4-0806-4615-912B-541DC0E70045}" type="presParOf" srcId="{25A4C97E-202B-4276-A459-1FEA778E72F1}" destId="{EDE512D3-14ED-47E6-8304-F1838118D5D5}" srcOrd="0" destOrd="0" presId="urn:microsoft.com/office/officeart/2018/2/layout/IconLabelList"/>
-    <dgm:cxn modelId="{68D877E4-E205-4544-BB3B-35667E452E39}" type="presParOf" srcId="{25A4C97E-202B-4276-A459-1FEA778E72F1}" destId="{2C88503E-CDBA-4A7E-BCF7-E289ABB9EF94}" srcOrd="1" destOrd="0" presId="urn:microsoft.com/office/officeart/2018/2/layout/IconLabelList"/>
-    <dgm:cxn modelId="{F3F0DA8D-AF00-41F5-96DF-0DEDA86642EC}" type="presParOf" srcId="{25A4C97E-202B-4276-A459-1FEA778E72F1}" destId="{E4F43A5A-8E8A-4261-8CFC-1C090DD76E74}" srcOrd="2" destOrd="0" presId="urn:microsoft.com/office/officeart/2018/2/layout/IconLabelList"/>
-  </dgm:cxnLst>
-  <dgm:bg/>
-  <dgm:whole/>
-  <dgm:extLst>
-    <a:ext uri="http://schemas.microsoft.com/office/drawing/2008/diagram">
-      <dsp:dataModelExt xmlns:dsp="http://schemas.microsoft.com/office/drawing/2008/diagram" relId="rId6" minVer="http://schemas.openxmlformats.org/drawingml/2006/diagram"/>
-    </a:ext>
-  </dgm:extLst>
-</dgm:dataModel>
-</file>
-
-<file path=ppt/diagrams/data11.xml><?xml version="1.0" encoding="utf-8"?>
-<dgm:dataModel xmlns:dgm="http://schemas.openxmlformats.org/drawingml/2006/diagram" xmlns:a="http://schemas.openxmlformats.org/drawingml/2006/main">
-  <dgm:ptLst>
-    <dgm:pt modelId="{DF29660E-E5D0-4631-B461-E6A8ED3E55D5}" type="doc">
-      <dgm:prSet loTypeId="urn:microsoft.com/office/officeart/2016/7/layout/BasicLinearProcessNumbered" loCatId="process" qsTypeId="urn:microsoft.com/office/officeart/2005/8/quickstyle/simple5" qsCatId="simple" csTypeId="urn:microsoft.com/office/officeart/2005/8/colors/colorful2" csCatId="colorful"/>
-      <dgm:spPr/>
-      <dgm:t>
-        <a:bodyPr/>
-        <a:lstStyle/>
-        <a:p>
-          <a:endParaRPr lang="en-US"/>
-        </a:p>
-      </dgm:t>
-    </dgm:pt>
-    <dgm:pt modelId="{A18195F3-BC72-4AE0-876F-6CA7B291BDB8}">
+    <dgm:pt modelId="{61B69134-DB07-425B-A918-6A9825C2B87D}">
       <dgm:prSet/>
       <dgm:spPr/>
       <dgm:t>
@@ -15827,13 +14676,13 @@
         <a:p>
           <a:r>
             <a:rPr lang="en-GB" baseline="0"/>
-            <a:t>Use a service YAML file to define the service.</a:t>
+            <a:t>ExternalName</a:t>
           </a:r>
           <a:endParaRPr lang="en-US"/>
         </a:p>
       </dgm:t>
     </dgm:pt>
-    <dgm:pt modelId="{69FB3D0B-EFEB-45AE-8359-D35E28133F4D}" type="parTrans" cxnId="{3F931C0D-A4AE-4B38-BE80-51C21BD0E4CB}">
+    <dgm:pt modelId="{9FB86E77-602E-4CB6-8D8A-563F5289F6DA}" type="parTrans" cxnId="{9660F7E6-B708-4C8C-8681-38A46E2D61BD}">
       <dgm:prSet/>
       <dgm:spPr/>
       <dgm:t>
@@ -15844,36 +14693,7 @@
         </a:p>
       </dgm:t>
     </dgm:pt>
-    <dgm:pt modelId="{9ACBCE2C-A087-406C-9209-600104C81B82}" type="sibTrans" cxnId="{3F931C0D-A4AE-4B38-BE80-51C21BD0E4CB}">
-      <dgm:prSet phldrT="1" phldr="0"/>
-      <dgm:spPr/>
-      <dgm:t>
-        <a:bodyPr/>
-        <a:lstStyle/>
-        <a:p>
-          <a:r>
-            <a:rPr lang="en-US"/>
-            <a:t>1</a:t>
-          </a:r>
-        </a:p>
-      </dgm:t>
-    </dgm:pt>
-    <dgm:pt modelId="{7B46577F-AC86-4228-A129-F25B720E484B}">
-      <dgm:prSet/>
-      <dgm:spPr/>
-      <dgm:t>
-        <a:bodyPr/>
-        <a:lstStyle/>
-        <a:p>
-          <a:r>
-            <a:rPr lang="en-GB" baseline="0"/>
-            <a:t>Specify selectors to determine which pods receive traffic</a:t>
-          </a:r>
-          <a:endParaRPr lang="en-US"/>
-        </a:p>
-      </dgm:t>
-    </dgm:pt>
-    <dgm:pt modelId="{43D6CBEA-992B-4A72-9148-60E9D24B57EA}" type="parTrans" cxnId="{F71F19B3-B53E-4109-B47F-72855E0ECA14}">
+    <dgm:pt modelId="{D25F94BC-A193-45B0-8241-2FADB116B248}" type="sibTrans" cxnId="{9660F7E6-B708-4C8C-8681-38A46E2D61BD}">
       <dgm:prSet/>
       <dgm:spPr/>
       <dgm:t>
@@ -15884,226 +14704,157 @@
         </a:p>
       </dgm:t>
     </dgm:pt>
-    <dgm:pt modelId="{CF03CAAD-D982-4944-82C6-767FF451EC47}" type="sibTrans" cxnId="{F71F19B3-B53E-4109-B47F-72855E0ECA14}">
-      <dgm:prSet phldrT="2" phldr="0"/>
-      <dgm:spPr/>
-      <dgm:t>
-        <a:bodyPr/>
-        <a:lstStyle/>
-        <a:p>
-          <a:r>
-            <a:rPr lang="en-US"/>
-            <a:t>2</a:t>
-          </a:r>
-        </a:p>
-      </dgm:t>
-    </dgm:pt>
-    <dgm:pt modelId="{2F0AD770-5C02-4305-B6DF-2FA11F312AE4}">
-      <dgm:prSet/>
-      <dgm:spPr/>
-      <dgm:t>
-        <a:bodyPr/>
-        <a:lstStyle/>
-        <a:p>
-          <a:r>
-            <a:rPr lang="en-GB" baseline="0"/>
-            <a:t>Use 'kubectl apply –f service.yaml' to create the service.</a:t>
-          </a:r>
-          <a:endParaRPr lang="en-US"/>
-        </a:p>
-      </dgm:t>
-    </dgm:pt>
-    <dgm:pt modelId="{028C10BB-08A6-45BA-BA09-D68E54722E18}" type="parTrans" cxnId="{4E4D729E-8F59-4184-A047-50EE1F384DBA}">
-      <dgm:prSet/>
-      <dgm:spPr/>
-      <dgm:t>
-        <a:bodyPr/>
-        <a:lstStyle/>
-        <a:p>
-          <a:endParaRPr lang="en-US"/>
-        </a:p>
-      </dgm:t>
-    </dgm:pt>
-    <dgm:pt modelId="{1C2DD791-C517-4FCB-A136-2C8C63941C39}" type="sibTrans" cxnId="{4E4D729E-8F59-4184-A047-50EE1F384DBA}">
-      <dgm:prSet phldrT="3" phldr="0"/>
-      <dgm:spPr/>
-      <dgm:t>
-        <a:bodyPr/>
-        <a:lstStyle/>
-        <a:p>
-          <a:r>
-            <a:rPr lang="en-US"/>
-            <a:t>3</a:t>
-          </a:r>
-        </a:p>
-      </dgm:t>
-    </dgm:pt>
-    <dgm:pt modelId="{66948AE2-1810-46A0-A90F-197A9BC80ED2}" type="pres">
-      <dgm:prSet presAssocID="{DF29660E-E5D0-4631-B461-E6A8ED3E55D5}" presName="Name0" presStyleCnt="0">
+    <dgm:pt modelId="{C6068986-5F16-4341-BA28-B099BDF3FDFB}" type="pres">
+      <dgm:prSet presAssocID="{20881533-46BF-447B-A431-7362ABC3A240}" presName="hierChild1" presStyleCnt="0">
         <dgm:presLayoutVars>
+          <dgm:chPref val="1"/>
+          <dgm:dir/>
+          <dgm:animOne val="branch"/>
           <dgm:animLvl val="lvl"/>
-          <dgm:resizeHandles val="exact"/>
+          <dgm:resizeHandles/>
         </dgm:presLayoutVars>
       </dgm:prSet>
       <dgm:spPr/>
     </dgm:pt>
-    <dgm:pt modelId="{4632508C-6567-46C1-A32F-018545A5152B}" type="pres">
-      <dgm:prSet presAssocID="{A18195F3-BC72-4AE0-876F-6CA7B291BDB8}" presName="compositeNode" presStyleCnt="0">
+    <dgm:pt modelId="{0A947D0F-3B91-4424-A7CB-949D5C8162B4}" type="pres">
+      <dgm:prSet presAssocID="{D9C54278-551C-4BA8-B56E-205EA2983CBA}" presName="hierRoot1" presStyleCnt="0"/>
+      <dgm:spPr/>
+    </dgm:pt>
+    <dgm:pt modelId="{B18814C8-08F4-41BE-B74A-948014FE2B62}" type="pres">
+      <dgm:prSet presAssocID="{D9C54278-551C-4BA8-B56E-205EA2983CBA}" presName="composite" presStyleCnt="0"/>
+      <dgm:spPr/>
+    </dgm:pt>
+    <dgm:pt modelId="{81CCC41D-2B4C-4690-96C9-46130C216611}" type="pres">
+      <dgm:prSet presAssocID="{D9C54278-551C-4BA8-B56E-205EA2983CBA}" presName="background" presStyleLbl="node0" presStyleIdx="0" presStyleCnt="4"/>
+      <dgm:spPr/>
+    </dgm:pt>
+    <dgm:pt modelId="{3A61B096-E36E-4F0D-880D-DB423D554BF9}" type="pres">
+      <dgm:prSet presAssocID="{D9C54278-551C-4BA8-B56E-205EA2983CBA}" presName="text" presStyleLbl="fgAcc0" presStyleIdx="0" presStyleCnt="4">
         <dgm:presLayoutVars>
-          <dgm:bulletEnabled val="1"/>
+          <dgm:chPref val="3"/>
         </dgm:presLayoutVars>
       </dgm:prSet>
       <dgm:spPr/>
     </dgm:pt>
-    <dgm:pt modelId="{48FC0927-9BAD-4F77-A20C-74CA94490E9B}" type="pres">
-      <dgm:prSet presAssocID="{A18195F3-BC72-4AE0-876F-6CA7B291BDB8}" presName="bgRect" presStyleLbl="bgAccFollowNode1" presStyleIdx="0" presStyleCnt="3"/>
+    <dgm:pt modelId="{650F5695-06F0-4602-B303-D500186CD866}" type="pres">
+      <dgm:prSet presAssocID="{D9C54278-551C-4BA8-B56E-205EA2983CBA}" presName="hierChild2" presStyleCnt="0"/>
       <dgm:spPr/>
     </dgm:pt>
-    <dgm:pt modelId="{11A756FF-D6D7-4BEB-8A85-57DBB6BC3C5B}" type="pres">
-      <dgm:prSet presAssocID="{9ACBCE2C-A087-406C-9209-600104C81B82}" presName="sibTransNodeCircle" presStyleLbl="alignNode1" presStyleIdx="0" presStyleCnt="6">
+    <dgm:pt modelId="{61FB0910-DD6C-4294-B4E4-91BA8878667F}" type="pres">
+      <dgm:prSet presAssocID="{89AB162B-C1C5-4776-B0C6-B1A58149BA08}" presName="hierRoot1" presStyleCnt="0"/>
+      <dgm:spPr/>
+    </dgm:pt>
+    <dgm:pt modelId="{EB4954B5-8805-44AC-85EC-583F75F8CC78}" type="pres">
+      <dgm:prSet presAssocID="{89AB162B-C1C5-4776-B0C6-B1A58149BA08}" presName="composite" presStyleCnt="0"/>
+      <dgm:spPr/>
+    </dgm:pt>
+    <dgm:pt modelId="{D5A73AA8-FF57-44B3-A725-412B93F872EA}" type="pres">
+      <dgm:prSet presAssocID="{89AB162B-C1C5-4776-B0C6-B1A58149BA08}" presName="background" presStyleLbl="node0" presStyleIdx="1" presStyleCnt="4"/>
+      <dgm:spPr/>
+    </dgm:pt>
+    <dgm:pt modelId="{1116BEC4-7165-4F00-A90B-5BDC3745DE35}" type="pres">
+      <dgm:prSet presAssocID="{89AB162B-C1C5-4776-B0C6-B1A58149BA08}" presName="text" presStyleLbl="fgAcc0" presStyleIdx="1" presStyleCnt="4">
         <dgm:presLayoutVars>
-          <dgm:chMax val="0"/>
-          <dgm:bulletEnabled/>
+          <dgm:chPref val="3"/>
         </dgm:presLayoutVars>
       </dgm:prSet>
       <dgm:spPr/>
     </dgm:pt>
-    <dgm:pt modelId="{568DB78F-F9AC-498D-864B-C9908B090A70}" type="pres">
-      <dgm:prSet presAssocID="{A18195F3-BC72-4AE0-876F-6CA7B291BDB8}" presName="bottomLine" presStyleLbl="alignNode1" presStyleIdx="1" presStyleCnt="6">
-        <dgm:presLayoutVars/>
-      </dgm:prSet>
+    <dgm:pt modelId="{B621F5A1-E8F6-419E-AB99-D9029CDB7563}" type="pres">
+      <dgm:prSet presAssocID="{89AB162B-C1C5-4776-B0C6-B1A58149BA08}" presName="hierChild2" presStyleCnt="0"/>
       <dgm:spPr/>
     </dgm:pt>
-    <dgm:pt modelId="{B78BF595-C4E2-4B18-BA9B-D3DA6BCC7CBB}" type="pres">
-      <dgm:prSet presAssocID="{A18195F3-BC72-4AE0-876F-6CA7B291BDB8}" presName="nodeText" presStyleLbl="bgAccFollowNode1" presStyleIdx="0" presStyleCnt="3">
+    <dgm:pt modelId="{B4217DAF-97EE-46DA-9986-E230A1EF4DBE}" type="pres">
+      <dgm:prSet presAssocID="{C507B38E-A9C9-4F2A-A51A-0D0BFE1E10D5}" presName="hierRoot1" presStyleCnt="0"/>
+      <dgm:spPr/>
+    </dgm:pt>
+    <dgm:pt modelId="{3A708131-648D-4995-B4DC-54D9614F9584}" type="pres">
+      <dgm:prSet presAssocID="{C507B38E-A9C9-4F2A-A51A-0D0BFE1E10D5}" presName="composite" presStyleCnt="0"/>
+      <dgm:spPr/>
+    </dgm:pt>
+    <dgm:pt modelId="{FE161E01-8044-420A-91EC-A157B579E58F}" type="pres">
+      <dgm:prSet presAssocID="{C507B38E-A9C9-4F2A-A51A-0D0BFE1E10D5}" presName="background" presStyleLbl="node0" presStyleIdx="2" presStyleCnt="4"/>
+      <dgm:spPr/>
+    </dgm:pt>
+    <dgm:pt modelId="{16CFA7E4-2C4C-4103-9CF5-3776312E4CE8}" type="pres">
+      <dgm:prSet presAssocID="{C507B38E-A9C9-4F2A-A51A-0D0BFE1E10D5}" presName="text" presStyleLbl="fgAcc0" presStyleIdx="2" presStyleCnt="4">
         <dgm:presLayoutVars>
-          <dgm:bulletEnabled val="1"/>
+          <dgm:chPref val="3"/>
         </dgm:presLayoutVars>
       </dgm:prSet>
       <dgm:spPr/>
     </dgm:pt>
-    <dgm:pt modelId="{F6CFFEC8-A37F-4637-9418-91845B6ABD64}" type="pres">
-      <dgm:prSet presAssocID="{9ACBCE2C-A087-406C-9209-600104C81B82}" presName="sibTrans" presStyleCnt="0"/>
+    <dgm:pt modelId="{36946422-F851-470B-9885-9319B778B043}" type="pres">
+      <dgm:prSet presAssocID="{C507B38E-A9C9-4F2A-A51A-0D0BFE1E10D5}" presName="hierChild2" presStyleCnt="0"/>
       <dgm:spPr/>
     </dgm:pt>
-    <dgm:pt modelId="{67F186C7-6346-4BA5-BB12-3EF233C1B957}" type="pres">
-      <dgm:prSet presAssocID="{7B46577F-AC86-4228-A129-F25B720E484B}" presName="compositeNode" presStyleCnt="0">
+    <dgm:pt modelId="{49DC854F-BE80-4E09-8EF7-EE328625DC94}" type="pres">
+      <dgm:prSet presAssocID="{61B69134-DB07-425B-A918-6A9825C2B87D}" presName="hierRoot1" presStyleCnt="0"/>
+      <dgm:spPr/>
+    </dgm:pt>
+    <dgm:pt modelId="{406B34D1-913D-4275-8971-7AE771779773}" type="pres">
+      <dgm:prSet presAssocID="{61B69134-DB07-425B-A918-6A9825C2B87D}" presName="composite" presStyleCnt="0"/>
+      <dgm:spPr/>
+    </dgm:pt>
+    <dgm:pt modelId="{7E146001-4D2D-4BC2-93E6-68215A8D13EE}" type="pres">
+      <dgm:prSet presAssocID="{61B69134-DB07-425B-A918-6A9825C2B87D}" presName="background" presStyleLbl="node0" presStyleIdx="3" presStyleCnt="4"/>
+      <dgm:spPr/>
+    </dgm:pt>
+    <dgm:pt modelId="{4CF0C08F-A38B-4637-B0C3-0D5E7CC533DD}" type="pres">
+      <dgm:prSet presAssocID="{61B69134-DB07-425B-A918-6A9825C2B87D}" presName="text" presStyleLbl="fgAcc0" presStyleIdx="3" presStyleCnt="4">
         <dgm:presLayoutVars>
-          <dgm:bulletEnabled val="1"/>
+          <dgm:chPref val="3"/>
         </dgm:presLayoutVars>
       </dgm:prSet>
       <dgm:spPr/>
     </dgm:pt>
-    <dgm:pt modelId="{732DB775-F870-42B3-943D-84799A601FF9}" type="pres">
-      <dgm:prSet presAssocID="{7B46577F-AC86-4228-A129-F25B720E484B}" presName="bgRect" presStyleLbl="bgAccFollowNode1" presStyleIdx="1" presStyleCnt="3"/>
-      <dgm:spPr/>
-    </dgm:pt>
-    <dgm:pt modelId="{AFCA3FEF-239F-4E13-B171-7141A6F41FB2}" type="pres">
-      <dgm:prSet presAssocID="{CF03CAAD-D982-4944-82C6-767FF451EC47}" presName="sibTransNodeCircle" presStyleLbl="alignNode1" presStyleIdx="2" presStyleCnt="6">
-        <dgm:presLayoutVars>
-          <dgm:chMax val="0"/>
-          <dgm:bulletEnabled/>
-        </dgm:presLayoutVars>
-      </dgm:prSet>
-      <dgm:spPr/>
-    </dgm:pt>
-    <dgm:pt modelId="{DE7BE0E2-B021-44C7-A746-E3C27559E93D}" type="pres">
-      <dgm:prSet presAssocID="{7B46577F-AC86-4228-A129-F25B720E484B}" presName="bottomLine" presStyleLbl="alignNode1" presStyleIdx="3" presStyleCnt="6">
-        <dgm:presLayoutVars/>
-      </dgm:prSet>
-      <dgm:spPr/>
-    </dgm:pt>
-    <dgm:pt modelId="{DE2EDDC2-3164-46EE-ABBF-2EB72C203F73}" type="pres">
-      <dgm:prSet presAssocID="{7B46577F-AC86-4228-A129-F25B720E484B}" presName="nodeText" presStyleLbl="bgAccFollowNode1" presStyleIdx="1" presStyleCnt="3">
-        <dgm:presLayoutVars>
-          <dgm:bulletEnabled val="1"/>
-        </dgm:presLayoutVars>
-      </dgm:prSet>
-      <dgm:spPr/>
-    </dgm:pt>
-    <dgm:pt modelId="{5F4277F9-81BA-4949-AE8E-722213DB30F3}" type="pres">
-      <dgm:prSet presAssocID="{CF03CAAD-D982-4944-82C6-767FF451EC47}" presName="sibTrans" presStyleCnt="0"/>
-      <dgm:spPr/>
-    </dgm:pt>
-    <dgm:pt modelId="{704F24B6-9B83-43F0-82C6-ED80F37479E1}" type="pres">
-      <dgm:prSet presAssocID="{2F0AD770-5C02-4305-B6DF-2FA11F312AE4}" presName="compositeNode" presStyleCnt="0">
-        <dgm:presLayoutVars>
-          <dgm:bulletEnabled val="1"/>
-        </dgm:presLayoutVars>
-      </dgm:prSet>
-      <dgm:spPr/>
-    </dgm:pt>
-    <dgm:pt modelId="{F7BC4AE1-21B9-4CF4-811A-82CF6DE8B623}" type="pres">
-      <dgm:prSet presAssocID="{2F0AD770-5C02-4305-B6DF-2FA11F312AE4}" presName="bgRect" presStyleLbl="bgAccFollowNode1" presStyleIdx="2" presStyleCnt="3"/>
-      <dgm:spPr/>
-    </dgm:pt>
-    <dgm:pt modelId="{19DE8BF8-A119-4473-9042-94B1CAE5F3C9}" type="pres">
-      <dgm:prSet presAssocID="{1C2DD791-C517-4FCB-A136-2C8C63941C39}" presName="sibTransNodeCircle" presStyleLbl="alignNode1" presStyleIdx="4" presStyleCnt="6">
-        <dgm:presLayoutVars>
-          <dgm:chMax val="0"/>
-          <dgm:bulletEnabled/>
-        </dgm:presLayoutVars>
-      </dgm:prSet>
-      <dgm:spPr/>
-    </dgm:pt>
-    <dgm:pt modelId="{D6FC3BA4-9FB3-42EC-AC0C-D2D453B0FC34}" type="pres">
-      <dgm:prSet presAssocID="{2F0AD770-5C02-4305-B6DF-2FA11F312AE4}" presName="bottomLine" presStyleLbl="alignNode1" presStyleIdx="5" presStyleCnt="6">
-        <dgm:presLayoutVars/>
-      </dgm:prSet>
-      <dgm:spPr/>
-    </dgm:pt>
-    <dgm:pt modelId="{37BA39B7-9F70-4D82-9FC7-0DE69600221F}" type="pres">
-      <dgm:prSet presAssocID="{2F0AD770-5C02-4305-B6DF-2FA11F312AE4}" presName="nodeText" presStyleLbl="bgAccFollowNode1" presStyleIdx="2" presStyleCnt="3">
-        <dgm:presLayoutVars>
-          <dgm:bulletEnabled val="1"/>
-        </dgm:presLayoutVars>
-      </dgm:prSet>
+    <dgm:pt modelId="{61F6B011-E069-4022-A0AD-8A054D3387C9}" type="pres">
+      <dgm:prSet presAssocID="{61B69134-DB07-425B-A918-6A9825C2B87D}" presName="hierChild2" presStyleCnt="0"/>
       <dgm:spPr/>
     </dgm:pt>
   </dgm:ptLst>
   <dgm:cxnLst>
-    <dgm:cxn modelId="{96A52403-BBAB-4C45-9AD3-1BAA50E0F41A}" type="presOf" srcId="{1C2DD791-C517-4FCB-A136-2C8C63941C39}" destId="{19DE8BF8-A119-4473-9042-94B1CAE5F3C9}" srcOrd="0" destOrd="0" presId="urn:microsoft.com/office/officeart/2016/7/layout/BasicLinearProcessNumbered"/>
-    <dgm:cxn modelId="{7F255507-7F16-4AB8-B0C3-551C3B7105F6}" type="presOf" srcId="{2F0AD770-5C02-4305-B6DF-2FA11F312AE4}" destId="{F7BC4AE1-21B9-4CF4-811A-82CF6DE8B623}" srcOrd="0" destOrd="0" presId="urn:microsoft.com/office/officeart/2016/7/layout/BasicLinearProcessNumbered"/>
-    <dgm:cxn modelId="{3F931C0D-A4AE-4B38-BE80-51C21BD0E4CB}" srcId="{DF29660E-E5D0-4631-B461-E6A8ED3E55D5}" destId="{A18195F3-BC72-4AE0-876F-6CA7B291BDB8}" srcOrd="0" destOrd="0" parTransId="{69FB3D0B-EFEB-45AE-8359-D35E28133F4D}" sibTransId="{9ACBCE2C-A087-406C-9209-600104C81B82}"/>
-    <dgm:cxn modelId="{53063C0D-B669-444A-911B-08570EDF7A18}" type="presOf" srcId="{9ACBCE2C-A087-406C-9209-600104C81B82}" destId="{11A756FF-D6D7-4BEB-8A85-57DBB6BC3C5B}" srcOrd="0" destOrd="0" presId="urn:microsoft.com/office/officeart/2016/7/layout/BasicLinearProcessNumbered"/>
-    <dgm:cxn modelId="{2C26582A-44A9-40D4-8146-50B071C70552}" type="presOf" srcId="{2F0AD770-5C02-4305-B6DF-2FA11F312AE4}" destId="{37BA39B7-9F70-4D82-9FC7-0DE69600221F}" srcOrd="1" destOrd="0" presId="urn:microsoft.com/office/officeart/2016/7/layout/BasicLinearProcessNumbered"/>
-    <dgm:cxn modelId="{2E04E22E-6E6E-45C7-A6EE-F5840631756B}" type="presOf" srcId="{CF03CAAD-D982-4944-82C6-767FF451EC47}" destId="{AFCA3FEF-239F-4E13-B171-7141A6F41FB2}" srcOrd="0" destOrd="0" presId="urn:microsoft.com/office/officeart/2016/7/layout/BasicLinearProcessNumbered"/>
-    <dgm:cxn modelId="{1FD10F43-15E7-4865-8FB4-1DB9B2A0B093}" type="presOf" srcId="{7B46577F-AC86-4228-A129-F25B720E484B}" destId="{732DB775-F870-42B3-943D-84799A601FF9}" srcOrd="0" destOrd="0" presId="urn:microsoft.com/office/officeart/2016/7/layout/BasicLinearProcessNumbered"/>
-    <dgm:cxn modelId="{62C5BE9A-E143-46F7-A259-19DB38A95D58}" type="presOf" srcId="{7B46577F-AC86-4228-A129-F25B720E484B}" destId="{DE2EDDC2-3164-46EE-ABBF-2EB72C203F73}" srcOrd="1" destOrd="0" presId="urn:microsoft.com/office/officeart/2016/7/layout/BasicLinearProcessNumbered"/>
-    <dgm:cxn modelId="{4E4D729E-8F59-4184-A047-50EE1F384DBA}" srcId="{DF29660E-E5D0-4631-B461-E6A8ED3E55D5}" destId="{2F0AD770-5C02-4305-B6DF-2FA11F312AE4}" srcOrd="2" destOrd="0" parTransId="{028C10BB-08A6-45BA-BA09-D68E54722E18}" sibTransId="{1C2DD791-C517-4FCB-A136-2C8C63941C39}"/>
-    <dgm:cxn modelId="{CFDBB59E-0A11-48D7-94A7-326E7F169B38}" type="presOf" srcId="{A18195F3-BC72-4AE0-876F-6CA7B291BDB8}" destId="{B78BF595-C4E2-4B18-BA9B-D3DA6BCC7CBB}" srcOrd="1" destOrd="0" presId="urn:microsoft.com/office/officeart/2016/7/layout/BasicLinearProcessNumbered"/>
-    <dgm:cxn modelId="{F71F19B3-B53E-4109-B47F-72855E0ECA14}" srcId="{DF29660E-E5D0-4631-B461-E6A8ED3E55D5}" destId="{7B46577F-AC86-4228-A129-F25B720E484B}" srcOrd="1" destOrd="0" parTransId="{43D6CBEA-992B-4A72-9148-60E9D24B57EA}" sibTransId="{CF03CAAD-D982-4944-82C6-767FF451EC47}"/>
-    <dgm:cxn modelId="{F011B9BA-2BBF-4DEA-A491-2179CEDE7124}" type="presOf" srcId="{A18195F3-BC72-4AE0-876F-6CA7B291BDB8}" destId="{48FC0927-9BAD-4F77-A20C-74CA94490E9B}" srcOrd="0" destOrd="0" presId="urn:microsoft.com/office/officeart/2016/7/layout/BasicLinearProcessNumbered"/>
-    <dgm:cxn modelId="{43CC83FA-351D-4594-8D76-08EAE549497E}" type="presOf" srcId="{DF29660E-E5D0-4631-B461-E6A8ED3E55D5}" destId="{66948AE2-1810-46A0-A90F-197A9BC80ED2}" srcOrd="0" destOrd="0" presId="urn:microsoft.com/office/officeart/2016/7/layout/BasicLinearProcessNumbered"/>
-    <dgm:cxn modelId="{E2470EFD-648F-4734-A8D2-8F6B712C5994}" type="presParOf" srcId="{66948AE2-1810-46A0-A90F-197A9BC80ED2}" destId="{4632508C-6567-46C1-A32F-018545A5152B}" srcOrd="0" destOrd="0" presId="urn:microsoft.com/office/officeart/2016/7/layout/BasicLinearProcessNumbered"/>
-    <dgm:cxn modelId="{2F8E84B6-8889-4979-B255-E119586C1A14}" type="presParOf" srcId="{4632508C-6567-46C1-A32F-018545A5152B}" destId="{48FC0927-9BAD-4F77-A20C-74CA94490E9B}" srcOrd="0" destOrd="0" presId="urn:microsoft.com/office/officeart/2016/7/layout/BasicLinearProcessNumbered"/>
-    <dgm:cxn modelId="{5E5D21DD-B0B9-46CA-B5D6-1D8E022C50CE}" type="presParOf" srcId="{4632508C-6567-46C1-A32F-018545A5152B}" destId="{11A756FF-D6D7-4BEB-8A85-57DBB6BC3C5B}" srcOrd="1" destOrd="0" presId="urn:microsoft.com/office/officeart/2016/7/layout/BasicLinearProcessNumbered"/>
-    <dgm:cxn modelId="{462EBFC0-F776-427C-8E39-8DA2882C73F3}" type="presParOf" srcId="{4632508C-6567-46C1-A32F-018545A5152B}" destId="{568DB78F-F9AC-498D-864B-C9908B090A70}" srcOrd="2" destOrd="0" presId="urn:microsoft.com/office/officeart/2016/7/layout/BasicLinearProcessNumbered"/>
-    <dgm:cxn modelId="{E6BF34E9-A511-45AD-AA60-D9D947849F69}" type="presParOf" srcId="{4632508C-6567-46C1-A32F-018545A5152B}" destId="{B78BF595-C4E2-4B18-BA9B-D3DA6BCC7CBB}" srcOrd="3" destOrd="0" presId="urn:microsoft.com/office/officeart/2016/7/layout/BasicLinearProcessNumbered"/>
-    <dgm:cxn modelId="{92A1DC02-59C3-4DE0-8A9A-CB3EF11417C7}" type="presParOf" srcId="{66948AE2-1810-46A0-A90F-197A9BC80ED2}" destId="{F6CFFEC8-A37F-4637-9418-91845B6ABD64}" srcOrd="1" destOrd="0" presId="urn:microsoft.com/office/officeart/2016/7/layout/BasicLinearProcessNumbered"/>
-    <dgm:cxn modelId="{485F4892-A817-4312-AF25-8493FEADC09D}" type="presParOf" srcId="{66948AE2-1810-46A0-A90F-197A9BC80ED2}" destId="{67F186C7-6346-4BA5-BB12-3EF233C1B957}" srcOrd="2" destOrd="0" presId="urn:microsoft.com/office/officeart/2016/7/layout/BasicLinearProcessNumbered"/>
-    <dgm:cxn modelId="{0BD8DEEA-064A-4F87-8F1B-9383C525C977}" type="presParOf" srcId="{67F186C7-6346-4BA5-BB12-3EF233C1B957}" destId="{732DB775-F870-42B3-943D-84799A601FF9}" srcOrd="0" destOrd="0" presId="urn:microsoft.com/office/officeart/2016/7/layout/BasicLinearProcessNumbered"/>
-    <dgm:cxn modelId="{060F9A45-8164-436A-B028-291223C148CD}" type="presParOf" srcId="{67F186C7-6346-4BA5-BB12-3EF233C1B957}" destId="{AFCA3FEF-239F-4E13-B171-7141A6F41FB2}" srcOrd="1" destOrd="0" presId="urn:microsoft.com/office/officeart/2016/7/layout/BasicLinearProcessNumbered"/>
-    <dgm:cxn modelId="{819C91CF-D59A-4CF9-8EAA-0237CAFBE0FE}" type="presParOf" srcId="{67F186C7-6346-4BA5-BB12-3EF233C1B957}" destId="{DE7BE0E2-B021-44C7-A746-E3C27559E93D}" srcOrd="2" destOrd="0" presId="urn:microsoft.com/office/officeart/2016/7/layout/BasicLinearProcessNumbered"/>
-    <dgm:cxn modelId="{B0E122EB-39BC-434D-96EB-78CE2D303D7D}" type="presParOf" srcId="{67F186C7-6346-4BA5-BB12-3EF233C1B957}" destId="{DE2EDDC2-3164-46EE-ABBF-2EB72C203F73}" srcOrd="3" destOrd="0" presId="urn:microsoft.com/office/officeart/2016/7/layout/BasicLinearProcessNumbered"/>
-    <dgm:cxn modelId="{76BD99C9-19BB-40C3-A75E-FE8557DC6D69}" type="presParOf" srcId="{66948AE2-1810-46A0-A90F-197A9BC80ED2}" destId="{5F4277F9-81BA-4949-AE8E-722213DB30F3}" srcOrd="3" destOrd="0" presId="urn:microsoft.com/office/officeart/2016/7/layout/BasicLinearProcessNumbered"/>
-    <dgm:cxn modelId="{A9C96A18-AB7D-44E4-B487-207C4290C61B}" type="presParOf" srcId="{66948AE2-1810-46A0-A90F-197A9BC80ED2}" destId="{704F24B6-9B83-43F0-82C6-ED80F37479E1}" srcOrd="4" destOrd="0" presId="urn:microsoft.com/office/officeart/2016/7/layout/BasicLinearProcessNumbered"/>
-    <dgm:cxn modelId="{74CFED14-B5C0-4AAD-90BD-35A9E7F8B370}" type="presParOf" srcId="{704F24B6-9B83-43F0-82C6-ED80F37479E1}" destId="{F7BC4AE1-21B9-4CF4-811A-82CF6DE8B623}" srcOrd="0" destOrd="0" presId="urn:microsoft.com/office/officeart/2016/7/layout/BasicLinearProcessNumbered"/>
-    <dgm:cxn modelId="{BD321647-C637-489C-9FE9-A0887F67F48B}" type="presParOf" srcId="{704F24B6-9B83-43F0-82C6-ED80F37479E1}" destId="{19DE8BF8-A119-4473-9042-94B1CAE5F3C9}" srcOrd="1" destOrd="0" presId="urn:microsoft.com/office/officeart/2016/7/layout/BasicLinearProcessNumbered"/>
-    <dgm:cxn modelId="{64431227-5E17-41FC-B5E7-56C0E967BA32}" type="presParOf" srcId="{704F24B6-9B83-43F0-82C6-ED80F37479E1}" destId="{D6FC3BA4-9FB3-42EC-AC0C-D2D453B0FC34}" srcOrd="2" destOrd="0" presId="urn:microsoft.com/office/officeart/2016/7/layout/BasicLinearProcessNumbered"/>
-    <dgm:cxn modelId="{CAFA1A6E-F197-48EB-8629-D157EBF4E913}" type="presParOf" srcId="{704F24B6-9B83-43F0-82C6-ED80F37479E1}" destId="{37BA39B7-9F70-4D82-9FC7-0DE69600221F}" srcOrd="3" destOrd="0" presId="urn:microsoft.com/office/officeart/2016/7/layout/BasicLinearProcessNumbered"/>
+    <dgm:cxn modelId="{F4940309-1265-4864-AFFF-028FBC244942}" type="presOf" srcId="{61B69134-DB07-425B-A918-6A9825C2B87D}" destId="{4CF0C08F-A38B-4637-B0C3-0D5E7CC533DD}" srcOrd="0" destOrd="0" presId="urn:microsoft.com/office/officeart/2005/8/layout/hierarchy1"/>
+    <dgm:cxn modelId="{DF521C0C-8576-4E02-86C5-B4A2D50F5F57}" srcId="{20881533-46BF-447B-A431-7362ABC3A240}" destId="{89AB162B-C1C5-4776-B0C6-B1A58149BA08}" srcOrd="1" destOrd="0" parTransId="{5B97A8E0-FAE7-4C9A-8947-96D89D984C40}" sibTransId="{32436350-79DF-43AA-AB23-07AB324FFDD7}"/>
+    <dgm:cxn modelId="{1E9EC347-CC0C-4784-ADCA-7341B30E4974}" srcId="{20881533-46BF-447B-A431-7362ABC3A240}" destId="{D9C54278-551C-4BA8-B56E-205EA2983CBA}" srcOrd="0" destOrd="0" parTransId="{807015A6-2DF6-4194-B231-FDAC7E7B1A62}" sibTransId="{B0CAC9E7-2B87-40D9-AFF5-6D67D74DBB0E}"/>
+    <dgm:cxn modelId="{49B5186C-03C4-448C-A972-0E1D27146EF5}" type="presOf" srcId="{20881533-46BF-447B-A431-7362ABC3A240}" destId="{C6068986-5F16-4341-BA28-B099BDF3FDFB}" srcOrd="0" destOrd="0" presId="urn:microsoft.com/office/officeart/2005/8/layout/hierarchy1"/>
+    <dgm:cxn modelId="{94E9A870-D1C8-401C-A787-BB70AE34CFC0}" srcId="{20881533-46BF-447B-A431-7362ABC3A240}" destId="{C507B38E-A9C9-4F2A-A51A-0D0BFE1E10D5}" srcOrd="2" destOrd="0" parTransId="{0F8CDF1D-3948-4871-A00A-8C6371F43533}" sibTransId="{B6711A6A-F7CB-46A1-9BDA-5AA59018E21B}"/>
+    <dgm:cxn modelId="{495BE79A-7C90-4917-8768-D94BB66EC4DB}" type="presOf" srcId="{89AB162B-C1C5-4776-B0C6-B1A58149BA08}" destId="{1116BEC4-7165-4F00-A90B-5BDC3745DE35}" srcOrd="0" destOrd="0" presId="urn:microsoft.com/office/officeart/2005/8/layout/hierarchy1"/>
+    <dgm:cxn modelId="{43A63AA9-9E1B-4A50-88AF-218D02655766}" type="presOf" srcId="{D9C54278-551C-4BA8-B56E-205EA2983CBA}" destId="{3A61B096-E36E-4F0D-880D-DB423D554BF9}" srcOrd="0" destOrd="0" presId="urn:microsoft.com/office/officeart/2005/8/layout/hierarchy1"/>
+    <dgm:cxn modelId="{0EA000DE-4C2F-4E97-8AC9-958E3D2A7914}" type="presOf" srcId="{C507B38E-A9C9-4F2A-A51A-0D0BFE1E10D5}" destId="{16CFA7E4-2C4C-4103-9CF5-3776312E4CE8}" srcOrd="0" destOrd="0" presId="urn:microsoft.com/office/officeart/2005/8/layout/hierarchy1"/>
+    <dgm:cxn modelId="{9660F7E6-B708-4C8C-8681-38A46E2D61BD}" srcId="{20881533-46BF-447B-A431-7362ABC3A240}" destId="{61B69134-DB07-425B-A918-6A9825C2B87D}" srcOrd="3" destOrd="0" parTransId="{9FB86E77-602E-4CB6-8D8A-563F5289F6DA}" sibTransId="{D25F94BC-A193-45B0-8241-2FADB116B248}"/>
+    <dgm:cxn modelId="{B8C5B0CD-18D9-4E72-ABC0-9F06658AC006}" type="presParOf" srcId="{C6068986-5F16-4341-BA28-B099BDF3FDFB}" destId="{0A947D0F-3B91-4424-A7CB-949D5C8162B4}" srcOrd="0" destOrd="0" presId="urn:microsoft.com/office/officeart/2005/8/layout/hierarchy1"/>
+    <dgm:cxn modelId="{181AD7DE-CE8D-42D7-957F-C8D3A555F8AC}" type="presParOf" srcId="{0A947D0F-3B91-4424-A7CB-949D5C8162B4}" destId="{B18814C8-08F4-41BE-B74A-948014FE2B62}" srcOrd="0" destOrd="0" presId="urn:microsoft.com/office/officeart/2005/8/layout/hierarchy1"/>
+    <dgm:cxn modelId="{87409CA2-E128-474D-8A4F-84366C765053}" type="presParOf" srcId="{B18814C8-08F4-41BE-B74A-948014FE2B62}" destId="{81CCC41D-2B4C-4690-96C9-46130C216611}" srcOrd="0" destOrd="0" presId="urn:microsoft.com/office/officeart/2005/8/layout/hierarchy1"/>
+    <dgm:cxn modelId="{E004BA42-7D6E-4C84-ADF5-FD962F884FB4}" type="presParOf" srcId="{B18814C8-08F4-41BE-B74A-948014FE2B62}" destId="{3A61B096-E36E-4F0D-880D-DB423D554BF9}" srcOrd="1" destOrd="0" presId="urn:microsoft.com/office/officeart/2005/8/layout/hierarchy1"/>
+    <dgm:cxn modelId="{D2140766-573E-4160-8997-E0619956090D}" type="presParOf" srcId="{0A947D0F-3B91-4424-A7CB-949D5C8162B4}" destId="{650F5695-06F0-4602-B303-D500186CD866}" srcOrd="1" destOrd="0" presId="urn:microsoft.com/office/officeart/2005/8/layout/hierarchy1"/>
+    <dgm:cxn modelId="{68F6DD91-4D37-4BE3-B023-9DDA02E4F9A7}" type="presParOf" srcId="{C6068986-5F16-4341-BA28-B099BDF3FDFB}" destId="{61FB0910-DD6C-4294-B4E4-91BA8878667F}" srcOrd="1" destOrd="0" presId="urn:microsoft.com/office/officeart/2005/8/layout/hierarchy1"/>
+    <dgm:cxn modelId="{570C96D5-1048-4C05-9BCA-A785AD12CEE1}" type="presParOf" srcId="{61FB0910-DD6C-4294-B4E4-91BA8878667F}" destId="{EB4954B5-8805-44AC-85EC-583F75F8CC78}" srcOrd="0" destOrd="0" presId="urn:microsoft.com/office/officeart/2005/8/layout/hierarchy1"/>
+    <dgm:cxn modelId="{D65CD7E2-5002-4D09-AE43-EDE71293293D}" type="presParOf" srcId="{EB4954B5-8805-44AC-85EC-583F75F8CC78}" destId="{D5A73AA8-FF57-44B3-A725-412B93F872EA}" srcOrd="0" destOrd="0" presId="urn:microsoft.com/office/officeart/2005/8/layout/hierarchy1"/>
+    <dgm:cxn modelId="{06C451C3-9AAA-4875-B648-60AF27D804C9}" type="presParOf" srcId="{EB4954B5-8805-44AC-85EC-583F75F8CC78}" destId="{1116BEC4-7165-4F00-A90B-5BDC3745DE35}" srcOrd="1" destOrd="0" presId="urn:microsoft.com/office/officeart/2005/8/layout/hierarchy1"/>
+    <dgm:cxn modelId="{DA968831-6B4E-4F7C-B0DE-137C2C7343A0}" type="presParOf" srcId="{61FB0910-DD6C-4294-B4E4-91BA8878667F}" destId="{B621F5A1-E8F6-419E-AB99-D9029CDB7563}" srcOrd="1" destOrd="0" presId="urn:microsoft.com/office/officeart/2005/8/layout/hierarchy1"/>
+    <dgm:cxn modelId="{03EF39F5-6506-4BC8-BE85-495A8EECB9C6}" type="presParOf" srcId="{C6068986-5F16-4341-BA28-B099BDF3FDFB}" destId="{B4217DAF-97EE-46DA-9986-E230A1EF4DBE}" srcOrd="2" destOrd="0" presId="urn:microsoft.com/office/officeart/2005/8/layout/hierarchy1"/>
+    <dgm:cxn modelId="{1B9CE1AE-5E5F-4ABB-895C-C1EE16D40F3D}" type="presParOf" srcId="{B4217DAF-97EE-46DA-9986-E230A1EF4DBE}" destId="{3A708131-648D-4995-B4DC-54D9614F9584}" srcOrd="0" destOrd="0" presId="urn:microsoft.com/office/officeart/2005/8/layout/hierarchy1"/>
+    <dgm:cxn modelId="{FD6617C4-542B-446C-8F40-437884938D13}" type="presParOf" srcId="{3A708131-648D-4995-B4DC-54D9614F9584}" destId="{FE161E01-8044-420A-91EC-A157B579E58F}" srcOrd="0" destOrd="0" presId="urn:microsoft.com/office/officeart/2005/8/layout/hierarchy1"/>
+    <dgm:cxn modelId="{CA87FD79-8283-4357-B207-7ECF2F225E64}" type="presParOf" srcId="{3A708131-648D-4995-B4DC-54D9614F9584}" destId="{16CFA7E4-2C4C-4103-9CF5-3776312E4CE8}" srcOrd="1" destOrd="0" presId="urn:microsoft.com/office/officeart/2005/8/layout/hierarchy1"/>
+    <dgm:cxn modelId="{D6425B1D-C70C-420D-9525-EE4014ECBE70}" type="presParOf" srcId="{B4217DAF-97EE-46DA-9986-E230A1EF4DBE}" destId="{36946422-F851-470B-9885-9319B778B043}" srcOrd="1" destOrd="0" presId="urn:microsoft.com/office/officeart/2005/8/layout/hierarchy1"/>
+    <dgm:cxn modelId="{CE6E88AC-F033-4077-B0D9-B5FC890883BA}" type="presParOf" srcId="{C6068986-5F16-4341-BA28-B099BDF3FDFB}" destId="{49DC854F-BE80-4E09-8EF7-EE328625DC94}" srcOrd="3" destOrd="0" presId="urn:microsoft.com/office/officeart/2005/8/layout/hierarchy1"/>
+    <dgm:cxn modelId="{48D38B95-1CAB-419C-A700-F85854FE8F21}" type="presParOf" srcId="{49DC854F-BE80-4E09-8EF7-EE328625DC94}" destId="{406B34D1-913D-4275-8971-7AE771779773}" srcOrd="0" destOrd="0" presId="urn:microsoft.com/office/officeart/2005/8/layout/hierarchy1"/>
+    <dgm:cxn modelId="{92E7911F-0936-4E56-BE49-68B06757C3F5}" type="presParOf" srcId="{406B34D1-913D-4275-8971-7AE771779773}" destId="{7E146001-4D2D-4BC2-93E6-68215A8D13EE}" srcOrd="0" destOrd="0" presId="urn:microsoft.com/office/officeart/2005/8/layout/hierarchy1"/>
+    <dgm:cxn modelId="{25E142D4-E38D-4C57-8E97-C211A4507DA6}" type="presParOf" srcId="{406B34D1-913D-4275-8971-7AE771779773}" destId="{4CF0C08F-A38B-4637-B0C3-0D5E7CC533DD}" srcOrd="1" destOrd="0" presId="urn:microsoft.com/office/officeart/2005/8/layout/hierarchy1"/>
+    <dgm:cxn modelId="{56757F6C-6F93-4877-864D-4224D3D8812A}" type="presParOf" srcId="{49DC854F-BE80-4E09-8EF7-EE328625DC94}" destId="{61F6B011-E069-4022-A0AD-8A054D3387C9}" srcOrd="1" destOrd="0" presId="urn:microsoft.com/office/officeart/2005/8/layout/hierarchy1"/>
   </dgm:cxnLst>
   <dgm:bg/>
   <dgm:whole/>
   <dgm:extLst>
     <a:ext uri="http://schemas.microsoft.com/office/drawing/2008/diagram">
-      <dsp:dataModelExt xmlns:dsp="http://schemas.microsoft.com/office/drawing/2008/diagram" relId="rId6" minVer="http://schemas.openxmlformats.org/drawingml/2006/diagram"/>
+      <dsp:dataModelExt xmlns:dsp="http://schemas.microsoft.com/office/drawing/2008/diagram" relId="rId7" minVer="http://schemas.openxmlformats.org/drawingml/2006/diagram"/>
     </a:ext>
   </dgm:extLst>
 </dgm:dataModel>
 </file>
 
-<file path=ppt/diagrams/data12.xml><?xml version="1.0" encoding="utf-8"?>
+<file path=ppt/diagrams/data11.xml><?xml version="1.0" encoding="utf-8"?>
 <dgm:dataModel xmlns:dgm="http://schemas.openxmlformats.org/drawingml/2006/diagram" xmlns:a="http://schemas.openxmlformats.org/drawingml/2006/main">
   <dgm:ptLst>
     <dgm:pt modelId="{3AA9E0DD-62CC-4B97-86BB-3EF6A4EF8496}" type="doc">
@@ -16125,10 +14876,10 @@
         <a:lstStyle/>
         <a:p>
           <a:r>
-            <a:rPr lang="en-GB" baseline="0"/>
-            <a:t>Services offer a stable endpoint for pods.</a:t>
+            <a:rPr lang="en-GB" baseline="0" dirty="0"/>
+            <a:t>Unique IP Addresses for Pods.</a:t>
           </a:r>
-          <a:endParaRPr lang="en-US"/>
+          <a:endParaRPr lang="en-US" dirty="0"/>
         </a:p>
       </dgm:t>
     </dgm:pt>
@@ -16162,10 +14913,10 @@
         <a:lstStyle/>
         <a:p>
           <a:r>
-            <a:rPr lang="en-GB" baseline="0"/>
-            <a:t>Essential for load balancing and service discovery.</a:t>
+            <a:rPr lang="en-GB" baseline="0" dirty="0"/>
+            <a:t>The Role of Services in Kubernetes.</a:t>
           </a:r>
-          <a:endParaRPr lang="en-US"/>
+          <a:endParaRPr lang="en-US" dirty="0"/>
         </a:p>
       </dgm:t>
     </dgm:pt>
@@ -16199,10 +14950,10 @@
         <a:lstStyle/>
         <a:p>
           <a:r>
-            <a:rPr lang="en-GB" baseline="0"/>
-            <a:t>Minikube provides a simple way to test services locally.</a:t>
+            <a:rPr lang="en-GB" baseline="0" dirty="0"/>
+            <a:t>Four Different Types of Services.</a:t>
           </a:r>
-          <a:endParaRPr lang="en-US"/>
+          <a:endParaRPr lang="en-US" dirty="0"/>
         </a:p>
       </dgm:t>
     </dgm:pt>
@@ -19958,48 +18709,78 @@
       <dsp:cNvGrpSpPr/>
     </dsp:nvGrpSpPr>
     <dsp:grpSpPr/>
-    <dsp:sp modelId="{5C8CC798-C43E-4BA7-937C-AB5A7F697175}">
+    <dsp:sp modelId="{81CCC41D-2B4C-4690-96C9-46130C216611}">
       <dsp:nvSpPr>
         <dsp:cNvPr id="0" name=""/>
         <dsp:cNvSpPr/>
       </dsp:nvSpPr>
       <dsp:spPr>
         <a:xfrm>
-          <a:off x="915389" y="632537"/>
-          <a:ext cx="1248817" cy="1248817"/>
+          <a:off x="2812" y="1047042"/>
+          <a:ext cx="2008376" cy="1275318"/>
         </a:xfrm>
-        <a:prstGeom prst="rect">
-          <a:avLst/>
+        <a:prstGeom prst="roundRect">
+          <a:avLst>
+            <a:gd name="adj" fmla="val 10000"/>
+          </a:avLst>
         </a:prstGeom>
-        <a:blipFill>
-          <a:blip xmlns:r="http://schemas.openxmlformats.org/officeDocument/2006/relationships" r:embed="rId1">
-            <a:extLst>
-              <a:ext uri="{28A0092B-C50C-407E-A947-70E740481C1C}">
-                <a14:useLocalDpi xmlns:a14="http://schemas.microsoft.com/office/drawing/2010/main" val="0"/>
-              </a:ext>
-              <a:ext uri="{96DAC541-7B7A-43D3-8B79-37D633B846F1}">
-                <asvg:svgBlip xmlns:asvg="http://schemas.microsoft.com/office/drawing/2016/SVG/main" r:embed="rId2"/>
-              </a:ext>
-            </a:extLst>
-          </a:blip>
-          <a:stretch>
-            <a:fillRect/>
-          </a:stretch>
-        </a:blipFill>
-        <a:ln w="34925" cap="flat" cmpd="sng" algn="in">
+        <a:gradFill rotWithShape="0">
+          <a:gsLst>
+            <a:gs pos="0">
+              <a:schemeClr val="accent1">
+                <a:hueOff val="0"/>
+                <a:satOff val="0"/>
+                <a:lumOff val="0"/>
+                <a:alphaOff val="0"/>
+                <a:tint val="94000"/>
+                <a:satMod val="103000"/>
+                <a:lumMod val="102000"/>
+              </a:schemeClr>
+            </a:gs>
+            <a:gs pos="50000">
+              <a:schemeClr val="accent1">
+                <a:hueOff val="0"/>
+                <a:satOff val="0"/>
+                <a:lumOff val="0"/>
+                <a:alphaOff val="0"/>
+                <a:shade val="100000"/>
+                <a:satMod val="110000"/>
+                <a:lumMod val="100000"/>
+              </a:schemeClr>
+            </a:gs>
+            <a:gs pos="100000">
+              <a:schemeClr val="accent1">
+                <a:hueOff val="0"/>
+                <a:satOff val="0"/>
+                <a:lumOff val="0"/>
+                <a:alphaOff val="0"/>
+                <a:shade val="78000"/>
+                <a:satMod val="120000"/>
+                <a:lumMod val="99000"/>
+              </a:schemeClr>
+            </a:gs>
+          </a:gsLst>
+          <a:lin ang="5400000" scaled="0"/>
+        </a:gradFill>
+        <a:ln>
           <a:noFill/>
-          <a:prstDash val="solid"/>
         </a:ln>
-        <a:effectLst/>
+        <a:effectLst>
+          <a:outerShdw blurRad="57150" dist="19050" dir="5400000" algn="ctr" rotWithShape="0">
+            <a:srgbClr val="000000">
+              <a:alpha val="35000"/>
+            </a:srgbClr>
+          </a:outerShdw>
+        </a:effectLst>
       </dsp:spPr>
       <dsp:style>
-        <a:lnRef idx="2">
+        <a:lnRef idx="0">
           <a:scrgbClr r="0" g="0" b="0"/>
         </a:lnRef>
-        <a:fillRef idx="1">
+        <a:fillRef idx="3">
           <a:scrgbClr r="0" g="0" b="0"/>
         </a:fillRef>
-        <a:effectRef idx="0">
+        <a:effectRef idx="3">
           <a:scrgbClr r="0" g="0" b="0"/>
         </a:effectRef>
         <a:fontRef idx="minor">
@@ -20007,315 +18788,23 @@
         </a:fontRef>
       </dsp:style>
     </dsp:sp>
-    <dsp:sp modelId="{E1099E1D-93ED-4F57-946A-A8EBE9CF3A0D}">
+    <dsp:sp modelId="{3A61B096-E36E-4F0D-880D-DB423D554BF9}">
       <dsp:nvSpPr>
         <dsp:cNvPr id="0" name=""/>
         <dsp:cNvSpPr/>
       </dsp:nvSpPr>
       <dsp:spPr>
         <a:xfrm>
-          <a:off x="152223" y="2228862"/>
-          <a:ext cx="2775150" cy="720000"/>
+          <a:off x="225965" y="1259038"/>
+          <a:ext cx="2008376" cy="1275318"/>
         </a:xfrm>
-        <a:prstGeom prst="rect">
-          <a:avLst/>
-        </a:prstGeom>
-        <a:noFill/>
-        <a:ln>
-          <a:noFill/>
-        </a:ln>
-        <a:effectLst/>
-      </dsp:spPr>
-      <dsp:style>
-        <a:lnRef idx="0">
-          <a:scrgbClr r="0" g="0" b="0"/>
-        </a:lnRef>
-        <a:fillRef idx="0">
-          <a:scrgbClr r="0" g="0" b="0"/>
-        </a:fillRef>
-        <a:effectRef idx="0">
-          <a:scrgbClr r="0" g="0" b="0"/>
-        </a:effectRef>
-        <a:fontRef idx="minor"/>
-      </dsp:style>
-      <dsp:txBody>
-        <a:bodyPr spcFirstLastPara="0" vert="horz" wrap="square" lIns="0" tIns="0" rIns="0" bIns="0" numCol="1" spcCol="1270" anchor="t" anchorCtr="0">
-          <a:noAutofit/>
-        </a:bodyPr>
-        <a:lstStyle/>
-        <a:p>
-          <a:pPr marL="0" lvl="0" indent="0" algn="ctr" defTabSz="800100">
-            <a:lnSpc>
-              <a:spcPct val="90000"/>
-            </a:lnSpc>
-            <a:spcBef>
-              <a:spcPct val="0"/>
-            </a:spcBef>
-            <a:spcAft>
-              <a:spcPct val="35000"/>
-            </a:spcAft>
-            <a:buNone/>
-          </a:pPr>
-          <a:r>
-            <a:rPr lang="en-GB" sz="1800" kern="1200"/>
-            <a:t>Provides reliable and discoverable means to access Pods</a:t>
-          </a:r>
-          <a:endParaRPr lang="en-US" sz="1800" kern="1200"/>
-        </a:p>
-      </dsp:txBody>
-      <dsp:txXfrm>
-        <a:off x="152223" y="2228862"/>
-        <a:ext cx="2775150" cy="720000"/>
-      </dsp:txXfrm>
-    </dsp:sp>
-    <dsp:sp modelId="{04E61BBA-E9F8-400A-82AF-EE67E7B622B8}">
-      <dsp:nvSpPr>
-        <dsp:cNvPr id="0" name=""/>
-        <dsp:cNvSpPr/>
-      </dsp:nvSpPr>
-      <dsp:spPr>
-        <a:xfrm>
-          <a:off x="4176191" y="632537"/>
-          <a:ext cx="1248817" cy="1248817"/>
-        </a:xfrm>
-        <a:prstGeom prst="rect">
-          <a:avLst/>
-        </a:prstGeom>
-        <a:blipFill>
-          <a:blip xmlns:r="http://schemas.openxmlformats.org/officeDocument/2006/relationships" r:embed="rId3">
-            <a:extLst>
-              <a:ext uri="{28A0092B-C50C-407E-A947-70E740481C1C}">
-                <a14:useLocalDpi xmlns:a14="http://schemas.microsoft.com/office/drawing/2010/main" val="0"/>
-              </a:ext>
-              <a:ext uri="{96DAC541-7B7A-43D3-8B79-37D633B846F1}">
-                <asvg:svgBlip xmlns:asvg="http://schemas.microsoft.com/office/drawing/2016/SVG/main" r:embed="rId4"/>
-              </a:ext>
-            </a:extLst>
-          </a:blip>
-          <a:stretch>
-            <a:fillRect/>
-          </a:stretch>
-        </a:blipFill>
-        <a:ln w="34925" cap="flat" cmpd="sng" algn="in">
-          <a:noFill/>
-          <a:prstDash val="solid"/>
-        </a:ln>
-        <a:effectLst/>
-      </dsp:spPr>
-      <dsp:style>
-        <a:lnRef idx="2">
-          <a:scrgbClr r="0" g="0" b="0"/>
-        </a:lnRef>
-        <a:fillRef idx="1">
-          <a:scrgbClr r="0" g="0" b="0"/>
-        </a:fillRef>
-        <a:effectRef idx="0">
-          <a:scrgbClr r="0" g="0" b="0"/>
-        </a:effectRef>
-        <a:fontRef idx="minor">
-          <a:schemeClr val="lt1"/>
-        </a:fontRef>
-      </dsp:style>
-    </dsp:sp>
-    <dsp:sp modelId="{ECB49B58-3CE7-496A-B413-ED5D865B6748}">
-      <dsp:nvSpPr>
-        <dsp:cNvPr id="0" name=""/>
-        <dsp:cNvSpPr/>
-      </dsp:nvSpPr>
-      <dsp:spPr>
-        <a:xfrm>
-          <a:off x="3413024" y="2228862"/>
-          <a:ext cx="2775150" cy="720000"/>
-        </a:xfrm>
-        <a:prstGeom prst="rect">
-          <a:avLst/>
-        </a:prstGeom>
-        <a:noFill/>
-        <a:ln>
-          <a:noFill/>
-        </a:ln>
-        <a:effectLst/>
-      </dsp:spPr>
-      <dsp:style>
-        <a:lnRef idx="0">
-          <a:scrgbClr r="0" g="0" b="0"/>
-        </a:lnRef>
-        <a:fillRef idx="0">
-          <a:scrgbClr r="0" g="0" b="0"/>
-        </a:fillRef>
-        <a:effectRef idx="0">
-          <a:scrgbClr r="0" g="0" b="0"/>
-        </a:effectRef>
-        <a:fontRef idx="minor"/>
-      </dsp:style>
-      <dsp:txBody>
-        <a:bodyPr spcFirstLastPara="0" vert="horz" wrap="square" lIns="0" tIns="0" rIns="0" bIns="0" numCol="1" spcCol="1270" anchor="t" anchorCtr="0">
-          <a:noAutofit/>
-        </a:bodyPr>
-        <a:lstStyle/>
-        <a:p>
-          <a:pPr marL="0" lvl="0" indent="0" algn="ctr" defTabSz="800100">
-            <a:lnSpc>
-              <a:spcPct val="90000"/>
-            </a:lnSpc>
-            <a:spcBef>
-              <a:spcPct val="0"/>
-            </a:spcBef>
-            <a:spcAft>
-              <a:spcPct val="35000"/>
-            </a:spcAft>
-            <a:buNone/>
-          </a:pPr>
-          <a:r>
-            <a:rPr lang="en-GB" sz="1800" kern="1200"/>
-            <a:t>Offers abstraction over Pods, which might come and go</a:t>
-          </a:r>
-          <a:endParaRPr lang="en-US" sz="1800" kern="1200"/>
-        </a:p>
-      </dsp:txBody>
-      <dsp:txXfrm>
-        <a:off x="3413024" y="2228862"/>
-        <a:ext cx="2775150" cy="720000"/>
-      </dsp:txXfrm>
-    </dsp:sp>
-    <dsp:sp modelId="{EDE512D3-14ED-47E6-8304-F1838118D5D5}">
-      <dsp:nvSpPr>
-        <dsp:cNvPr id="0" name=""/>
-        <dsp:cNvSpPr/>
-      </dsp:nvSpPr>
-      <dsp:spPr>
-        <a:xfrm>
-          <a:off x="7436992" y="632537"/>
-          <a:ext cx="1248817" cy="1248817"/>
-        </a:xfrm>
-        <a:prstGeom prst="rect">
-          <a:avLst/>
-        </a:prstGeom>
-        <a:blipFill>
-          <a:blip xmlns:r="http://schemas.openxmlformats.org/officeDocument/2006/relationships" r:embed="rId5">
-            <a:extLst>
-              <a:ext uri="{28A0092B-C50C-407E-A947-70E740481C1C}">
-                <a14:useLocalDpi xmlns:a14="http://schemas.microsoft.com/office/drawing/2010/main" val="0"/>
-              </a:ext>
-              <a:ext uri="{96DAC541-7B7A-43D3-8B79-37D633B846F1}">
-                <asvg:svgBlip xmlns:asvg="http://schemas.microsoft.com/office/drawing/2016/SVG/main" r:embed="rId6"/>
-              </a:ext>
-            </a:extLst>
-          </a:blip>
-          <a:stretch>
-            <a:fillRect/>
-          </a:stretch>
-        </a:blipFill>
-        <a:ln w="34925" cap="flat" cmpd="sng" algn="in">
-          <a:noFill/>
-          <a:prstDash val="solid"/>
-        </a:ln>
-        <a:effectLst/>
-      </dsp:spPr>
-      <dsp:style>
-        <a:lnRef idx="2">
-          <a:scrgbClr r="0" g="0" b="0"/>
-        </a:lnRef>
-        <a:fillRef idx="1">
-          <a:scrgbClr r="0" g="0" b="0"/>
-        </a:fillRef>
-        <a:effectRef idx="0">
-          <a:scrgbClr r="0" g="0" b="0"/>
-        </a:effectRef>
-        <a:fontRef idx="minor">
-          <a:schemeClr val="lt1"/>
-        </a:fontRef>
-      </dsp:style>
-    </dsp:sp>
-    <dsp:sp modelId="{E4F43A5A-8E8A-4261-8CFC-1C090DD76E74}">
-      <dsp:nvSpPr>
-        <dsp:cNvPr id="0" name=""/>
-        <dsp:cNvSpPr/>
-      </dsp:nvSpPr>
-      <dsp:spPr>
-        <a:xfrm>
-          <a:off x="6673826" y="2228862"/>
-          <a:ext cx="2775150" cy="720000"/>
-        </a:xfrm>
-        <a:prstGeom prst="rect">
-          <a:avLst/>
-        </a:prstGeom>
-        <a:noFill/>
-        <a:ln>
-          <a:noFill/>
-        </a:ln>
-        <a:effectLst/>
-      </dsp:spPr>
-      <dsp:style>
-        <a:lnRef idx="0">
-          <a:scrgbClr r="0" g="0" b="0"/>
-        </a:lnRef>
-        <a:fillRef idx="0">
-          <a:scrgbClr r="0" g="0" b="0"/>
-        </a:fillRef>
-        <a:effectRef idx="0">
-          <a:scrgbClr r="0" g="0" b="0"/>
-        </a:effectRef>
-        <a:fontRef idx="minor"/>
-      </dsp:style>
-      <dsp:txBody>
-        <a:bodyPr spcFirstLastPara="0" vert="horz" wrap="square" lIns="0" tIns="0" rIns="0" bIns="0" numCol="1" spcCol="1270" anchor="t" anchorCtr="0">
-          <a:noAutofit/>
-        </a:bodyPr>
-        <a:lstStyle/>
-        <a:p>
-          <a:pPr marL="0" lvl="0" indent="0" algn="ctr" defTabSz="800100">
-            <a:lnSpc>
-              <a:spcPct val="90000"/>
-            </a:lnSpc>
-            <a:spcBef>
-              <a:spcPct val="0"/>
-            </a:spcBef>
-            <a:spcAft>
-              <a:spcPct val="35000"/>
-            </a:spcAft>
-            <a:buNone/>
-          </a:pPr>
-          <a:r>
-            <a:rPr lang="en-GB" sz="1800" kern="1200"/>
-            <a:t>Ensures zero downtime during deployments &amp; maintenace</a:t>
-          </a:r>
-          <a:endParaRPr lang="en-US" sz="1800" kern="1200"/>
-        </a:p>
-      </dsp:txBody>
-      <dsp:txXfrm>
-        <a:off x="6673826" y="2228862"/>
-        <a:ext cx="2775150" cy="720000"/>
-      </dsp:txXfrm>
-    </dsp:sp>
-  </dsp:spTree>
-</dsp:drawing>
-</file>
-
-<file path=ppt/diagrams/drawing11.xml><?xml version="1.0" encoding="utf-8"?>
-<dsp:drawing xmlns:dgm="http://schemas.openxmlformats.org/drawingml/2006/diagram" xmlns:dsp="http://schemas.microsoft.com/office/drawing/2008/diagram" xmlns:a="http://schemas.openxmlformats.org/drawingml/2006/main">
-  <dsp:spTree>
-    <dsp:nvGrpSpPr>
-      <dsp:cNvPr id="0" name=""/>
-      <dsp:cNvGrpSpPr/>
-    </dsp:nvGrpSpPr>
-    <dsp:grpSpPr/>
-    <dsp:sp modelId="{48FC0927-9BAD-4F77-A20C-74CA94490E9B}">
-      <dsp:nvSpPr>
-        <dsp:cNvPr id="0" name=""/>
-        <dsp:cNvSpPr/>
-      </dsp:nvSpPr>
-      <dsp:spPr>
-        <a:xfrm>
-          <a:off x="0" y="0"/>
-          <a:ext cx="3000374" cy="3581400"/>
-        </a:xfrm>
-        <a:prstGeom prst="rect">
-          <a:avLst/>
+        <a:prstGeom prst="roundRect">
+          <a:avLst>
+            <a:gd name="adj" fmla="val 10000"/>
+          </a:avLst>
         </a:prstGeom>
         <a:solidFill>
-          <a:schemeClr val="accent2">
-            <a:tint val="40000"/>
+          <a:schemeClr val="lt1">
             <a:alpha val="90000"/>
             <a:hueOff val="0"/>
             <a:satOff val="0"/>
@@ -20325,9 +18814,7 @@
         </a:solidFill>
         <a:ln w="6350" cap="flat" cmpd="sng" algn="in">
           <a:solidFill>
-            <a:schemeClr val="accent2">
-              <a:tint val="40000"/>
-              <a:alpha val="90000"/>
+            <a:schemeClr val="accent1">
               <a:hueOff val="0"/>
               <a:satOff val="0"/>
               <a:lumOff val="0"/>
@@ -20351,12 +18838,12 @@
         <a:fontRef idx="minor"/>
       </dsp:style>
       <dsp:txBody>
-        <a:bodyPr spcFirstLastPara="0" vert="horz" wrap="square" lIns="233921" tIns="330200" rIns="233921" bIns="330200" numCol="1" spcCol="1270" anchor="t" anchorCtr="0">
+        <a:bodyPr spcFirstLastPara="0" vert="horz" wrap="square" lIns="87630" tIns="87630" rIns="87630" bIns="87630" numCol="1" spcCol="1270" anchor="ctr" anchorCtr="0">
           <a:noAutofit/>
         </a:bodyPr>
         <a:lstStyle/>
         <a:p>
-          <a:pPr marL="0" lvl="0" indent="0" algn="l" defTabSz="1066800">
+          <a:pPr marL="0" lvl="0" indent="0" algn="ctr" defTabSz="1022350">
             <a:lnSpc>
               <a:spcPct val="90000"/>
             </a:lnSpc>
@@ -20369,34 +18856,36 @@
             <a:buNone/>
           </a:pPr>
           <a:r>
-            <a:rPr lang="en-GB" sz="2400" kern="1200" baseline="0"/>
-            <a:t>Use a service YAML file to define the service.</a:t>
+            <a:rPr lang="en-GB" sz="2300" kern="1200" baseline="0"/>
+            <a:t>ClusterIP</a:t>
           </a:r>
-          <a:endParaRPr lang="en-US" sz="2400" kern="1200"/>
+          <a:endParaRPr lang="en-US" sz="2300" kern="1200"/>
         </a:p>
       </dsp:txBody>
       <dsp:txXfrm>
-        <a:off x="0" y="1360932"/>
-        <a:ext cx="3000374" cy="2148840"/>
+        <a:off x="263318" y="1296391"/>
+        <a:ext cx="1933670" cy="1200612"/>
       </dsp:txXfrm>
     </dsp:sp>
-    <dsp:sp modelId="{11A756FF-D6D7-4BEB-8A85-57DBB6BC3C5B}">
+    <dsp:sp modelId="{D5A73AA8-FF57-44B3-A725-412B93F872EA}">
       <dsp:nvSpPr>
         <dsp:cNvPr id="0" name=""/>
         <dsp:cNvSpPr/>
       </dsp:nvSpPr>
       <dsp:spPr>
         <a:xfrm>
-          <a:off x="962977" y="358139"/>
-          <a:ext cx="1074420" cy="1074420"/>
+          <a:off x="2457494" y="1047042"/>
+          <a:ext cx="2008376" cy="1275318"/>
         </a:xfrm>
-        <a:prstGeom prst="ellipse">
-          <a:avLst/>
+        <a:prstGeom prst="roundRect">
+          <a:avLst>
+            <a:gd name="adj" fmla="val 10000"/>
+          </a:avLst>
         </a:prstGeom>
         <a:gradFill rotWithShape="0">
           <a:gsLst>
             <a:gs pos="0">
-              <a:schemeClr val="accent2">
+              <a:schemeClr val="accent1">
                 <a:hueOff val="0"/>
                 <a:satOff val="0"/>
                 <a:lumOff val="0"/>
@@ -20407,7 +18896,7 @@
               </a:schemeClr>
             </a:gs>
             <a:gs pos="50000">
-              <a:schemeClr val="accent2">
+              <a:schemeClr val="accent1">
                 <a:hueOff val="0"/>
                 <a:satOff val="0"/>
                 <a:lumOff val="0"/>
@@ -20418,7 +18907,7 @@
               </a:schemeClr>
             </a:gs>
             <a:gs pos="100000">
-              <a:schemeClr val="accent2">
+              <a:schemeClr val="accent1">
                 <a:hueOff val="0"/>
                 <a:satOff val="0"/>
                 <a:lumOff val="0"/>
@@ -20431,16 +18920,8 @@
           </a:gsLst>
           <a:lin ang="5400000" scaled="0"/>
         </a:gradFill>
-        <a:ln w="6350" cap="flat" cmpd="sng" algn="in">
-          <a:solidFill>
-            <a:schemeClr val="accent2">
-              <a:hueOff val="0"/>
-              <a:satOff val="0"/>
-              <a:lumOff val="0"/>
-              <a:alphaOff val="0"/>
-            </a:schemeClr>
-          </a:solidFill>
-          <a:prstDash val="solid"/>
+        <a:ln>
+          <a:noFill/>
         </a:ln>
         <a:effectLst>
           <a:outerShdw blurRad="57150" dist="19050" dir="5400000" algn="ctr" rotWithShape="0">
@@ -20451,120 +18932,7 @@
         </a:effectLst>
       </dsp:spPr>
       <dsp:style>
-        <a:lnRef idx="1">
-          <a:scrgbClr r="0" g="0" b="0"/>
-        </a:lnRef>
-        <a:fillRef idx="3">
-          <a:scrgbClr r="0" g="0" b="0"/>
-        </a:fillRef>
-        <a:effectRef idx="3">
-          <a:scrgbClr r="0" g="0" b="0"/>
-        </a:effectRef>
-        <a:fontRef idx="minor">
-          <a:schemeClr val="lt1"/>
-        </a:fontRef>
-      </dsp:style>
-      <dsp:txBody>
-        <a:bodyPr spcFirstLastPara="0" vert="horz" wrap="square" lIns="83766" tIns="12700" rIns="83766" bIns="12700" numCol="1" spcCol="1270" anchor="ctr" anchorCtr="0">
-          <a:noAutofit/>
-        </a:bodyPr>
-        <a:lstStyle/>
-        <a:p>
-          <a:pPr marL="0" lvl="0" indent="0" algn="ctr" defTabSz="2133600">
-            <a:lnSpc>
-              <a:spcPct val="90000"/>
-            </a:lnSpc>
-            <a:spcBef>
-              <a:spcPct val="0"/>
-            </a:spcBef>
-            <a:spcAft>
-              <a:spcPct val="35000"/>
-            </a:spcAft>
-            <a:buNone/>
-          </a:pPr>
-          <a:r>
-            <a:rPr lang="en-US" sz="4800" kern="1200"/>
-            <a:t>1</a:t>
-          </a:r>
-        </a:p>
-      </dsp:txBody>
-      <dsp:txXfrm>
-        <a:off x="1120322" y="515484"/>
-        <a:ext cx="759730" cy="759730"/>
-      </dsp:txXfrm>
-    </dsp:sp>
-    <dsp:sp modelId="{568DB78F-F9AC-498D-864B-C9908B090A70}">
-      <dsp:nvSpPr>
-        <dsp:cNvPr id="0" name=""/>
-        <dsp:cNvSpPr/>
-      </dsp:nvSpPr>
-      <dsp:spPr>
-        <a:xfrm>
-          <a:off x="0" y="3581328"/>
-          <a:ext cx="3000374" cy="72"/>
-        </a:xfrm>
-        <a:prstGeom prst="rect">
-          <a:avLst/>
-        </a:prstGeom>
-        <a:gradFill rotWithShape="0">
-          <a:gsLst>
-            <a:gs pos="0">
-              <a:schemeClr val="accent2">
-                <a:hueOff val="-338626"/>
-                <a:satOff val="-7702"/>
-                <a:lumOff val="-3411"/>
-                <a:alphaOff val="0"/>
-                <a:tint val="94000"/>
-                <a:satMod val="103000"/>
-                <a:lumMod val="102000"/>
-              </a:schemeClr>
-            </a:gs>
-            <a:gs pos="50000">
-              <a:schemeClr val="accent2">
-                <a:hueOff val="-338626"/>
-                <a:satOff val="-7702"/>
-                <a:lumOff val="-3411"/>
-                <a:alphaOff val="0"/>
-                <a:shade val="100000"/>
-                <a:satMod val="110000"/>
-                <a:lumMod val="100000"/>
-              </a:schemeClr>
-            </a:gs>
-            <a:gs pos="100000">
-              <a:schemeClr val="accent2">
-                <a:hueOff val="-338626"/>
-                <a:satOff val="-7702"/>
-                <a:lumOff val="-3411"/>
-                <a:alphaOff val="0"/>
-                <a:shade val="78000"/>
-                <a:satMod val="120000"/>
-                <a:lumMod val="99000"/>
-              </a:schemeClr>
-            </a:gs>
-          </a:gsLst>
-          <a:lin ang="5400000" scaled="0"/>
-        </a:gradFill>
-        <a:ln w="6350" cap="flat" cmpd="sng" algn="in">
-          <a:solidFill>
-            <a:schemeClr val="accent2">
-              <a:hueOff val="-338626"/>
-              <a:satOff val="-7702"/>
-              <a:lumOff val="-3411"/>
-              <a:alphaOff val="0"/>
-            </a:schemeClr>
-          </a:solidFill>
-          <a:prstDash val="solid"/>
-        </a:ln>
-        <a:effectLst>
-          <a:outerShdw blurRad="57150" dist="19050" dir="5400000" algn="ctr" rotWithShape="0">
-            <a:srgbClr val="000000">
-              <a:alpha val="35000"/>
-            </a:srgbClr>
-          </a:outerShdw>
-        </a:effectLst>
-      </dsp:spPr>
-      <dsp:style>
-        <a:lnRef idx="1">
+        <a:lnRef idx="0">
           <a:scrgbClr r="0" g="0" b="0"/>
         </a:lnRef>
         <a:fillRef idx="3">
@@ -20578,37 +18946,36 @@
         </a:fontRef>
       </dsp:style>
     </dsp:sp>
-    <dsp:sp modelId="{732DB775-F870-42B3-943D-84799A601FF9}">
+    <dsp:sp modelId="{1116BEC4-7165-4F00-A90B-5BDC3745DE35}">
       <dsp:nvSpPr>
         <dsp:cNvPr id="0" name=""/>
         <dsp:cNvSpPr/>
       </dsp:nvSpPr>
       <dsp:spPr>
         <a:xfrm>
-          <a:off x="3300412" y="0"/>
-          <a:ext cx="3000374" cy="3581400"/>
+          <a:off x="2680647" y="1259038"/>
+          <a:ext cx="2008376" cy="1275318"/>
         </a:xfrm>
-        <a:prstGeom prst="rect">
-          <a:avLst/>
+        <a:prstGeom prst="roundRect">
+          <a:avLst>
+            <a:gd name="adj" fmla="val 10000"/>
+          </a:avLst>
         </a:prstGeom>
         <a:solidFill>
-          <a:schemeClr val="accent2">
-            <a:tint val="40000"/>
+          <a:schemeClr val="lt1">
             <a:alpha val="90000"/>
-            <a:hueOff val="-812338"/>
-            <a:satOff val="-33804"/>
-            <a:lumOff val="-3091"/>
+            <a:hueOff val="0"/>
+            <a:satOff val="0"/>
+            <a:lumOff val="0"/>
             <a:alphaOff val="0"/>
           </a:schemeClr>
         </a:solidFill>
         <a:ln w="6350" cap="flat" cmpd="sng" algn="in">
           <a:solidFill>
-            <a:schemeClr val="accent2">
-              <a:tint val="40000"/>
-              <a:alpha val="90000"/>
-              <a:hueOff val="-812338"/>
-              <a:satOff val="-33804"/>
-              <a:lumOff val="-3091"/>
+            <a:schemeClr val="accent1">
+              <a:hueOff val="0"/>
+              <a:satOff val="0"/>
+              <a:lumOff val="0"/>
               <a:alphaOff val="0"/>
             </a:schemeClr>
           </a:solidFill>
@@ -20629,12 +18996,12 @@
         <a:fontRef idx="minor"/>
       </dsp:style>
       <dsp:txBody>
-        <a:bodyPr spcFirstLastPara="0" vert="horz" wrap="square" lIns="233921" tIns="330200" rIns="233921" bIns="330200" numCol="1" spcCol="1270" anchor="t" anchorCtr="0">
+        <a:bodyPr spcFirstLastPara="0" vert="horz" wrap="square" lIns="87630" tIns="87630" rIns="87630" bIns="87630" numCol="1" spcCol="1270" anchor="ctr" anchorCtr="0">
           <a:noAutofit/>
         </a:bodyPr>
         <a:lstStyle/>
         <a:p>
-          <a:pPr marL="0" lvl="0" indent="0" algn="l" defTabSz="1066800">
+          <a:pPr marL="0" lvl="0" indent="0" algn="ctr" defTabSz="1022350">
             <a:lnSpc>
               <a:spcPct val="90000"/>
             </a:lnSpc>
@@ -20647,37 +19014,39 @@
             <a:buNone/>
           </a:pPr>
           <a:r>
-            <a:rPr lang="en-GB" sz="2400" kern="1200" baseline="0"/>
-            <a:t>Specify selectors to determine which pods receive traffic</a:t>
+            <a:rPr lang="en-GB" sz="2300" kern="1200" baseline="0"/>
+            <a:t>NodePort</a:t>
           </a:r>
-          <a:endParaRPr lang="en-US" sz="2400" kern="1200"/>
+          <a:endParaRPr lang="en-US" sz="2300" kern="1200"/>
         </a:p>
       </dsp:txBody>
       <dsp:txXfrm>
-        <a:off x="3300412" y="1360932"/>
-        <a:ext cx="3000374" cy="2148840"/>
+        <a:off x="2718000" y="1296391"/>
+        <a:ext cx="1933670" cy="1200612"/>
       </dsp:txXfrm>
     </dsp:sp>
-    <dsp:sp modelId="{AFCA3FEF-239F-4E13-B171-7141A6F41FB2}">
+    <dsp:sp modelId="{FE161E01-8044-420A-91EC-A157B579E58F}">
       <dsp:nvSpPr>
         <dsp:cNvPr id="0" name=""/>
         <dsp:cNvSpPr/>
       </dsp:nvSpPr>
       <dsp:spPr>
         <a:xfrm>
-          <a:off x="4263389" y="358139"/>
-          <a:ext cx="1074420" cy="1074420"/>
+          <a:off x="4912176" y="1047042"/>
+          <a:ext cx="2008376" cy="1275318"/>
         </a:xfrm>
-        <a:prstGeom prst="ellipse">
-          <a:avLst/>
+        <a:prstGeom prst="roundRect">
+          <a:avLst>
+            <a:gd name="adj" fmla="val 10000"/>
+          </a:avLst>
         </a:prstGeom>
         <a:gradFill rotWithShape="0">
           <a:gsLst>
             <a:gs pos="0">
-              <a:schemeClr val="accent2">
-                <a:hueOff val="-677252"/>
-                <a:satOff val="-15404"/>
-                <a:lumOff val="-6822"/>
+              <a:schemeClr val="accent1">
+                <a:hueOff val="0"/>
+                <a:satOff val="0"/>
+                <a:lumOff val="0"/>
                 <a:alphaOff val="0"/>
                 <a:tint val="94000"/>
                 <a:satMod val="103000"/>
@@ -20685,10 +19054,10 @@
               </a:schemeClr>
             </a:gs>
             <a:gs pos="50000">
-              <a:schemeClr val="accent2">
-                <a:hueOff val="-677252"/>
-                <a:satOff val="-15404"/>
-                <a:lumOff val="-6822"/>
+              <a:schemeClr val="accent1">
+                <a:hueOff val="0"/>
+                <a:satOff val="0"/>
+                <a:lumOff val="0"/>
                 <a:alphaOff val="0"/>
                 <a:shade val="100000"/>
                 <a:satMod val="110000"/>
@@ -20696,10 +19065,10 @@
               </a:schemeClr>
             </a:gs>
             <a:gs pos="100000">
-              <a:schemeClr val="accent2">
-                <a:hueOff val="-677252"/>
-                <a:satOff val="-15404"/>
-                <a:lumOff val="-6822"/>
+              <a:schemeClr val="accent1">
+                <a:hueOff val="0"/>
+                <a:satOff val="0"/>
+                <a:lumOff val="0"/>
                 <a:alphaOff val="0"/>
                 <a:shade val="78000"/>
                 <a:satMod val="120000"/>
@@ -20709,16 +19078,8 @@
           </a:gsLst>
           <a:lin ang="5400000" scaled="0"/>
         </a:gradFill>
-        <a:ln w="6350" cap="flat" cmpd="sng" algn="in">
-          <a:solidFill>
-            <a:schemeClr val="accent2">
-              <a:hueOff val="-677252"/>
-              <a:satOff val="-15404"/>
-              <a:lumOff val="-6822"/>
-              <a:alphaOff val="0"/>
-            </a:schemeClr>
-          </a:solidFill>
-          <a:prstDash val="solid"/>
+        <a:ln>
+          <a:noFill/>
         </a:ln>
         <a:effectLst>
           <a:outerShdw blurRad="57150" dist="19050" dir="5400000" algn="ctr" rotWithShape="0">
@@ -20729,120 +19090,7 @@
         </a:effectLst>
       </dsp:spPr>
       <dsp:style>
-        <a:lnRef idx="1">
-          <a:scrgbClr r="0" g="0" b="0"/>
-        </a:lnRef>
-        <a:fillRef idx="3">
-          <a:scrgbClr r="0" g="0" b="0"/>
-        </a:fillRef>
-        <a:effectRef idx="3">
-          <a:scrgbClr r="0" g="0" b="0"/>
-        </a:effectRef>
-        <a:fontRef idx="minor">
-          <a:schemeClr val="lt1"/>
-        </a:fontRef>
-      </dsp:style>
-      <dsp:txBody>
-        <a:bodyPr spcFirstLastPara="0" vert="horz" wrap="square" lIns="83766" tIns="12700" rIns="83766" bIns="12700" numCol="1" spcCol="1270" anchor="ctr" anchorCtr="0">
-          <a:noAutofit/>
-        </a:bodyPr>
-        <a:lstStyle/>
-        <a:p>
-          <a:pPr marL="0" lvl="0" indent="0" algn="ctr" defTabSz="2133600">
-            <a:lnSpc>
-              <a:spcPct val="90000"/>
-            </a:lnSpc>
-            <a:spcBef>
-              <a:spcPct val="0"/>
-            </a:spcBef>
-            <a:spcAft>
-              <a:spcPct val="35000"/>
-            </a:spcAft>
-            <a:buNone/>
-          </a:pPr>
-          <a:r>
-            <a:rPr lang="en-US" sz="4800" kern="1200"/>
-            <a:t>2</a:t>
-          </a:r>
-        </a:p>
-      </dsp:txBody>
-      <dsp:txXfrm>
-        <a:off x="4420734" y="515484"/>
-        <a:ext cx="759730" cy="759730"/>
-      </dsp:txXfrm>
-    </dsp:sp>
-    <dsp:sp modelId="{DE7BE0E2-B021-44C7-A746-E3C27559E93D}">
-      <dsp:nvSpPr>
-        <dsp:cNvPr id="0" name=""/>
-        <dsp:cNvSpPr/>
-      </dsp:nvSpPr>
-      <dsp:spPr>
-        <a:xfrm>
-          <a:off x="3300412" y="3581328"/>
-          <a:ext cx="3000374" cy="72"/>
-        </a:xfrm>
-        <a:prstGeom prst="rect">
-          <a:avLst/>
-        </a:prstGeom>
-        <a:gradFill rotWithShape="0">
-          <a:gsLst>
-            <a:gs pos="0">
-              <a:schemeClr val="accent2">
-                <a:hueOff val="-1015879"/>
-                <a:satOff val="-23105"/>
-                <a:lumOff val="-10234"/>
-                <a:alphaOff val="0"/>
-                <a:tint val="94000"/>
-                <a:satMod val="103000"/>
-                <a:lumMod val="102000"/>
-              </a:schemeClr>
-            </a:gs>
-            <a:gs pos="50000">
-              <a:schemeClr val="accent2">
-                <a:hueOff val="-1015879"/>
-                <a:satOff val="-23105"/>
-                <a:lumOff val="-10234"/>
-                <a:alphaOff val="0"/>
-                <a:shade val="100000"/>
-                <a:satMod val="110000"/>
-                <a:lumMod val="100000"/>
-              </a:schemeClr>
-            </a:gs>
-            <a:gs pos="100000">
-              <a:schemeClr val="accent2">
-                <a:hueOff val="-1015879"/>
-                <a:satOff val="-23105"/>
-                <a:lumOff val="-10234"/>
-                <a:alphaOff val="0"/>
-                <a:shade val="78000"/>
-                <a:satMod val="120000"/>
-                <a:lumMod val="99000"/>
-              </a:schemeClr>
-            </a:gs>
-          </a:gsLst>
-          <a:lin ang="5400000" scaled="0"/>
-        </a:gradFill>
-        <a:ln w="6350" cap="flat" cmpd="sng" algn="in">
-          <a:solidFill>
-            <a:schemeClr val="accent2">
-              <a:hueOff val="-1015879"/>
-              <a:satOff val="-23105"/>
-              <a:lumOff val="-10234"/>
-              <a:alphaOff val="0"/>
-            </a:schemeClr>
-          </a:solidFill>
-          <a:prstDash val="solid"/>
-        </a:ln>
-        <a:effectLst>
-          <a:outerShdw blurRad="57150" dist="19050" dir="5400000" algn="ctr" rotWithShape="0">
-            <a:srgbClr val="000000">
-              <a:alpha val="35000"/>
-            </a:srgbClr>
-          </a:outerShdw>
-        </a:effectLst>
-      </dsp:spPr>
-      <dsp:style>
-        <a:lnRef idx="1">
+        <a:lnRef idx="0">
           <a:scrgbClr r="0" g="0" b="0"/>
         </a:lnRef>
         <a:fillRef idx="3">
@@ -20856,37 +19104,36 @@
         </a:fontRef>
       </dsp:style>
     </dsp:sp>
-    <dsp:sp modelId="{F7BC4AE1-21B9-4CF4-811A-82CF6DE8B623}">
+    <dsp:sp modelId="{16CFA7E4-2C4C-4103-9CF5-3776312E4CE8}">
       <dsp:nvSpPr>
         <dsp:cNvPr id="0" name=""/>
         <dsp:cNvSpPr/>
       </dsp:nvSpPr>
       <dsp:spPr>
         <a:xfrm>
-          <a:off x="6600824" y="0"/>
-          <a:ext cx="3000374" cy="3581400"/>
+          <a:off x="5135329" y="1259038"/>
+          <a:ext cx="2008376" cy="1275318"/>
         </a:xfrm>
-        <a:prstGeom prst="rect">
-          <a:avLst/>
+        <a:prstGeom prst="roundRect">
+          <a:avLst>
+            <a:gd name="adj" fmla="val 10000"/>
+          </a:avLst>
         </a:prstGeom>
         <a:solidFill>
-          <a:schemeClr val="accent2">
-            <a:tint val="40000"/>
+          <a:schemeClr val="lt1">
             <a:alpha val="90000"/>
-            <a:hueOff val="-1624677"/>
-            <a:satOff val="-67608"/>
-            <a:lumOff val="-6181"/>
+            <a:hueOff val="0"/>
+            <a:satOff val="0"/>
+            <a:lumOff val="0"/>
             <a:alphaOff val="0"/>
           </a:schemeClr>
         </a:solidFill>
         <a:ln w="6350" cap="flat" cmpd="sng" algn="in">
           <a:solidFill>
-            <a:schemeClr val="accent2">
-              <a:tint val="40000"/>
-              <a:alpha val="90000"/>
-              <a:hueOff val="-1624677"/>
-              <a:satOff val="-67608"/>
-              <a:lumOff val="-6181"/>
+            <a:schemeClr val="accent1">
+              <a:hueOff val="0"/>
+              <a:satOff val="0"/>
+              <a:lumOff val="0"/>
               <a:alphaOff val="0"/>
             </a:schemeClr>
           </a:solidFill>
@@ -20907,12 +19154,12 @@
         <a:fontRef idx="minor"/>
       </dsp:style>
       <dsp:txBody>
-        <a:bodyPr spcFirstLastPara="0" vert="horz" wrap="square" lIns="233921" tIns="330200" rIns="233921" bIns="330200" numCol="1" spcCol="1270" anchor="t" anchorCtr="0">
+        <a:bodyPr spcFirstLastPara="0" vert="horz" wrap="square" lIns="87630" tIns="87630" rIns="87630" bIns="87630" numCol="1" spcCol="1270" anchor="ctr" anchorCtr="0">
           <a:noAutofit/>
         </a:bodyPr>
         <a:lstStyle/>
         <a:p>
-          <a:pPr marL="0" lvl="0" indent="0" algn="l" defTabSz="1066800">
+          <a:pPr marL="0" lvl="0" indent="0" algn="ctr" defTabSz="1022350">
             <a:lnSpc>
               <a:spcPct val="90000"/>
             </a:lnSpc>
@@ -20925,37 +19172,39 @@
             <a:buNone/>
           </a:pPr>
           <a:r>
-            <a:rPr lang="en-GB" sz="2400" kern="1200" baseline="0"/>
-            <a:t>Use 'kubectl apply –f service.yaml' to create the service.</a:t>
+            <a:rPr lang="en-GB" sz="2300" kern="1200" baseline="0"/>
+            <a:t>LoadBalancer</a:t>
           </a:r>
-          <a:endParaRPr lang="en-US" sz="2400" kern="1200"/>
+          <a:endParaRPr lang="en-US" sz="2300" kern="1200"/>
         </a:p>
       </dsp:txBody>
       <dsp:txXfrm>
-        <a:off x="6600824" y="1360932"/>
-        <a:ext cx="3000374" cy="2148840"/>
+        <a:off x="5172682" y="1296391"/>
+        <a:ext cx="1933670" cy="1200612"/>
       </dsp:txXfrm>
     </dsp:sp>
-    <dsp:sp modelId="{19DE8BF8-A119-4473-9042-94B1CAE5F3C9}">
+    <dsp:sp modelId="{7E146001-4D2D-4BC2-93E6-68215A8D13EE}">
       <dsp:nvSpPr>
         <dsp:cNvPr id="0" name=""/>
         <dsp:cNvSpPr/>
       </dsp:nvSpPr>
       <dsp:spPr>
         <a:xfrm>
-          <a:off x="7563802" y="358139"/>
-          <a:ext cx="1074420" cy="1074420"/>
+          <a:off x="7366858" y="1047042"/>
+          <a:ext cx="2008376" cy="1275318"/>
         </a:xfrm>
-        <a:prstGeom prst="ellipse">
-          <a:avLst/>
+        <a:prstGeom prst="roundRect">
+          <a:avLst>
+            <a:gd name="adj" fmla="val 10000"/>
+          </a:avLst>
         </a:prstGeom>
         <a:gradFill rotWithShape="0">
           <a:gsLst>
             <a:gs pos="0">
-              <a:schemeClr val="accent2">
-                <a:hueOff val="-1354505"/>
-                <a:satOff val="-30807"/>
-                <a:lumOff val="-13645"/>
+              <a:schemeClr val="accent1">
+                <a:hueOff val="0"/>
+                <a:satOff val="0"/>
+                <a:lumOff val="0"/>
                 <a:alphaOff val="0"/>
                 <a:tint val="94000"/>
                 <a:satMod val="103000"/>
@@ -20963,10 +19212,10 @@
               </a:schemeClr>
             </a:gs>
             <a:gs pos="50000">
-              <a:schemeClr val="accent2">
-                <a:hueOff val="-1354505"/>
-                <a:satOff val="-30807"/>
-                <a:lumOff val="-13645"/>
+              <a:schemeClr val="accent1">
+                <a:hueOff val="0"/>
+                <a:satOff val="0"/>
+                <a:lumOff val="0"/>
                 <a:alphaOff val="0"/>
                 <a:shade val="100000"/>
                 <a:satMod val="110000"/>
@@ -20974,10 +19223,10 @@
               </a:schemeClr>
             </a:gs>
             <a:gs pos="100000">
-              <a:schemeClr val="accent2">
-                <a:hueOff val="-1354505"/>
-                <a:satOff val="-30807"/>
-                <a:lumOff val="-13645"/>
+              <a:schemeClr val="accent1">
+                <a:hueOff val="0"/>
+                <a:satOff val="0"/>
+                <a:lumOff val="0"/>
                 <a:alphaOff val="0"/>
                 <a:shade val="78000"/>
                 <a:satMod val="120000"/>
@@ -20987,16 +19236,8 @@
           </a:gsLst>
           <a:lin ang="5400000" scaled="0"/>
         </a:gradFill>
-        <a:ln w="6350" cap="flat" cmpd="sng" algn="in">
-          <a:solidFill>
-            <a:schemeClr val="accent2">
-              <a:hueOff val="-1354505"/>
-              <a:satOff val="-30807"/>
-              <a:lumOff val="-13645"/>
-              <a:alphaOff val="0"/>
-            </a:schemeClr>
-          </a:solidFill>
-          <a:prstDash val="solid"/>
+        <a:ln>
+          <a:noFill/>
         </a:ln>
         <a:effectLst>
           <a:outerShdw blurRad="57150" dist="19050" dir="5400000" algn="ctr" rotWithShape="0">
@@ -21007,120 +19248,7 @@
         </a:effectLst>
       </dsp:spPr>
       <dsp:style>
-        <a:lnRef idx="1">
-          <a:scrgbClr r="0" g="0" b="0"/>
-        </a:lnRef>
-        <a:fillRef idx="3">
-          <a:scrgbClr r="0" g="0" b="0"/>
-        </a:fillRef>
-        <a:effectRef idx="3">
-          <a:scrgbClr r="0" g="0" b="0"/>
-        </a:effectRef>
-        <a:fontRef idx="minor">
-          <a:schemeClr val="lt1"/>
-        </a:fontRef>
-      </dsp:style>
-      <dsp:txBody>
-        <a:bodyPr spcFirstLastPara="0" vert="horz" wrap="square" lIns="83766" tIns="12700" rIns="83766" bIns="12700" numCol="1" spcCol="1270" anchor="ctr" anchorCtr="0">
-          <a:noAutofit/>
-        </a:bodyPr>
-        <a:lstStyle/>
-        <a:p>
-          <a:pPr marL="0" lvl="0" indent="0" algn="ctr" defTabSz="2133600">
-            <a:lnSpc>
-              <a:spcPct val="90000"/>
-            </a:lnSpc>
-            <a:spcBef>
-              <a:spcPct val="0"/>
-            </a:spcBef>
-            <a:spcAft>
-              <a:spcPct val="35000"/>
-            </a:spcAft>
-            <a:buNone/>
-          </a:pPr>
-          <a:r>
-            <a:rPr lang="en-US" sz="4800" kern="1200"/>
-            <a:t>3</a:t>
-          </a:r>
-        </a:p>
-      </dsp:txBody>
-      <dsp:txXfrm>
-        <a:off x="7721147" y="515484"/>
-        <a:ext cx="759730" cy="759730"/>
-      </dsp:txXfrm>
-    </dsp:sp>
-    <dsp:sp modelId="{D6FC3BA4-9FB3-42EC-AC0C-D2D453B0FC34}">
-      <dsp:nvSpPr>
-        <dsp:cNvPr id="0" name=""/>
-        <dsp:cNvSpPr/>
-      </dsp:nvSpPr>
-      <dsp:spPr>
-        <a:xfrm>
-          <a:off x="6600824" y="3581328"/>
-          <a:ext cx="3000374" cy="72"/>
-        </a:xfrm>
-        <a:prstGeom prst="rect">
-          <a:avLst/>
-        </a:prstGeom>
-        <a:gradFill rotWithShape="0">
-          <a:gsLst>
-            <a:gs pos="0">
-              <a:schemeClr val="accent2">
-                <a:hueOff val="-1693131"/>
-                <a:satOff val="-38509"/>
-                <a:lumOff val="-17056"/>
-                <a:alphaOff val="0"/>
-                <a:tint val="94000"/>
-                <a:satMod val="103000"/>
-                <a:lumMod val="102000"/>
-              </a:schemeClr>
-            </a:gs>
-            <a:gs pos="50000">
-              <a:schemeClr val="accent2">
-                <a:hueOff val="-1693131"/>
-                <a:satOff val="-38509"/>
-                <a:lumOff val="-17056"/>
-                <a:alphaOff val="0"/>
-                <a:shade val="100000"/>
-                <a:satMod val="110000"/>
-                <a:lumMod val="100000"/>
-              </a:schemeClr>
-            </a:gs>
-            <a:gs pos="100000">
-              <a:schemeClr val="accent2">
-                <a:hueOff val="-1693131"/>
-                <a:satOff val="-38509"/>
-                <a:lumOff val="-17056"/>
-                <a:alphaOff val="0"/>
-                <a:shade val="78000"/>
-                <a:satMod val="120000"/>
-                <a:lumMod val="99000"/>
-              </a:schemeClr>
-            </a:gs>
-          </a:gsLst>
-          <a:lin ang="5400000" scaled="0"/>
-        </a:gradFill>
-        <a:ln w="6350" cap="flat" cmpd="sng" algn="in">
-          <a:solidFill>
-            <a:schemeClr val="accent2">
-              <a:hueOff val="-1693131"/>
-              <a:satOff val="-38509"/>
-              <a:lumOff val="-17056"/>
-              <a:alphaOff val="0"/>
-            </a:schemeClr>
-          </a:solidFill>
-          <a:prstDash val="solid"/>
-        </a:ln>
-        <a:effectLst>
-          <a:outerShdw blurRad="57150" dist="19050" dir="5400000" algn="ctr" rotWithShape="0">
-            <a:srgbClr val="000000">
-              <a:alpha val="35000"/>
-            </a:srgbClr>
-          </a:outerShdw>
-        </a:effectLst>
-      </dsp:spPr>
-      <dsp:style>
-        <a:lnRef idx="1">
+        <a:lnRef idx="0">
           <a:scrgbClr r="0" g="0" b="0"/>
         </a:lnRef>
         <a:fillRef idx="3">
@@ -21134,11 +19262,90 @@
         </a:fontRef>
       </dsp:style>
     </dsp:sp>
+    <dsp:sp modelId="{4CF0C08F-A38B-4637-B0C3-0D5E7CC533DD}">
+      <dsp:nvSpPr>
+        <dsp:cNvPr id="0" name=""/>
+        <dsp:cNvSpPr/>
+      </dsp:nvSpPr>
+      <dsp:spPr>
+        <a:xfrm>
+          <a:off x="7590011" y="1259038"/>
+          <a:ext cx="2008376" cy="1275318"/>
+        </a:xfrm>
+        <a:prstGeom prst="roundRect">
+          <a:avLst>
+            <a:gd name="adj" fmla="val 10000"/>
+          </a:avLst>
+        </a:prstGeom>
+        <a:solidFill>
+          <a:schemeClr val="lt1">
+            <a:alpha val="90000"/>
+            <a:hueOff val="0"/>
+            <a:satOff val="0"/>
+            <a:lumOff val="0"/>
+            <a:alphaOff val="0"/>
+          </a:schemeClr>
+        </a:solidFill>
+        <a:ln w="6350" cap="flat" cmpd="sng" algn="in">
+          <a:solidFill>
+            <a:schemeClr val="accent1">
+              <a:hueOff val="0"/>
+              <a:satOff val="0"/>
+              <a:lumOff val="0"/>
+              <a:alphaOff val="0"/>
+            </a:schemeClr>
+          </a:solidFill>
+          <a:prstDash val="solid"/>
+        </a:ln>
+        <a:effectLst/>
+      </dsp:spPr>
+      <dsp:style>
+        <a:lnRef idx="1">
+          <a:scrgbClr r="0" g="0" b="0"/>
+        </a:lnRef>
+        <a:fillRef idx="1">
+          <a:scrgbClr r="0" g="0" b="0"/>
+        </a:fillRef>
+        <a:effectRef idx="2">
+          <a:scrgbClr r="0" g="0" b="0"/>
+        </a:effectRef>
+        <a:fontRef idx="minor"/>
+      </dsp:style>
+      <dsp:txBody>
+        <a:bodyPr spcFirstLastPara="0" vert="horz" wrap="square" lIns="87630" tIns="87630" rIns="87630" bIns="87630" numCol="1" spcCol="1270" anchor="ctr" anchorCtr="0">
+          <a:noAutofit/>
+        </a:bodyPr>
+        <a:lstStyle/>
+        <a:p>
+          <a:pPr marL="0" lvl="0" indent="0" algn="ctr" defTabSz="1022350">
+            <a:lnSpc>
+              <a:spcPct val="90000"/>
+            </a:lnSpc>
+            <a:spcBef>
+              <a:spcPct val="0"/>
+            </a:spcBef>
+            <a:spcAft>
+              <a:spcPct val="35000"/>
+            </a:spcAft>
+            <a:buNone/>
+          </a:pPr>
+          <a:r>
+            <a:rPr lang="en-GB" sz="2300" kern="1200" baseline="0"/>
+            <a:t>ExternalName</a:t>
+          </a:r>
+          <a:endParaRPr lang="en-US" sz="2300" kern="1200"/>
+        </a:p>
+      </dsp:txBody>
+      <dsp:txXfrm>
+        <a:off x="7627364" y="1296391"/>
+        <a:ext cx="1933670" cy="1200612"/>
+      </dsp:txXfrm>
+    </dsp:sp>
   </dsp:spTree>
 </dsp:drawing>
 </file>
 
-<file path=ppt/diagrams/drawing12.xml><?xml version="1.0" encoding="utf-8"?>
+<file path=ppt/diagrams/drawing11.xml><?xml version="1.0" encoding="utf-8"?>
 <dsp:drawing xmlns:dgm="http://schemas.openxmlformats.org/drawingml/2006/diagram" xmlns:dsp="http://schemas.microsoft.com/office/drawing/2008/diagram" xmlns:a="http://schemas.openxmlformats.org/drawingml/2006/main">
   <dsp:spTree>
     <dsp:nvGrpSpPr>
@@ -21287,10 +19494,10 @@
             <a:buNone/>
           </a:pPr>
           <a:r>
-            <a:rPr lang="en-GB" sz="2500" kern="1200" baseline="0"/>
-            <a:t>Services offer a stable endpoint for pods.</a:t>
+            <a:rPr lang="en-GB" sz="2500" kern="1200" baseline="0" dirty="0"/>
+            <a:t>Unique IP Addresses for Pods.</a:t>
           </a:r>
-          <a:endParaRPr lang="en-US" sz="2500" kern="1200"/>
+          <a:endParaRPr lang="en-US" sz="2500" kern="1200" dirty="0"/>
         </a:p>
       </dsp:txBody>
       <dsp:txXfrm>
@@ -21439,10 +19646,10 @@
             <a:buNone/>
           </a:pPr>
           <a:r>
-            <a:rPr lang="en-GB" sz="2500" kern="1200" baseline="0"/>
-            <a:t>Essential for load balancing and service discovery.</a:t>
+            <a:rPr lang="en-GB" sz="2500" kern="1200" baseline="0" dirty="0"/>
+            <a:t>The Role of Services in Kubernetes.</a:t>
           </a:r>
-          <a:endParaRPr lang="en-US" sz="2500" kern="1200"/>
+          <a:endParaRPr lang="en-US" sz="2500" kern="1200" dirty="0"/>
         </a:p>
       </dsp:txBody>
       <dsp:txXfrm>
@@ -21591,10 +19798,10 @@
             <a:buNone/>
           </a:pPr>
           <a:r>
-            <a:rPr lang="en-GB" sz="2500" kern="1200" baseline="0"/>
-            <a:t>Minikube provides a simple way to test services locally.</a:t>
+            <a:rPr lang="en-GB" sz="2500" kern="1200" baseline="0" dirty="0"/>
+            <a:t>Four Different Types of Services.</a:t>
           </a:r>
-          <a:endParaRPr lang="en-US" sz="2500" kern="1200"/>
+          <a:endParaRPr lang="en-US" sz="2500" kern="1200" dirty="0"/>
         </a:p>
       </dsp:txBody>
       <dsp:txXfrm>
@@ -25891,201 +24098,11 @@
 </file>
 
 <file path=ppt/diagrams/layout10.xml><?xml version="1.0" encoding="utf-8"?>
-<dgm:layoutDef xmlns:dgm="http://schemas.openxmlformats.org/drawingml/2006/diagram" xmlns:a="http://schemas.openxmlformats.org/drawingml/2006/main" uniqueId="urn:microsoft.com/office/officeart/2018/2/layout/IconLabelList">
-  <dgm:title val="Icon Label List"/>
-  <dgm:desc val="Use to show non-sequential or grouped chunks of information accompanied by a related visuals. Works best with icons or small pictures with short text captions."/>
+<dgm:layoutDef xmlns:dgm="http://schemas.openxmlformats.org/drawingml/2006/diagram" xmlns:a="http://schemas.openxmlformats.org/drawingml/2006/main" uniqueId="urn:microsoft.com/office/officeart/2005/8/layout/hierarchy1">
+  <dgm:title val=""/>
+  <dgm:desc val=""/>
   <dgm:catLst>
-    <dgm:cat type="icon" pri="500"/>
-  </dgm:catLst>
-  <dgm:sampData useDef="1">
-    <dgm:dataModel>
-      <dgm:ptLst/>
-      <dgm:bg/>
-      <dgm:whole/>
-    </dgm:dataModel>
-  </dgm:sampData>
-  <dgm:styleData useDef="1">
-    <dgm:dataModel>
-      <dgm:ptLst/>
-      <dgm:bg/>
-      <dgm:whole/>
-    </dgm:dataModel>
-  </dgm:styleData>
-  <dgm:clrData useDef="1">
-    <dgm:dataModel>
-      <dgm:ptLst/>
-      <dgm:bg/>
-      <dgm:whole/>
-    </dgm:dataModel>
-  </dgm:clrData>
-  <dgm:layoutNode name="root">
-    <dgm:varLst>
-      <dgm:dir/>
-      <dgm:resizeHandles val="exact"/>
-    </dgm:varLst>
-    <dgm:choose name="Name0">
-      <dgm:if name="Name1" axis="self" func="var" arg="dir" op="equ" val="norm">
-        <dgm:alg type="snake">
-          <dgm:param type="grDir" val="tL"/>
-          <dgm:param type="flowDir" val="row"/>
-          <dgm:param type="contDir" val="sameDir"/>
-          <dgm:param type="off" val="ctr"/>
-          <dgm:param type="vertAlign" val="mid"/>
-          <dgm:param type="horzAlign" val="ctr"/>
-        </dgm:alg>
-      </dgm:if>
-      <dgm:else name="Name2">
-        <dgm:alg type="snake">
-          <dgm:param type="grDir" val="tR"/>
-          <dgm:param type="flowDir" val="row"/>
-          <dgm:param type="contDir" val="sameDir"/>
-          <dgm:param type="off" val="ctr"/>
-          <dgm:param type="vertAlign" val="mid"/>
-          <dgm:param type="horzAlign" val="ctr"/>
-        </dgm:alg>
-      </dgm:else>
-    </dgm:choose>
-    <dgm:shape xmlns:r="http://schemas.openxmlformats.org/officeDocument/2006/relationships" r:blip="">
-      <dgm:adjLst/>
-    </dgm:shape>
-    <dgm:presOf/>
-    <dgm:choose name="Name3">
-      <dgm:if name="Name4" axis="ch" ptType="node" func="cnt" op="lte" val="2">
-        <dgm:constrLst>
-          <dgm:constr type="h" for="ch" forName="compNode" refType="h" fact="0.4"/>
-          <dgm:constr type="w" for="ch" forName="compNode" val="120"/>
-          <dgm:constr type="w" for="ch" forName="sibTrans" refType="w" refFor="ch" refForName="compNode" fact="0.175"/>
-          <dgm:constr type="sp" refType="w" refFor="ch" refForName="compNode" op="equ" fact="0.25"/>
-          <dgm:constr type="primFontSz" for="des" ptType="node" op="equ" val="50"/>
-          <dgm:constr type="h" for="des" forName="compNode" op="equ"/>
-          <dgm:constr type="h" for="des" forName="textRect" op="equ"/>
-        </dgm:constrLst>
-      </dgm:if>
-      <dgm:if name="Name5" axis="ch" ptType="node" func="cnt" op="lte" val="4">
-        <dgm:constrLst>
-          <dgm:constr type="h" for="ch" forName="compNode" refType="h" fact="0.4"/>
-          <dgm:constr type="w" for="ch" forName="compNode" refType="w"/>
-          <dgm:constr type="w" for="ch" forName="sibTrans" refType="w" refFor="ch" refForName="compNode" fact="0.175"/>
-          <dgm:constr type="sp" refType="w" refFor="ch" refForName="compNode" op="equ" fact="0.25"/>
-          <dgm:constr type="primFontSz" for="des" ptType="node" op="equ" val="36"/>
-          <dgm:constr type="h" for="des" forName="compNode" op="equ"/>
-          <dgm:constr type="h" for="des" forName="textRect" op="equ"/>
-        </dgm:constrLst>
-      </dgm:if>
-      <dgm:else name="Name6">
-        <dgm:constrLst>
-          <dgm:constr type="h" for="ch" forName="compNode" refType="h" fact="0.4"/>
-          <dgm:constr type="w" for="ch" forName="compNode" refType="w"/>
-          <dgm:constr type="w" for="ch" forName="sibTrans" refType="w" refFor="ch" refForName="compNode" fact="0.175"/>
-          <dgm:constr type="sp" refType="w" refFor="ch" refForName="compNode" op="equ" fact="0.25"/>
-          <dgm:constr type="primFontSz" for="des" ptType="node" op="equ" val="24"/>
-          <dgm:constr type="h" for="des" forName="compNode" op="equ"/>
-          <dgm:constr type="h" for="des" forName="textRect" op="equ"/>
-        </dgm:constrLst>
-      </dgm:else>
-    </dgm:choose>
-    <dgm:ruleLst>
-      <dgm:rule type="w" for="ch" forName="compNode" val="50" fact="NaN" max="NaN"/>
-    </dgm:ruleLst>
-    <dgm:forEach name="Name7" axis="ch" ptType="node">
-      <dgm:layoutNode name="compNode">
-        <dgm:alg type="composite"/>
-        <dgm:shape xmlns:r="http://schemas.openxmlformats.org/officeDocument/2006/relationships" r:blip="">
-          <dgm:adjLst/>
-        </dgm:shape>
-        <dgm:presOf axis="self"/>
-        <dgm:constrLst>
-          <dgm:constr type="w" for="ch" forName="iconRect" refType="w" fact="0.45"/>
-          <dgm:constr type="h" for="ch" forName="iconRect" refType="w" refFor="ch" refForName="iconRect"/>
-          <dgm:constr type="ctrX" for="ch" forName="iconRect" refType="w" fact="0.5"/>
-          <dgm:constr type="t" for="ch" forName="iconRect"/>
-          <dgm:constr type="h" for="ch" forName="spaceRect" refType="h" fact="0.15"/>
-          <dgm:constr type="w" for="ch" forName="spaceRect" refType="w"/>
-          <dgm:constr type="l" for="ch" forName="spaceRect"/>
-          <dgm:constr type="t" for="ch" forName="spaceRect" refType="b" refFor="ch" refForName="iconRect"/>
-          <dgm:constr type="h" for="ch" forName="textRect" val="20"/>
-          <dgm:constr type="w" for="ch" forName="textRect" refType="w"/>
-          <dgm:constr type="l" for="ch" forName="textRect"/>
-          <dgm:constr type="t" for="ch" forName="textRect" refType="b" refFor="ch" refForName="spaceRect"/>
-        </dgm:constrLst>
-        <dgm:ruleLst>
-          <dgm:rule type="h" val="INF" fact="NaN" max="NaN"/>
-        </dgm:ruleLst>
-        <dgm:layoutNode name="iconRect" styleLbl="node1">
-          <dgm:alg type="sp"/>
-          <dgm:shape xmlns:r="http://schemas.openxmlformats.org/officeDocument/2006/relationships" type="rect" r:blip="" blipPhldr="1">
-            <dgm:adjLst/>
-          </dgm:shape>
-          <dgm:presOf/>
-          <dgm:constrLst/>
-          <dgm:ruleLst/>
-        </dgm:layoutNode>
-        <dgm:layoutNode name="spaceRect">
-          <dgm:alg type="sp"/>
-          <dgm:shape xmlns:r="http://schemas.openxmlformats.org/officeDocument/2006/relationships" r:blip="">
-            <dgm:adjLst/>
-          </dgm:shape>
-          <dgm:presOf/>
-          <dgm:constrLst/>
-          <dgm:ruleLst/>
-        </dgm:layoutNode>
-        <dgm:layoutNode name="textRect" styleLbl="revTx">
-          <dgm:varLst>
-            <dgm:chMax val="1"/>
-            <dgm:chPref val="1"/>
-          </dgm:varLst>
-          <dgm:alg type="tx">
-            <dgm:param type="txAnchorVert" val="t"/>
-          </dgm:alg>
-          <dgm:shape xmlns:r="http://schemas.openxmlformats.org/officeDocument/2006/relationships" type="rect" r:blip="">
-            <dgm:adjLst/>
-          </dgm:shape>
-          <dgm:presOf axis="self" ptType="node"/>
-          <dgm:constrLst>
-            <dgm:constr type="lMarg"/>
-            <dgm:constr type="rMarg"/>
-            <dgm:constr type="tMarg"/>
-            <dgm:constr type="bMarg"/>
-          </dgm:constrLst>
-          <dgm:ruleLst>
-            <dgm:rule type="primFontSz" val="11" fact="NaN" max="NaN"/>
-            <dgm:rule type="h" val="INF" fact="NaN" max="NaN"/>
-          </dgm:ruleLst>
-        </dgm:layoutNode>
-      </dgm:layoutNode>
-      <dgm:forEach name="Name8" axis="followSib" ptType="sibTrans" cnt="1">
-        <dgm:layoutNode name="sibTrans">
-          <dgm:alg type="sp"/>
-          <dgm:shape xmlns:r="http://schemas.openxmlformats.org/officeDocument/2006/relationships" r:blip="">
-            <dgm:adjLst/>
-          </dgm:shape>
-          <dgm:presOf axis="self"/>
-          <dgm:constrLst/>
-          <dgm:ruleLst/>
-        </dgm:layoutNode>
-      </dgm:forEach>
-    </dgm:forEach>
-  </dgm:layoutNode>
-  <dgm:extLst>
-    <a:ext uri="{68A01E43-0DF5-4B5B-8FA6-DAF915123BFB}">
-      <dgm1612:lstStyle xmlns:dgm1612="http://schemas.microsoft.com/office/drawing/2016/12/diagram">
-        <a:lvl1pPr>
-          <a:lnSpc>
-            <a:spcPct val="100000"/>
-          </a:lnSpc>
-        </a:lvl1pPr>
-      </dgm1612:lstStyle>
-    </a:ext>
-  </dgm:extLst>
-</dgm:layoutDef>
-</file>
-
-<file path=ppt/diagrams/layout11.xml><?xml version="1.0" encoding="utf-8"?>
-<dgm:layoutDef xmlns:dgm="http://schemas.openxmlformats.org/drawingml/2006/diagram" xmlns:a="http://schemas.openxmlformats.org/drawingml/2006/main" uniqueId="urn:microsoft.com/office/officeart/2016/7/layout/BasicLinearProcessNumbered">
-  <dgm:title val="Basic Linear Process Numbered"/>
-  <dgm:desc val="Used to show a progression; a timeline; sequential steps in a task, process, or workflow; or to emphasize movement or direction. Automatic numbers have been introduced to show the steps of the process which appears in a circle. Level 1 and Level 2 text appear in a rectangle."/>
-  <dgm:catLst>
-    <dgm:cat type="process" pri="500"/>
+    <dgm:cat type="hierarchy" pri="2000"/>
   </dgm:catLst>
   <dgm:sampData>
     <dgm:dataModel>
@@ -26094,13 +24111,13 @@
         <dgm:pt modelId="1">
           <dgm:prSet phldr="1"/>
         </dgm:pt>
-        <dgm:pt modelId="11">
-          <dgm:prSet phldr="1"/>
-        </dgm:pt>
         <dgm:pt modelId="2">
           <dgm:prSet phldr="1"/>
         </dgm:pt>
         <dgm:pt modelId="21">
+          <dgm:prSet phldr="1"/>
+        </dgm:pt>
+        <dgm:pt modelId="22">
           <dgm:prSet phldr="1"/>
         </dgm:pt>
         <dgm:pt modelId="3">
@@ -26109,49 +24126,13 @@
         <dgm:pt modelId="31">
           <dgm:prSet phldr="1"/>
         </dgm:pt>
-        <dgm:pt modelId="101" type="sibTrans" cxnId="4">
-          <dgm:prSet phldrT="1"/>
-          <dgm:t>
-            <a:bodyPr/>
-            <a:lstStyle/>
-            <a:p>
-              <a:r>
-                <a:t>1</a:t>
-              </a:r>
-            </a:p>
-          </dgm:t>
-        </dgm:pt>
-        <dgm:pt modelId="201" type="sibTrans" cxnId="5">
-          <dgm:prSet phldrT="2"/>
-          <dgm:t>
-            <a:bodyPr/>
-            <a:lstStyle/>
-            <a:p>
-              <a:r>
-                <a:t>2</a:t>
-              </a:r>
-            </a:p>
-          </dgm:t>
-        </dgm:pt>
-        <dgm:pt modelId="301" type="sibTrans" cxnId="6">
-          <dgm:prSet phldrT="3"/>
-          <dgm:t>
-            <a:bodyPr/>
-            <a:lstStyle/>
-            <a:p>
-              <a:r>
-                <a:t>3</a:t>
-              </a:r>
-            </a:p>
-          </dgm:t>
-        </dgm:pt>
       </dgm:ptLst>
       <dgm:cxnLst>
-        <dgm:cxn modelId="4" srcId="0" destId="1" srcOrd="0" destOrd="0" sibTransId="101"/>
-        <dgm:cxn modelId="5" srcId="0" destId="2" srcOrd="1" destOrd="0" sibTransId="201"/>
-        <dgm:cxn modelId="6" srcId="0" destId="3" srcOrd="2" destOrd="0" sibTransId="301"/>
-        <dgm:cxn modelId="13" srcId="1" destId="11" srcOrd="0" destOrd="0"/>
+        <dgm:cxn modelId="4" srcId="0" destId="1" srcOrd="0" destOrd="0"/>
+        <dgm:cxn modelId="5" srcId="1" destId="2" srcOrd="0" destOrd="0"/>
+        <dgm:cxn modelId="6" srcId="1" destId="3" srcOrd="1" destOrd="0"/>
         <dgm:cxn modelId="23" srcId="2" destId="21" srcOrd="0" destOrd="0"/>
+        <dgm:cxn modelId="24" srcId="2" destId="22" srcOrd="1" destOrd="0"/>
         <dgm:cxn modelId="33" srcId="3" destId="31" srcOrd="0" destOrd="0"/>
       </dgm:cxnLst>
       <dgm:bg/>
@@ -26164,14 +24145,12 @@
         <dgm:pt modelId="0" type="doc"/>
         <dgm:pt modelId="1"/>
         <dgm:pt modelId="11"/>
-        <dgm:pt modelId="2"/>
-        <dgm:pt modelId="21"/>
+        <dgm:pt modelId="12"/>
       </dgm:ptLst>
       <dgm:cxnLst>
-        <dgm:cxn modelId="4" srcId="0" destId="1" srcOrd="0" destOrd="0"/>
-        <dgm:cxn modelId="5" srcId="0" destId="2" srcOrd="1" destOrd="0"/>
+        <dgm:cxn modelId="2" srcId="0" destId="1" srcOrd="0" destOrd="0"/>
         <dgm:cxn modelId="13" srcId="1" destId="11" srcOrd="0" destOrd="0"/>
-        <dgm:cxn modelId="23" srcId="2" destId="21" srcOrd="0" destOrd="0"/>
+        <dgm:cxn modelId="14" srcId="1" destId="12" srcOrd="1" destOrd="0"/>
       </dgm:cxnLst>
       <dgm:bg/>
       <dgm:whole/>
@@ -26182,182 +24161,506 @@
       <dgm:ptLst>
         <dgm:pt modelId="0" type="doc"/>
         <dgm:pt modelId="1"/>
-        <dgm:pt modelId="11"/>
         <dgm:pt modelId="2"/>
         <dgm:pt modelId="21"/>
+        <dgm:pt modelId="211"/>
         <dgm:pt modelId="3"/>
         <dgm:pt modelId="31"/>
-        <dgm:pt modelId="4"/>
-        <dgm:pt modelId="41"/>
+        <dgm:pt modelId="311"/>
       </dgm:ptLst>
       <dgm:cxnLst>
-        <dgm:cxn modelId="5" srcId="0" destId="1" srcOrd="0" destOrd="0"/>
-        <dgm:cxn modelId="6" srcId="0" destId="2" srcOrd="1" destOrd="0"/>
-        <dgm:cxn modelId="7" srcId="0" destId="3" srcOrd="2" destOrd="0"/>
-        <dgm:cxn modelId="8" srcId="0" destId="4" srcOrd="3" destOrd="0"/>
-        <dgm:cxn modelId="13" srcId="1" destId="11" srcOrd="0" destOrd="0"/>
+        <dgm:cxn modelId="4" srcId="0" destId="1" srcOrd="0" destOrd="0"/>
+        <dgm:cxn modelId="5" srcId="1" destId="2" srcOrd="0" destOrd="0"/>
+        <dgm:cxn modelId="6" srcId="1" destId="3" srcOrd="1" destOrd="0"/>
         <dgm:cxn modelId="23" srcId="2" destId="21" srcOrd="0" destOrd="0"/>
+        <dgm:cxn modelId="24" srcId="21" destId="211" srcOrd="0" destOrd="0"/>
         <dgm:cxn modelId="33" srcId="3" destId="31" srcOrd="0" destOrd="0"/>
-        <dgm:cxn modelId="43" srcId="4" destId="41" srcOrd="0" destOrd="0"/>
+        <dgm:cxn modelId="34" srcId="31" destId="311" srcOrd="0" destOrd="0"/>
       </dgm:cxnLst>
       <dgm:bg/>
       <dgm:whole/>
     </dgm:dataModel>
   </dgm:clrData>
-  <dgm:layoutNode name="Name0">
+  <dgm:layoutNode name="hierChild1">
     <dgm:varLst>
+      <dgm:chPref val="1"/>
+      <dgm:dir/>
+      <dgm:animOne val="branch"/>
       <dgm:animLvl val="lvl"/>
-      <dgm:resizeHandles val="exact"/>
+      <dgm:resizeHandles/>
     </dgm:varLst>
-    <dgm:alg type="lin">
-      <dgm:param type="linDir" val="fromL"/>
-      <dgm:param type="nodeVertAlign" val="t"/>
-    </dgm:alg>
+    <dgm:choose name="Name0">
+      <dgm:if name="Name1" func="var" arg="dir" op="equ" val="norm">
+        <dgm:alg type="hierChild">
+          <dgm:param type="linDir" val="fromL"/>
+        </dgm:alg>
+      </dgm:if>
+      <dgm:else name="Name2">
+        <dgm:alg type="hierChild">
+          <dgm:param type="linDir" val="fromR"/>
+        </dgm:alg>
+      </dgm:else>
+    </dgm:choose>
     <dgm:shape xmlns:r="http://schemas.openxmlformats.org/officeDocument/2006/relationships" r:blip="">
       <dgm:adjLst/>
     </dgm:shape>
     <dgm:presOf/>
     <dgm:constrLst>
-      <dgm:constr type="h" for="ch" forName="compositeNode" refType="h"/>
-      <dgm:constr type="w" for="ch" forName="compositeNode" refType="w"/>
-      <dgm:constr type="w" for="des" forName="simulatedConn" refType="w" refFor="ch" refForName="compositeNode" fact="0.15"/>
-      <dgm:constr type="h" for="des" forName="simulatedConn" refType="w" refFor="des" refForName="simulatedConn"/>
-      <dgm:constr type="h" for="des" forName="vSp1" refType="w" refFor="ch" refForName="compositeNode" fact="0.8"/>
-      <dgm:constr type="h" for="des" forName="vSp2" refType="w" refFor="ch" refForName="compositeNode" fact="0.07"/>
-      <dgm:constr type="w" for="ch" forName="vProcSp" refType="w" refFor="des" refForName="simulatedConn" op="equ"/>
-      <dgm:constr type="h" for="ch" forName="vProcSp" refType="h" refFor="ch" refForName="compositeNode" op="equ"/>
-      <dgm:constr type="w" for="ch" forName="sibTrans" refType="w" refFor="ch" refForName="compositeNode" fact="0.1"/>
-      <dgm:constr type="primFontSz" for="des" forName="sibTransNodeCircle" op="equ"/>
-      <dgm:constr type="primFontSz" for="des" forName="nodeText" op="equ"/>
-      <dgm:constr type="h" for="des" forName="sibTransNodeCircle" op="equ"/>
-      <dgm:constr type="w" for="des" forName="sibTransNodeCircle" op="equ"/>
+      <dgm:constr type="primFontSz" for="des" ptType="node" op="equ" val="65"/>
+      <dgm:constr type="w" for="des" forName="composite" refType="w"/>
+      <dgm:constr type="h" for="des" forName="composite" refType="w" refFor="des" refForName="composite" fact="0.667"/>
+      <dgm:constr type="w" for="des" forName="composite2" refType="w" refFor="des" refForName="composite"/>
+      <dgm:constr type="h" for="des" forName="composite2" refType="h" refFor="des" refForName="composite"/>
+      <dgm:constr type="w" for="des" forName="composite3" refType="w" refFor="des" refForName="composite"/>
+      <dgm:constr type="h" for="des" forName="composite3" refType="h" refFor="des" refForName="composite"/>
+      <dgm:constr type="w" for="des" forName="composite4" refType="w" refFor="des" refForName="composite"/>
+      <dgm:constr type="h" for="des" forName="composite4" refType="h" refFor="des" refForName="composite"/>
+      <dgm:constr type="w" for="des" forName="composite5" refType="w" refFor="des" refForName="composite"/>
+      <dgm:constr type="h" for="des" forName="composite5" refType="h" refFor="des" refForName="composite"/>
+      <dgm:constr type="sibSp" refType="w" refFor="des" refForName="composite" fact="0.1"/>
+      <dgm:constr type="sibSp" for="des" forName="hierChild2" refType="sibSp"/>
+      <dgm:constr type="sibSp" for="des" forName="hierChild3" refType="sibSp"/>
+      <dgm:constr type="sibSp" for="des" forName="hierChild4" refType="sibSp"/>
+      <dgm:constr type="sibSp" for="des" forName="hierChild5" refType="sibSp"/>
+      <dgm:constr type="sibSp" for="des" forName="hierChild6" refType="sibSp"/>
+      <dgm:constr type="sp" for="des" forName="hierRoot1" refType="h" refFor="des" refForName="composite" fact="0.25"/>
+      <dgm:constr type="sp" for="des" forName="hierRoot2" refType="sp" refFor="des" refForName="hierRoot1"/>
+      <dgm:constr type="sp" for="des" forName="hierRoot3" refType="sp" refFor="des" refForName="hierRoot1"/>
+      <dgm:constr type="sp" for="des" forName="hierRoot4" refType="sp" refFor="des" refForName="hierRoot1"/>
+      <dgm:constr type="sp" for="des" forName="hierRoot5" refType="sp" refFor="des" refForName="hierRoot1"/>
     </dgm:constrLst>
-    <dgm:ruleLst>
-      <dgm:rule type="h" val="NaN" fact="1.2" max="NaN"/>
-    </dgm:ruleLst>
-    <dgm:forEach name="Name4" axis="ch" ptType="node">
-      <dgm:layoutNode name="compositeNode">
-        <dgm:varLst>
-          <dgm:bulletEnabled val="1"/>
-        </dgm:varLst>
-        <dgm:alg type="composite"/>
-        <dgm:constrLst>
-          <dgm:constr type="h" refType="w" op="lte" fact="1.4"/>
-          <dgm:constr type="w" for="ch" forName="bgRect" refType="w"/>
-          <dgm:constr type="h" for="ch" forName="bgRect" refType="h"/>
-          <dgm:constr type="t" for="ch" forName="bgRect"/>
-          <dgm:constr type="l" for="ch" forName="bgRect"/>
-          <dgm:constr type="h" for="ch" forName="sibTransNodeCircle" refType="h" refFor="ch" refForName="bgRect" fact="0.3"/>
-          <dgm:constr type="w" for="ch" forName="sibTransNodeCircle" refType="h" refFor="ch" refForName="sibTransNodeCircle"/>
-          <dgm:constr type="ctrX" for="ch" forName="sibTransNodeCircle" refType="w" fact="0.5"/>
-          <dgm:constr type="ctrY" for="ch" forName="sibTransNodeCircle" refType="h" fact="0.25"/>
-          <dgm:constr type="r" for="ch" forName="nodeText" refType="r" refFor="ch" refForName="bgRect"/>
-          <dgm:constr type="h" for="ch" forName="nodeText" refType="h" refFor="ch" refForName="bgRect" fact="0.6"/>
-          <dgm:constr type="t" for="ch" forName="nodeText" refType="h" refFor="ch" refForName="bgRect" fact="0.38"/>
-          <dgm:constr type="b" for="ch" forName="bottomLine" refType="b" refFor="ch" refForName="bgRect"/>
-          <dgm:constr type="w" for="ch" forName="bottomLine" refType="w" refFor="ch" refForName="bgRect"/>
-          <dgm:constr type="h" for="ch" forName="bottomLine" val="0.002"/>
-        </dgm:constrLst>
-        <dgm:ruleLst/>
-        <dgm:layoutNode name="bgRect" styleLbl="bgAccFollowNode1">
-          <dgm:alg type="sp"/>
-          <dgm:shape xmlns:r="http://schemas.openxmlformats.org/officeDocument/2006/relationships" type="rect" r:blip="">
-            <dgm:adjLst/>
-          </dgm:shape>
-          <dgm:presOf axis="self"/>
-          <dgm:constrLst/>
-          <dgm:ruleLst/>
-        </dgm:layoutNode>
-        <dgm:forEach name="Name19" axis="followSib" ptType="sibTrans" hideLastTrans="0" cnt="1">
-          <dgm:layoutNode name="sibTransNodeCircle" styleLbl="alignNode1">
-            <dgm:varLst>
-              <dgm:chMax val="0"/>
-              <dgm:bulletEnabled/>
-            </dgm:varLst>
-            <dgm:presOf axis="self" ptType="sibTrans"/>
-            <dgm:alg type="tx">
-              <dgm:param type="txAnchorVert" val="mid"/>
-              <dgm:param type="txAnchorHorzCh" val="ctr"/>
-            </dgm:alg>
-            <dgm:shape xmlns:r="http://schemas.openxmlformats.org/officeDocument/2006/relationships" type="ellipse" r:blip="">
-              <dgm:adjLst/>
-            </dgm:shape>
-            <dgm:constrLst>
-              <dgm:constr type="w" refType="h" op="lte"/>
-              <dgm:constr type="primFontSz" val="48"/>
-              <dgm:constr type="tMarg" val="1"/>
-              <dgm:constr type="lMarg" refType="w" fact="0.221"/>
-              <dgm:constr type="rMarg" refType="w" fact="0.221"/>
-              <dgm:constr type="bMarg" val="1"/>
-            </dgm:constrLst>
-            <dgm:ruleLst>
-              <dgm:rule type="primFontSz" val="14" fact="NaN" max="NaN"/>
-            </dgm:ruleLst>
-          </dgm:layoutNode>
-        </dgm:forEach>
-        <dgm:layoutNode name="bottomLine" styleLbl="alignNode1">
-          <dgm:varLst/>
-          <dgm:presOf/>
-          <dgm:alg type="sp"/>
-          <dgm:shape xmlns:r="http://schemas.openxmlformats.org/officeDocument/2006/relationships" type="rect" r:blip="">
-            <dgm:adjLst/>
-          </dgm:shape>
-          <dgm:constrLst/>
-          <dgm:ruleLst/>
-        </dgm:layoutNode>
-        <dgm:layoutNode name="nodeText" styleLbl="bgAccFollowNode1" moveWith="bgRect">
-          <dgm:varLst>
-            <dgm:bulletEnabled val="1"/>
-          </dgm:varLst>
-          <dgm:alg type="tx">
-            <dgm:param type="parTxLTRAlign" val="l"/>
-            <dgm:param type="parTxRTLAlign" val="r"/>
-            <dgm:param type="txAnchorVert" val="t"/>
-          </dgm:alg>
-          <dgm:shape xmlns:r="http://schemas.openxmlformats.org/officeDocument/2006/relationships" type="rect" r:blip="" zOrderOff="-1" hideGeom="1">
-            <dgm:adjLst/>
-          </dgm:shape>
-          <dgm:presOf axis="desOrSelf" ptType="node"/>
-          <dgm:constrLst>
-            <dgm:constr type="primFontSz" val="26"/>
-            <dgm:constr type="tMarg" val="26"/>
-            <dgm:constr type="lMarg" refType="w" fact="0.221"/>
-            <dgm:constr type="rMarg" refType="w" fact="0.221"/>
-            <dgm:constr type="bMarg" val="26"/>
-          </dgm:constrLst>
-          <dgm:ruleLst>
-            <dgm:rule type="primFontSz" val="11" fact="NaN" max="NaN"/>
-          </dgm:ruleLst>
-        </dgm:layoutNode>
-      </dgm:layoutNode>
-      <dgm:forEach name="Name14" axis="followSib" ptType="sibTrans" cnt="1">
-        <dgm:layoutNode name="sibTrans">
-          <dgm:alg type="sp"/>
+    <dgm:ruleLst/>
+    <dgm:forEach name="Name3" axis="ch">
+      <dgm:forEach name="Name4" axis="self" ptType="node">
+        <dgm:layoutNode name="hierRoot1">
+          <dgm:alg type="hierRoot"/>
           <dgm:shape xmlns:r="http://schemas.openxmlformats.org/officeDocument/2006/relationships" r:blip="">
             <dgm:adjLst/>
           </dgm:shape>
           <dgm:presOf/>
-          <dgm:constrLst/>
+          <dgm:constrLst>
+            <dgm:constr type="bendDist" for="des" ptType="parTrans" refType="sp" fact="0.5"/>
+          </dgm:constrLst>
           <dgm:ruleLst/>
+          <dgm:layoutNode name="composite">
+            <dgm:alg type="composite"/>
+            <dgm:shape xmlns:r="http://schemas.openxmlformats.org/officeDocument/2006/relationships" r:blip="">
+              <dgm:adjLst/>
+            </dgm:shape>
+            <dgm:presOf/>
+            <dgm:constrLst>
+              <dgm:constr type="w" for="ch" forName="background" refType="w" fact="0.9"/>
+              <dgm:constr type="h" for="ch" forName="background" refType="w" refFor="ch" refForName="background" fact="0.635"/>
+              <dgm:constr type="t" for="ch" forName="background"/>
+              <dgm:constr type="l" for="ch" forName="background"/>
+              <dgm:constr type="w" for="ch" forName="text" refType="w" fact="0.9"/>
+              <dgm:constr type="h" for="ch" forName="text" refType="w" refFor="ch" refForName="text" fact="0.635"/>
+              <dgm:constr type="t" for="ch" forName="text" refType="w" fact="0.095"/>
+              <dgm:constr type="l" for="ch" forName="text" refType="w" fact="0.1"/>
+            </dgm:constrLst>
+            <dgm:ruleLst/>
+            <dgm:layoutNode name="background" styleLbl="node0" moveWith="text">
+              <dgm:alg type="sp"/>
+              <dgm:shape xmlns:r="http://schemas.openxmlformats.org/officeDocument/2006/relationships" type="roundRect" r:blip="">
+                <dgm:adjLst>
+                  <dgm:adj idx="1" val="0.1"/>
+                </dgm:adjLst>
+              </dgm:shape>
+              <dgm:presOf/>
+              <dgm:constrLst/>
+              <dgm:ruleLst/>
+            </dgm:layoutNode>
+            <dgm:layoutNode name="text" styleLbl="fgAcc0">
+              <dgm:varLst>
+                <dgm:chPref val="3"/>
+              </dgm:varLst>
+              <dgm:alg type="tx"/>
+              <dgm:shape xmlns:r="http://schemas.openxmlformats.org/officeDocument/2006/relationships" type="roundRect" r:blip="">
+                <dgm:adjLst>
+                  <dgm:adj idx="1" val="0.1"/>
+                </dgm:adjLst>
+              </dgm:shape>
+              <dgm:presOf axis="self"/>
+              <dgm:constrLst>
+                <dgm:constr type="tMarg" refType="primFontSz" fact="0.3"/>
+                <dgm:constr type="bMarg" refType="primFontSz" fact="0.3"/>
+                <dgm:constr type="lMarg" refType="primFontSz" fact="0.3"/>
+                <dgm:constr type="rMarg" refType="primFontSz" fact="0.3"/>
+              </dgm:constrLst>
+              <dgm:ruleLst>
+                <dgm:rule type="primFontSz" val="5" fact="NaN" max="NaN"/>
+              </dgm:ruleLst>
+            </dgm:layoutNode>
+          </dgm:layoutNode>
+          <dgm:layoutNode name="hierChild2">
+            <dgm:choose name="Name5">
+              <dgm:if name="Name6" func="var" arg="dir" op="equ" val="norm">
+                <dgm:alg type="hierChild">
+                  <dgm:param type="linDir" val="fromL"/>
+                </dgm:alg>
+              </dgm:if>
+              <dgm:else name="Name7">
+                <dgm:alg type="hierChild">
+                  <dgm:param type="linDir" val="fromR"/>
+                </dgm:alg>
+              </dgm:else>
+            </dgm:choose>
+            <dgm:shape xmlns:r="http://schemas.openxmlformats.org/officeDocument/2006/relationships" r:blip="">
+              <dgm:adjLst/>
+            </dgm:shape>
+            <dgm:presOf/>
+            <dgm:constrLst/>
+            <dgm:ruleLst/>
+            <dgm:forEach name="Name8" axis="ch">
+              <dgm:forEach name="Name9" axis="self" ptType="parTrans" cnt="1">
+                <dgm:layoutNode name="Name10">
+                  <dgm:alg type="conn">
+                    <dgm:param type="dim" val="1D"/>
+                    <dgm:param type="endSty" val="noArr"/>
+                    <dgm:param type="connRout" val="bend"/>
+                    <dgm:param type="bendPt" val="end"/>
+                    <dgm:param type="begPts" val="bCtr"/>
+                    <dgm:param type="endPts" val="tCtr"/>
+                    <dgm:param type="srcNode" val="background"/>
+                    <dgm:param type="dstNode" val="background2"/>
+                  </dgm:alg>
+                  <dgm:shape xmlns:r="http://schemas.openxmlformats.org/officeDocument/2006/relationships" type="conn" r:blip="" zOrderOff="-999">
+                    <dgm:adjLst/>
+                  </dgm:shape>
+                  <dgm:presOf axis="self"/>
+                  <dgm:constrLst>
+                    <dgm:constr type="begPad"/>
+                    <dgm:constr type="endPad"/>
+                  </dgm:constrLst>
+                  <dgm:ruleLst/>
+                </dgm:layoutNode>
+              </dgm:forEach>
+              <dgm:forEach name="Name11" axis="self" ptType="node">
+                <dgm:layoutNode name="hierRoot2">
+                  <dgm:alg type="hierRoot"/>
+                  <dgm:shape xmlns:r="http://schemas.openxmlformats.org/officeDocument/2006/relationships" r:blip="">
+                    <dgm:adjLst/>
+                  </dgm:shape>
+                  <dgm:presOf/>
+                  <dgm:constrLst>
+                    <dgm:constr type="bendDist" for="des" ptType="parTrans" refType="sp" fact="0.5"/>
+                  </dgm:constrLst>
+                  <dgm:ruleLst/>
+                  <dgm:layoutNode name="composite2">
+                    <dgm:alg type="composite"/>
+                    <dgm:shape xmlns:r="http://schemas.openxmlformats.org/officeDocument/2006/relationships" r:blip="">
+                      <dgm:adjLst/>
+                    </dgm:shape>
+                    <dgm:presOf/>
+                    <dgm:constrLst>
+                      <dgm:constr type="w" for="ch" forName="background2" refType="w" fact="0.9"/>
+                      <dgm:constr type="h" for="ch" forName="background2" refType="w" refFor="ch" refForName="background2" fact="0.635"/>
+                      <dgm:constr type="t" for="ch" forName="background2"/>
+                      <dgm:constr type="l" for="ch" forName="background2"/>
+                      <dgm:constr type="w" for="ch" forName="text2" refType="w" fact="0.9"/>
+                      <dgm:constr type="h" for="ch" forName="text2" refType="w" refFor="ch" refForName="text2" fact="0.635"/>
+                      <dgm:constr type="t" for="ch" forName="text2" refType="w" fact="0.095"/>
+                      <dgm:constr type="l" for="ch" forName="text2" refType="w" fact="0.1"/>
+                    </dgm:constrLst>
+                    <dgm:ruleLst/>
+                    <dgm:layoutNode name="background2" moveWith="text2">
+                      <dgm:alg type="sp"/>
+                      <dgm:shape xmlns:r="http://schemas.openxmlformats.org/officeDocument/2006/relationships" type="roundRect" r:blip="">
+                        <dgm:adjLst>
+                          <dgm:adj idx="1" val="0.1"/>
+                        </dgm:adjLst>
+                      </dgm:shape>
+                      <dgm:presOf/>
+                      <dgm:constrLst/>
+                      <dgm:ruleLst/>
+                    </dgm:layoutNode>
+                    <dgm:layoutNode name="text2" styleLbl="fgAcc2">
+                      <dgm:varLst>
+                        <dgm:chPref val="3"/>
+                      </dgm:varLst>
+                      <dgm:alg type="tx"/>
+                      <dgm:shape xmlns:r="http://schemas.openxmlformats.org/officeDocument/2006/relationships" type="roundRect" r:blip="">
+                        <dgm:adjLst>
+                          <dgm:adj idx="1" val="0.1"/>
+                        </dgm:adjLst>
+                      </dgm:shape>
+                      <dgm:presOf axis="self"/>
+                      <dgm:constrLst>
+                        <dgm:constr type="tMarg" refType="primFontSz" fact="0.3"/>
+                        <dgm:constr type="bMarg" refType="primFontSz" fact="0.3"/>
+                        <dgm:constr type="lMarg" refType="primFontSz" fact="0.3"/>
+                        <dgm:constr type="rMarg" refType="primFontSz" fact="0.3"/>
+                      </dgm:constrLst>
+                      <dgm:ruleLst>
+                        <dgm:rule type="primFontSz" val="5" fact="NaN" max="NaN"/>
+                      </dgm:ruleLst>
+                    </dgm:layoutNode>
+                  </dgm:layoutNode>
+                  <dgm:layoutNode name="hierChild3">
+                    <dgm:choose name="Name12">
+                      <dgm:if name="Name13" func="var" arg="dir" op="equ" val="norm">
+                        <dgm:alg type="hierChild">
+                          <dgm:param type="linDir" val="fromL"/>
+                        </dgm:alg>
+                      </dgm:if>
+                      <dgm:else name="Name14">
+                        <dgm:alg type="hierChild">
+                          <dgm:param type="linDir" val="fromR"/>
+                        </dgm:alg>
+                      </dgm:else>
+                    </dgm:choose>
+                    <dgm:shape xmlns:r="http://schemas.openxmlformats.org/officeDocument/2006/relationships" r:blip="">
+                      <dgm:adjLst/>
+                    </dgm:shape>
+                    <dgm:presOf/>
+                    <dgm:constrLst/>
+                    <dgm:ruleLst/>
+                    <dgm:forEach name="Name15" axis="ch">
+                      <dgm:forEach name="Name16" axis="self" ptType="parTrans" cnt="1">
+                        <dgm:layoutNode name="Name17">
+                          <dgm:alg type="conn">
+                            <dgm:param type="dim" val="1D"/>
+                            <dgm:param type="endSty" val="noArr"/>
+                            <dgm:param type="connRout" val="bend"/>
+                            <dgm:param type="bendPt" val="end"/>
+                            <dgm:param type="begPts" val="bCtr"/>
+                            <dgm:param type="endPts" val="tCtr"/>
+                            <dgm:param type="srcNode" val="background2"/>
+                            <dgm:param type="dstNode" val="background3"/>
+                          </dgm:alg>
+                          <dgm:shape xmlns:r="http://schemas.openxmlformats.org/officeDocument/2006/relationships" type="conn" r:blip="" zOrderOff="-999">
+                            <dgm:adjLst/>
+                          </dgm:shape>
+                          <dgm:presOf axis="self"/>
+                          <dgm:constrLst>
+                            <dgm:constr type="begPad"/>
+                            <dgm:constr type="endPad"/>
+                          </dgm:constrLst>
+                          <dgm:ruleLst/>
+                        </dgm:layoutNode>
+                      </dgm:forEach>
+                      <dgm:forEach name="Name18" axis="self" ptType="node">
+                        <dgm:layoutNode name="hierRoot3">
+                          <dgm:alg type="hierRoot"/>
+                          <dgm:shape xmlns:r="http://schemas.openxmlformats.org/officeDocument/2006/relationships" r:blip="">
+                            <dgm:adjLst/>
+                          </dgm:shape>
+                          <dgm:presOf/>
+                          <dgm:constrLst>
+                            <dgm:constr type="bendDist" for="des" ptType="parTrans" refType="sp" fact="0.5"/>
+                          </dgm:constrLst>
+                          <dgm:ruleLst/>
+                          <dgm:layoutNode name="composite3">
+                            <dgm:alg type="composite"/>
+                            <dgm:shape xmlns:r="http://schemas.openxmlformats.org/officeDocument/2006/relationships" r:blip="">
+                              <dgm:adjLst/>
+                            </dgm:shape>
+                            <dgm:presOf/>
+                            <dgm:constrLst>
+                              <dgm:constr type="w" for="ch" forName="background3" refType="w" fact="0.9"/>
+                              <dgm:constr type="h" for="ch" forName="background3" refType="w" refFor="ch" refForName="background3" fact="0.635"/>
+                              <dgm:constr type="t" for="ch" forName="background3"/>
+                              <dgm:constr type="l" for="ch" forName="background3"/>
+                              <dgm:constr type="w" for="ch" forName="text3" refType="w" fact="0.9"/>
+                              <dgm:constr type="h" for="ch" forName="text3" refType="w" refFor="ch" refForName="text3" fact="0.635"/>
+                              <dgm:constr type="t" for="ch" forName="text3" refType="w" fact="0.095"/>
+                              <dgm:constr type="l" for="ch" forName="text3" refType="w" fact="0.1"/>
+                            </dgm:constrLst>
+                            <dgm:ruleLst/>
+                            <dgm:layoutNode name="background3" moveWith="text3">
+                              <dgm:alg type="sp"/>
+                              <dgm:shape xmlns:r="http://schemas.openxmlformats.org/officeDocument/2006/relationships" type="roundRect" r:blip="">
+                                <dgm:adjLst>
+                                  <dgm:adj idx="1" val="0.1"/>
+                                </dgm:adjLst>
+                              </dgm:shape>
+                              <dgm:presOf/>
+                              <dgm:constrLst/>
+                              <dgm:ruleLst/>
+                            </dgm:layoutNode>
+                            <dgm:layoutNode name="text3" styleLbl="fgAcc3">
+                              <dgm:varLst>
+                                <dgm:chPref val="3"/>
+                              </dgm:varLst>
+                              <dgm:alg type="tx"/>
+                              <dgm:shape xmlns:r="http://schemas.openxmlformats.org/officeDocument/2006/relationships" type="roundRect" r:blip="">
+                                <dgm:adjLst>
+                                  <dgm:adj idx="1" val="0.1"/>
+                                </dgm:adjLst>
+                              </dgm:shape>
+                              <dgm:presOf axis="self"/>
+                              <dgm:constrLst>
+                                <dgm:constr type="tMarg" refType="primFontSz" fact="0.3"/>
+                                <dgm:constr type="bMarg" refType="primFontSz" fact="0.3"/>
+                                <dgm:constr type="lMarg" refType="primFontSz" fact="0.3"/>
+                                <dgm:constr type="rMarg" refType="primFontSz" fact="0.3"/>
+                              </dgm:constrLst>
+                              <dgm:ruleLst>
+                                <dgm:rule type="primFontSz" val="5" fact="NaN" max="NaN"/>
+                              </dgm:ruleLst>
+                            </dgm:layoutNode>
+                          </dgm:layoutNode>
+                          <dgm:layoutNode name="hierChild4">
+                            <dgm:choose name="Name19">
+                              <dgm:if name="Name20" func="var" arg="dir" op="equ" val="norm">
+                                <dgm:alg type="hierChild">
+                                  <dgm:param type="linDir" val="fromL"/>
+                                </dgm:alg>
+                              </dgm:if>
+                              <dgm:else name="Name21">
+                                <dgm:alg type="hierChild">
+                                  <dgm:param type="linDir" val="fromR"/>
+                                </dgm:alg>
+                              </dgm:else>
+                            </dgm:choose>
+                            <dgm:shape xmlns:r="http://schemas.openxmlformats.org/officeDocument/2006/relationships" r:blip="">
+                              <dgm:adjLst/>
+                            </dgm:shape>
+                            <dgm:presOf/>
+                            <dgm:constrLst/>
+                            <dgm:ruleLst/>
+                            <dgm:forEach name="repeat" axis="ch">
+                              <dgm:forEach name="Name22" axis="self" ptType="parTrans" cnt="1">
+                                <dgm:layoutNode name="Name23">
+                                  <dgm:choose name="Name24">
+                                    <dgm:if name="Name25" axis="self" func="depth" op="lte" val="4">
+                                      <dgm:alg type="conn">
+                                        <dgm:param type="dim" val="1D"/>
+                                        <dgm:param type="endSty" val="noArr"/>
+                                        <dgm:param type="connRout" val="bend"/>
+                                        <dgm:param type="bendPt" val="end"/>
+                                        <dgm:param type="begPts" val="bCtr"/>
+                                        <dgm:param type="endPts" val="tCtr"/>
+                                        <dgm:param type="srcNode" val="background3"/>
+                                        <dgm:param type="dstNode" val="background4"/>
+                                      </dgm:alg>
+                                    </dgm:if>
+                                    <dgm:else name="Name26">
+                                      <dgm:alg type="conn">
+                                        <dgm:param type="dim" val="1D"/>
+                                        <dgm:param type="endSty" val="noArr"/>
+                                        <dgm:param type="connRout" val="bend"/>
+                                        <dgm:param type="bendPt" val="end"/>
+                                        <dgm:param type="begPts" val="bCtr"/>
+                                        <dgm:param type="endPts" val="tCtr"/>
+                                        <dgm:param type="srcNode" val="background4"/>
+                                        <dgm:param type="dstNode" val="background4"/>
+                                      </dgm:alg>
+                                    </dgm:else>
+                                  </dgm:choose>
+                                  <dgm:shape xmlns:r="http://schemas.openxmlformats.org/officeDocument/2006/relationships" type="conn" r:blip="" zOrderOff="-999">
+                                    <dgm:adjLst/>
+                                  </dgm:shape>
+                                  <dgm:presOf axis="self"/>
+                                  <dgm:constrLst>
+                                    <dgm:constr type="begPad"/>
+                                    <dgm:constr type="endPad"/>
+                                  </dgm:constrLst>
+                                  <dgm:ruleLst/>
+                                </dgm:layoutNode>
+                              </dgm:forEach>
+                              <dgm:forEach name="Name27" axis="self" ptType="node">
+                                <dgm:layoutNode name="hierRoot4">
+                                  <dgm:alg type="hierRoot"/>
+                                  <dgm:shape xmlns:r="http://schemas.openxmlformats.org/officeDocument/2006/relationships" r:blip="">
+                                    <dgm:adjLst/>
+                                  </dgm:shape>
+                                  <dgm:presOf/>
+                                  <dgm:constrLst>
+                                    <dgm:constr type="bendDist" for="des" ptType="parTrans" refType="sp" fact="0.5"/>
+                                  </dgm:constrLst>
+                                  <dgm:ruleLst/>
+                                  <dgm:layoutNode name="composite4">
+                                    <dgm:alg type="composite"/>
+                                    <dgm:shape xmlns:r="http://schemas.openxmlformats.org/officeDocument/2006/relationships" r:blip="">
+                                      <dgm:adjLst/>
+                                    </dgm:shape>
+                                    <dgm:presOf/>
+                                    <dgm:constrLst>
+                                      <dgm:constr type="w" for="ch" forName="background4" refType="w" fact="0.9"/>
+                                      <dgm:constr type="h" for="ch" forName="background4" refType="w" refFor="ch" refForName="background4" fact="0.635"/>
+                                      <dgm:constr type="t" for="ch" forName="background4"/>
+                                      <dgm:constr type="l" for="ch" forName="background4"/>
+                                      <dgm:constr type="w" for="ch" forName="text4" refType="w" fact="0.9"/>
+                                      <dgm:constr type="h" for="ch" forName="text4" refType="w" refFor="ch" refForName="text4" fact="0.635"/>
+                                      <dgm:constr type="t" for="ch" forName="text4" refType="w" fact="0.095"/>
+                                      <dgm:constr type="l" for="ch" forName="text4" refType="w" fact="0.1"/>
+                                    </dgm:constrLst>
+                                    <dgm:ruleLst/>
+                                    <dgm:layoutNode name="background4" moveWith="text4">
+                                      <dgm:alg type="sp"/>
+                                      <dgm:shape xmlns:r="http://schemas.openxmlformats.org/officeDocument/2006/relationships" type="roundRect" r:blip="">
+                                        <dgm:adjLst>
+                                          <dgm:adj idx="1" val="0.1"/>
+                                        </dgm:adjLst>
+                                      </dgm:shape>
+                                      <dgm:presOf/>
+                                      <dgm:constrLst/>
+                                      <dgm:ruleLst/>
+                                    </dgm:layoutNode>
+                                    <dgm:layoutNode name="text4" styleLbl="fgAcc4">
+                                      <dgm:varLst>
+                                        <dgm:chPref val="3"/>
+                                      </dgm:varLst>
+                                      <dgm:alg type="tx"/>
+                                      <dgm:shape xmlns:r="http://schemas.openxmlformats.org/officeDocument/2006/relationships" type="roundRect" r:blip="">
+                                        <dgm:adjLst>
+                                          <dgm:adj idx="1" val="0.1"/>
+                                        </dgm:adjLst>
+                                      </dgm:shape>
+                                      <dgm:presOf axis="self"/>
+                                      <dgm:constrLst>
+                                        <dgm:constr type="tMarg" refType="primFontSz" fact="0.3"/>
+                                        <dgm:constr type="bMarg" refType="primFontSz" fact="0.3"/>
+                                        <dgm:constr type="lMarg" refType="primFontSz" fact="0.3"/>
+                                        <dgm:constr type="rMarg" refType="primFontSz" fact="0.3"/>
+                                      </dgm:constrLst>
+                                      <dgm:ruleLst>
+                                        <dgm:rule type="primFontSz" val="5" fact="NaN" max="NaN"/>
+                                      </dgm:ruleLst>
+                                    </dgm:layoutNode>
+                                  </dgm:layoutNode>
+                                  <dgm:layoutNode name="hierChild5">
+                                    <dgm:choose name="Name28">
+                                      <dgm:if name="Name29" func="var" arg="dir" op="equ" val="norm">
+                                        <dgm:alg type="hierChild">
+                                          <dgm:param type="linDir" val="fromL"/>
+                                        </dgm:alg>
+                                      </dgm:if>
+                                      <dgm:else name="Name30">
+                                        <dgm:alg type="hierChild">
+                                          <dgm:param type="linDir" val="fromR"/>
+                                        </dgm:alg>
+                                      </dgm:else>
+                                    </dgm:choose>
+                                    <dgm:shape xmlns:r="http://schemas.openxmlformats.org/officeDocument/2006/relationships" r:blip="">
+                                      <dgm:adjLst/>
+                                    </dgm:shape>
+                                    <dgm:presOf/>
+                                    <dgm:constrLst/>
+                                    <dgm:ruleLst/>
+                                    <dgm:forEach name="Name31" ref="repeat"/>
+                                  </dgm:layoutNode>
+                                </dgm:layoutNode>
+                              </dgm:forEach>
+                            </dgm:forEach>
+                          </dgm:layoutNode>
+                        </dgm:layoutNode>
+                      </dgm:forEach>
+                    </dgm:forEach>
+                  </dgm:layoutNode>
+                </dgm:layoutNode>
+              </dgm:forEach>
+            </dgm:forEach>
+          </dgm:layoutNode>
         </dgm:layoutNode>
       </dgm:forEach>
     </dgm:forEach>
   </dgm:layoutNode>
-  <dgm:extLst>
-    <a:ext uri="{4F341089-5ED1-44EC-B178-C955D00A3D55}">
-      <dgm1611:autoBuNodeInfoLst xmlns:dgm1611="http://schemas.microsoft.com/office/drawing/2016/11/diagram">
-        <dgm1611:autoBuNodeInfo lvl="1" ptType="sibTrans">
-          <dgm1611:buPr prefix="" leadZeros="0">
-            <a:buAutoNum type="arabicParenBoth"/>
-          </dgm1611:buPr>
-        </dgm1611:autoBuNodeInfo>
-      </dgm1611:autoBuNodeInfoLst>
-    </a:ext>
-  </dgm:extLst>
 </dgm:layoutDef>
 </file>
 
-<file path=ppt/diagrams/layout12.xml><?xml version="1.0" encoding="utf-8"?>
+<file path=ppt/diagrams/layout11.xml><?xml version="1.0" encoding="utf-8"?>
 <dgm:layoutDef xmlns:dgm="http://schemas.openxmlformats.org/drawingml/2006/diagram" xmlns:a="http://schemas.openxmlformats.org/drawingml/2006/main" uniqueId="urn:microsoft.com/office/officeart/2018/2/layout/IconVerticalSolidList">
   <dgm:title val="Icon Vertical Solid List"/>
   <dgm:desc val="Use to show a series of visuals from top to bottom with Level 1 or Level 1 and Level 2 text grouped in a shape. Works best with icons or small pictures with lengthier descriptions."/>
@@ -29660,1040 +27963,6 @@
 </file>
 
 <file path=ppt/diagrams/quickStyle10.xml><?xml version="1.0" encoding="utf-8"?>
-<dgm:styleDef xmlns:dgm="http://schemas.openxmlformats.org/drawingml/2006/diagram" xmlns:a="http://schemas.openxmlformats.org/drawingml/2006/main" uniqueId="urn:microsoft.com/office/officeart/2005/8/quickstyle/simple1">
-  <dgm:title val=""/>
-  <dgm:desc val=""/>
-  <dgm:catLst>
-    <dgm:cat type="simple" pri="10100"/>
-  </dgm:catLst>
-  <dgm:scene3d>
-    <a:camera prst="orthographicFront"/>
-    <a:lightRig rig="threePt" dir="t"/>
-  </dgm:scene3d>
-  <dgm:styleLbl name="node0">
-    <dgm:scene3d>
-      <a:camera prst="orthographicFront"/>
-      <a:lightRig rig="threePt" dir="t"/>
-    </dgm:scene3d>
-    <dgm:sp3d/>
-    <dgm:txPr/>
-    <dgm:style>
-      <a:lnRef idx="2">
-        <a:scrgbClr r="0" g="0" b="0"/>
-      </a:lnRef>
-      <a:fillRef idx="1">
-        <a:scrgbClr r="0" g="0" b="0"/>
-      </a:fillRef>
-      <a:effectRef idx="0">
-        <a:scrgbClr r="0" g="0" b="0"/>
-      </a:effectRef>
-      <a:fontRef idx="minor">
-        <a:schemeClr val="lt1"/>
-      </a:fontRef>
-    </dgm:style>
-  </dgm:styleLbl>
-  <dgm:styleLbl name="lnNode1">
-    <dgm:scene3d>
-      <a:camera prst="orthographicFront"/>
-      <a:lightRig rig="threePt" dir="t"/>
-    </dgm:scene3d>
-    <dgm:sp3d/>
-    <dgm:txPr/>
-    <dgm:style>
-      <a:lnRef idx="2">
-        <a:scrgbClr r="0" g="0" b="0"/>
-      </a:lnRef>
-      <a:fillRef idx="1">
-        <a:scrgbClr r="0" g="0" b="0"/>
-      </a:fillRef>
-      <a:effectRef idx="0">
-        <a:scrgbClr r="0" g="0" b="0"/>
-      </a:effectRef>
-      <a:fontRef idx="minor">
-        <a:schemeClr val="lt1"/>
-      </a:fontRef>
-    </dgm:style>
-  </dgm:styleLbl>
-  <dgm:styleLbl name="vennNode1">
-    <dgm:scene3d>
-      <a:camera prst="orthographicFront"/>
-      <a:lightRig rig="threePt" dir="t"/>
-    </dgm:scene3d>
-    <dgm:sp3d/>
-    <dgm:txPr/>
-    <dgm:style>
-      <a:lnRef idx="2">
-        <a:scrgbClr r="0" g="0" b="0"/>
-      </a:lnRef>
-      <a:fillRef idx="1">
-        <a:scrgbClr r="0" g="0" b="0"/>
-      </a:fillRef>
-      <a:effectRef idx="0">
-        <a:scrgbClr r="0" g="0" b="0"/>
-      </a:effectRef>
-      <a:fontRef idx="minor">
-        <a:schemeClr val="tx1"/>
-      </a:fontRef>
-    </dgm:style>
-  </dgm:styleLbl>
-  <dgm:styleLbl name="alignNode1">
-    <dgm:scene3d>
-      <a:camera prst="orthographicFront"/>
-      <a:lightRig rig="threePt" dir="t"/>
-    </dgm:scene3d>
-    <dgm:sp3d/>
-    <dgm:txPr/>
-    <dgm:style>
-      <a:lnRef idx="2">
-        <a:scrgbClr r="0" g="0" b="0"/>
-      </a:lnRef>
-      <a:fillRef idx="1">
-        <a:scrgbClr r="0" g="0" b="0"/>
-      </a:fillRef>
-      <a:effectRef idx="0">
-        <a:scrgbClr r="0" g="0" b="0"/>
-      </a:effectRef>
-      <a:fontRef idx="minor">
-        <a:schemeClr val="lt1"/>
-      </a:fontRef>
-    </dgm:style>
-  </dgm:styleLbl>
-  <dgm:styleLbl name="node1">
-    <dgm:scene3d>
-      <a:camera prst="orthographicFront"/>
-      <a:lightRig rig="threePt" dir="t"/>
-    </dgm:scene3d>
-    <dgm:sp3d/>
-    <dgm:txPr/>
-    <dgm:style>
-      <a:lnRef idx="2">
-        <a:scrgbClr r="0" g="0" b="0"/>
-      </a:lnRef>
-      <a:fillRef idx="1">
-        <a:scrgbClr r="0" g="0" b="0"/>
-      </a:fillRef>
-      <a:effectRef idx="0">
-        <a:scrgbClr r="0" g="0" b="0"/>
-      </a:effectRef>
-      <a:fontRef idx="minor">
-        <a:schemeClr val="lt1"/>
-      </a:fontRef>
-    </dgm:style>
-  </dgm:styleLbl>
-  <dgm:styleLbl name="node2">
-    <dgm:scene3d>
-      <a:camera prst="orthographicFront"/>
-      <a:lightRig rig="threePt" dir="t"/>
-    </dgm:scene3d>
-    <dgm:sp3d/>
-    <dgm:txPr/>
-    <dgm:style>
-      <a:lnRef idx="2">
-        <a:scrgbClr r="0" g="0" b="0"/>
-      </a:lnRef>
-      <a:fillRef idx="1">
-        <a:scrgbClr r="0" g="0" b="0"/>
-      </a:fillRef>
-      <a:effectRef idx="0">
-        <a:scrgbClr r="0" g="0" b="0"/>
-      </a:effectRef>
-      <a:fontRef idx="minor">
-        <a:schemeClr val="lt1"/>
-      </a:fontRef>
-    </dgm:style>
-  </dgm:styleLbl>
-  <dgm:styleLbl name="node3">
-    <dgm:scene3d>
-      <a:camera prst="orthographicFront"/>
-      <a:lightRig rig="threePt" dir="t"/>
-    </dgm:scene3d>
-    <dgm:sp3d/>
-    <dgm:txPr/>
-    <dgm:style>
-      <a:lnRef idx="2">
-        <a:scrgbClr r="0" g="0" b="0"/>
-      </a:lnRef>
-      <a:fillRef idx="1">
-        <a:scrgbClr r="0" g="0" b="0"/>
-      </a:fillRef>
-      <a:effectRef idx="0">
-        <a:scrgbClr r="0" g="0" b="0"/>
-      </a:effectRef>
-      <a:fontRef idx="minor">
-        <a:schemeClr val="lt1"/>
-      </a:fontRef>
-    </dgm:style>
-  </dgm:styleLbl>
-  <dgm:styleLbl name="node4">
-    <dgm:scene3d>
-      <a:camera prst="orthographicFront"/>
-      <a:lightRig rig="threePt" dir="t"/>
-    </dgm:scene3d>
-    <dgm:sp3d/>
-    <dgm:txPr/>
-    <dgm:style>
-      <a:lnRef idx="2">
-        <a:scrgbClr r="0" g="0" b="0"/>
-      </a:lnRef>
-      <a:fillRef idx="1">
-        <a:scrgbClr r="0" g="0" b="0"/>
-      </a:fillRef>
-      <a:effectRef idx="0">
-        <a:scrgbClr r="0" g="0" b="0"/>
-      </a:effectRef>
-      <a:fontRef idx="minor">
-        <a:schemeClr val="lt1"/>
-      </a:fontRef>
-    </dgm:style>
-  </dgm:styleLbl>
-  <dgm:styleLbl name="fgImgPlace1">
-    <dgm:scene3d>
-      <a:camera prst="orthographicFront"/>
-      <a:lightRig rig="threePt" dir="t"/>
-    </dgm:scene3d>
-    <dgm:sp3d/>
-    <dgm:txPr/>
-    <dgm:style>
-      <a:lnRef idx="2">
-        <a:scrgbClr r="0" g="0" b="0"/>
-      </a:lnRef>
-      <a:fillRef idx="1">
-        <a:scrgbClr r="0" g="0" b="0"/>
-      </a:fillRef>
-      <a:effectRef idx="0">
-        <a:scrgbClr r="0" g="0" b="0"/>
-      </a:effectRef>
-      <a:fontRef idx="minor"/>
-    </dgm:style>
-  </dgm:styleLbl>
-  <dgm:styleLbl name="alignImgPlace1">
-    <dgm:scene3d>
-      <a:camera prst="orthographicFront"/>
-      <a:lightRig rig="threePt" dir="t"/>
-    </dgm:scene3d>
-    <dgm:sp3d/>
-    <dgm:txPr/>
-    <dgm:style>
-      <a:lnRef idx="2">
-        <a:scrgbClr r="0" g="0" b="0"/>
-      </a:lnRef>
-      <a:fillRef idx="1">
-        <a:scrgbClr r="0" g="0" b="0"/>
-      </a:fillRef>
-      <a:effectRef idx="0">
-        <a:scrgbClr r="0" g="0" b="0"/>
-      </a:effectRef>
-      <a:fontRef idx="minor"/>
-    </dgm:style>
-  </dgm:styleLbl>
-  <dgm:styleLbl name="bgImgPlace1">
-    <dgm:scene3d>
-      <a:camera prst="orthographicFront"/>
-      <a:lightRig rig="threePt" dir="t"/>
-    </dgm:scene3d>
-    <dgm:sp3d/>
-    <dgm:txPr/>
-    <dgm:style>
-      <a:lnRef idx="2">
-        <a:scrgbClr r="0" g="0" b="0"/>
-      </a:lnRef>
-      <a:fillRef idx="1">
-        <a:scrgbClr r="0" g="0" b="0"/>
-      </a:fillRef>
-      <a:effectRef idx="0">
-        <a:scrgbClr r="0" g="0" b="0"/>
-      </a:effectRef>
-      <a:fontRef idx="minor"/>
-    </dgm:style>
-  </dgm:styleLbl>
-  <dgm:styleLbl name="sibTrans2D1">
-    <dgm:scene3d>
-      <a:camera prst="orthographicFront"/>
-      <a:lightRig rig="threePt" dir="t"/>
-    </dgm:scene3d>
-    <dgm:sp3d/>
-    <dgm:txPr/>
-    <dgm:style>
-      <a:lnRef idx="0">
-        <a:scrgbClr r="0" g="0" b="0"/>
-      </a:lnRef>
-      <a:fillRef idx="1">
-        <a:scrgbClr r="0" g="0" b="0"/>
-      </a:fillRef>
-      <a:effectRef idx="0">
-        <a:scrgbClr r="0" g="0" b="0"/>
-      </a:effectRef>
-      <a:fontRef idx="minor">
-        <a:schemeClr val="lt1"/>
-      </a:fontRef>
-    </dgm:style>
-  </dgm:styleLbl>
-  <dgm:styleLbl name="fgSibTrans2D1">
-    <dgm:scene3d>
-      <a:camera prst="orthographicFront"/>
-      <a:lightRig rig="threePt" dir="t"/>
-    </dgm:scene3d>
-    <dgm:sp3d/>
-    <dgm:txPr/>
-    <dgm:style>
-      <a:lnRef idx="0">
-        <a:scrgbClr r="0" g="0" b="0"/>
-      </a:lnRef>
-      <a:fillRef idx="1">
-        <a:scrgbClr r="0" g="0" b="0"/>
-      </a:fillRef>
-      <a:effectRef idx="0">
-        <a:scrgbClr r="0" g="0" b="0"/>
-      </a:effectRef>
-      <a:fontRef idx="minor">
-        <a:schemeClr val="lt1"/>
-      </a:fontRef>
-    </dgm:style>
-  </dgm:styleLbl>
-  <dgm:styleLbl name="bgSibTrans2D1">
-    <dgm:scene3d>
-      <a:camera prst="orthographicFront"/>
-      <a:lightRig rig="threePt" dir="t"/>
-    </dgm:scene3d>
-    <dgm:sp3d/>
-    <dgm:txPr/>
-    <dgm:style>
-      <a:lnRef idx="0">
-        <a:scrgbClr r="0" g="0" b="0"/>
-      </a:lnRef>
-      <a:fillRef idx="1">
-        <a:scrgbClr r="0" g="0" b="0"/>
-      </a:fillRef>
-      <a:effectRef idx="0">
-        <a:scrgbClr r="0" g="0" b="0"/>
-      </a:effectRef>
-      <a:fontRef idx="minor">
-        <a:schemeClr val="lt1"/>
-      </a:fontRef>
-    </dgm:style>
-  </dgm:styleLbl>
-  <dgm:styleLbl name="sibTrans1D1">
-    <dgm:scene3d>
-      <a:camera prst="orthographicFront"/>
-      <a:lightRig rig="threePt" dir="t"/>
-    </dgm:scene3d>
-    <dgm:sp3d/>
-    <dgm:txPr/>
-    <dgm:style>
-      <a:lnRef idx="1">
-        <a:scrgbClr r="0" g="0" b="0"/>
-      </a:lnRef>
-      <a:fillRef idx="0">
-        <a:scrgbClr r="0" g="0" b="0"/>
-      </a:fillRef>
-      <a:effectRef idx="0">
-        <a:scrgbClr r="0" g="0" b="0"/>
-      </a:effectRef>
-      <a:fontRef idx="minor"/>
-    </dgm:style>
-  </dgm:styleLbl>
-  <dgm:styleLbl name="callout">
-    <dgm:scene3d>
-      <a:camera prst="orthographicFront"/>
-      <a:lightRig rig="threePt" dir="t"/>
-    </dgm:scene3d>
-    <dgm:sp3d/>
-    <dgm:txPr/>
-    <dgm:style>
-      <a:lnRef idx="2">
-        <a:scrgbClr r="0" g="0" b="0"/>
-      </a:lnRef>
-      <a:fillRef idx="1">
-        <a:scrgbClr r="0" g="0" b="0"/>
-      </a:fillRef>
-      <a:effectRef idx="0">
-        <a:scrgbClr r="0" g="0" b="0"/>
-      </a:effectRef>
-      <a:fontRef idx="minor"/>
-    </dgm:style>
-  </dgm:styleLbl>
-  <dgm:styleLbl name="asst0">
-    <dgm:scene3d>
-      <a:camera prst="orthographicFront"/>
-      <a:lightRig rig="threePt" dir="t"/>
-    </dgm:scene3d>
-    <dgm:sp3d/>
-    <dgm:txPr/>
-    <dgm:style>
-      <a:lnRef idx="2">
-        <a:scrgbClr r="0" g="0" b="0"/>
-      </a:lnRef>
-      <a:fillRef idx="1">
-        <a:scrgbClr r="0" g="0" b="0"/>
-      </a:fillRef>
-      <a:effectRef idx="0">
-        <a:scrgbClr r="0" g="0" b="0"/>
-      </a:effectRef>
-      <a:fontRef idx="minor">
-        <a:schemeClr val="lt1"/>
-      </a:fontRef>
-    </dgm:style>
-  </dgm:styleLbl>
-  <dgm:styleLbl name="asst1">
-    <dgm:scene3d>
-      <a:camera prst="orthographicFront"/>
-      <a:lightRig rig="threePt" dir="t"/>
-    </dgm:scene3d>
-    <dgm:sp3d/>
-    <dgm:txPr/>
-    <dgm:style>
-      <a:lnRef idx="2">
-        <a:scrgbClr r="0" g="0" b="0"/>
-      </a:lnRef>
-      <a:fillRef idx="1">
-        <a:scrgbClr r="0" g="0" b="0"/>
-      </a:fillRef>
-      <a:effectRef idx="0">
-        <a:scrgbClr r="0" g="0" b="0"/>
-      </a:effectRef>
-      <a:fontRef idx="minor">
-        <a:schemeClr val="lt1"/>
-      </a:fontRef>
-    </dgm:style>
-  </dgm:styleLbl>
-  <dgm:styleLbl name="asst2">
-    <dgm:scene3d>
-      <a:camera prst="orthographicFront"/>
-      <a:lightRig rig="threePt" dir="t"/>
-    </dgm:scene3d>
-    <dgm:sp3d/>
-    <dgm:txPr/>
-    <dgm:style>
-      <a:lnRef idx="2">
-        <a:scrgbClr r="0" g="0" b="0"/>
-      </a:lnRef>
-      <a:fillRef idx="1">
-        <a:scrgbClr r="0" g="0" b="0"/>
-      </a:fillRef>
-      <a:effectRef idx="0">
-        <a:scrgbClr r="0" g="0" b="0"/>
-      </a:effectRef>
-      <a:fontRef idx="minor">
-        <a:schemeClr val="lt1"/>
-      </a:fontRef>
-    </dgm:style>
-  </dgm:styleLbl>
-  <dgm:styleLbl name="asst3">
-    <dgm:scene3d>
-      <a:camera prst="orthographicFront"/>
-      <a:lightRig rig="threePt" dir="t"/>
-    </dgm:scene3d>
-    <dgm:sp3d/>
-    <dgm:txPr/>
-    <dgm:style>
-      <a:lnRef idx="2">
-        <a:scrgbClr r="0" g="0" b="0"/>
-      </a:lnRef>
-      <a:fillRef idx="1">
-        <a:scrgbClr r="0" g="0" b="0"/>
-      </a:fillRef>
-      <a:effectRef idx="0">
-        <a:scrgbClr r="0" g="0" b="0"/>
-      </a:effectRef>
-      <a:fontRef idx="minor">
-        <a:schemeClr val="lt1"/>
-      </a:fontRef>
-    </dgm:style>
-  </dgm:styleLbl>
-  <dgm:styleLbl name="asst4">
-    <dgm:scene3d>
-      <a:camera prst="orthographicFront"/>
-      <a:lightRig rig="threePt" dir="t"/>
-    </dgm:scene3d>
-    <dgm:sp3d/>
-    <dgm:txPr/>
-    <dgm:style>
-      <a:lnRef idx="2">
-        <a:scrgbClr r="0" g="0" b="0"/>
-      </a:lnRef>
-      <a:fillRef idx="1">
-        <a:scrgbClr r="0" g="0" b="0"/>
-      </a:fillRef>
-      <a:effectRef idx="0">
-        <a:scrgbClr r="0" g="0" b="0"/>
-      </a:effectRef>
-      <a:fontRef idx="minor">
-        <a:schemeClr val="lt1"/>
-      </a:fontRef>
-    </dgm:style>
-  </dgm:styleLbl>
-  <dgm:styleLbl name="parChTrans2D1">
-    <dgm:scene3d>
-      <a:camera prst="orthographicFront"/>
-      <a:lightRig rig="threePt" dir="t"/>
-    </dgm:scene3d>
-    <dgm:sp3d/>
-    <dgm:txPr/>
-    <dgm:style>
-      <a:lnRef idx="2">
-        <a:scrgbClr r="0" g="0" b="0"/>
-      </a:lnRef>
-      <a:fillRef idx="1">
-        <a:scrgbClr r="0" g="0" b="0"/>
-      </a:fillRef>
-      <a:effectRef idx="0">
-        <a:scrgbClr r="0" g="0" b="0"/>
-      </a:effectRef>
-      <a:fontRef idx="minor">
-        <a:schemeClr val="lt1"/>
-      </a:fontRef>
-    </dgm:style>
-  </dgm:styleLbl>
-  <dgm:styleLbl name="parChTrans2D2">
-    <dgm:scene3d>
-      <a:camera prst="orthographicFront"/>
-      <a:lightRig rig="threePt" dir="t"/>
-    </dgm:scene3d>
-    <dgm:sp3d/>
-    <dgm:txPr/>
-    <dgm:style>
-      <a:lnRef idx="2">
-        <a:scrgbClr r="0" g="0" b="0"/>
-      </a:lnRef>
-      <a:fillRef idx="1">
-        <a:scrgbClr r="0" g="0" b="0"/>
-      </a:fillRef>
-      <a:effectRef idx="0">
-        <a:scrgbClr r="0" g="0" b="0"/>
-      </a:effectRef>
-      <a:fontRef idx="minor">
-        <a:schemeClr val="lt1"/>
-      </a:fontRef>
-    </dgm:style>
-  </dgm:styleLbl>
-  <dgm:styleLbl name="parChTrans2D3">
-    <dgm:scene3d>
-      <a:camera prst="orthographicFront"/>
-      <a:lightRig rig="threePt" dir="t"/>
-    </dgm:scene3d>
-    <dgm:sp3d/>
-    <dgm:txPr/>
-    <dgm:style>
-      <a:lnRef idx="2">
-        <a:scrgbClr r="0" g="0" b="0"/>
-      </a:lnRef>
-      <a:fillRef idx="1">
-        <a:scrgbClr r="0" g="0" b="0"/>
-      </a:fillRef>
-      <a:effectRef idx="0">
-        <a:scrgbClr r="0" g="0" b="0"/>
-      </a:effectRef>
-      <a:fontRef idx="minor">
-        <a:schemeClr val="lt1"/>
-      </a:fontRef>
-    </dgm:style>
-  </dgm:styleLbl>
-  <dgm:styleLbl name="parChTrans2D4">
-    <dgm:scene3d>
-      <a:camera prst="orthographicFront"/>
-      <a:lightRig rig="threePt" dir="t"/>
-    </dgm:scene3d>
-    <dgm:sp3d/>
-    <dgm:txPr/>
-    <dgm:style>
-      <a:lnRef idx="2">
-        <a:scrgbClr r="0" g="0" b="0"/>
-      </a:lnRef>
-      <a:fillRef idx="1">
-        <a:scrgbClr r="0" g="0" b="0"/>
-      </a:fillRef>
-      <a:effectRef idx="0">
-        <a:scrgbClr r="0" g="0" b="0"/>
-      </a:effectRef>
-      <a:fontRef idx="minor">
-        <a:schemeClr val="lt1"/>
-      </a:fontRef>
-    </dgm:style>
-  </dgm:styleLbl>
-  <dgm:styleLbl name="parChTrans1D1">
-    <dgm:scene3d>
-      <a:camera prst="orthographicFront"/>
-      <a:lightRig rig="threePt" dir="t"/>
-    </dgm:scene3d>
-    <dgm:sp3d/>
-    <dgm:txPr/>
-    <dgm:style>
-      <a:lnRef idx="2">
-        <a:scrgbClr r="0" g="0" b="0"/>
-      </a:lnRef>
-      <a:fillRef idx="0">
-        <a:scrgbClr r="0" g="0" b="0"/>
-      </a:fillRef>
-      <a:effectRef idx="0">
-        <a:scrgbClr r="0" g="0" b="0"/>
-      </a:effectRef>
-      <a:fontRef idx="minor"/>
-    </dgm:style>
-  </dgm:styleLbl>
-  <dgm:styleLbl name="parChTrans1D2">
-    <dgm:scene3d>
-      <a:camera prst="orthographicFront"/>
-      <a:lightRig rig="threePt" dir="t"/>
-    </dgm:scene3d>
-    <dgm:sp3d/>
-    <dgm:txPr/>
-    <dgm:style>
-      <a:lnRef idx="2">
-        <a:scrgbClr r="0" g="0" b="0"/>
-      </a:lnRef>
-      <a:fillRef idx="0">
-        <a:scrgbClr r="0" g="0" b="0"/>
-      </a:fillRef>
-      <a:effectRef idx="0">
-        <a:scrgbClr r="0" g="0" b="0"/>
-      </a:effectRef>
-      <a:fontRef idx="minor"/>
-    </dgm:style>
-  </dgm:styleLbl>
-  <dgm:styleLbl name="parChTrans1D3">
-    <dgm:scene3d>
-      <a:camera prst="orthographicFront"/>
-      <a:lightRig rig="threePt" dir="t"/>
-    </dgm:scene3d>
-    <dgm:sp3d/>
-    <dgm:txPr/>
-    <dgm:style>
-      <a:lnRef idx="2">
-        <a:scrgbClr r="0" g="0" b="0"/>
-      </a:lnRef>
-      <a:fillRef idx="0">
-        <a:scrgbClr r="0" g="0" b="0"/>
-      </a:fillRef>
-      <a:effectRef idx="0">
-        <a:scrgbClr r="0" g="0" b="0"/>
-      </a:effectRef>
-      <a:fontRef idx="minor"/>
-    </dgm:style>
-  </dgm:styleLbl>
-  <dgm:styleLbl name="parChTrans1D4">
-    <dgm:scene3d>
-      <a:camera prst="orthographicFront"/>
-      <a:lightRig rig="threePt" dir="t"/>
-    </dgm:scene3d>
-    <dgm:sp3d/>
-    <dgm:txPr/>
-    <dgm:style>
-      <a:lnRef idx="2">
-        <a:scrgbClr r="0" g="0" b="0"/>
-      </a:lnRef>
-      <a:fillRef idx="0">
-        <a:scrgbClr r="0" g="0" b="0"/>
-      </a:fillRef>
-      <a:effectRef idx="0">
-        <a:scrgbClr r="0" g="0" b="0"/>
-      </a:effectRef>
-      <a:fontRef idx="minor"/>
-    </dgm:style>
-  </dgm:styleLbl>
-  <dgm:styleLbl name="fgAcc1">
-    <dgm:scene3d>
-      <a:camera prst="orthographicFront"/>
-      <a:lightRig rig="threePt" dir="t"/>
-    </dgm:scene3d>
-    <dgm:sp3d/>
-    <dgm:txPr/>
-    <dgm:style>
-      <a:lnRef idx="2">
-        <a:scrgbClr r="0" g="0" b="0"/>
-      </a:lnRef>
-      <a:fillRef idx="1">
-        <a:scrgbClr r="0" g="0" b="0"/>
-      </a:fillRef>
-      <a:effectRef idx="0">
-        <a:scrgbClr r="0" g="0" b="0"/>
-      </a:effectRef>
-      <a:fontRef idx="minor"/>
-    </dgm:style>
-  </dgm:styleLbl>
-  <dgm:styleLbl name="conFgAcc1">
-    <dgm:scene3d>
-      <a:camera prst="orthographicFront"/>
-      <a:lightRig rig="threePt" dir="t"/>
-    </dgm:scene3d>
-    <dgm:sp3d/>
-    <dgm:txPr/>
-    <dgm:style>
-      <a:lnRef idx="2">
-        <a:scrgbClr r="0" g="0" b="0"/>
-      </a:lnRef>
-      <a:fillRef idx="1">
-        <a:scrgbClr r="0" g="0" b="0"/>
-      </a:fillRef>
-      <a:effectRef idx="0">
-        <a:scrgbClr r="0" g="0" b="0"/>
-      </a:effectRef>
-      <a:fontRef idx="minor"/>
-    </dgm:style>
-  </dgm:styleLbl>
-  <dgm:styleLbl name="alignAcc1">
-    <dgm:scene3d>
-      <a:camera prst="orthographicFront"/>
-      <a:lightRig rig="threePt" dir="t"/>
-    </dgm:scene3d>
-    <dgm:sp3d/>
-    <dgm:txPr/>
-    <dgm:style>
-      <a:lnRef idx="2">
-        <a:scrgbClr r="0" g="0" b="0"/>
-      </a:lnRef>
-      <a:fillRef idx="1">
-        <a:scrgbClr r="0" g="0" b="0"/>
-      </a:fillRef>
-      <a:effectRef idx="0">
-        <a:scrgbClr r="0" g="0" b="0"/>
-      </a:effectRef>
-      <a:fontRef idx="minor"/>
-    </dgm:style>
-  </dgm:styleLbl>
-  <dgm:styleLbl name="trAlignAcc1">
-    <dgm:scene3d>
-      <a:camera prst="orthographicFront"/>
-      <a:lightRig rig="threePt" dir="t"/>
-    </dgm:scene3d>
-    <dgm:sp3d/>
-    <dgm:txPr/>
-    <dgm:style>
-      <a:lnRef idx="1">
-        <a:scrgbClr r="0" g="0" b="0"/>
-      </a:lnRef>
-      <a:fillRef idx="1">
-        <a:scrgbClr r="0" g="0" b="0"/>
-      </a:fillRef>
-      <a:effectRef idx="0">
-        <a:scrgbClr r="0" g="0" b="0"/>
-      </a:effectRef>
-      <a:fontRef idx="minor"/>
-    </dgm:style>
-  </dgm:styleLbl>
-  <dgm:styleLbl name="bgAcc1">
-    <dgm:scene3d>
-      <a:camera prst="orthographicFront"/>
-      <a:lightRig rig="threePt" dir="t"/>
-    </dgm:scene3d>
-    <dgm:sp3d/>
-    <dgm:txPr/>
-    <dgm:style>
-      <a:lnRef idx="2">
-        <a:scrgbClr r="0" g="0" b="0"/>
-      </a:lnRef>
-      <a:fillRef idx="1">
-        <a:scrgbClr r="0" g="0" b="0"/>
-      </a:fillRef>
-      <a:effectRef idx="0">
-        <a:scrgbClr r="0" g="0" b="0"/>
-      </a:effectRef>
-      <a:fontRef idx="minor"/>
-    </dgm:style>
-  </dgm:styleLbl>
-  <dgm:styleLbl name="solidFgAcc1">
-    <dgm:scene3d>
-      <a:camera prst="orthographicFront"/>
-      <a:lightRig rig="threePt" dir="t"/>
-    </dgm:scene3d>
-    <dgm:sp3d/>
-    <dgm:txPr/>
-    <dgm:style>
-      <a:lnRef idx="2">
-        <a:scrgbClr r="0" g="0" b="0"/>
-      </a:lnRef>
-      <a:fillRef idx="1">
-        <a:scrgbClr r="0" g="0" b="0"/>
-      </a:fillRef>
-      <a:effectRef idx="0">
-        <a:scrgbClr r="0" g="0" b="0"/>
-      </a:effectRef>
-      <a:fontRef idx="minor"/>
-    </dgm:style>
-  </dgm:styleLbl>
-  <dgm:styleLbl name="solidAlignAcc1">
-    <dgm:scene3d>
-      <a:camera prst="orthographicFront"/>
-      <a:lightRig rig="threePt" dir="t"/>
-    </dgm:scene3d>
-    <dgm:sp3d/>
-    <dgm:txPr/>
-    <dgm:style>
-      <a:lnRef idx="2">
-        <a:scrgbClr r="0" g="0" b="0"/>
-      </a:lnRef>
-      <a:fillRef idx="1">
-        <a:scrgbClr r="0" g="0" b="0"/>
-      </a:fillRef>
-      <a:effectRef idx="0">
-        <a:scrgbClr r="0" g="0" b="0"/>
-      </a:effectRef>
-      <a:fontRef idx="minor"/>
-    </dgm:style>
-  </dgm:styleLbl>
-  <dgm:styleLbl name="solidBgAcc1">
-    <dgm:scene3d>
-      <a:camera prst="orthographicFront"/>
-      <a:lightRig rig="threePt" dir="t"/>
-    </dgm:scene3d>
-    <dgm:sp3d/>
-    <dgm:txPr/>
-    <dgm:style>
-      <a:lnRef idx="2">
-        <a:scrgbClr r="0" g="0" b="0"/>
-      </a:lnRef>
-      <a:fillRef idx="1">
-        <a:scrgbClr r="0" g="0" b="0"/>
-      </a:fillRef>
-      <a:effectRef idx="0">
-        <a:scrgbClr r="0" g="0" b="0"/>
-      </a:effectRef>
-      <a:fontRef idx="minor"/>
-    </dgm:style>
-  </dgm:styleLbl>
-  <dgm:styleLbl name="fgAccFollowNode1">
-    <dgm:scene3d>
-      <a:camera prst="orthographicFront"/>
-      <a:lightRig rig="threePt" dir="t"/>
-    </dgm:scene3d>
-    <dgm:sp3d/>
-    <dgm:txPr/>
-    <dgm:style>
-      <a:lnRef idx="2">
-        <a:scrgbClr r="0" g="0" b="0"/>
-      </a:lnRef>
-      <a:fillRef idx="1">
-        <a:scrgbClr r="0" g="0" b="0"/>
-      </a:fillRef>
-      <a:effectRef idx="0">
-        <a:scrgbClr r="0" g="0" b="0"/>
-      </a:effectRef>
-      <a:fontRef idx="minor"/>
-    </dgm:style>
-  </dgm:styleLbl>
-  <dgm:styleLbl name="alignAccFollowNode1">
-    <dgm:scene3d>
-      <a:camera prst="orthographicFront"/>
-      <a:lightRig rig="threePt" dir="t"/>
-    </dgm:scene3d>
-    <dgm:sp3d/>
-    <dgm:txPr/>
-    <dgm:style>
-      <a:lnRef idx="2">
-        <a:scrgbClr r="0" g="0" b="0"/>
-      </a:lnRef>
-      <a:fillRef idx="1">
-        <a:scrgbClr r="0" g="0" b="0"/>
-      </a:fillRef>
-      <a:effectRef idx="0">
-        <a:scrgbClr r="0" g="0" b="0"/>
-      </a:effectRef>
-      <a:fontRef idx="minor"/>
-    </dgm:style>
-  </dgm:styleLbl>
-  <dgm:styleLbl name="bgAccFollowNode1">
-    <dgm:scene3d>
-      <a:camera prst="orthographicFront"/>
-      <a:lightRig rig="threePt" dir="t"/>
-    </dgm:scene3d>
-    <dgm:sp3d/>
-    <dgm:txPr/>
-    <dgm:style>
-      <a:lnRef idx="2">
-        <a:scrgbClr r="0" g="0" b="0"/>
-      </a:lnRef>
-      <a:fillRef idx="1">
-        <a:scrgbClr r="0" g="0" b="0"/>
-      </a:fillRef>
-      <a:effectRef idx="0">
-        <a:scrgbClr r="0" g="0" b="0"/>
-      </a:effectRef>
-      <a:fontRef idx="minor"/>
-    </dgm:style>
-  </dgm:styleLbl>
-  <dgm:styleLbl name="fgAcc0">
-    <dgm:scene3d>
-      <a:camera prst="orthographicFront"/>
-      <a:lightRig rig="threePt" dir="t"/>
-    </dgm:scene3d>
-    <dgm:sp3d/>
-    <dgm:txPr/>
-    <dgm:style>
-      <a:lnRef idx="2">
-        <a:scrgbClr r="0" g="0" b="0"/>
-      </a:lnRef>
-      <a:fillRef idx="1">
-        <a:scrgbClr r="0" g="0" b="0"/>
-      </a:fillRef>
-      <a:effectRef idx="0">
-        <a:scrgbClr r="0" g="0" b="0"/>
-      </a:effectRef>
-      <a:fontRef idx="minor"/>
-    </dgm:style>
-  </dgm:styleLbl>
-  <dgm:styleLbl name="fgAcc2">
-    <dgm:scene3d>
-      <a:camera prst="orthographicFront"/>
-      <a:lightRig rig="threePt" dir="t"/>
-    </dgm:scene3d>
-    <dgm:sp3d/>
-    <dgm:txPr/>
-    <dgm:style>
-      <a:lnRef idx="2">
-        <a:scrgbClr r="0" g="0" b="0"/>
-      </a:lnRef>
-      <a:fillRef idx="1">
-        <a:scrgbClr r="0" g="0" b="0"/>
-      </a:fillRef>
-      <a:effectRef idx="0">
-        <a:scrgbClr r="0" g="0" b="0"/>
-      </a:effectRef>
-      <a:fontRef idx="minor"/>
-    </dgm:style>
-  </dgm:styleLbl>
-  <dgm:styleLbl name="fgAcc3">
-    <dgm:scene3d>
-      <a:camera prst="orthographicFront"/>
-      <a:lightRig rig="threePt" dir="t"/>
-    </dgm:scene3d>
-    <dgm:sp3d/>
-    <dgm:txPr/>
-    <dgm:style>
-      <a:lnRef idx="2">
-        <a:scrgbClr r="0" g="0" b="0"/>
-      </a:lnRef>
-      <a:fillRef idx="1">
-        <a:scrgbClr r="0" g="0" b="0"/>
-      </a:fillRef>
-      <a:effectRef idx="0">
-        <a:scrgbClr r="0" g="0" b="0"/>
-      </a:effectRef>
-      <a:fontRef idx="minor"/>
-    </dgm:style>
-  </dgm:styleLbl>
-  <dgm:styleLbl name="fgAcc4">
-    <dgm:scene3d>
-      <a:camera prst="orthographicFront"/>
-      <a:lightRig rig="threePt" dir="t"/>
-    </dgm:scene3d>
-    <dgm:sp3d/>
-    <dgm:txPr/>
-    <dgm:style>
-      <a:lnRef idx="2">
-        <a:scrgbClr r="0" g="0" b="0"/>
-      </a:lnRef>
-      <a:fillRef idx="1">
-        <a:scrgbClr r="0" g="0" b="0"/>
-      </a:fillRef>
-      <a:effectRef idx="0">
-        <a:scrgbClr r="0" g="0" b="0"/>
-      </a:effectRef>
-      <a:fontRef idx="minor"/>
-    </dgm:style>
-  </dgm:styleLbl>
-  <dgm:styleLbl name="bgShp">
-    <dgm:scene3d>
-      <a:camera prst="orthographicFront"/>
-      <a:lightRig rig="threePt" dir="t"/>
-    </dgm:scene3d>
-    <dgm:sp3d/>
-    <dgm:txPr/>
-    <dgm:style>
-      <a:lnRef idx="0">
-        <a:scrgbClr r="0" g="0" b="0"/>
-      </a:lnRef>
-      <a:fillRef idx="1">
-        <a:scrgbClr r="0" g="0" b="0"/>
-      </a:fillRef>
-      <a:effectRef idx="0">
-        <a:scrgbClr r="0" g="0" b="0"/>
-      </a:effectRef>
-      <a:fontRef idx="minor"/>
-    </dgm:style>
-  </dgm:styleLbl>
-  <dgm:styleLbl name="dkBgShp">
-    <dgm:scene3d>
-      <a:camera prst="orthographicFront"/>
-      <a:lightRig rig="threePt" dir="t"/>
-    </dgm:scene3d>
-    <dgm:sp3d/>
-    <dgm:txPr/>
-    <dgm:style>
-      <a:lnRef idx="0">
-        <a:scrgbClr r="0" g="0" b="0"/>
-      </a:lnRef>
-      <a:fillRef idx="1">
-        <a:scrgbClr r="0" g="0" b="0"/>
-      </a:fillRef>
-      <a:effectRef idx="0">
-        <a:scrgbClr r="0" g="0" b="0"/>
-      </a:effectRef>
-      <a:fontRef idx="minor"/>
-    </dgm:style>
-  </dgm:styleLbl>
-  <dgm:styleLbl name="trBgShp">
-    <dgm:scene3d>
-      <a:camera prst="orthographicFront"/>
-      <a:lightRig rig="threePt" dir="t"/>
-    </dgm:scene3d>
-    <dgm:sp3d/>
-    <dgm:txPr/>
-    <dgm:style>
-      <a:lnRef idx="0">
-        <a:scrgbClr r="0" g="0" b="0"/>
-      </a:lnRef>
-      <a:fillRef idx="1">
-        <a:scrgbClr r="0" g="0" b="0"/>
-      </a:fillRef>
-      <a:effectRef idx="0">
-        <a:scrgbClr r="0" g="0" b="0"/>
-      </a:effectRef>
-      <a:fontRef idx="minor"/>
-    </dgm:style>
-  </dgm:styleLbl>
-  <dgm:styleLbl name="fgShp">
-    <dgm:scene3d>
-      <a:camera prst="orthographicFront"/>
-      <a:lightRig rig="threePt" dir="t"/>
-    </dgm:scene3d>
-    <dgm:sp3d/>
-    <dgm:txPr/>
-    <dgm:style>
-      <a:lnRef idx="2">
-        <a:scrgbClr r="0" g="0" b="0"/>
-      </a:lnRef>
-      <a:fillRef idx="1">
-        <a:scrgbClr r="0" g="0" b="0"/>
-      </a:fillRef>
-      <a:effectRef idx="0">
-        <a:scrgbClr r="0" g="0" b="0"/>
-      </a:effectRef>
-      <a:fontRef idx="minor"/>
-    </dgm:style>
-  </dgm:styleLbl>
-  <dgm:styleLbl name="revTx">
-    <dgm:scene3d>
-      <a:camera prst="orthographicFront"/>
-      <a:lightRig rig="threePt" dir="t"/>
-    </dgm:scene3d>
-    <dgm:sp3d/>
-    <dgm:txPr/>
-    <dgm:style>
-      <a:lnRef idx="0">
-        <a:scrgbClr r="0" g="0" b="0"/>
-      </a:lnRef>
-      <a:fillRef idx="0">
-        <a:scrgbClr r="0" g="0" b="0"/>
-      </a:fillRef>
-      <a:effectRef idx="0">
-        <a:scrgbClr r="0" g="0" b="0"/>
-      </a:effectRef>
-      <a:fontRef idx="minor"/>
-    </dgm:style>
-  </dgm:styleLbl>
-</dgm:styleDef>
-</file>
-
-<file path=ppt/diagrams/quickStyle11.xml><?xml version="1.0" encoding="utf-8"?>
 <dgm:styleDef xmlns:dgm="http://schemas.openxmlformats.org/drawingml/2006/diagram" xmlns:a="http://schemas.openxmlformats.org/drawingml/2006/main" uniqueId="urn:microsoft.com/office/officeart/2005/8/quickstyle/simple5">
   <dgm:title val=""/>
   <dgm:desc val=""/>
@@ -31727,7 +28996,7 @@
 </dgm:styleDef>
 </file>
 
-<file path=ppt/diagrams/quickStyle12.xml><?xml version="1.0" encoding="utf-8"?>
+<file path=ppt/diagrams/quickStyle11.xml><?xml version="1.0" encoding="utf-8"?>
 <dgm:styleDef xmlns:dgm="http://schemas.openxmlformats.org/drawingml/2006/diagram" xmlns:a="http://schemas.openxmlformats.org/drawingml/2006/main" uniqueId="urn:microsoft.com/office/officeart/2005/8/quickstyle/simple1">
   <dgm:title val=""/>
   <dgm:desc val=""/>
@@ -41031,6 +38300,577 @@
     </dgm:style>
   </dgm:styleLbl>
 </dgm:styleDef>
+</file>
+
+<file path=ppt/notesMasters/notesMaster1.xml><?xml version="1.0" encoding="utf-8"?>
+<p:notesMaster xmlns:a="http://schemas.openxmlformats.org/drawingml/2006/main" xmlns:r="http://schemas.openxmlformats.org/officeDocument/2006/relationships" xmlns:p="http://schemas.openxmlformats.org/presentationml/2006/main">
+  <p:cSld>
+    <p:bg>
+      <p:bgRef idx="1001">
+        <a:schemeClr val="bg1"/>
+      </p:bgRef>
+    </p:bg>
+    <p:spTree>
+      <p:nvGrpSpPr>
+        <p:cNvPr id="1" name=""/>
+        <p:cNvGrpSpPr/>
+        <p:nvPr/>
+      </p:nvGrpSpPr>
+      <p:grpSpPr>
+        <a:xfrm>
+          <a:off x="0" y="0"/>
+          <a:ext cx="0" cy="0"/>
+          <a:chOff x="0" y="0"/>
+          <a:chExt cx="0" cy="0"/>
+        </a:xfrm>
+      </p:grpSpPr>
+      <p:sp>
+        <p:nvSpPr>
+          <p:cNvPr id="2" name="Header Placeholder 1"/>
+          <p:cNvSpPr>
+            <a:spLocks noGrp="1"/>
+          </p:cNvSpPr>
+          <p:nvPr>
+            <p:ph type="hdr" sz="quarter"/>
+          </p:nvPr>
+        </p:nvSpPr>
+        <p:spPr>
+          <a:xfrm>
+            <a:off x="0" y="0"/>
+            <a:ext cx="2971800" cy="458788"/>
+          </a:xfrm>
+          <a:prstGeom prst="rect">
+            <a:avLst/>
+          </a:prstGeom>
+        </p:spPr>
+        <p:txBody>
+          <a:bodyPr vert="horz" lIns="91440" tIns="45720" rIns="91440" bIns="45720" rtlCol="0"/>
+          <a:lstStyle>
+            <a:lvl1pPr algn="l">
+              <a:defRPr sz="1200"/>
+            </a:lvl1pPr>
+          </a:lstStyle>
+          <a:p>
+            <a:endParaRPr lang="en-GB"/>
+          </a:p>
+        </p:txBody>
+      </p:sp>
+      <p:sp>
+        <p:nvSpPr>
+          <p:cNvPr id="3" name="Date Placeholder 2"/>
+          <p:cNvSpPr>
+            <a:spLocks noGrp="1"/>
+          </p:cNvSpPr>
+          <p:nvPr>
+            <p:ph type="dt" idx="1"/>
+          </p:nvPr>
+        </p:nvSpPr>
+        <p:spPr>
+          <a:xfrm>
+            <a:off x="3884613" y="0"/>
+            <a:ext cx="2971800" cy="458788"/>
+          </a:xfrm>
+          <a:prstGeom prst="rect">
+            <a:avLst/>
+          </a:prstGeom>
+        </p:spPr>
+        <p:txBody>
+          <a:bodyPr vert="horz" lIns="91440" tIns="45720" rIns="91440" bIns="45720" rtlCol="0"/>
+          <a:lstStyle>
+            <a:lvl1pPr algn="r">
+              <a:defRPr sz="1200"/>
+            </a:lvl1pPr>
+          </a:lstStyle>
+          <a:p>
+            <a:fld id="{643CDA56-EA97-4955-B11A-74230DE792AC}" type="datetimeFigureOut">
+              <a:rPr lang="en-GB" smtClean="0"/>
+              <a:t>12/11/2023</a:t>
+            </a:fld>
+            <a:endParaRPr lang="en-GB"/>
+          </a:p>
+        </p:txBody>
+      </p:sp>
+      <p:sp>
+        <p:nvSpPr>
+          <p:cNvPr id="4" name="Slide Image Placeholder 3"/>
+          <p:cNvSpPr>
+            <a:spLocks noGrp="1" noRot="1" noChangeAspect="1"/>
+          </p:cNvSpPr>
+          <p:nvPr>
+            <p:ph type="sldImg" idx="2"/>
+          </p:nvPr>
+        </p:nvSpPr>
+        <p:spPr>
+          <a:xfrm>
+            <a:off x="685800" y="1143000"/>
+            <a:ext cx="5486400" cy="3086100"/>
+          </a:xfrm>
+          <a:prstGeom prst="rect">
+            <a:avLst/>
+          </a:prstGeom>
+          <a:noFill/>
+          <a:ln w="12700">
+            <a:solidFill>
+              <a:prstClr val="black"/>
+            </a:solidFill>
+          </a:ln>
+        </p:spPr>
+        <p:txBody>
+          <a:bodyPr vert="horz" lIns="91440" tIns="45720" rIns="91440" bIns="45720" rtlCol="0" anchor="ctr"/>
+          <a:lstStyle/>
+          <a:p>
+            <a:endParaRPr lang="en-GB"/>
+          </a:p>
+        </p:txBody>
+      </p:sp>
+      <p:sp>
+        <p:nvSpPr>
+          <p:cNvPr id="5" name="Notes Placeholder 4"/>
+          <p:cNvSpPr>
+            <a:spLocks noGrp="1"/>
+          </p:cNvSpPr>
+          <p:nvPr>
+            <p:ph type="body" sz="quarter" idx="3"/>
+          </p:nvPr>
+        </p:nvSpPr>
+        <p:spPr>
+          <a:xfrm>
+            <a:off x="685800" y="4400550"/>
+            <a:ext cx="5486400" cy="3600450"/>
+          </a:xfrm>
+          <a:prstGeom prst="rect">
+            <a:avLst/>
+          </a:prstGeom>
+        </p:spPr>
+        <p:txBody>
+          <a:bodyPr vert="horz" lIns="91440" tIns="45720" rIns="91440" bIns="45720" rtlCol="0"/>
+          <a:lstStyle/>
+          <a:p>
+            <a:pPr lvl="0"/>
+            <a:r>
+              <a:rPr lang="en-GB"/>
+              <a:t>Click to edit Master text styles</a:t>
+            </a:r>
+          </a:p>
+          <a:p>
+            <a:pPr lvl="1"/>
+            <a:r>
+              <a:rPr lang="en-GB"/>
+              <a:t>Second level</a:t>
+            </a:r>
+          </a:p>
+          <a:p>
+            <a:pPr lvl="2"/>
+            <a:r>
+              <a:rPr lang="en-GB"/>
+              <a:t>Third level</a:t>
+            </a:r>
+          </a:p>
+          <a:p>
+            <a:pPr lvl="3"/>
+            <a:r>
+              <a:rPr lang="en-GB"/>
+              <a:t>Fourth level</a:t>
+            </a:r>
+          </a:p>
+          <a:p>
+            <a:pPr lvl="4"/>
+            <a:r>
+              <a:rPr lang="en-GB"/>
+              <a:t>Fifth level</a:t>
+            </a:r>
+          </a:p>
+        </p:txBody>
+      </p:sp>
+      <p:sp>
+        <p:nvSpPr>
+          <p:cNvPr id="6" name="Footer Placeholder 5"/>
+          <p:cNvSpPr>
+            <a:spLocks noGrp="1"/>
+          </p:cNvSpPr>
+          <p:nvPr>
+            <p:ph type="ftr" sz="quarter" idx="4"/>
+          </p:nvPr>
+        </p:nvSpPr>
+        <p:spPr>
+          <a:xfrm>
+            <a:off x="0" y="8685213"/>
+            <a:ext cx="2971800" cy="458787"/>
+          </a:xfrm>
+          <a:prstGeom prst="rect">
+            <a:avLst/>
+          </a:prstGeom>
+        </p:spPr>
+        <p:txBody>
+          <a:bodyPr vert="horz" lIns="91440" tIns="45720" rIns="91440" bIns="45720" rtlCol="0" anchor="b"/>
+          <a:lstStyle>
+            <a:lvl1pPr algn="l">
+              <a:defRPr sz="1200"/>
+            </a:lvl1pPr>
+          </a:lstStyle>
+          <a:p>
+            <a:endParaRPr lang="en-GB"/>
+          </a:p>
+        </p:txBody>
+      </p:sp>
+      <p:sp>
+        <p:nvSpPr>
+          <p:cNvPr id="7" name="Slide Number Placeholder 6"/>
+          <p:cNvSpPr>
+            <a:spLocks noGrp="1"/>
+          </p:cNvSpPr>
+          <p:nvPr>
+            <p:ph type="sldNum" sz="quarter" idx="5"/>
+          </p:nvPr>
+        </p:nvSpPr>
+        <p:spPr>
+          <a:xfrm>
+            <a:off x="3884613" y="8685213"/>
+            <a:ext cx="2971800" cy="458787"/>
+          </a:xfrm>
+          <a:prstGeom prst="rect">
+            <a:avLst/>
+          </a:prstGeom>
+        </p:spPr>
+        <p:txBody>
+          <a:bodyPr vert="horz" lIns="91440" tIns="45720" rIns="91440" bIns="45720" rtlCol="0" anchor="b"/>
+          <a:lstStyle>
+            <a:lvl1pPr algn="r">
+              <a:defRPr sz="1200"/>
+            </a:lvl1pPr>
+          </a:lstStyle>
+          <a:p>
+            <a:fld id="{47B8273F-CD09-450D-9EAA-56DF0CC5CD87}" type="slidenum">
+              <a:rPr lang="en-GB" smtClean="0"/>
+              <a:t>‹#›</a:t>
+            </a:fld>
+            <a:endParaRPr lang="en-GB"/>
+          </a:p>
+        </p:txBody>
+      </p:sp>
+    </p:spTree>
+    <p:extLst>
+      <p:ext uri="{BB962C8B-B14F-4D97-AF65-F5344CB8AC3E}">
+        <p14:creationId xmlns:p14="http://schemas.microsoft.com/office/powerpoint/2010/main" val="2876063009"/>
+      </p:ext>
+    </p:extLst>
+  </p:cSld>
+  <p:clrMap bg1="lt1" tx1="dk1" bg2="lt2" tx2="dk2" accent1="accent1" accent2="accent2" accent3="accent3" accent4="accent4" accent5="accent5" accent6="accent6" hlink="hlink" folHlink="folHlink"/>
+  <p:notesStyle>
+    <a:lvl1pPr marL="0" algn="l" defTabSz="914400" rtl="0" eaLnBrk="1" latinLnBrk="0" hangingPunct="1">
+      <a:defRPr sz="1200" kern="1200">
+        <a:solidFill>
+          <a:schemeClr val="tx1"/>
+        </a:solidFill>
+        <a:latin typeface="+mn-lt"/>
+        <a:ea typeface="+mn-ea"/>
+        <a:cs typeface="+mn-cs"/>
+      </a:defRPr>
+    </a:lvl1pPr>
+    <a:lvl2pPr marL="457200" algn="l" defTabSz="914400" rtl="0" eaLnBrk="1" latinLnBrk="0" hangingPunct="1">
+      <a:defRPr sz="1200" kern="1200">
+        <a:solidFill>
+          <a:schemeClr val="tx1"/>
+        </a:solidFill>
+        <a:latin typeface="+mn-lt"/>
+        <a:ea typeface="+mn-ea"/>
+        <a:cs typeface="+mn-cs"/>
+      </a:defRPr>
+    </a:lvl2pPr>
+    <a:lvl3pPr marL="914400" algn="l" defTabSz="914400" rtl="0" eaLnBrk="1" latinLnBrk="0" hangingPunct="1">
+      <a:defRPr sz="1200" kern="1200">
+        <a:solidFill>
+          <a:schemeClr val="tx1"/>
+        </a:solidFill>
+        <a:latin typeface="+mn-lt"/>
+        <a:ea typeface="+mn-ea"/>
+        <a:cs typeface="+mn-cs"/>
+      </a:defRPr>
+    </a:lvl3pPr>
+    <a:lvl4pPr marL="1371600" algn="l" defTabSz="914400" rtl="0" eaLnBrk="1" latinLnBrk="0" hangingPunct="1">
+      <a:defRPr sz="1200" kern="1200">
+        <a:solidFill>
+          <a:schemeClr val="tx1"/>
+        </a:solidFill>
+        <a:latin typeface="+mn-lt"/>
+        <a:ea typeface="+mn-ea"/>
+        <a:cs typeface="+mn-cs"/>
+      </a:defRPr>
+    </a:lvl4pPr>
+    <a:lvl5pPr marL="1828800" algn="l" defTabSz="914400" rtl="0" eaLnBrk="1" latinLnBrk="0" hangingPunct="1">
+      <a:defRPr sz="1200" kern="1200">
+        <a:solidFill>
+          <a:schemeClr val="tx1"/>
+        </a:solidFill>
+        <a:latin typeface="+mn-lt"/>
+        <a:ea typeface="+mn-ea"/>
+        <a:cs typeface="+mn-cs"/>
+      </a:defRPr>
+    </a:lvl5pPr>
+    <a:lvl6pPr marL="2286000" algn="l" defTabSz="914400" rtl="0" eaLnBrk="1" latinLnBrk="0" hangingPunct="1">
+      <a:defRPr sz="1200" kern="1200">
+        <a:solidFill>
+          <a:schemeClr val="tx1"/>
+        </a:solidFill>
+        <a:latin typeface="+mn-lt"/>
+        <a:ea typeface="+mn-ea"/>
+        <a:cs typeface="+mn-cs"/>
+      </a:defRPr>
+    </a:lvl6pPr>
+    <a:lvl7pPr marL="2743200" algn="l" defTabSz="914400" rtl="0" eaLnBrk="1" latinLnBrk="0" hangingPunct="1">
+      <a:defRPr sz="1200" kern="1200">
+        <a:solidFill>
+          <a:schemeClr val="tx1"/>
+        </a:solidFill>
+        <a:latin typeface="+mn-lt"/>
+        <a:ea typeface="+mn-ea"/>
+        <a:cs typeface="+mn-cs"/>
+      </a:defRPr>
+    </a:lvl7pPr>
+    <a:lvl8pPr marL="3200400" algn="l" defTabSz="914400" rtl="0" eaLnBrk="1" latinLnBrk="0" hangingPunct="1">
+      <a:defRPr sz="1200" kern="1200">
+        <a:solidFill>
+          <a:schemeClr val="tx1"/>
+        </a:solidFill>
+        <a:latin typeface="+mn-lt"/>
+        <a:ea typeface="+mn-ea"/>
+        <a:cs typeface="+mn-cs"/>
+      </a:defRPr>
+    </a:lvl8pPr>
+    <a:lvl9pPr marL="3657600" algn="l" defTabSz="914400" rtl="0" eaLnBrk="1" latinLnBrk="0" hangingPunct="1">
+      <a:defRPr sz="1200" kern="1200">
+        <a:solidFill>
+          <a:schemeClr val="tx1"/>
+        </a:solidFill>
+        <a:latin typeface="+mn-lt"/>
+        <a:ea typeface="+mn-ea"/>
+        <a:cs typeface="+mn-cs"/>
+      </a:defRPr>
+    </a:lvl9pPr>
+  </p:notesStyle>
+</p:notesMaster>
+</file>
+
+<file path=ppt/notesSlides/notesSlide1.xml><?xml version="1.0" encoding="utf-8"?>
+<p:notes xmlns:a="http://schemas.openxmlformats.org/drawingml/2006/main" xmlns:r="http://schemas.openxmlformats.org/officeDocument/2006/relationships" xmlns:p="http://schemas.openxmlformats.org/presentationml/2006/main">
+  <p:cSld>
+    <p:spTree>
+      <p:nvGrpSpPr>
+        <p:cNvPr id="1" name=""/>
+        <p:cNvGrpSpPr/>
+        <p:nvPr/>
+      </p:nvGrpSpPr>
+      <p:grpSpPr>
+        <a:xfrm>
+          <a:off x="0" y="0"/>
+          <a:ext cx="0" cy="0"/>
+          <a:chOff x="0" y="0"/>
+          <a:chExt cx="0" cy="0"/>
+        </a:xfrm>
+      </p:grpSpPr>
+      <p:sp>
+        <p:nvSpPr>
+          <p:cNvPr id="2" name="Slide Image Placeholder 1"/>
+          <p:cNvSpPr>
+            <a:spLocks noGrp="1" noRot="1" noChangeAspect="1"/>
+          </p:cNvSpPr>
+          <p:nvPr>
+            <p:ph type="sldImg"/>
+          </p:nvPr>
+        </p:nvSpPr>
+        <p:spPr/>
+      </p:sp>
+      <p:sp>
+        <p:nvSpPr>
+          <p:cNvPr id="3" name="Notes Placeholder 2"/>
+          <p:cNvSpPr>
+            <a:spLocks noGrp="1"/>
+          </p:cNvSpPr>
+          <p:nvPr>
+            <p:ph type="body" idx="1"/>
+          </p:nvPr>
+        </p:nvSpPr>
+        <p:spPr/>
+        <p:txBody>
+          <a:bodyPr/>
+          <a:lstStyle/>
+          <a:p>
+            <a:r>
+              <a:rPr lang="en-GB" dirty="0"/>
+              <a:t>With the recreation of a pod they will get a new IP address.  A service prevent this. (Explain why).</a:t>
+            </a:r>
+          </a:p>
+          <a:p>
+            <a:endParaRPr lang="en-GB" dirty="0"/>
+          </a:p>
+          <a:p>
+            <a:r>
+              <a:rPr lang="en-GB" dirty="0"/>
+              <a:t>Services are a good abstraction for loose coupling and for communication within the cluster.</a:t>
+            </a:r>
+          </a:p>
+          <a:p>
+            <a:endParaRPr lang="en-GB" dirty="0"/>
+          </a:p>
+          <a:p>
+            <a:r>
+              <a:rPr lang="en-GB" dirty="0"/>
+              <a:t>a service is a sort of pointer towards the pods based on the use of labels.</a:t>
+            </a:r>
+          </a:p>
+          <a:p>
+            <a:endParaRPr lang="en-GB" dirty="0"/>
+          </a:p>
+          <a:p>
+            <a:endParaRPr lang="en-GB" dirty="0"/>
+          </a:p>
+        </p:txBody>
+      </p:sp>
+      <p:sp>
+        <p:nvSpPr>
+          <p:cNvPr id="4" name="Slide Number Placeholder 3"/>
+          <p:cNvSpPr>
+            <a:spLocks noGrp="1"/>
+          </p:cNvSpPr>
+          <p:nvPr>
+            <p:ph type="sldNum" sz="quarter" idx="5"/>
+          </p:nvPr>
+        </p:nvSpPr>
+        <p:spPr/>
+        <p:txBody>
+          <a:bodyPr/>
+          <a:lstStyle/>
+          <a:p>
+            <a:fld id="{47B8273F-CD09-450D-9EAA-56DF0CC5CD87}" type="slidenum">
+              <a:rPr lang="en-GB" smtClean="0"/>
+              <a:t>30</a:t>
+            </a:fld>
+            <a:endParaRPr lang="en-GB"/>
+          </a:p>
+        </p:txBody>
+      </p:sp>
+    </p:spTree>
+    <p:extLst>
+      <p:ext uri="{BB962C8B-B14F-4D97-AF65-F5344CB8AC3E}">
+        <p14:creationId xmlns:p14="http://schemas.microsoft.com/office/powerpoint/2010/main" val="3000944839"/>
+      </p:ext>
+    </p:extLst>
+  </p:cSld>
+  <p:clrMapOvr>
+    <a:masterClrMapping/>
+  </p:clrMapOvr>
+</p:notes>
+</file>
+
+<file path=ppt/notesSlides/notesSlide2.xml><?xml version="1.0" encoding="utf-8"?>
+<p:notes xmlns:a="http://schemas.openxmlformats.org/drawingml/2006/main" xmlns:r="http://schemas.openxmlformats.org/officeDocument/2006/relationships" xmlns:p="http://schemas.openxmlformats.org/presentationml/2006/main">
+  <p:cSld>
+    <p:spTree>
+      <p:nvGrpSpPr>
+        <p:cNvPr id="1" name=""/>
+        <p:cNvGrpSpPr/>
+        <p:nvPr/>
+      </p:nvGrpSpPr>
+      <p:grpSpPr>
+        <a:xfrm>
+          <a:off x="0" y="0"/>
+          <a:ext cx="0" cy="0"/>
+          <a:chOff x="0" y="0"/>
+          <a:chExt cx="0" cy="0"/>
+        </a:xfrm>
+      </p:grpSpPr>
+      <p:sp>
+        <p:nvSpPr>
+          <p:cNvPr id="2" name="Slide Image Placeholder 1"/>
+          <p:cNvSpPr>
+            <a:spLocks noGrp="1" noRot="1" noChangeAspect="1"/>
+          </p:cNvSpPr>
+          <p:nvPr>
+            <p:ph type="sldImg"/>
+          </p:nvPr>
+        </p:nvSpPr>
+        <p:spPr/>
+      </p:sp>
+      <p:sp>
+        <p:nvSpPr>
+          <p:cNvPr id="3" name="Notes Placeholder 2"/>
+          <p:cNvSpPr>
+            <a:spLocks noGrp="1"/>
+          </p:cNvSpPr>
+          <p:nvPr>
+            <p:ph type="body" idx="1"/>
+          </p:nvPr>
+        </p:nvSpPr>
+        <p:spPr/>
+        <p:txBody>
+          <a:bodyPr/>
+          <a:lstStyle/>
+          <a:p>
+            <a:r>
+              <a:rPr lang="en-GB" dirty="0"/>
+              <a:t>With the recreation of a pod they will get a new IP address.  A service prevent this. (Explain why).</a:t>
+            </a:r>
+          </a:p>
+          <a:p>
+            <a:endParaRPr lang="en-GB" dirty="0"/>
+          </a:p>
+          <a:p>
+            <a:r>
+              <a:rPr lang="en-GB" dirty="0"/>
+              <a:t>Services are a good abstraction for loose coupling and for communication within the cluster.</a:t>
+            </a:r>
+          </a:p>
+          <a:p>
+            <a:endParaRPr lang="en-GB" dirty="0"/>
+          </a:p>
+          <a:p>
+            <a:r>
+              <a:rPr lang="en-GB" dirty="0"/>
+              <a:t>a service is a sort of pointer towards the pods based on the use of labels.</a:t>
+            </a:r>
+          </a:p>
+          <a:p>
+            <a:endParaRPr lang="en-GB" dirty="0"/>
+          </a:p>
+          <a:p>
+            <a:endParaRPr lang="en-GB" dirty="0"/>
+          </a:p>
+        </p:txBody>
+      </p:sp>
+      <p:sp>
+        <p:nvSpPr>
+          <p:cNvPr id="4" name="Slide Number Placeholder 3"/>
+          <p:cNvSpPr>
+            <a:spLocks noGrp="1"/>
+          </p:cNvSpPr>
+          <p:nvPr>
+            <p:ph type="sldNum" sz="quarter" idx="5"/>
+          </p:nvPr>
+        </p:nvSpPr>
+        <p:spPr/>
+        <p:txBody>
+          <a:bodyPr/>
+          <a:lstStyle/>
+          <a:p>
+            <a:fld id="{47B8273F-CD09-450D-9EAA-56DF0CC5CD87}" type="slidenum">
+              <a:rPr lang="en-GB" smtClean="0"/>
+              <a:t>31</a:t>
+            </a:fld>
+            <a:endParaRPr lang="en-GB"/>
+          </a:p>
+        </p:txBody>
+      </p:sp>
+    </p:spTree>
+    <p:extLst>
+      <p:ext uri="{BB962C8B-B14F-4D97-AF65-F5344CB8AC3E}">
+        <p14:creationId xmlns:p14="http://schemas.microsoft.com/office/powerpoint/2010/main" val="4150485250"/>
+      </p:ext>
+    </p:extLst>
+  </p:cSld>
+  <p:clrMapOvr>
+    <a:masterClrMapping/>
+  </p:clrMapOvr>
+</p:notes>
 </file>
 
 <file path=ppt/slideLayouts/slideLayout1.xml><?xml version="1.0" encoding="utf-8"?>
@@ -41206,7 +39046,7 @@
           <a:p>
             <a:fld id="{4CBA113C-C599-41E8-B128-261EA8EA2DBB}" type="datetimeFigureOut">
               <a:rPr lang="de-DE" smtClean="0"/>
-              <a:t>11.11.2023</a:t>
+              <a:t>12.11.2023</a:t>
             </a:fld>
             <a:endParaRPr lang="de-DE"/>
           </a:p>
@@ -41536,7 +39376,7 @@
           <a:p>
             <a:fld id="{4CBA113C-C599-41E8-B128-261EA8EA2DBB}" type="datetimeFigureOut">
               <a:rPr lang="de-DE" smtClean="0"/>
-              <a:t>11.11.2023</a:t>
+              <a:t>12.11.2023</a:t>
             </a:fld>
             <a:endParaRPr lang="de-DE"/>
           </a:p>
@@ -41716,7 +39556,7 @@
           <a:p>
             <a:fld id="{4CBA113C-C599-41E8-B128-261EA8EA2DBB}" type="datetimeFigureOut">
               <a:rPr lang="de-DE" smtClean="0"/>
-              <a:t>11.11.2023</a:t>
+              <a:t>12.11.2023</a:t>
             </a:fld>
             <a:endParaRPr lang="de-DE"/>
           </a:p>
@@ -41886,7 +39726,7 @@
           <a:p>
             <a:fld id="{4CBA113C-C599-41E8-B128-261EA8EA2DBB}" type="datetimeFigureOut">
               <a:rPr lang="de-DE" smtClean="0"/>
-              <a:t>11.11.2023</a:t>
+              <a:t>12.11.2023</a:t>
             </a:fld>
             <a:endParaRPr lang="de-DE"/>
           </a:p>
@@ -42163,7 +40003,7 @@
           <a:p>
             <a:fld id="{4CBA113C-C599-41E8-B128-261EA8EA2DBB}" type="datetimeFigureOut">
               <a:rPr lang="de-DE" smtClean="0"/>
-              <a:t>11.11.2023</a:t>
+              <a:t>12.11.2023</a:t>
             </a:fld>
             <a:endParaRPr lang="de-DE"/>
           </a:p>
@@ -42557,7 +40397,7 @@
           <a:p>
             <a:fld id="{4CBA113C-C599-41E8-B128-261EA8EA2DBB}" type="datetimeFigureOut">
               <a:rPr lang="de-DE" smtClean="0"/>
-              <a:t>11.11.2023</a:t>
+              <a:t>12.11.2023</a:t>
             </a:fld>
             <a:endParaRPr lang="de-DE"/>
           </a:p>
@@ -43034,7 +40874,7 @@
           <a:p>
             <a:fld id="{4CBA113C-C599-41E8-B128-261EA8EA2DBB}" type="datetimeFigureOut">
               <a:rPr lang="de-DE" smtClean="0"/>
-              <a:t>11.11.2023</a:t>
+              <a:t>12.11.2023</a:t>
             </a:fld>
             <a:endParaRPr lang="de-DE"/>
           </a:p>
@@ -43152,7 +40992,7 @@
           <a:p>
             <a:fld id="{4CBA113C-C599-41E8-B128-261EA8EA2DBB}" type="datetimeFigureOut">
               <a:rPr lang="de-DE" smtClean="0"/>
-              <a:t>11.11.2023</a:t>
+              <a:t>12.11.2023</a:t>
             </a:fld>
             <a:endParaRPr lang="de-DE"/>
           </a:p>
@@ -43247,7 +41087,7 @@
           <a:p>
             <a:fld id="{4CBA113C-C599-41E8-B128-261EA8EA2DBB}" type="datetimeFigureOut">
               <a:rPr lang="de-DE" smtClean="0"/>
-              <a:t>11.11.2023</a:t>
+              <a:t>12.11.2023</a:t>
             </a:fld>
             <a:endParaRPr lang="de-DE"/>
           </a:p>
@@ -43593,7 +41433,7 @@
           <a:p>
             <a:fld id="{4CBA113C-C599-41E8-B128-261EA8EA2DBB}" type="datetimeFigureOut">
               <a:rPr lang="de-DE" smtClean="0"/>
-              <a:t>11.11.2023</a:t>
+              <a:t>12.11.2023</a:t>
             </a:fld>
             <a:endParaRPr lang="de-DE"/>
           </a:p>
@@ -43981,7 +41821,7 @@
           <a:p>
             <a:fld id="{4CBA113C-C599-41E8-B128-261EA8EA2DBB}" type="datetimeFigureOut">
               <a:rPr lang="de-DE" smtClean="0"/>
-              <a:t>11.11.2023</a:t>
+              <a:t>12.11.2023</a:t>
             </a:fld>
             <a:endParaRPr lang="de-DE"/>
           </a:p>
@@ -44259,7 +42099,7 @@
           <a:p>
             <a:fld id="{4CBA113C-C599-41E8-B128-261EA8EA2DBB}" type="datetimeFigureOut">
               <a:rPr lang="de-DE" smtClean="0"/>
-              <a:t>11.11.2023</a:t>
+              <a:t>12.11.2023</a:t>
             </a:fld>
             <a:endParaRPr lang="de-DE"/>
           </a:p>
@@ -50532,7 +48372,10 @@
     <p:bg>
       <p:bgPr>
         <a:solidFill>
-          <a:schemeClr val="bg2"/>
+          <a:schemeClr val="bg1">
+            <a:tint val="95000"/>
+            <a:satMod val="170000"/>
+          </a:schemeClr>
         </a:solidFill>
         <a:effectLst/>
       </p:bgPr>
@@ -50551,12 +48394,408 @@
           <a:chExt cx="0" cy="0"/>
         </a:xfrm>
       </p:grpSpPr>
+      <p:grpSp>
+        <p:nvGrpSpPr>
+          <p:cNvPr id="7" name="Group 6">
+            <a:extLst>
+              <a:ext uri="{FF2B5EF4-FFF2-40B4-BE49-F238E27FC236}">
+                <a16:creationId xmlns:a16="http://schemas.microsoft.com/office/drawing/2014/main" id="{B5FEBB1F-508E-4ACE-A53B-525FFA077C6B}"/>
+              </a:ext>
+              <a:ext uri="{C183D7F6-B498-43B3-948B-1728B52AA6E4}">
+                <adec:decorative xmlns:adec="http://schemas.microsoft.com/office/drawing/2017/decorative" val="1"/>
+              </a:ext>
+            </a:extLst>
+          </p:cNvPr>
+          <p:cNvGrpSpPr>
+            <a:grpSpLocks noGrp="1" noUngrp="1" noRot="1" noChangeAspect="1" noMove="1" noResize="1"/>
+          </p:cNvGrpSpPr>
+          <p:nvPr>
+            <p:extLst>
+              <p:ext uri="{386F3935-93C4-4BCD-93E2-E3B085C9AB24}">
+                <p16:designElem xmlns:p16="http://schemas.microsoft.com/office/powerpoint/2015/main" val="1"/>
+              </p:ext>
+            </p:extLst>
+          </p:nvPr>
+        </p:nvGrpSpPr>
+        <p:grpSpPr>
+          <a:xfrm>
+            <a:off x="752858" y="744469"/>
+            <a:ext cx="10674117" cy="5349671"/>
+            <a:chOff x="752858" y="744469"/>
+            <a:chExt cx="10674117" cy="5349671"/>
+          </a:xfrm>
+        </p:grpSpPr>
+        <p:sp>
+          <p:nvSpPr>
+            <p:cNvPr id="8" name="Freeform 6">
+              <a:extLst>
+                <a:ext uri="{FF2B5EF4-FFF2-40B4-BE49-F238E27FC236}">
+                  <a16:creationId xmlns:a16="http://schemas.microsoft.com/office/drawing/2014/main" id="{B687ADC4-1812-437A-97AA-230888706C3A}"/>
+                </a:ext>
+                <a:ext uri="{C183D7F6-B498-43B3-948B-1728B52AA6E4}">
+                  <adec:decorative xmlns:adec="http://schemas.microsoft.com/office/drawing/2017/decorative" val="1"/>
+                </a:ext>
+              </a:extLst>
+            </p:cNvPr>
+            <p:cNvSpPr/>
+            <p:nvPr>
+              <p:extLst>
+                <p:ext uri="{386F3935-93C4-4BCD-93E2-E3B085C9AB24}">
+                  <p16:designElem xmlns:p16="http://schemas.microsoft.com/office/powerpoint/2015/main" val="1"/>
+                </p:ext>
+              </p:extLst>
+            </p:nvPr>
+          </p:nvSpPr>
+          <p:spPr bwMode="auto">
+            <a:xfrm>
+              <a:off x="8151962" y="1685652"/>
+              <a:ext cx="3275013" cy="4408488"/>
+            </a:xfrm>
+            <a:custGeom>
+              <a:avLst/>
+              <a:gdLst/>
+              <a:ahLst/>
+              <a:cxnLst/>
+              <a:rect l="l" t="t" r="r" b="b"/>
+              <a:pathLst>
+                <a:path w="10000" h="10000">
+                  <a:moveTo>
+                    <a:pt x="8761" y="0"/>
+                  </a:moveTo>
+                  <a:lnTo>
+                    <a:pt x="10000" y="0"/>
+                  </a:lnTo>
+                  <a:lnTo>
+                    <a:pt x="10000" y="10000"/>
+                  </a:lnTo>
+                  <a:lnTo>
+                    <a:pt x="0" y="10000"/>
+                  </a:lnTo>
+                  <a:lnTo>
+                    <a:pt x="0" y="9126"/>
+                  </a:lnTo>
+                  <a:lnTo>
+                    <a:pt x="8761" y="9127"/>
+                  </a:lnTo>
+                  <a:lnTo>
+                    <a:pt x="8761" y="0"/>
+                  </a:lnTo>
+                  <a:close/>
+                </a:path>
+              </a:pathLst>
+            </a:custGeom>
+            <a:solidFill>
+              <a:schemeClr val="tx2"/>
+            </a:solidFill>
+            <a:ln w="0">
+              <a:noFill/>
+              <a:prstDash val="solid"/>
+              <a:round/>
+              <a:headEnd/>
+              <a:tailEnd/>
+            </a:ln>
+          </p:spPr>
+          <p:txBody>
+            <a:bodyPr/>
+            <a:lstStyle/>
+            <a:p>
+              <a:endParaRPr lang="de-DE"/>
+            </a:p>
+          </p:txBody>
+        </p:sp>
+        <p:sp>
+          <p:nvSpPr>
+            <p:cNvPr id="9" name="Freeform 6">
+              <a:extLst>
+                <a:ext uri="{FF2B5EF4-FFF2-40B4-BE49-F238E27FC236}">
+                  <a16:creationId xmlns:a16="http://schemas.microsoft.com/office/drawing/2014/main" id="{6170E629-727E-4A2F-8228-0A71B67BD136}"/>
+                </a:ext>
+                <a:ext uri="{C183D7F6-B498-43B3-948B-1728B52AA6E4}">
+                  <adec:decorative xmlns:adec="http://schemas.microsoft.com/office/drawing/2017/decorative" val="1"/>
+                </a:ext>
+              </a:extLst>
+            </p:cNvPr>
+            <p:cNvSpPr/>
+            <p:nvPr>
+              <p:extLst>
+                <p:ext uri="{386F3935-93C4-4BCD-93E2-E3B085C9AB24}">
+                  <p16:designElem xmlns:p16="http://schemas.microsoft.com/office/powerpoint/2015/main" val="1"/>
+                </p:ext>
+              </p:extLst>
+            </p:nvPr>
+          </p:nvSpPr>
+          <p:spPr bwMode="auto">
+            <a:xfrm flipH="1" flipV="1">
+              <a:off x="752858" y="744469"/>
+              <a:ext cx="3275668" cy="4408488"/>
+            </a:xfrm>
+            <a:custGeom>
+              <a:avLst/>
+              <a:gdLst/>
+              <a:ahLst/>
+              <a:cxnLst/>
+              <a:rect l="l" t="t" r="r" b="b"/>
+              <a:pathLst>
+                <a:path w="10002" h="10000">
+                  <a:moveTo>
+                    <a:pt x="8763" y="0"/>
+                  </a:moveTo>
+                  <a:lnTo>
+                    <a:pt x="10002" y="0"/>
+                  </a:lnTo>
+                  <a:lnTo>
+                    <a:pt x="10002" y="10000"/>
+                  </a:lnTo>
+                  <a:lnTo>
+                    <a:pt x="2" y="10000"/>
+                  </a:lnTo>
+                  <a:cubicBezTo>
+                    <a:pt x="-2" y="9698"/>
+                    <a:pt x="4" y="9427"/>
+                    <a:pt x="0" y="9125"/>
+                  </a:cubicBezTo>
+                  <a:lnTo>
+                    <a:pt x="8763" y="9128"/>
+                  </a:lnTo>
+                  <a:lnTo>
+                    <a:pt x="8763" y="0"/>
+                  </a:lnTo>
+                  <a:close/>
+                </a:path>
+              </a:pathLst>
+            </a:custGeom>
+            <a:solidFill>
+              <a:schemeClr val="tx2"/>
+            </a:solidFill>
+            <a:ln w="0">
+              <a:noFill/>
+              <a:prstDash val="solid"/>
+              <a:round/>
+              <a:headEnd/>
+              <a:tailEnd/>
+            </a:ln>
+          </p:spPr>
+          <p:txBody>
+            <a:bodyPr/>
+            <a:lstStyle/>
+            <a:p>
+              <a:endParaRPr lang="de-DE"/>
+            </a:p>
+          </p:txBody>
+        </p:sp>
+      </p:grpSp>
+      <p:sp>
+        <p:nvSpPr>
+          <p:cNvPr id="11" name="Rectangle 10">
+            <a:extLst>
+              <a:ext uri="{FF2B5EF4-FFF2-40B4-BE49-F238E27FC236}">
+                <a16:creationId xmlns:a16="http://schemas.microsoft.com/office/drawing/2014/main" id="{F6B7BFBD-C488-4B5B-ABE5-8256F3FFB048}"/>
+              </a:ext>
+              <a:ext uri="{C183D7F6-B498-43B3-948B-1728B52AA6E4}">
+                <adec:decorative xmlns:adec="http://schemas.microsoft.com/office/drawing/2017/decorative" val="1"/>
+              </a:ext>
+            </a:extLst>
+          </p:cNvPr>
+          <p:cNvSpPr>
+            <a:spLocks noGrp="1" noRot="1" noChangeAspect="1" noMove="1" noResize="1" noEditPoints="1" noAdjustHandles="1" noChangeArrowheads="1" noChangeShapeType="1" noTextEdit="1"/>
+          </p:cNvSpPr>
+          <p:nvPr>
+            <p:extLst>
+              <p:ext uri="{386F3935-93C4-4BCD-93E2-E3B085C9AB24}">
+                <p16:designElem xmlns:p16="http://schemas.microsoft.com/office/powerpoint/2015/main" val="1"/>
+              </p:ext>
+            </p:extLst>
+          </p:nvPr>
+        </p:nvSpPr>
+        <p:spPr>
+          <a:xfrm>
+            <a:off x="2" y="376"/>
+            <a:ext cx="12191998" cy="6857624"/>
+          </a:xfrm>
+          <a:prstGeom prst="rect">
+            <a:avLst/>
+          </a:prstGeom>
+          <a:solidFill>
+            <a:schemeClr val="accent1"/>
+          </a:solidFill>
+          <a:ln>
+            <a:noFill/>
+          </a:ln>
+        </p:spPr>
+        <p:style>
+          <a:lnRef idx="2">
+            <a:schemeClr val="accent1">
+              <a:shade val="50000"/>
+            </a:schemeClr>
+          </a:lnRef>
+          <a:fillRef idx="1">
+            <a:schemeClr val="accent1"/>
+          </a:fillRef>
+          <a:effectRef idx="0">
+            <a:schemeClr val="accent1"/>
+          </a:effectRef>
+          <a:fontRef idx="minor">
+            <a:schemeClr val="lt1"/>
+          </a:fontRef>
+        </p:style>
+        <p:txBody>
+          <a:bodyPr/>
+          <a:lstStyle/>
+          <a:p>
+            <a:endParaRPr lang="en-US"/>
+          </a:p>
+        </p:txBody>
+      </p:sp>
+      <p:sp>
+        <p:nvSpPr>
+          <p:cNvPr id="13" name="Freeform 6">
+            <a:extLst>
+              <a:ext uri="{FF2B5EF4-FFF2-40B4-BE49-F238E27FC236}">
+                <a16:creationId xmlns:a16="http://schemas.microsoft.com/office/drawing/2014/main" id="{2BA7674F-A261-445A-AE3A-A0AA30620EC8}"/>
+              </a:ext>
+              <a:ext uri="{C183D7F6-B498-43B3-948B-1728B52AA6E4}">
+                <adec:decorative xmlns:adec="http://schemas.microsoft.com/office/drawing/2017/decorative" val="1"/>
+              </a:ext>
+            </a:extLst>
+          </p:cNvPr>
+          <p:cNvSpPr>
+            <a:spLocks noGrp="1" noRot="1" noChangeAspect="1" noMove="1" noResize="1" noEditPoints="1" noAdjustHandles="1" noChangeArrowheads="1" noChangeShapeType="1" noTextEdit="1"/>
+          </p:cNvSpPr>
+          <p:nvPr>
+            <p:extLst>
+              <p:ext uri="{386F3935-93C4-4BCD-93E2-E3B085C9AB24}">
+                <p16:designElem xmlns:p16="http://schemas.microsoft.com/office/powerpoint/2015/main" val="1"/>
+              </p:ext>
+            </p:extLst>
+          </p:nvPr>
+        </p:nvSpPr>
+        <p:spPr bwMode="auto">
+          <a:xfrm flipH="1" flipV="1">
+            <a:off x="671285" y="626654"/>
+            <a:ext cx="3275668" cy="4408488"/>
+          </a:xfrm>
+          <a:custGeom>
+            <a:avLst/>
+            <a:gdLst/>
+            <a:ahLst/>
+            <a:cxnLst/>
+            <a:rect l="l" t="t" r="r" b="b"/>
+            <a:pathLst>
+              <a:path w="10002" h="10000">
+                <a:moveTo>
+                  <a:pt x="8763" y="0"/>
+                </a:moveTo>
+                <a:lnTo>
+                  <a:pt x="10002" y="0"/>
+                </a:lnTo>
+                <a:lnTo>
+                  <a:pt x="10002" y="10000"/>
+                </a:lnTo>
+                <a:lnTo>
+                  <a:pt x="2" y="10000"/>
+                </a:lnTo>
+                <a:cubicBezTo>
+                  <a:pt x="-2" y="9698"/>
+                  <a:pt x="4" y="9427"/>
+                  <a:pt x="0" y="9125"/>
+                </a:cubicBezTo>
+                <a:lnTo>
+                  <a:pt x="8763" y="9128"/>
+                </a:lnTo>
+                <a:lnTo>
+                  <a:pt x="8763" y="0"/>
+                </a:lnTo>
+                <a:close/>
+              </a:path>
+            </a:pathLst>
+          </a:custGeom>
+          <a:solidFill>
+            <a:schemeClr val="accent1">
+              <a:lumMod val="75000"/>
+            </a:schemeClr>
+          </a:solidFill>
+          <a:ln w="0">
+            <a:noFill/>
+            <a:prstDash val="solid"/>
+            <a:round/>
+            <a:headEnd/>
+            <a:tailEnd/>
+          </a:ln>
+        </p:spPr>
+        <p:txBody>
+          <a:bodyPr/>
+          <a:lstStyle/>
+          <a:p>
+            <a:endParaRPr lang="de-DE"/>
+          </a:p>
+        </p:txBody>
+      </p:sp>
+      <p:sp useBgFill="1">
+        <p:nvSpPr>
+          <p:cNvPr id="15" name="Rectangle 14">
+            <a:extLst>
+              <a:ext uri="{FF2B5EF4-FFF2-40B4-BE49-F238E27FC236}">
+                <a16:creationId xmlns:a16="http://schemas.microsoft.com/office/drawing/2014/main" id="{BA53A58C-A067-4B87-B48C-CB90C1FA0FEE}"/>
+              </a:ext>
+              <a:ext uri="{C183D7F6-B498-43B3-948B-1728B52AA6E4}">
+                <adec:decorative xmlns:adec="http://schemas.microsoft.com/office/drawing/2017/decorative" val="1"/>
+              </a:ext>
+            </a:extLst>
+          </p:cNvPr>
+          <p:cNvSpPr>
+            <a:spLocks noGrp="1" noRot="1" noChangeAspect="1" noMove="1" noResize="1" noEditPoints="1" noAdjustHandles="1" noChangeArrowheads="1" noChangeShapeType="1" noTextEdit="1"/>
+          </p:cNvSpPr>
+          <p:nvPr>
+            <p:extLst>
+              <p:ext uri="{386F3935-93C4-4BCD-93E2-E3B085C9AB24}">
+                <p16:designElem xmlns:p16="http://schemas.microsoft.com/office/powerpoint/2015/main" val="1"/>
+              </p:ext>
+            </p:extLst>
+          </p:nvPr>
+        </p:nvSpPr>
+        <p:spPr>
+          <a:xfrm>
+            <a:off x="1076632" y="1010266"/>
+            <a:ext cx="11115368" cy="5847734"/>
+          </a:xfrm>
+          <a:prstGeom prst="rect">
+            <a:avLst/>
+          </a:prstGeom>
+          <a:ln>
+            <a:noFill/>
+          </a:ln>
+        </p:spPr>
+        <p:style>
+          <a:lnRef idx="2">
+            <a:schemeClr val="accent1">
+              <a:shade val="50000"/>
+            </a:schemeClr>
+          </a:lnRef>
+          <a:fillRef idx="1001">
+            <a:schemeClr val="lt2"/>
+          </a:fillRef>
+          <a:effectRef idx="0">
+            <a:schemeClr val="accent1"/>
+          </a:effectRef>
+          <a:fontRef idx="minor">
+            <a:schemeClr val="lt1"/>
+          </a:fontRef>
+        </p:style>
+        <p:txBody>
+          <a:bodyPr rtlCol="0" anchor="ctr"/>
+          <a:lstStyle/>
+          <a:p>
+            <a:pPr algn="ctr"/>
+            <a:endParaRPr lang="en-US"/>
+          </a:p>
+        </p:txBody>
+      </p:sp>
       <p:sp>
         <p:nvSpPr>
           <p:cNvPr id="2" name="Title 1">
             <a:extLst>
               <a:ext uri="{FF2B5EF4-FFF2-40B4-BE49-F238E27FC236}">
-                <a16:creationId xmlns:a16="http://schemas.microsoft.com/office/drawing/2014/main" id="{05AB2E3D-0155-292F-C153-24F353D3D397}"/>
+                <a16:creationId xmlns:a16="http://schemas.microsoft.com/office/drawing/2014/main" id="{0924A73A-58E5-1B36-5F18-6E324A406E3D}"/>
               </a:ext>
             </a:extLst>
           </p:cNvPr>
@@ -50569,65 +48808,32 @@
         </p:nvSpPr>
         <p:spPr>
           <a:xfrm>
-            <a:off x="1371600" y="685800"/>
-            <a:ext cx="9601200" cy="1485900"/>
+            <a:off x="1720099" y="1653731"/>
+            <a:ext cx="8110584" cy="3935906"/>
           </a:xfrm>
         </p:spPr>
         <p:txBody>
-          <a:bodyPr>
+          <a:bodyPr vert="horz" lIns="91440" tIns="45720" rIns="91440" bIns="45720" rtlCol="0" anchor="t">
             <a:normAutofit/>
           </a:bodyPr>
           <a:lstStyle/>
           <a:p>
             <a:r>
-              <a:rPr lang="en-GB">
-                <a:cs typeface="Calibri Light"/>
-              </a:rPr>
+              <a:rPr lang="en-US" sz="8100" cap="all" dirty="0"/>
               <a:t>Services</a:t>
             </a:r>
           </a:p>
         </p:txBody>
       </p:sp>
-      <p:graphicFrame>
-        <p:nvGraphicFramePr>
-          <p:cNvPr id="5" name="Content Placeholder 2">
-            <a:extLst>
-              <a:ext uri="{FF2B5EF4-FFF2-40B4-BE49-F238E27FC236}">
-                <a16:creationId xmlns:a16="http://schemas.microsoft.com/office/drawing/2014/main" id="{642E68F5-9D59-425E-DC2B-CAE02617E43C}"/>
-              </a:ext>
-            </a:extLst>
-          </p:cNvPr>
-          <p:cNvGraphicFramePr>
-            <a:graphicFrameLocks noGrp="1"/>
-          </p:cNvGraphicFramePr>
-          <p:nvPr>
-            <p:ph idx="1"/>
-            <p:extLst>
-              <p:ext uri="{D42A27DB-BD31-4B8C-83A1-F6EECF244321}">
-                <p14:modId xmlns:p14="http://schemas.microsoft.com/office/powerpoint/2010/main" val="2038939522"/>
-              </p:ext>
-            </p:extLst>
-          </p:nvPr>
-        </p:nvGraphicFramePr>
-        <p:xfrm>
-          <a:off x="1371600" y="2286000"/>
-          <a:ext cx="9601200" cy="3581400"/>
-        </p:xfrm>
-        <a:graphic>
-          <a:graphicData uri="http://schemas.openxmlformats.org/drawingml/2006/diagram">
-            <dgm:relIds xmlns:dgm="http://schemas.openxmlformats.org/drawingml/2006/diagram" xmlns:r="http://schemas.openxmlformats.org/officeDocument/2006/relationships" r:dm="rId2" r:lo="rId3" r:qs="rId4" r:cs="rId5"/>
-          </a:graphicData>
-        </a:graphic>
-      </p:graphicFrame>
     </p:spTree>
     <p:extLst>
       <p:ext uri="{BB962C8B-B14F-4D97-AF65-F5344CB8AC3E}">
-        <p14:creationId xmlns:p14="http://schemas.microsoft.com/office/powerpoint/2010/main" val="711433401"/>
+        <p14:creationId xmlns:p14="http://schemas.microsoft.com/office/powerpoint/2010/main" val="2802476845"/>
       </p:ext>
     </p:extLst>
   </p:cSld>
   <p:clrMapOvr>
-    <a:masterClrMapping/>
+    <a:overrideClrMapping bg1="dk1" tx1="lt1" bg2="dk2" tx2="lt2" accent1="accent1" accent2="accent2" accent3="accent3" accent4="accent4" accent5="accent5" accent6="accent6" hlink="hlink" folHlink="folHlink"/>
   </p:clrMapOvr>
 </p:sld>
 </file>
@@ -51063,12 +49269,12 @@
           <a:lstStyle/>
           <a:p>
             <a:r>
-              <a:rPr lang="en-GB">
+              <a:rPr lang="en-GB" dirty="0">
                 <a:cs typeface="Calibri Light"/>
               </a:rPr>
-              <a:t>Functions of services in Kubernetes</a:t>
+              <a:t>Importance of services in Kubernetes.</a:t>
             </a:r>
-            <a:endParaRPr lang="en-GB"/>
+            <a:endParaRPr lang="en-GB" dirty="0"/>
           </a:p>
         </p:txBody>
       </p:sp>
@@ -51211,34 +49417,46 @@
           <a:lstStyle/>
           <a:p>
             <a:r>
-              <a:rPr lang="en-GB">
+              <a:rPr lang="en-GB" dirty="0">
                 <a:cs typeface="Calibri"/>
               </a:rPr>
-              <a:t>Routes traffic across a set of pods</a:t>
+              <a:t>Pods and their </a:t>
+            </a:r>
+            <a:r>
+              <a:rPr lang="en-GB" dirty="0"/>
+              <a:t>own IP addresses</a:t>
             </a:r>
           </a:p>
           <a:p>
             <a:r>
-              <a:rPr lang="en-GB">
+              <a:rPr lang="en-GB" dirty="0">
                 <a:cs typeface="Calibri"/>
               </a:rPr>
-              <a:t>Load balances request across the linked pods</a:t>
+              <a:t>Pods </a:t>
             </a:r>
+            <a:r>
+              <a:rPr lang="en-GB" dirty="0"/>
+              <a:t>are destroyed frequently</a:t>
+            </a:r>
+            <a:endParaRPr lang="en-GB" dirty="0">
+              <a:cs typeface="Calibri"/>
+            </a:endParaRPr>
           </a:p>
           <a:p>
             <a:r>
-              <a:rPr lang="en-GB">
-                <a:cs typeface="Calibri"/>
-              </a:rPr>
-              <a:t>Assigns a stable IP and DNS name for service discovery</a:t>
+              <a:rPr lang="en-GB" dirty="0"/>
+              <a:t>Great for balancing the load</a:t>
             </a:r>
+            <a:endParaRPr lang="en-GB" dirty="0">
+              <a:cs typeface="Calibri"/>
+            </a:endParaRPr>
           </a:p>
         </p:txBody>
       </p:sp>
     </p:spTree>
     <p:extLst>
       <p:ext uri="{BB962C8B-B14F-4D97-AF65-F5344CB8AC3E}">
-        <p14:creationId xmlns:p14="http://schemas.microsoft.com/office/powerpoint/2010/main" val="896679707"/>
+        <p14:creationId xmlns:p14="http://schemas.microsoft.com/office/powerpoint/2010/main" val="1202683557"/>
       </p:ext>
     </p:extLst>
   </p:cSld>
@@ -51249,6 +49467,113 @@
 </file>
 
 <file path=ppt/slides/slide31.xml><?xml version="1.0" encoding="utf-8"?>
+<p:sld xmlns:a="http://schemas.openxmlformats.org/drawingml/2006/main" xmlns:r="http://schemas.openxmlformats.org/officeDocument/2006/relationships" xmlns:p="http://schemas.openxmlformats.org/presentationml/2006/main">
+  <p:cSld>
+    <p:bg>
+      <p:bgPr>
+        <a:solidFill>
+          <a:schemeClr val="bg2"/>
+        </a:solidFill>
+        <a:effectLst/>
+      </p:bgPr>
+    </p:bg>
+    <p:spTree>
+      <p:nvGrpSpPr>
+        <p:cNvPr id="1" name=""/>
+        <p:cNvGrpSpPr/>
+        <p:nvPr/>
+      </p:nvGrpSpPr>
+      <p:grpSpPr>
+        <a:xfrm>
+          <a:off x="0" y="0"/>
+          <a:ext cx="0" cy="0"/>
+          <a:chOff x="0" y="0"/>
+          <a:chExt cx="0" cy="0"/>
+        </a:xfrm>
+      </p:grpSpPr>
+      <p:sp>
+        <p:nvSpPr>
+          <p:cNvPr id="2" name="Title 1">
+            <a:extLst>
+              <a:ext uri="{FF2B5EF4-FFF2-40B4-BE49-F238E27FC236}">
+                <a16:creationId xmlns:a16="http://schemas.microsoft.com/office/drawing/2014/main" id="{B24716B3-D307-E24A-6518-03848749D0BE}"/>
+              </a:ext>
+            </a:extLst>
+          </p:cNvPr>
+          <p:cNvSpPr>
+            <a:spLocks noGrp="1"/>
+          </p:cNvSpPr>
+          <p:nvPr>
+            <p:ph type="title"/>
+          </p:nvPr>
+        </p:nvSpPr>
+        <p:spPr>
+          <a:xfrm>
+            <a:off x="1371600" y="685800"/>
+            <a:ext cx="9601200" cy="1485900"/>
+          </a:xfrm>
+        </p:spPr>
+        <p:txBody>
+          <a:bodyPr>
+            <a:normAutofit/>
+          </a:bodyPr>
+          <a:lstStyle/>
+          <a:p>
+            <a:r>
+              <a:rPr lang="en-GB" dirty="0">
+                <a:cs typeface="Calibri Light"/>
+              </a:rPr>
+              <a:t>Service Types in Kubernetes</a:t>
+            </a:r>
+            <a:endParaRPr lang="en-GB" dirty="0"/>
+          </a:p>
+        </p:txBody>
+      </p:sp>
+      <p:graphicFrame>
+        <p:nvGraphicFramePr>
+          <p:cNvPr id="14" name="Content Placeholder 2">
+            <a:extLst>
+              <a:ext uri="{FF2B5EF4-FFF2-40B4-BE49-F238E27FC236}">
+                <a16:creationId xmlns:a16="http://schemas.microsoft.com/office/drawing/2014/main" id="{8C10BC5E-FBF5-F60C-6EB2-B5ED8DC7814C}"/>
+              </a:ext>
+            </a:extLst>
+          </p:cNvPr>
+          <p:cNvGraphicFramePr>
+            <a:graphicFrameLocks noGrp="1"/>
+          </p:cNvGraphicFramePr>
+          <p:nvPr>
+            <p:ph idx="1"/>
+            <p:extLst>
+              <p:ext uri="{D42A27DB-BD31-4B8C-83A1-F6EECF244321}">
+                <p14:modId xmlns:p14="http://schemas.microsoft.com/office/powerpoint/2010/main" val="887874944"/>
+              </p:ext>
+            </p:extLst>
+          </p:nvPr>
+        </p:nvGraphicFramePr>
+        <p:xfrm>
+          <a:off x="1371600" y="2286000"/>
+          <a:ext cx="9601200" cy="3581400"/>
+        </p:xfrm>
+        <a:graphic>
+          <a:graphicData uri="http://schemas.openxmlformats.org/drawingml/2006/diagram">
+            <dgm:relIds xmlns:dgm="http://schemas.openxmlformats.org/drawingml/2006/diagram" xmlns:r="http://schemas.openxmlformats.org/officeDocument/2006/relationships" r:dm="rId3" r:lo="rId4" r:qs="rId5" r:cs="rId6"/>
+          </a:graphicData>
+        </a:graphic>
+      </p:graphicFrame>
+    </p:spTree>
+    <p:extLst>
+      <p:ext uri="{BB962C8B-B14F-4D97-AF65-F5344CB8AC3E}">
+        <p14:creationId xmlns:p14="http://schemas.microsoft.com/office/powerpoint/2010/main" val="32214509"/>
+      </p:ext>
+    </p:extLst>
+  </p:cSld>
+  <p:clrMapOvr>
+    <a:masterClrMapping/>
+  </p:clrMapOvr>
+</p:sld>
+</file>
+
+<file path=ppt/slides/slide32.xml><?xml version="1.0" encoding="utf-8"?>
 <p:sld xmlns:a="http://schemas.openxmlformats.org/drawingml/2006/main" xmlns:r="http://schemas.openxmlformats.org/officeDocument/2006/relationships" xmlns:p="http://schemas.openxmlformats.org/presentationml/2006/main">
   <p:cSld>
     <p:spTree>
@@ -51287,18 +49612,12 @@
           <a:lstStyle/>
           <a:p>
             <a:r>
-              <a:rPr lang="en-GB" err="1">
+              <a:rPr lang="en-GB" dirty="0" err="1">
                 <a:cs typeface="Calibri Light"/>
               </a:rPr>
-              <a:t>Minikube</a:t>
+              <a:t>ClusterIP</a:t>
             </a:r>
-            <a:r>
-              <a:rPr lang="en-GB">
-                <a:cs typeface="Calibri Light"/>
-              </a:rPr>
-              <a:t> &amp; Application exposure</a:t>
-            </a:r>
-            <a:endParaRPr lang="en-GB"/>
+            <a:endParaRPr lang="en-GB" dirty="0"/>
           </a:p>
         </p:txBody>
       </p:sp>
@@ -51326,45 +49645,35 @@
           <a:lstStyle/>
           <a:p>
             <a:r>
-              <a:rPr lang="en-GB" err="1">
+              <a:rPr lang="en-GB" dirty="0">
                 <a:cs typeface="Calibri"/>
               </a:rPr>
-              <a:t>Minikube</a:t>
-            </a:r>
-            <a:r>
-              <a:rPr lang="en-GB">
-                <a:cs typeface="Calibri"/>
-              </a:rPr>
-              <a:t> is a local Kubernetes environment.</a:t>
+              <a:t>Common type to expose a service IP</a:t>
             </a:r>
           </a:p>
           <a:p>
             <a:r>
-              <a:rPr lang="en-GB">
-                <a:cs typeface="Calibri"/>
-              </a:rPr>
-              <a:t>Uses '</a:t>
+              <a:rPr lang="en-GB" dirty="0"/>
+              <a:t>Assigns an IP address from a pool of IP addresses in that cluster</a:t>
             </a:r>
+            <a:endParaRPr lang="en-GB" dirty="0">
+              <a:cs typeface="Calibri"/>
+            </a:endParaRPr>
+          </a:p>
+          <a:p>
             <a:r>
-              <a:rPr lang="en-GB" err="1">
-                <a:cs typeface="Calibri"/>
-              </a:rPr>
-              <a:t>minikube</a:t>
-            </a:r>
-            <a:r>
-              <a:rPr lang="en-GB">
-                <a:cs typeface="Calibri"/>
-              </a:rPr>
-              <a:t> service' command to expose services</a:t>
+              <a:rPr lang="en-GB" dirty="0"/>
+              <a:t>Specifying your own cluster IP address</a:t>
             </a:r>
           </a:p>
           <a:p>
             <a:r>
-              <a:rPr lang="en-GB">
-                <a:cs typeface="Calibri"/>
-              </a:rPr>
-              <a:t>Helpful for local development &amp; testing.</a:t>
+              <a:rPr lang="en-GB" dirty="0"/>
+              <a:t>valid IPv4 or IPv6 address</a:t>
             </a:r>
+            <a:endParaRPr lang="en-GB" dirty="0">
+              <a:cs typeface="Calibri"/>
+            </a:endParaRPr>
           </a:p>
         </p:txBody>
       </p:sp>
@@ -51381,7 +49690,125 @@
 </p:sld>
 </file>
 
-<file path=ppt/slides/slide32.xml><?xml version="1.0" encoding="utf-8"?>
+<file path=ppt/slides/slide33.xml><?xml version="1.0" encoding="utf-8"?>
+<p:sld xmlns:a="http://schemas.openxmlformats.org/drawingml/2006/main" xmlns:r="http://schemas.openxmlformats.org/officeDocument/2006/relationships" xmlns:p="http://schemas.openxmlformats.org/presentationml/2006/main">
+  <p:cSld>
+    <p:spTree>
+      <p:nvGrpSpPr>
+        <p:cNvPr id="1" name=""/>
+        <p:cNvGrpSpPr/>
+        <p:nvPr/>
+      </p:nvGrpSpPr>
+      <p:grpSpPr>
+        <a:xfrm>
+          <a:off x="0" y="0"/>
+          <a:ext cx="0" cy="0"/>
+          <a:chOff x="0" y="0"/>
+          <a:chExt cx="0" cy="0"/>
+        </a:xfrm>
+      </p:grpSpPr>
+      <p:sp>
+        <p:nvSpPr>
+          <p:cNvPr id="2" name="Title 1">
+            <a:extLst>
+              <a:ext uri="{FF2B5EF4-FFF2-40B4-BE49-F238E27FC236}">
+                <a16:creationId xmlns:a16="http://schemas.microsoft.com/office/drawing/2014/main" id="{5550EA60-8735-1550-51B4-74FE5325DC5C}"/>
+              </a:ext>
+            </a:extLst>
+          </p:cNvPr>
+          <p:cNvSpPr>
+            <a:spLocks noGrp="1"/>
+          </p:cNvSpPr>
+          <p:nvPr>
+            <p:ph type="title"/>
+          </p:nvPr>
+        </p:nvSpPr>
+        <p:spPr/>
+        <p:txBody>
+          <a:bodyPr/>
+          <a:lstStyle/>
+          <a:p>
+            <a:r>
+              <a:rPr lang="en-GB" dirty="0" err="1">
+                <a:cs typeface="Calibri Light"/>
+              </a:rPr>
+              <a:t>NodePort</a:t>
+            </a:r>
+            <a:endParaRPr lang="en-GB" dirty="0"/>
+          </a:p>
+        </p:txBody>
+      </p:sp>
+      <p:sp>
+        <p:nvSpPr>
+          <p:cNvPr id="3" name="Content Placeholder 2">
+            <a:extLst>
+              <a:ext uri="{FF2B5EF4-FFF2-40B4-BE49-F238E27FC236}">
+                <a16:creationId xmlns:a16="http://schemas.microsoft.com/office/drawing/2014/main" id="{DE68D510-54C4-C6D5-353A-94C4E929CF1A}"/>
+              </a:ext>
+            </a:extLst>
+          </p:cNvPr>
+          <p:cNvSpPr>
+            <a:spLocks noGrp="1"/>
+          </p:cNvSpPr>
+          <p:nvPr>
+            <p:ph idx="1"/>
+          </p:nvPr>
+        </p:nvSpPr>
+        <p:spPr/>
+        <p:txBody>
+          <a:bodyPr vert="horz" lIns="91440" tIns="45720" rIns="91440" bIns="45720" rtlCol="0" anchor="t">
+            <a:normAutofit/>
+          </a:bodyPr>
+          <a:lstStyle/>
+          <a:p>
+            <a:r>
+              <a:rPr lang="en-GB" dirty="0"/>
+              <a:t>Exposes the Service on each Node's IP</a:t>
+            </a:r>
+          </a:p>
+          <a:p>
+            <a:r>
+              <a:rPr lang="en-GB" dirty="0"/>
+              <a:t>Gives you the freedom to set up your own load balancing</a:t>
+            </a:r>
+          </a:p>
+          <a:p>
+            <a:r>
+              <a:rPr lang="en-GB" dirty="0">
+                <a:cs typeface="Calibri"/>
+              </a:rPr>
+              <a:t>Self-configuration</a:t>
+            </a:r>
+          </a:p>
+          <a:p>
+            <a:pPr marL="0" indent="0">
+              <a:buNone/>
+            </a:pPr>
+            <a:endParaRPr lang="en-GB" dirty="0">
+              <a:cs typeface="Calibri"/>
+            </a:endParaRPr>
+          </a:p>
+          <a:p>
+            <a:endParaRPr lang="en-GB" dirty="0">
+              <a:cs typeface="Calibri"/>
+            </a:endParaRPr>
+          </a:p>
+        </p:txBody>
+      </p:sp>
+    </p:spTree>
+    <p:extLst>
+      <p:ext uri="{BB962C8B-B14F-4D97-AF65-F5344CB8AC3E}">
+        <p14:creationId xmlns:p14="http://schemas.microsoft.com/office/powerpoint/2010/main" val="1833810527"/>
+      </p:ext>
+    </p:extLst>
+  </p:cSld>
+  <p:clrMapOvr>
+    <a:masterClrMapping/>
+  </p:clrMapOvr>
+</p:sld>
+</file>
+
+<file path=ppt/slides/slide34.xml><?xml version="1.0" encoding="utf-8"?>
 <p:sld xmlns:a="http://schemas.openxmlformats.org/drawingml/2006/main" xmlns:r="http://schemas.openxmlformats.org/officeDocument/2006/relationships" xmlns:p="http://schemas.openxmlformats.org/presentationml/2006/main">
   <p:cSld>
     <p:bg>
@@ -51406,12 +49833,50 @@
           <a:chExt cx="0" cy="0"/>
         </a:xfrm>
       </p:grpSpPr>
-      <p:sp useBgFill="1">
+      <p:sp>
         <p:nvSpPr>
-          <p:cNvPr id="8" name="Rectangle 7">
+          <p:cNvPr id="2" name="Title 1">
             <a:extLst>
               <a:ext uri="{FF2B5EF4-FFF2-40B4-BE49-F238E27FC236}">
-                <a16:creationId xmlns:a16="http://schemas.microsoft.com/office/drawing/2014/main" id="{32812C54-7AEF-4ABB-826E-221F51CB0F30}"/>
+                <a16:creationId xmlns:a16="http://schemas.microsoft.com/office/drawing/2014/main" id="{5550EA60-8735-1550-51B4-74FE5325DC5C}"/>
+              </a:ext>
+            </a:extLst>
+          </p:cNvPr>
+          <p:cNvSpPr>
+            <a:spLocks noGrp="1"/>
+          </p:cNvSpPr>
+          <p:nvPr>
+            <p:ph type="title"/>
+          </p:nvPr>
+        </p:nvSpPr>
+        <p:spPr>
+          <a:xfrm>
+            <a:off x="6389914" y="685800"/>
+            <a:ext cx="5127172" cy="1485900"/>
+          </a:xfrm>
+        </p:spPr>
+        <p:txBody>
+          <a:bodyPr>
+            <a:normAutofit/>
+          </a:bodyPr>
+          <a:lstStyle/>
+          <a:p>
+            <a:r>
+              <a:rPr lang="en-GB" dirty="0" err="1">
+                <a:cs typeface="Calibri Light"/>
+              </a:rPr>
+              <a:t>LoadBalancer</a:t>
+            </a:r>
+            <a:endParaRPr lang="en-GB" dirty="0"/>
+          </a:p>
+        </p:txBody>
+      </p:sp>
+      <p:sp>
+        <p:nvSpPr>
+          <p:cNvPr id="11" name="Rectangle 8">
+            <a:extLst>
+              <a:ext uri="{FF2B5EF4-FFF2-40B4-BE49-F238E27FC236}">
+                <a16:creationId xmlns:a16="http://schemas.microsoft.com/office/drawing/2014/main" id="{1F4C3E1F-F848-429E-A6D6-86E45FBD38E7}"/>
               </a:ext>
               <a:ext uri="{C183D7F6-B498-43B3-948B-1728B52AA6E4}">
                 <adec:decorative xmlns:adec="http://schemas.microsoft.com/office/drawing/2017/decorative" val="1"/>
@@ -51431,160 +49896,7 @@
         </p:nvSpPr>
         <p:spPr>
           <a:xfrm>
-            <a:off x="0" y="0"/>
-            <a:ext cx="12192000" cy="6858000"/>
-          </a:xfrm>
-          <a:prstGeom prst="rect">
-            <a:avLst/>
-          </a:prstGeom>
-          <a:ln>
-            <a:noFill/>
-          </a:ln>
-        </p:spPr>
-        <p:style>
-          <a:lnRef idx="2">
-            <a:schemeClr val="accent1">
-              <a:shade val="50000"/>
-            </a:schemeClr>
-          </a:lnRef>
-          <a:fillRef idx="1">
-            <a:schemeClr val="accent1"/>
-          </a:fillRef>
-          <a:effectRef idx="0">
-            <a:schemeClr val="accent1"/>
-          </a:effectRef>
-          <a:fontRef idx="minor">
-            <a:schemeClr val="lt1"/>
-          </a:fontRef>
-        </p:style>
-        <p:txBody>
-          <a:bodyPr rtlCol="0" anchor="ctr"/>
-          <a:lstStyle/>
-          <a:p>
-            <a:pPr algn="ctr"/>
-            <a:endParaRPr lang="en-US"/>
-          </a:p>
-        </p:txBody>
-      </p:sp>
-      <p:sp>
-        <p:nvSpPr>
-          <p:cNvPr id="2" name="Title 1">
-            <a:extLst>
-              <a:ext uri="{FF2B5EF4-FFF2-40B4-BE49-F238E27FC236}">
-                <a16:creationId xmlns:a16="http://schemas.microsoft.com/office/drawing/2014/main" id="{DF762F1F-B6C2-BD32-6AE7-ABCC056D6A3F}"/>
-              </a:ext>
-            </a:extLst>
-          </p:cNvPr>
-          <p:cNvSpPr>
-            <a:spLocks noGrp="1"/>
-          </p:cNvSpPr>
-          <p:nvPr>
-            <p:ph type="title"/>
-          </p:nvPr>
-        </p:nvSpPr>
-        <p:spPr>
-          <a:xfrm>
-            <a:off x="3363864" y="685800"/>
-            <a:ext cx="7705164" cy="1485900"/>
-          </a:xfrm>
-        </p:spPr>
-        <p:txBody>
-          <a:bodyPr>
-            <a:normAutofit/>
-          </a:bodyPr>
-          <a:lstStyle/>
-          <a:p>
-            <a:r>
-              <a:rPr lang="en-GB">
-                <a:cs typeface="Calibri Light"/>
-              </a:rPr>
-              <a:t>Services load balancing &amp; discovery</a:t>
-            </a:r>
-            <a:endParaRPr lang="en-GB"/>
-          </a:p>
-        </p:txBody>
-      </p:sp>
-      <p:sp>
-        <p:nvSpPr>
-          <p:cNvPr id="10" name="Rectangle 9">
-            <a:extLst>
-              <a:ext uri="{FF2B5EF4-FFF2-40B4-BE49-F238E27FC236}">
-                <a16:creationId xmlns:a16="http://schemas.microsoft.com/office/drawing/2014/main" id="{891F40E4-8A76-44CF-91EC-907367352626}"/>
-              </a:ext>
-              <a:ext uri="{C183D7F6-B498-43B3-948B-1728B52AA6E4}">
-                <adec:decorative xmlns:adec="http://schemas.microsoft.com/office/drawing/2017/decorative" val="1"/>
-              </a:ext>
-            </a:extLst>
-          </p:cNvPr>
-          <p:cNvSpPr>
-            <a:spLocks noGrp="1" noRot="1" noChangeAspect="1" noMove="1" noResize="1" noEditPoints="1" noAdjustHandles="1" noChangeArrowheads="1" noChangeShapeType="1" noTextEdit="1"/>
-          </p:cNvSpPr>
-          <p:nvPr>
-            <p:extLst>
-              <p:ext uri="{386F3935-93C4-4BCD-93E2-E3B085C9AB24}">
-                <p16:designElem xmlns:p16="http://schemas.microsoft.com/office/powerpoint/2015/main" val="1"/>
-              </p:ext>
-            </p:extLst>
-          </p:nvPr>
-        </p:nvSpPr>
-        <p:spPr>
-          <a:xfrm>
-            <a:off x="1" y="376"/>
-            <a:ext cx="3044410" cy="6857624"/>
-          </a:xfrm>
-          <a:prstGeom prst="rect">
-            <a:avLst/>
-          </a:prstGeom>
-          <a:solidFill>
-            <a:schemeClr val="accent1"/>
-          </a:solidFill>
-          <a:ln>
-            <a:noFill/>
-          </a:ln>
-        </p:spPr>
-        <p:style>
-          <a:lnRef idx="2">
-            <a:schemeClr val="accent1">
-              <a:shade val="50000"/>
-            </a:schemeClr>
-          </a:lnRef>
-          <a:fillRef idx="1">
-            <a:schemeClr val="accent1"/>
-          </a:fillRef>
-          <a:effectRef idx="0">
-            <a:schemeClr val="accent1"/>
-          </a:effectRef>
-          <a:fontRef idx="minor">
-            <a:schemeClr val="lt1"/>
-          </a:fontRef>
-        </p:style>
-      </p:sp>
-      <p:sp>
-        <p:nvSpPr>
-          <p:cNvPr id="12" name="Rectangle 11">
-            <a:extLst>
-              <a:ext uri="{FF2B5EF4-FFF2-40B4-BE49-F238E27FC236}">
-                <a16:creationId xmlns:a16="http://schemas.microsoft.com/office/drawing/2014/main" id="{72171013-D973-4187-9CF2-EE098EEF8194}"/>
-              </a:ext>
-              <a:ext uri="{C183D7F6-B498-43B3-948B-1728B52AA6E4}">
-                <adec:decorative xmlns:adec="http://schemas.microsoft.com/office/drawing/2017/decorative" val="1"/>
-              </a:ext>
-            </a:extLst>
-          </p:cNvPr>
-          <p:cNvSpPr>
-            <a:spLocks noGrp="1" noRot="1" noChangeAspect="1" noMove="1" noResize="1" noEditPoints="1" noAdjustHandles="1" noChangeArrowheads="1" noChangeShapeType="1" noTextEdit="1"/>
-          </p:cNvSpPr>
-          <p:nvPr>
-            <p:extLst>
-              <p:ext uri="{386F3935-93C4-4BCD-93E2-E3B085C9AB24}">
-                <p16:designElem xmlns:p16="http://schemas.microsoft.com/office/powerpoint/2015/main" val="1"/>
-              </p:ext>
-            </p:extLst>
-          </p:nvPr>
-        </p:nvSpPr>
-        <p:spPr>
-          <a:xfrm>
-            <a:off x="2815810" y="376"/>
+            <a:off x="478095" y="376"/>
             <a:ext cx="228600" cy="6858000"/>
           </a:xfrm>
           <a:prstGeom prst="rect">
@@ -51614,12 +49926,42 @@
           </a:fontRef>
         </p:style>
       </p:sp>
+      <p:pic>
+        <p:nvPicPr>
+          <p:cNvPr id="4" name="Picture 3">
+            <a:extLst>
+              <a:ext uri="{FF2B5EF4-FFF2-40B4-BE49-F238E27FC236}">
+                <a16:creationId xmlns:a16="http://schemas.microsoft.com/office/drawing/2014/main" id="{2F49B30E-5EC1-CA9D-3840-2EE7F356AE5F}"/>
+              </a:ext>
+            </a:extLst>
+          </p:cNvPr>
+          <p:cNvPicPr>
+            <a:picLocks noChangeAspect="1"/>
+          </p:cNvPicPr>
+          <p:nvPr/>
+        </p:nvPicPr>
+        <p:blipFill>
+          <a:blip r:embed="rId2"/>
+          <a:stretch>
+            <a:fillRect/>
+          </a:stretch>
+        </p:blipFill>
+        <p:spPr>
+          <a:xfrm>
+            <a:off x="1023562" y="2108929"/>
+            <a:ext cx="5071256" cy="2320100"/>
+          </a:xfrm>
+          <a:prstGeom prst="rect">
+            <a:avLst/>
+          </a:prstGeom>
+        </p:spPr>
+      </p:pic>
       <p:sp>
         <p:nvSpPr>
           <p:cNvPr id="3" name="Content Placeholder 2">
             <a:extLst>
               <a:ext uri="{FF2B5EF4-FFF2-40B4-BE49-F238E27FC236}">
-                <a16:creationId xmlns:a16="http://schemas.microsoft.com/office/drawing/2014/main" id="{60427F12-CF5C-81B6-C436-1F1BB8AAA921}"/>
+                <a16:creationId xmlns:a16="http://schemas.microsoft.com/office/drawing/2014/main" id="{DE68D510-54C4-C6D5-353A-94C4E929CF1A}"/>
               </a:ext>
             </a:extLst>
           </p:cNvPr>
@@ -51632,8 +49974,8 @@
         </p:nvSpPr>
         <p:spPr>
           <a:xfrm>
-            <a:off x="3363864" y="2286000"/>
-            <a:ext cx="7705164" cy="3581400"/>
+            <a:off x="6389914" y="2286000"/>
+            <a:ext cx="5127172" cy="3581400"/>
           </a:xfrm>
         </p:spPr>
         <p:txBody>
@@ -51643,26 +49985,39 @@
           <a:lstStyle/>
           <a:p>
             <a:r>
-              <a:rPr lang="en-GB">
-                <a:cs typeface="Calibri"/>
-              </a:rPr>
-              <a:t>Load balancing: Evenly distributes traffic to pods</a:t>
+              <a:rPr lang="en-GB" dirty="0"/>
+              <a:t>Exposes the Service externally by using an external load balancer</a:t>
             </a:r>
           </a:p>
           <a:p>
             <a:r>
-              <a:rPr lang="en-GB">
-                <a:cs typeface="Calibri"/>
-              </a:rPr>
-              <a:t>Service discovery: Allows applications to find and communicate with each other via service names.</a:t>
+              <a:rPr lang="en-GB" dirty="0"/>
+              <a:t>Own native load balancer implementation</a:t>
             </a:r>
+          </a:p>
+          <a:p>
+            <a:r>
+              <a:rPr lang="en-GB" dirty="0"/>
+              <a:t>The </a:t>
+            </a:r>
+            <a:r>
+              <a:rPr lang="en-GB" dirty="0" err="1"/>
+              <a:t>LoadBalancer</a:t>
+            </a:r>
+            <a:r>
+              <a:rPr lang="en-GB" dirty="0"/>
+              <a:t> is an extension of the node port.</a:t>
+            </a:r>
+            <a:endParaRPr lang="en-GB" dirty="0">
+              <a:cs typeface="Calibri"/>
+            </a:endParaRPr>
           </a:p>
         </p:txBody>
       </p:sp>
     </p:spTree>
     <p:extLst>
       <p:ext uri="{BB962C8B-B14F-4D97-AF65-F5344CB8AC3E}">
-        <p14:creationId xmlns:p14="http://schemas.microsoft.com/office/powerpoint/2010/main" val="621800470"/>
+        <p14:creationId xmlns:p14="http://schemas.microsoft.com/office/powerpoint/2010/main" val="2970563228"/>
       </p:ext>
     </p:extLst>
   </p:cSld>
@@ -51672,17 +50027,9 @@
 </p:sld>
 </file>
 
-<file path=ppt/slides/slide33.xml><?xml version="1.0" encoding="utf-8"?>
+<file path=ppt/slides/slide35.xml><?xml version="1.0" encoding="utf-8"?>
 <p:sld xmlns:a="http://schemas.openxmlformats.org/drawingml/2006/main" xmlns:r="http://schemas.openxmlformats.org/officeDocument/2006/relationships" xmlns:p="http://schemas.openxmlformats.org/presentationml/2006/main">
   <p:cSld>
-    <p:bg>
-      <p:bgPr>
-        <a:solidFill>
-          <a:schemeClr val="bg2"/>
-        </a:solidFill>
-        <a:effectLst/>
-      </p:bgPr>
-    </p:bg>
     <p:spTree>
       <p:nvGrpSpPr>
         <p:cNvPr id="1" name=""/>
@@ -51702,7 +50049,7 @@
           <p:cNvPr id="2" name="Title 1">
             <a:extLst>
               <a:ext uri="{FF2B5EF4-FFF2-40B4-BE49-F238E27FC236}">
-                <a16:creationId xmlns:a16="http://schemas.microsoft.com/office/drawing/2014/main" id="{C54931F6-AE96-A44E-FBE0-BC008ACF689A}"/>
+                <a16:creationId xmlns:a16="http://schemas.microsoft.com/office/drawing/2014/main" id="{5550EA60-8735-1550-51B4-74FE5325DC5C}"/>
               </a:ext>
             </a:extLst>
           </p:cNvPr>
@@ -51713,63 +50060,76 @@
             <p:ph type="title"/>
           </p:nvPr>
         </p:nvSpPr>
-        <p:spPr>
-          <a:xfrm>
-            <a:off x="1371600" y="685800"/>
-            <a:ext cx="9601200" cy="1485900"/>
-          </a:xfrm>
-        </p:spPr>
+        <p:spPr/>
         <p:txBody>
-          <a:bodyPr>
+          <a:bodyPr/>
+          <a:lstStyle/>
+          <a:p>
+            <a:r>
+              <a:rPr lang="en-GB" dirty="0" err="1">
+                <a:cs typeface="Calibri Light"/>
+              </a:rPr>
+              <a:t>ExternalName</a:t>
+            </a:r>
+            <a:endParaRPr lang="en-GB" dirty="0"/>
+          </a:p>
+        </p:txBody>
+      </p:sp>
+      <p:sp>
+        <p:nvSpPr>
+          <p:cNvPr id="3" name="Content Placeholder 2">
+            <a:extLst>
+              <a:ext uri="{FF2B5EF4-FFF2-40B4-BE49-F238E27FC236}">
+                <a16:creationId xmlns:a16="http://schemas.microsoft.com/office/drawing/2014/main" id="{DE68D510-54C4-C6D5-353A-94C4E929CF1A}"/>
+              </a:ext>
+            </a:extLst>
+          </p:cNvPr>
+          <p:cNvSpPr>
+            <a:spLocks noGrp="1"/>
+          </p:cNvSpPr>
+          <p:nvPr>
+            <p:ph idx="1"/>
+          </p:nvPr>
+        </p:nvSpPr>
+        <p:spPr/>
+        <p:txBody>
+          <a:bodyPr vert="horz" lIns="91440" tIns="45720" rIns="91440" bIns="45720" rtlCol="0" anchor="t">
             <a:normAutofit/>
           </a:bodyPr>
           <a:lstStyle/>
           <a:p>
             <a:r>
-              <a:rPr lang="en-GB">
-                <a:cs typeface="Calibri Light"/>
+              <a:rPr lang="en-GB" dirty="0"/>
+              <a:t>Maps the Service to the contents of the </a:t>
+            </a:r>
+            <a:r>
+              <a:rPr lang="en-GB" dirty="0" err="1"/>
+              <a:t>externalName</a:t>
+            </a:r>
+            <a:r>
+              <a:rPr lang="en-GB" dirty="0"/>
+              <a:t> field</a:t>
+            </a:r>
+          </a:p>
+          <a:p>
+            <a:r>
+              <a:rPr lang="en-GB" dirty="0">
+                <a:cs typeface="Calibri"/>
               </a:rPr>
-              <a:t>Exposing an application via service</a:t>
+              <a:t>Crucial difference as other service types.</a:t>
             </a:r>
-            <a:endParaRPr lang="en-GB"/>
+          </a:p>
+          <a:p>
+            <a:endParaRPr lang="en-GB" dirty="0">
+              <a:cs typeface="Calibri"/>
+            </a:endParaRPr>
           </a:p>
         </p:txBody>
       </p:sp>
-      <p:graphicFrame>
-        <p:nvGraphicFramePr>
-          <p:cNvPr id="5" name="Content Placeholder 2">
-            <a:extLst>
-              <a:ext uri="{FF2B5EF4-FFF2-40B4-BE49-F238E27FC236}">
-                <a16:creationId xmlns:a16="http://schemas.microsoft.com/office/drawing/2014/main" id="{E3A995B1-B2CB-AD46-7A8E-E3D5ED5566AE}"/>
-              </a:ext>
-            </a:extLst>
-          </p:cNvPr>
-          <p:cNvGraphicFramePr>
-            <a:graphicFrameLocks noGrp="1"/>
-          </p:cNvGraphicFramePr>
-          <p:nvPr>
-            <p:ph idx="1"/>
-            <p:extLst>
-              <p:ext uri="{D42A27DB-BD31-4B8C-83A1-F6EECF244321}">
-                <p14:modId xmlns:p14="http://schemas.microsoft.com/office/powerpoint/2010/main" val="3206554041"/>
-              </p:ext>
-            </p:extLst>
-          </p:nvPr>
-        </p:nvGraphicFramePr>
-        <p:xfrm>
-          <a:off x="1371600" y="2286000"/>
-          <a:ext cx="9601200" cy="3581400"/>
-        </p:xfrm>
-        <a:graphic>
-          <a:graphicData uri="http://schemas.openxmlformats.org/drawingml/2006/diagram">
-            <dgm:relIds xmlns:dgm="http://schemas.openxmlformats.org/drawingml/2006/diagram" xmlns:r="http://schemas.openxmlformats.org/officeDocument/2006/relationships" r:dm="rId2" r:lo="rId3" r:qs="rId4" r:cs="rId5"/>
-          </a:graphicData>
-        </a:graphic>
-      </p:graphicFrame>
     </p:spTree>
     <p:extLst>
       <p:ext uri="{BB962C8B-B14F-4D97-AF65-F5344CB8AC3E}">
-        <p14:creationId xmlns:p14="http://schemas.microsoft.com/office/powerpoint/2010/main" val="3563617372"/>
+        <p14:creationId xmlns:p14="http://schemas.microsoft.com/office/powerpoint/2010/main" val="2276389526"/>
       </p:ext>
     </p:extLst>
   </p:cSld>
@@ -51779,7 +50139,7 @@
 </p:sld>
 </file>
 
-<file path=ppt/slides/slide34.xml><?xml version="1.0" encoding="utf-8"?>
+<file path=ppt/slides/slide36.xml><?xml version="1.0" encoding="utf-8"?>
 <p:sld xmlns:a="http://schemas.openxmlformats.org/drawingml/2006/main" xmlns:r="http://schemas.openxmlformats.org/officeDocument/2006/relationships" xmlns:p="http://schemas.openxmlformats.org/presentationml/2006/main">
   <p:cSld>
     <p:bg>
@@ -51919,7 +50279,7 @@
             <p:ph idx="1"/>
             <p:extLst>
               <p:ext uri="{D42A27DB-BD31-4B8C-83A1-F6EECF244321}">
-                <p14:modId xmlns:p14="http://schemas.microsoft.com/office/powerpoint/2010/main" val="3743391322"/>
+                <p14:modId xmlns:p14="http://schemas.microsoft.com/office/powerpoint/2010/main" val="535098466"/>
               </p:ext>
             </p:extLst>
           </p:nvPr>
@@ -51947,7 +50307,7 @@
 </p:sld>
 </file>
 
-<file path=ppt/slides/slide35.xml><?xml version="1.0" encoding="utf-8"?>
+<file path=ppt/slides/slide37.xml><?xml version="1.0" encoding="utf-8"?>
 <p:sld xmlns:a="http://schemas.openxmlformats.org/drawingml/2006/main" xmlns:r="http://schemas.openxmlformats.org/officeDocument/2006/relationships" xmlns:p="http://schemas.openxmlformats.org/presentationml/2006/main">
   <p:cSld>
     <p:bg>
@@ -52274,7 +50634,7 @@
 </p:sld>
 </file>
 
-<file path=ppt/slides/slide36.xml><?xml version="1.0" encoding="utf-8"?>
+<file path=ppt/slides/slide38.xml><?xml version="1.0" encoding="utf-8"?>
 <p:sld xmlns:a="http://schemas.openxmlformats.org/drawingml/2006/main" xmlns:r="http://schemas.openxmlformats.org/officeDocument/2006/relationships" xmlns:p="http://schemas.openxmlformats.org/presentationml/2006/main">
   <p:cSld>
     <p:spTree>
@@ -52417,7 +50777,7 @@
 </p:sld>
 </file>
 
-<file path=ppt/slides/slide37.xml><?xml version="1.0" encoding="utf-8"?>
+<file path=ppt/slides/slide39.xml><?xml version="1.0" encoding="utf-8"?>
 <p:sld xmlns:a="http://schemas.openxmlformats.org/drawingml/2006/main" xmlns:r="http://schemas.openxmlformats.org/officeDocument/2006/relationships" xmlns:p="http://schemas.openxmlformats.org/presentationml/2006/main">
   <p:cSld>
     <p:spTree>
@@ -52534,7 +50894,104 @@
 </p:sld>
 </file>
 
-<file path=ppt/slides/slide38.xml><?xml version="1.0" encoding="utf-8"?>
+<file path=ppt/slides/slide4.xml><?xml version="1.0" encoding="utf-8"?>
+<p:sld xmlns:a="http://schemas.openxmlformats.org/drawingml/2006/main" xmlns:r="http://schemas.openxmlformats.org/officeDocument/2006/relationships" xmlns:p="http://schemas.openxmlformats.org/presentationml/2006/main">
+  <p:cSld>
+    <p:spTree>
+      <p:nvGrpSpPr>
+        <p:cNvPr id="1" name=""/>
+        <p:cNvGrpSpPr/>
+        <p:nvPr/>
+      </p:nvGrpSpPr>
+      <p:grpSpPr>
+        <a:xfrm>
+          <a:off x="0" y="0"/>
+          <a:ext cx="0" cy="0"/>
+          <a:chOff x="0" y="0"/>
+          <a:chExt cx="0" cy="0"/>
+        </a:xfrm>
+      </p:grpSpPr>
+      <p:sp>
+        <p:nvSpPr>
+          <p:cNvPr id="2" name="Titel 1">
+            <a:extLst>
+              <a:ext uri="{FF2B5EF4-FFF2-40B4-BE49-F238E27FC236}">
+                <a16:creationId xmlns:a16="http://schemas.microsoft.com/office/drawing/2014/main" id="{B73DFC50-840E-F856-A715-286A862933F2}"/>
+              </a:ext>
+            </a:extLst>
+          </p:cNvPr>
+          <p:cNvSpPr>
+            <a:spLocks noGrp="1"/>
+          </p:cNvSpPr>
+          <p:nvPr>
+            <p:ph type="title"/>
+          </p:nvPr>
+        </p:nvSpPr>
+        <p:spPr/>
+        <p:txBody>
+          <a:bodyPr/>
+          <a:lstStyle/>
+          <a:p>
+            <a:r>
+              <a:rPr lang="de-DE"/>
+              <a:t>Key </a:t>
+            </a:r>
+            <a:r>
+              <a:rPr lang="de-DE" err="1"/>
+              <a:t>Kubernetes</a:t>
+            </a:r>
+            <a:r>
+              <a:rPr lang="de-DE"/>
+              <a:t> Components</a:t>
+            </a:r>
+          </a:p>
+        </p:txBody>
+      </p:sp>
+      <p:graphicFrame>
+        <p:nvGraphicFramePr>
+          <p:cNvPr id="13" name="Inhaltsplatzhalter 2">
+            <a:extLst>
+              <a:ext uri="{FF2B5EF4-FFF2-40B4-BE49-F238E27FC236}">
+                <a16:creationId xmlns:a16="http://schemas.microsoft.com/office/drawing/2014/main" id="{F2A7F584-BD6A-93A0-3B49-6C65C114ADDB}"/>
+              </a:ext>
+            </a:extLst>
+          </p:cNvPr>
+          <p:cNvGraphicFramePr>
+            <a:graphicFrameLocks noGrp="1"/>
+          </p:cNvGraphicFramePr>
+          <p:nvPr>
+            <p:ph idx="1"/>
+            <p:extLst>
+              <p:ext uri="{D42A27DB-BD31-4B8C-83A1-F6EECF244321}">
+                <p14:modId xmlns:p14="http://schemas.microsoft.com/office/powerpoint/2010/main" val="1450865297"/>
+              </p:ext>
+            </p:extLst>
+          </p:nvPr>
+        </p:nvGraphicFramePr>
+        <p:xfrm>
+          <a:off x="838200" y="1825624"/>
+          <a:ext cx="10515600" cy="4831849"/>
+        </p:xfrm>
+        <a:graphic>
+          <a:graphicData uri="http://schemas.openxmlformats.org/drawingml/2006/diagram">
+            <dgm:relIds xmlns:dgm="http://schemas.openxmlformats.org/drawingml/2006/diagram" xmlns:r="http://schemas.openxmlformats.org/officeDocument/2006/relationships" r:dm="rId2" r:lo="rId3" r:qs="rId4" r:cs="rId5"/>
+          </a:graphicData>
+        </a:graphic>
+      </p:graphicFrame>
+    </p:spTree>
+    <p:extLst>
+      <p:ext uri="{BB962C8B-B14F-4D97-AF65-F5344CB8AC3E}">
+        <p14:creationId xmlns:p14="http://schemas.microsoft.com/office/powerpoint/2010/main" val="1329655265"/>
+      </p:ext>
+    </p:extLst>
+  </p:cSld>
+  <p:clrMapOvr>
+    <a:masterClrMapping/>
+  </p:clrMapOvr>
+</p:sld>
+</file>
+
+<file path=ppt/slides/slide40.xml><?xml version="1.0" encoding="utf-8"?>
 <p:sld xmlns:a="http://schemas.openxmlformats.org/drawingml/2006/main" xmlns:r="http://schemas.openxmlformats.org/officeDocument/2006/relationships" xmlns:p="http://schemas.openxmlformats.org/presentationml/2006/main">
   <p:cSld>
     <p:spTree>
@@ -52771,103 +51228,6 @@
     <p:extLst>
       <p:ext uri="{BB962C8B-B14F-4D97-AF65-F5344CB8AC3E}">
         <p14:creationId xmlns:p14="http://schemas.microsoft.com/office/powerpoint/2010/main" val="1285865211"/>
-      </p:ext>
-    </p:extLst>
-  </p:cSld>
-  <p:clrMapOvr>
-    <a:masterClrMapping/>
-  </p:clrMapOvr>
-</p:sld>
-</file>
-
-<file path=ppt/slides/slide4.xml><?xml version="1.0" encoding="utf-8"?>
-<p:sld xmlns:a="http://schemas.openxmlformats.org/drawingml/2006/main" xmlns:r="http://schemas.openxmlformats.org/officeDocument/2006/relationships" xmlns:p="http://schemas.openxmlformats.org/presentationml/2006/main">
-  <p:cSld>
-    <p:spTree>
-      <p:nvGrpSpPr>
-        <p:cNvPr id="1" name=""/>
-        <p:cNvGrpSpPr/>
-        <p:nvPr/>
-      </p:nvGrpSpPr>
-      <p:grpSpPr>
-        <a:xfrm>
-          <a:off x="0" y="0"/>
-          <a:ext cx="0" cy="0"/>
-          <a:chOff x="0" y="0"/>
-          <a:chExt cx="0" cy="0"/>
-        </a:xfrm>
-      </p:grpSpPr>
-      <p:sp>
-        <p:nvSpPr>
-          <p:cNvPr id="2" name="Titel 1">
-            <a:extLst>
-              <a:ext uri="{FF2B5EF4-FFF2-40B4-BE49-F238E27FC236}">
-                <a16:creationId xmlns:a16="http://schemas.microsoft.com/office/drawing/2014/main" id="{B73DFC50-840E-F856-A715-286A862933F2}"/>
-              </a:ext>
-            </a:extLst>
-          </p:cNvPr>
-          <p:cNvSpPr>
-            <a:spLocks noGrp="1"/>
-          </p:cNvSpPr>
-          <p:nvPr>
-            <p:ph type="title"/>
-          </p:nvPr>
-        </p:nvSpPr>
-        <p:spPr/>
-        <p:txBody>
-          <a:bodyPr/>
-          <a:lstStyle/>
-          <a:p>
-            <a:r>
-              <a:rPr lang="de-DE"/>
-              <a:t>Key </a:t>
-            </a:r>
-            <a:r>
-              <a:rPr lang="de-DE" err="1"/>
-              <a:t>Kubernetes</a:t>
-            </a:r>
-            <a:r>
-              <a:rPr lang="de-DE"/>
-              <a:t> Components</a:t>
-            </a:r>
-          </a:p>
-        </p:txBody>
-      </p:sp>
-      <p:graphicFrame>
-        <p:nvGraphicFramePr>
-          <p:cNvPr id="13" name="Inhaltsplatzhalter 2">
-            <a:extLst>
-              <a:ext uri="{FF2B5EF4-FFF2-40B4-BE49-F238E27FC236}">
-                <a16:creationId xmlns:a16="http://schemas.microsoft.com/office/drawing/2014/main" id="{F2A7F584-BD6A-93A0-3B49-6C65C114ADDB}"/>
-              </a:ext>
-            </a:extLst>
-          </p:cNvPr>
-          <p:cNvGraphicFramePr>
-            <a:graphicFrameLocks noGrp="1"/>
-          </p:cNvGraphicFramePr>
-          <p:nvPr>
-            <p:ph idx="1"/>
-            <p:extLst>
-              <p:ext uri="{D42A27DB-BD31-4B8C-83A1-F6EECF244321}">
-                <p14:modId xmlns:p14="http://schemas.microsoft.com/office/powerpoint/2010/main" val="1450865297"/>
-              </p:ext>
-            </p:extLst>
-          </p:nvPr>
-        </p:nvGraphicFramePr>
-        <p:xfrm>
-          <a:off x="838200" y="1825624"/>
-          <a:ext cx="10515600" cy="4831849"/>
-        </p:xfrm>
-        <a:graphic>
-          <a:graphicData uri="http://schemas.openxmlformats.org/drawingml/2006/diagram">
-            <dgm:relIds xmlns:dgm="http://schemas.openxmlformats.org/drawingml/2006/diagram" xmlns:r="http://schemas.openxmlformats.org/officeDocument/2006/relationships" r:dm="rId2" r:lo="rId3" r:qs="rId4" r:cs="rId5"/>
-          </a:graphicData>
-        </a:graphic>
-      </p:graphicFrame>
-    </p:spTree>
-    <p:extLst>
-      <p:ext uri="{BB962C8B-B14F-4D97-AF65-F5344CB8AC3E}">
-        <p14:creationId xmlns:p14="http://schemas.microsoft.com/office/powerpoint/2010/main" val="1329655265"/>
       </p:ext>
     </p:extLst>
   </p:cSld>
@@ -54807,7 +53167,322 @@
 </a:theme>
 </file>
 
+<file path=ppt/theme/theme2.xml><?xml version="1.0" encoding="utf-8"?>
+<a:theme xmlns:a="http://schemas.openxmlformats.org/drawingml/2006/main" name="Office Theme">
+  <a:themeElements>
+    <a:clrScheme name="Office">
+      <a:dk1>
+        <a:sysClr val="windowText" lastClr="000000"/>
+      </a:dk1>
+      <a:lt1>
+        <a:sysClr val="window" lastClr="FFFFFF"/>
+      </a:lt1>
+      <a:dk2>
+        <a:srgbClr val="44546A"/>
+      </a:dk2>
+      <a:lt2>
+        <a:srgbClr val="E7E6E6"/>
+      </a:lt2>
+      <a:accent1>
+        <a:srgbClr val="4472C4"/>
+      </a:accent1>
+      <a:accent2>
+        <a:srgbClr val="ED7D31"/>
+      </a:accent2>
+      <a:accent3>
+        <a:srgbClr val="A5A5A5"/>
+      </a:accent3>
+      <a:accent4>
+        <a:srgbClr val="FFC000"/>
+      </a:accent4>
+      <a:accent5>
+        <a:srgbClr val="5B9BD5"/>
+      </a:accent5>
+      <a:accent6>
+        <a:srgbClr val="70AD47"/>
+      </a:accent6>
+      <a:hlink>
+        <a:srgbClr val="0563C1"/>
+      </a:hlink>
+      <a:folHlink>
+        <a:srgbClr val="954F72"/>
+      </a:folHlink>
+    </a:clrScheme>
+    <a:fontScheme name="Office">
+      <a:majorFont>
+        <a:latin typeface="Calibri Light" panose="020F0302020204030204"/>
+        <a:ea typeface=""/>
+        <a:cs typeface=""/>
+        <a:font script="Jpan" typeface="游ゴシック Light"/>
+        <a:font script="Hang" typeface="맑은 고딕"/>
+        <a:font script="Hans" typeface="等线 Light"/>
+        <a:font script="Hant" typeface="新細明體"/>
+        <a:font script="Arab" typeface="Times New Roman"/>
+        <a:font script="Hebr" typeface="Times New Roman"/>
+        <a:font script="Thai" typeface="Angsana New"/>
+        <a:font script="Ethi" typeface="Nyala"/>
+        <a:font script="Beng" typeface="Vrinda"/>
+        <a:font script="Gujr" typeface="Shruti"/>
+        <a:font script="Khmr" typeface="MoolBoran"/>
+        <a:font script="Knda" typeface="Tunga"/>
+        <a:font script="Guru" typeface="Raavi"/>
+        <a:font script="Cans" typeface="Euphemia"/>
+        <a:font script="Cher" typeface="Plantagenet Cherokee"/>
+        <a:font script="Yiii" typeface="Microsoft Yi Baiti"/>
+        <a:font script="Tibt" typeface="Microsoft Himalaya"/>
+        <a:font script="Thaa" typeface="MV Boli"/>
+        <a:font script="Deva" typeface="Mangal"/>
+        <a:font script="Telu" typeface="Gautami"/>
+        <a:font script="Taml" typeface="Latha"/>
+        <a:font script="Syrc" typeface="Estrangelo Edessa"/>
+        <a:font script="Orya" typeface="Kalinga"/>
+        <a:font script="Mlym" typeface="Kartika"/>
+        <a:font script="Laoo" typeface="DokChampa"/>
+        <a:font script="Sinh" typeface="Iskoola Pota"/>
+        <a:font script="Mong" typeface="Mongolian Baiti"/>
+        <a:font script="Viet" typeface="Times New Roman"/>
+        <a:font script="Uigh" typeface="Microsoft Uighur"/>
+        <a:font script="Geor" typeface="Sylfaen"/>
+        <a:font script="Armn" typeface="Arial"/>
+        <a:font script="Bugi" typeface="Leelawadee UI"/>
+        <a:font script="Bopo" typeface="Microsoft JhengHei"/>
+        <a:font script="Java" typeface="Javanese Text"/>
+        <a:font script="Lisu" typeface="Segoe UI"/>
+        <a:font script="Mymr" typeface="Myanmar Text"/>
+        <a:font script="Nkoo" typeface="Ebrima"/>
+        <a:font script="Olck" typeface="Nirmala UI"/>
+        <a:font script="Osma" typeface="Ebrima"/>
+        <a:font script="Phag" typeface="Phagspa"/>
+        <a:font script="Syrn" typeface="Estrangelo Edessa"/>
+        <a:font script="Syrj" typeface="Estrangelo Edessa"/>
+        <a:font script="Syre" typeface="Estrangelo Edessa"/>
+        <a:font script="Sora" typeface="Nirmala UI"/>
+        <a:font script="Tale" typeface="Microsoft Tai Le"/>
+        <a:font script="Talu" typeface="Microsoft New Tai Lue"/>
+        <a:font script="Tfng" typeface="Ebrima"/>
+      </a:majorFont>
+      <a:minorFont>
+        <a:latin typeface="Calibri" panose="020F0502020204030204"/>
+        <a:ea typeface=""/>
+        <a:cs typeface=""/>
+        <a:font script="Jpan" typeface="游ゴシック"/>
+        <a:font script="Hang" typeface="맑은 고딕"/>
+        <a:font script="Hans" typeface="等线"/>
+        <a:font script="Hant" typeface="新細明體"/>
+        <a:font script="Arab" typeface="Arial"/>
+        <a:font script="Hebr" typeface="Arial"/>
+        <a:font script="Thai" typeface="Cordia New"/>
+        <a:font script="Ethi" typeface="Nyala"/>
+        <a:font script="Beng" typeface="Vrinda"/>
+        <a:font script="Gujr" typeface="Shruti"/>
+        <a:font script="Khmr" typeface="DaunPenh"/>
+        <a:font script="Knda" typeface="Tunga"/>
+        <a:font script="Guru" typeface="Raavi"/>
+        <a:font script="Cans" typeface="Euphemia"/>
+        <a:font script="Cher" typeface="Plantagenet Cherokee"/>
+        <a:font script="Yiii" typeface="Microsoft Yi Baiti"/>
+        <a:font script="Tibt" typeface="Microsoft Himalaya"/>
+        <a:font script="Thaa" typeface="MV Boli"/>
+        <a:font script="Deva" typeface="Mangal"/>
+        <a:font script="Telu" typeface="Gautami"/>
+        <a:font script="Taml" typeface="Latha"/>
+        <a:font script="Syrc" typeface="Estrangelo Edessa"/>
+        <a:font script="Orya" typeface="Kalinga"/>
+        <a:font script="Mlym" typeface="Kartika"/>
+        <a:font script="Laoo" typeface="DokChampa"/>
+        <a:font script="Sinh" typeface="Iskoola Pota"/>
+        <a:font script="Mong" typeface="Mongolian Baiti"/>
+        <a:font script="Viet" typeface="Arial"/>
+        <a:font script="Uigh" typeface="Microsoft Uighur"/>
+        <a:font script="Geor" typeface="Sylfaen"/>
+        <a:font script="Armn" typeface="Arial"/>
+        <a:font script="Bugi" typeface="Leelawadee UI"/>
+        <a:font script="Bopo" typeface="Microsoft JhengHei"/>
+        <a:font script="Java" typeface="Javanese Text"/>
+        <a:font script="Lisu" typeface="Segoe UI"/>
+        <a:font script="Mymr" typeface="Myanmar Text"/>
+        <a:font script="Nkoo" typeface="Ebrima"/>
+        <a:font script="Olck" typeface="Nirmala UI"/>
+        <a:font script="Osma" typeface="Ebrima"/>
+        <a:font script="Phag" typeface="Phagspa"/>
+        <a:font script="Syrn" typeface="Estrangelo Edessa"/>
+        <a:font script="Syrj" typeface="Estrangelo Edessa"/>
+        <a:font script="Syre" typeface="Estrangelo Edessa"/>
+        <a:font script="Sora" typeface="Nirmala UI"/>
+        <a:font script="Tale" typeface="Microsoft Tai Le"/>
+        <a:font script="Talu" typeface="Microsoft New Tai Lue"/>
+        <a:font script="Tfng" typeface="Ebrima"/>
+      </a:minorFont>
+    </a:fontScheme>
+    <a:fmtScheme name="Office">
+      <a:fillStyleLst>
+        <a:solidFill>
+          <a:schemeClr val="phClr"/>
+        </a:solidFill>
+        <a:gradFill rotWithShape="1">
+          <a:gsLst>
+            <a:gs pos="0">
+              <a:schemeClr val="phClr">
+                <a:lumMod val="110000"/>
+                <a:satMod val="105000"/>
+                <a:tint val="67000"/>
+              </a:schemeClr>
+            </a:gs>
+            <a:gs pos="50000">
+              <a:schemeClr val="phClr">
+                <a:lumMod val="105000"/>
+                <a:satMod val="103000"/>
+                <a:tint val="73000"/>
+              </a:schemeClr>
+            </a:gs>
+            <a:gs pos="100000">
+              <a:schemeClr val="phClr">
+                <a:lumMod val="105000"/>
+                <a:satMod val="109000"/>
+                <a:tint val="81000"/>
+              </a:schemeClr>
+            </a:gs>
+          </a:gsLst>
+          <a:lin ang="5400000" scaled="0"/>
+        </a:gradFill>
+        <a:gradFill rotWithShape="1">
+          <a:gsLst>
+            <a:gs pos="0">
+              <a:schemeClr val="phClr">
+                <a:satMod val="103000"/>
+                <a:lumMod val="102000"/>
+                <a:tint val="94000"/>
+              </a:schemeClr>
+            </a:gs>
+            <a:gs pos="50000">
+              <a:schemeClr val="phClr">
+                <a:satMod val="110000"/>
+                <a:lumMod val="100000"/>
+                <a:shade val="100000"/>
+              </a:schemeClr>
+            </a:gs>
+            <a:gs pos="100000">
+              <a:schemeClr val="phClr">
+                <a:lumMod val="99000"/>
+                <a:satMod val="120000"/>
+                <a:shade val="78000"/>
+              </a:schemeClr>
+            </a:gs>
+          </a:gsLst>
+          <a:lin ang="5400000" scaled="0"/>
+        </a:gradFill>
+      </a:fillStyleLst>
+      <a:lnStyleLst>
+        <a:ln w="6350" cap="flat" cmpd="sng" algn="ctr">
+          <a:solidFill>
+            <a:schemeClr val="phClr"/>
+          </a:solidFill>
+          <a:prstDash val="solid"/>
+          <a:miter lim="800000"/>
+        </a:ln>
+        <a:ln w="12700" cap="flat" cmpd="sng" algn="ctr">
+          <a:solidFill>
+            <a:schemeClr val="phClr"/>
+          </a:solidFill>
+          <a:prstDash val="solid"/>
+          <a:miter lim="800000"/>
+        </a:ln>
+        <a:ln w="19050" cap="flat" cmpd="sng" algn="ctr">
+          <a:solidFill>
+            <a:schemeClr val="phClr"/>
+          </a:solidFill>
+          <a:prstDash val="solid"/>
+          <a:miter lim="800000"/>
+        </a:ln>
+      </a:lnStyleLst>
+      <a:effectStyleLst>
+        <a:effectStyle>
+          <a:effectLst/>
+        </a:effectStyle>
+        <a:effectStyle>
+          <a:effectLst/>
+        </a:effectStyle>
+        <a:effectStyle>
+          <a:effectLst>
+            <a:outerShdw blurRad="57150" dist="19050" dir="5400000" algn="ctr" rotWithShape="0">
+              <a:srgbClr val="000000">
+                <a:alpha val="63000"/>
+              </a:srgbClr>
+            </a:outerShdw>
+          </a:effectLst>
+        </a:effectStyle>
+      </a:effectStyleLst>
+      <a:bgFillStyleLst>
+        <a:solidFill>
+          <a:schemeClr val="phClr"/>
+        </a:solidFill>
+        <a:solidFill>
+          <a:schemeClr val="phClr">
+            <a:tint val="95000"/>
+            <a:satMod val="170000"/>
+          </a:schemeClr>
+        </a:solidFill>
+        <a:gradFill rotWithShape="1">
+          <a:gsLst>
+            <a:gs pos="0">
+              <a:schemeClr val="phClr">
+                <a:tint val="93000"/>
+                <a:satMod val="150000"/>
+                <a:shade val="98000"/>
+                <a:lumMod val="102000"/>
+              </a:schemeClr>
+            </a:gs>
+            <a:gs pos="50000">
+              <a:schemeClr val="phClr">
+                <a:tint val="98000"/>
+                <a:satMod val="130000"/>
+                <a:shade val="90000"/>
+                <a:lumMod val="103000"/>
+              </a:schemeClr>
+            </a:gs>
+            <a:gs pos="100000">
+              <a:schemeClr val="phClr">
+                <a:shade val="63000"/>
+                <a:satMod val="120000"/>
+              </a:schemeClr>
+            </a:gs>
+          </a:gsLst>
+          <a:lin ang="5400000" scaled="0"/>
+        </a:gradFill>
+      </a:bgFillStyleLst>
+    </a:fmtScheme>
+  </a:themeElements>
+  <a:objectDefaults/>
+  <a:extraClrSchemeLst/>
+  <a:extLst>
+    <a:ext uri="{05A4C25C-085E-4340-85A3-A5531E510DB2}">
+      <thm15:themeFamily xmlns:thm15="http://schemas.microsoft.com/office/thememl/2012/main" name="Office Theme" id="{62F939B6-93AF-4DB8-9C6B-D6C7DFDC589F}" vid="{4A3C46E8-61CC-4603-A589-7422A47A8E4A}"/>
+    </a:ext>
+  </a:extLst>
+</a:theme>
+</file>
+
 <file path=customXml/item1.xml><?xml version="1.0" encoding="utf-8"?>
+<?mso-contentType ?>
+<FormTemplates xmlns="http://schemas.microsoft.com/sharepoint/v3/contenttype/forms">
+  <Display>DocumentLibraryForm</Display>
+  <Edit>DocumentLibraryForm</Edit>
+  <New>DocumentLibraryForm</New>
+</FormTemplates>
+</file>
+
+<file path=customXml/item2.xml><?xml version="1.0" encoding="utf-8"?>
+<p:properties xmlns:p="http://schemas.microsoft.com/office/2006/metadata/properties" xmlns:xsi="http://www.w3.org/2001/XMLSchema-instance" xmlns:pc="http://schemas.microsoft.com/office/infopath/2007/PartnerControls">
+  <documentManagement>
+    <lcf76f155ced4ddcb4097134ff3c332f xmlns="fdc5bed7-d671-463e-9d60-d8e6537bc50a">
+      <Terms xmlns="http://schemas.microsoft.com/office/infopath/2007/PartnerControls"/>
+    </lcf76f155ced4ddcb4097134ff3c332f>
+    <TaxCatchAll xmlns="0e7028ce-9523-4976-a811-60077753c559" xsi:nil="true"/>
+  </documentManagement>
+</p:properties>
+</file>
+
+<file path=customXml/item3.xml><?xml version="1.0" encoding="utf-8"?>
 <ct:contentTypeSchema xmlns:ct="http://schemas.microsoft.com/office/2006/metadata/contentType" xmlns:ma="http://schemas.microsoft.com/office/2006/metadata/properties/metaAttributes" ct:_="" ma:_="" ma:contentTypeName="Document" ma:contentTypeID="0x0101009C8033C9970E9E4AB1E45C2CC4A4F9E0" ma:contentTypeVersion="9" ma:contentTypeDescription="Een nieuw document maken." ma:contentTypeScope="" ma:versionID="5c74e2126e6cc2ee4ce9916b6e354a99">
   <xsd:schema xmlns:xsd="http://www.w3.org/2001/XMLSchema" xmlns:xs="http://www.w3.org/2001/XMLSchema" xmlns:p="http://schemas.microsoft.com/office/2006/metadata/properties" xmlns:ns2="fdc5bed7-d671-463e-9d60-d8e6537bc50a" xmlns:ns3="0e7028ce-9523-4976-a811-60077753c559" targetNamespace="http://schemas.microsoft.com/office/2006/metadata/properties" ma:root="true" ma:fieldsID="1058d592eae0c3b6e2cdb7637d5fa45d" ns2:_="" ns3:_="">
     <xsd:import namespace="fdc5bed7-d671-463e-9d60-d8e6537bc50a"/>
@@ -54990,41 +53665,10 @@
 </ct:contentTypeSchema>
 </file>
 
-<file path=customXml/item2.xml><?xml version="1.0" encoding="utf-8"?>
-<p:properties xmlns:p="http://schemas.microsoft.com/office/2006/metadata/properties" xmlns:xsi="http://www.w3.org/2001/XMLSchema-instance" xmlns:pc="http://schemas.microsoft.com/office/infopath/2007/PartnerControls">
-  <documentManagement>
-    <lcf76f155ced4ddcb4097134ff3c332f xmlns="fdc5bed7-d671-463e-9d60-d8e6537bc50a">
-      <Terms xmlns="http://schemas.microsoft.com/office/infopath/2007/PartnerControls"/>
-    </lcf76f155ced4ddcb4097134ff3c332f>
-    <TaxCatchAll xmlns="0e7028ce-9523-4976-a811-60077753c559" xsi:nil="true"/>
-  </documentManagement>
-</p:properties>
-</file>
-
-<file path=customXml/item3.xml><?xml version="1.0" encoding="utf-8"?>
-<?mso-contentType ?>
-<FormTemplates xmlns="http://schemas.microsoft.com/sharepoint/v3/contenttype/forms">
-  <Display>DocumentLibraryForm</Display>
-  <Edit>DocumentLibraryForm</Edit>
-  <New>DocumentLibraryForm</New>
-</FormTemplates>
-</file>
-
 <file path=customXml/itemProps1.xml><?xml version="1.0" encoding="utf-8"?>
-<ds:datastoreItem xmlns:ds="http://schemas.openxmlformats.org/officeDocument/2006/customXml" ds:itemID="{1713C7E9-6F10-41CD-9099-2EBFAF74FF1E}">
+<ds:datastoreItem xmlns:ds="http://schemas.openxmlformats.org/officeDocument/2006/customXml" ds:itemID="{3F1BDC3A-2930-49B4-A9CC-3F11697F524B}">
   <ds:schemaRefs>
-    <ds:schemaRef ds:uri="0e7028ce-9523-4976-a811-60077753c559"/>
-    <ds:schemaRef ds:uri="fdc5bed7-d671-463e-9d60-d8e6537bc50a"/>
-    <ds:schemaRef ds:uri="http://purl.org/dc/elements/1.1/"/>
-    <ds:schemaRef ds:uri="http://purl.org/dc/terms/"/>
-    <ds:schemaRef ds:uri="http://schemas.microsoft.com/internal/obd"/>
-    <ds:schemaRef ds:uri="http://schemas.microsoft.com/office/2006/documentManagement/types"/>
-    <ds:schemaRef ds:uri="http://schemas.microsoft.com/office/2006/metadata/contentType"/>
-    <ds:schemaRef ds:uri="http://schemas.microsoft.com/office/2006/metadata/properties"/>
-    <ds:schemaRef ds:uri="http://schemas.microsoft.com/office/2006/metadata/properties/metaAttributes"/>
-    <ds:schemaRef ds:uri="http://schemas.microsoft.com/office/infopath/2007/PartnerControls"/>
-    <ds:schemaRef ds:uri="http://schemas.openxmlformats.org/package/2006/metadata/core-properties"/>
-    <ds:schemaRef ds:uri="http://www.w3.org/2001/XMLSchema"/>
+    <ds:schemaRef ds:uri="http://schemas.microsoft.com/sharepoint/v3/contenttype/forms"/>
   </ds:schemaRefs>
 </ds:datastoreItem>
 </file>
@@ -55047,9 +53691,20 @@
 </file>
 
 <file path=customXml/itemProps3.xml><?xml version="1.0" encoding="utf-8"?>
-<ds:datastoreItem xmlns:ds="http://schemas.openxmlformats.org/officeDocument/2006/customXml" ds:itemID="{3F1BDC3A-2930-49B4-A9CC-3F11697F524B}">
+<ds:datastoreItem xmlns:ds="http://schemas.openxmlformats.org/officeDocument/2006/customXml" ds:itemID="{1713C7E9-6F10-41CD-9099-2EBFAF74FF1E}">
   <ds:schemaRefs>
-    <ds:schemaRef ds:uri="http://schemas.microsoft.com/sharepoint/v3/contenttype/forms"/>
+    <ds:schemaRef ds:uri="0e7028ce-9523-4976-a811-60077753c559"/>
+    <ds:schemaRef ds:uri="fdc5bed7-d671-463e-9d60-d8e6537bc50a"/>
+    <ds:schemaRef ds:uri="http://purl.org/dc/elements/1.1/"/>
+    <ds:schemaRef ds:uri="http://purl.org/dc/terms/"/>
+    <ds:schemaRef ds:uri="http://schemas.microsoft.com/internal/obd"/>
+    <ds:schemaRef ds:uri="http://schemas.microsoft.com/office/2006/documentManagement/types"/>
+    <ds:schemaRef ds:uri="http://schemas.microsoft.com/office/2006/metadata/contentType"/>
+    <ds:schemaRef ds:uri="http://schemas.microsoft.com/office/2006/metadata/properties"/>
+    <ds:schemaRef ds:uri="http://schemas.microsoft.com/office/2006/metadata/properties/metaAttributes"/>
+    <ds:schemaRef ds:uri="http://schemas.microsoft.com/office/infopath/2007/PartnerControls"/>
+    <ds:schemaRef ds:uri="http://schemas.openxmlformats.org/package/2006/metadata/core-properties"/>
+    <ds:schemaRef ds:uri="http://www.w3.org/2001/XMLSchema"/>
   </ds:schemaRefs>
 </ds:datastoreItem>
 </file>